--- a/BaoCao_4Tuandau.pptx
+++ b/BaoCao_4Tuandau.pptx
@@ -5,29 +5,33 @@
     <p:sldMasterId id="2147483648" r:id="rId1"/>
   </p:sldMasterIdLst>
   <p:notesMasterIdLst>
-    <p:notesMasterId r:id="rId8"/>
+    <p:notesMasterId r:id="rId12"/>
   </p:notesMasterIdLst>
   <p:sldIdLst>
     <p:sldId id="256" r:id="rId2"/>
     <p:sldId id="273" r:id="rId3"/>
     <p:sldId id="275" r:id="rId4"/>
-    <p:sldId id="276" r:id="rId5"/>
+    <p:sldId id="278" r:id="rId5"/>
     <p:sldId id="277" r:id="rId6"/>
-    <p:sldId id="274" r:id="rId7"/>
+    <p:sldId id="279" r:id="rId7"/>
+    <p:sldId id="280" r:id="rId8"/>
+    <p:sldId id="281" r:id="rId9"/>
+    <p:sldId id="276" r:id="rId10"/>
+    <p:sldId id="274" r:id="rId11"/>
   </p:sldIdLst>
   <p:sldSz cx="12192000" cy="6858000"/>
   <p:notesSz cx="6858000" cy="9144000"/>
   <p:embeddedFontLst>
     <p:embeddedFont>
-      <p:font typeface="Calibri" panose="020F0502020204030204" pitchFamily="34" charset="0"/>
-      <p:regular r:id="rId9"/>
-      <p:bold r:id="rId10"/>
-      <p:italic r:id="rId11"/>
-      <p:boldItalic r:id="rId12"/>
+      <p:font typeface="Calibri" pitchFamily="34" charset="0"/>
+      <p:regular r:id="rId13"/>
+      <p:bold r:id="rId14"/>
+      <p:italic r:id="rId15"/>
+      <p:boldItalic r:id="rId16"/>
     </p:embeddedFont>
     <p:embeddedFont>
-      <p:font typeface="Unica One" panose="020B0604020202020204" charset="0"/>
-      <p:regular r:id="rId13"/>
+      <p:font typeface="Unica One" charset="0"/>
+      <p:regular r:id="rId17"/>
     </p:embeddedFont>
   </p:embeddedFontLst>
   <p:defaultTextStyle>
@@ -261,10 +265,10 @@
   </p:defaultTextStyle>
   <p:extLst>
     <p:ext uri="{EFAFB233-063F-42B5-8137-9DF3F51BA10A}">
-      <p15:sldGuideLst xmlns:p15="http://schemas.microsoft.com/office/powerpoint/2012/main"/>
+      <p15:sldGuideLst xmlns:p15="http://schemas.microsoft.com/office/powerpoint/2012/main" xmlns=""/>
     </p:ext>
     <p:ext uri="http://customooxmlschemas.google.com/">
-      <go:slidesCustomData xmlns="" xmlns:mc="http://schemas.openxmlformats.org/markup-compatibility/2006" xmlns:mv="urn:schemas-microsoft-com:mac:vml" xmlns:c="http://schemas.openxmlformats.org/drawingml/2006/chart" xmlns:dgm="http://schemas.openxmlformats.org/drawingml/2006/diagram" xmlns:o="urn:schemas-microsoft-com:office:office" xmlns:v="urn:schemas-microsoft-com:vml" xmlns:pvml="urn:schemas-microsoft-com:office:powerpoint" xmlns:com="http://schemas.openxmlformats.org/drawingml/2006/compatibility" xmlns:p14="http://schemas.microsoft.com/office/powerpoint/2010/main" xmlns:p15="http://schemas.microsoft.com/office/powerpoint/2012/main" xmlns:ahyp="http://schemas.microsoft.com/office/drawing/2018/hyperlinkcolor" xmlns:go="http://customooxmlschemas.google.com/" r:id="rId25" roundtripDataSignature="AMtx7mhF0vPlbGilWkYAbwAtJc9b6S9FfA=="/>
+      <go:slidesCustomData xmlns:go="http://customooxmlschemas.google.com/" xmlns:ahyp="http://schemas.microsoft.com/office/drawing/2018/hyperlinkcolor" xmlns:p15="http://schemas.microsoft.com/office/powerpoint/2012/main" xmlns:p14="http://schemas.microsoft.com/office/powerpoint/2010/main" xmlns:com="http://schemas.openxmlformats.org/drawingml/2006/compatibility" xmlns:pvml="urn:schemas-microsoft-com:office:powerpoint" xmlns:v="urn:schemas-microsoft-com:vml" xmlns:o="urn:schemas-microsoft-com:office:office" xmlns:dgm="http://schemas.openxmlformats.org/drawingml/2006/diagram" xmlns:c="http://schemas.openxmlformats.org/drawingml/2006/chart" xmlns:mv="urn:schemas-microsoft-com:mac:vml" xmlns:mc="http://schemas.openxmlformats.org/markup-compatibility/2006" xmlns="" r:id="rId25" roundtripDataSignature="AMtx7mhF0vPlbGilWkYAbwAtJc9b6S9FfA=="/>
     </p:ext>
   </p:extLst>
 </p:presentation>
@@ -1229,6 +1233,11 @@
         </p:txBody>
       </p:sp>
     </p:spTree>
+    <p:extLst>
+      <p:ext uri="{BB962C8B-B14F-4D97-AF65-F5344CB8AC3E}">
+        <p14:creationId xmlns:p14="http://schemas.microsoft.com/office/powerpoint/2010/main" val="627889805"/>
+      </p:ext>
+    </p:extLst>
   </p:cSld>
   <p:clrMap bg1="lt1" tx1="dk1" bg2="dk2" tx2="lt2" accent1="accent1" accent2="accent2" accent3="accent3" accent4="accent4" accent5="accent5" accent6="accent6" hlink="hlink" folHlink="folHlink"/>
   <p:notesStyle>
@@ -14558,6 +14567,171 @@
   <p:clrMapOvr>
     <a:masterClrMapping/>
   </p:clrMapOvr>
+  <p:timing>
+    <p:tnLst>
+      <p:par>
+        <p:cTn id="1" dur="indefinite" restart="never" nodeType="tmRoot"/>
+      </p:par>
+    </p:tnLst>
+  </p:timing>
+</p:sld>
+</file>
+
+<file path=ppt/slides/slide10.xml><?xml version="1.0" encoding="utf-8"?>
+<p:sld xmlns:a="http://schemas.openxmlformats.org/drawingml/2006/main" xmlns:r="http://schemas.openxmlformats.org/officeDocument/2006/relationships" xmlns:p="http://schemas.openxmlformats.org/presentationml/2006/main">
+  <p:cSld>
+    <p:spTree>
+      <p:nvGrpSpPr>
+        <p:cNvPr id="1" name="Shape 284"/>
+        <p:cNvGrpSpPr/>
+        <p:nvPr/>
+      </p:nvGrpSpPr>
+      <p:grpSpPr>
+        <a:xfrm>
+          <a:off x="0" y="0"/>
+          <a:ext cx="0" cy="0"/>
+          <a:chOff x="0" y="0"/>
+          <a:chExt cx="0" cy="0"/>
+        </a:xfrm>
+      </p:grpSpPr>
+      <p:sp>
+        <p:nvSpPr>
+          <p:cNvPr id="285" name="Google Shape;285;p19"/>
+          <p:cNvSpPr txBox="1">
+            <a:spLocks noGrp="1"/>
+          </p:cNvSpPr>
+          <p:nvPr>
+            <p:ph type="ctrTitle"/>
+          </p:nvPr>
+        </p:nvSpPr>
+        <p:spPr>
+          <a:xfrm>
+            <a:off x="7879404" y="2287067"/>
+            <a:ext cx="2420400" cy="1472400"/>
+          </a:xfrm>
+          <a:prstGeom prst="rect">
+            <a:avLst/>
+          </a:prstGeom>
+          <a:noFill/>
+          <a:ln>
+            <a:noFill/>
+          </a:ln>
+        </p:spPr>
+        <p:txBody>
+          <a:bodyPr spcFirstLastPara="1" wrap="square" lIns="91425" tIns="91425" rIns="91425" bIns="91425" anchor="b" anchorCtr="0">
+            <a:noAutofit/>
+          </a:bodyPr>
+          <a:lstStyle/>
+          <a:p>
+            <a:pPr marL="0" lvl="0" indent="0" algn="l" rtl="0">
+              <a:lnSpc>
+                <a:spcPct val="90000"/>
+              </a:lnSpc>
+              <a:spcBef>
+                <a:spcPts val="0"/>
+              </a:spcBef>
+              <a:spcAft>
+                <a:spcPts val="0"/>
+              </a:spcAft>
+              <a:buClr>
+                <a:srgbClr val="F3F3F3"/>
+              </a:buClr>
+              <a:buSzPts val="3000"/>
+              <a:buFont typeface="Calibri"/>
+              <a:buNone/>
+            </a:pPr>
+            <a:endParaRPr/>
+          </a:p>
+        </p:txBody>
+      </p:sp>
+      <p:sp>
+        <p:nvSpPr>
+          <p:cNvPr id="286" name="Google Shape;286;p19"/>
+          <p:cNvSpPr txBox="1">
+            <a:spLocks noGrp="1"/>
+          </p:cNvSpPr>
+          <p:nvPr>
+            <p:ph type="subTitle" idx="1"/>
+          </p:nvPr>
+        </p:nvSpPr>
+        <p:spPr>
+          <a:xfrm>
+            <a:off x="7879401" y="3759500"/>
+            <a:ext cx="3083200" cy="1472400"/>
+          </a:xfrm>
+          <a:prstGeom prst="rect">
+            <a:avLst/>
+          </a:prstGeom>
+          <a:noFill/>
+          <a:ln>
+            <a:noFill/>
+          </a:ln>
+        </p:spPr>
+        <p:txBody>
+          <a:bodyPr spcFirstLastPara="1" wrap="square" lIns="91425" tIns="91425" rIns="91425" bIns="91425" anchor="t" anchorCtr="0">
+            <a:noAutofit/>
+          </a:bodyPr>
+          <a:lstStyle/>
+          <a:p>
+            <a:pPr marL="228600" lvl="0" indent="-228600" algn="l" rtl="0">
+              <a:lnSpc>
+                <a:spcPct val="100000"/>
+              </a:lnSpc>
+              <a:spcBef>
+                <a:spcPts val="0"/>
+              </a:spcBef>
+              <a:spcAft>
+                <a:spcPts val="0"/>
+              </a:spcAft>
+              <a:buClr>
+                <a:srgbClr val="F3F3F3"/>
+              </a:buClr>
+              <a:buSzPts val="1400"/>
+              <a:buNone/>
+            </a:pPr>
+            <a:endParaRPr/>
+          </a:p>
+        </p:txBody>
+      </p:sp>
+      <p:pic>
+        <p:nvPicPr>
+          <p:cNvPr id="287" name="Google Shape;287;p19" descr="A group of people around each other&#10;&#10;Description automatically generated"/>
+          <p:cNvPicPr preferRelativeResize="0"/>
+          <p:nvPr/>
+        </p:nvPicPr>
+        <p:blipFill rotWithShape="1">
+          <a:blip r:embed="rId3">
+            <a:alphaModFix/>
+          </a:blip>
+          <a:srcRect t="1457" b="4811"/>
+          <a:stretch/>
+        </p:blipFill>
+        <p:spPr>
+          <a:xfrm>
+            <a:off x="20" y="1282"/>
+            <a:ext cx="12191980" cy="6856718"/>
+          </a:xfrm>
+          <a:prstGeom prst="rect">
+            <a:avLst/>
+          </a:prstGeom>
+          <a:noFill/>
+          <a:ln>
+            <a:noFill/>
+          </a:ln>
+        </p:spPr>
+      </p:pic>
+    </p:spTree>
+  </p:cSld>
+  <p:clrMapOvr>
+    <a:masterClrMapping/>
+  </p:clrMapOvr>
+  <p:timing>
+    <p:tnLst>
+      <p:par>
+        <p:cTn id="1" dur="indefinite" restart="never" nodeType="tmRoot"/>
+      </p:par>
+    </p:tnLst>
+  </p:timing>
 </p:sld>
 </file>
 
@@ -15541,11 +15715,7 @@
             </a:r>
             <a:r>
               <a:rPr lang="en-GB" sz="2400" i="1" dirty="0"/>
-              <a:t>ell </a:t>
-            </a:r>
-            <a:r>
-              <a:rPr lang="en-GB" sz="2400" i="1" dirty="0"/>
-              <a:t>me who your friends are, and I will tell you who you are</a:t>
+              <a:t>ell me who your friends are, and I will tell you who you are</a:t>
             </a:r>
             <a:r>
               <a:rPr lang="en-GB" sz="2400" dirty="0" smtClean="0"/>
@@ -15774,6 +15944,13 @@
   <p:clrMapOvr>
     <a:masterClrMapping/>
   </p:clrMapOvr>
+  <p:timing>
+    <p:tnLst>
+      <p:par>
+        <p:cTn id="1" dur="indefinite" restart="never" nodeType="tmRoot"/>
+      </p:par>
+    </p:tnLst>
+  </p:timing>
 </p:sld>
 </file>
 
@@ -15796,40 +15973,18 @@
       </p:grpSpPr>
       <p:sp>
         <p:nvSpPr>
-          <p:cNvPr id="2" name="Text Placeholder 1"/>
-          <p:cNvSpPr>
-            <a:spLocks noGrp="1"/>
-          </p:cNvSpPr>
-          <p:nvPr>
-            <p:ph type="body" idx="1"/>
-          </p:nvPr>
-        </p:nvSpPr>
-        <p:spPr/>
-        <p:txBody>
-          <a:bodyPr>
-            <a:normAutofit fontScale="85000" lnSpcReduction="20000"/>
-          </a:bodyPr>
-          <a:lstStyle/>
-          <a:p>
-            <a:endParaRPr lang="en-GB"/>
-          </a:p>
-        </p:txBody>
-      </p:sp>
-      <p:sp>
-        <p:nvSpPr>
-          <p:cNvPr id="3" name="TextBox 2"/>
+          <p:cNvPr id="4" name="TextBox 3"/>
           <p:cNvSpPr txBox="1"/>
           <p:nvPr/>
         </p:nvSpPr>
         <p:spPr>
           <a:xfrm>
-            <a:off x="919274" y="1714920"/>
-            <a:ext cx="10732398" cy="3785652"/>
+            <a:off x="1140977" y="1238821"/>
+            <a:ext cx="10535829" cy="3416320"/>
           </a:xfrm>
           <a:prstGeom prst="rect">
             <a:avLst/>
           </a:prstGeom>
-          <a:noFill/>
         </p:spPr>
         <p:txBody>
           <a:bodyPr wrap="square" rtlCol="0">
@@ -15838,16 +15993,32 @@
           <a:lstStyle/>
           <a:p>
             <a:r>
-              <a:rPr lang="en-US" sz="2400" dirty="0" err="1" smtClean="0"/>
-              <a:t>Ưu</a:t>
-            </a:r>
-            <a:r>
-              <a:rPr lang="en-US" sz="2400" dirty="0" smtClean="0"/>
-              <a:t> </a:t>
-            </a:r>
-            <a:r>
-              <a:rPr lang="en-US" sz="2400" dirty="0" err="1" smtClean="0"/>
-              <a:t>điểm</a:t>
+              <a:rPr lang="en-US" sz="2400" dirty="0" err="1"/>
+              <a:t>Các</a:t>
+            </a:r>
+            <a:r>
+              <a:rPr lang="en-US" sz="2400" dirty="0"/>
+              <a:t> </a:t>
+            </a:r>
+            <a:r>
+              <a:rPr lang="en-US" sz="2400" dirty="0" err="1"/>
+              <a:t>bước</a:t>
+            </a:r>
+            <a:r>
+              <a:rPr lang="en-US" sz="2400" dirty="0"/>
+              <a:t> </a:t>
+            </a:r>
+            <a:r>
+              <a:rPr lang="en-US" sz="2400" dirty="0" err="1"/>
+              <a:t>tiến</a:t>
+            </a:r>
+            <a:r>
+              <a:rPr lang="en-US" sz="2400" dirty="0"/>
+              <a:t> </a:t>
+            </a:r>
+            <a:r>
+              <a:rPr lang="en-US" sz="2400" dirty="0" err="1"/>
+              <a:t>hành</a:t>
             </a:r>
             <a:r>
               <a:rPr lang="en-US" sz="2400" dirty="0" smtClean="0"/>
@@ -15855,592 +16026,523 @@
             </a:r>
           </a:p>
           <a:p>
-            <a:pPr marL="285750" indent="-285750">
-              <a:buFontTx/>
-              <a:buChar char="-"/>
-            </a:pPr>
-            <a:r>
-              <a:rPr lang="en-US" sz="2400" dirty="0" err="1" smtClean="0"/>
-              <a:t>Độ</a:t>
-            </a:r>
-            <a:r>
-              <a:rPr lang="en-US" sz="2400" dirty="0" smtClean="0"/>
-              <a:t> </a:t>
-            </a:r>
-            <a:r>
-              <a:rPr lang="en-US" sz="2400" dirty="0" err="1" smtClean="0"/>
-              <a:t>phức</a:t>
-            </a:r>
-            <a:r>
-              <a:rPr lang="en-US" sz="2400" dirty="0" smtClean="0"/>
-              <a:t> </a:t>
-            </a:r>
-            <a:r>
-              <a:rPr lang="en-US" sz="2400" dirty="0" err="1" smtClean="0"/>
-              <a:t>tạp</a:t>
-            </a:r>
-            <a:r>
-              <a:rPr lang="en-US" sz="2400" dirty="0" smtClean="0"/>
-              <a:t> </a:t>
-            </a:r>
-            <a:r>
-              <a:rPr lang="en-US" sz="2400" dirty="0" err="1" smtClean="0"/>
-              <a:t>của</a:t>
-            </a:r>
-            <a:r>
-              <a:rPr lang="en-US" sz="2400" dirty="0" smtClean="0"/>
-              <a:t> </a:t>
-            </a:r>
-            <a:r>
-              <a:rPr lang="en-US" sz="2400" dirty="0" err="1" smtClean="0"/>
-              <a:t>thuật</a:t>
-            </a:r>
-            <a:r>
-              <a:rPr lang="en-US" sz="2400" dirty="0" smtClean="0"/>
-              <a:t> </a:t>
-            </a:r>
-            <a:r>
-              <a:rPr lang="en-US" sz="2400" dirty="0" err="1" smtClean="0"/>
-              <a:t>toán</a:t>
-            </a:r>
-            <a:r>
-              <a:rPr lang="en-US" sz="2400" dirty="0" smtClean="0"/>
-              <a:t> </a:t>
-            </a:r>
-            <a:r>
-              <a:rPr lang="en-US" sz="2400" dirty="0" err="1" smtClean="0"/>
-              <a:t>gần</a:t>
-            </a:r>
-            <a:r>
-              <a:rPr lang="en-US" sz="2400" dirty="0" smtClean="0"/>
-              <a:t> </a:t>
-            </a:r>
-            <a:r>
-              <a:rPr lang="en-US" sz="2400" dirty="0" err="1" smtClean="0"/>
-              <a:t>như</a:t>
-            </a:r>
-            <a:r>
-              <a:rPr lang="en-US" sz="2400" dirty="0" smtClean="0"/>
-              <a:t> </a:t>
-            </a:r>
-            <a:r>
-              <a:rPr lang="en-US" sz="2400" dirty="0" err="1" smtClean="0"/>
-              <a:t>là</a:t>
-            </a:r>
-            <a:r>
-              <a:rPr lang="en-US" sz="2400" dirty="0" smtClean="0"/>
-              <a:t> 0 </a:t>
-            </a:r>
-          </a:p>
-          <a:p>
-            <a:pPr marL="285750" indent="-285750">
-              <a:buFontTx/>
-              <a:buChar char="-"/>
-            </a:pPr>
-            <a:r>
-              <a:rPr lang="en-US" sz="2400" dirty="0" err="1" smtClean="0"/>
-              <a:t>Việc</a:t>
-            </a:r>
-            <a:r>
-              <a:rPr lang="en-US" sz="2400" dirty="0" smtClean="0"/>
-              <a:t> </a:t>
-            </a:r>
-            <a:r>
-              <a:rPr lang="en-US" sz="2400" dirty="0" err="1" smtClean="0"/>
-              <a:t>dự</a:t>
-            </a:r>
-            <a:r>
-              <a:rPr lang="en-US" sz="2400" dirty="0" smtClean="0"/>
-              <a:t> </a:t>
-            </a:r>
-            <a:r>
-              <a:rPr lang="en-US" sz="2400" dirty="0" err="1" smtClean="0"/>
-              <a:t>đoán</a:t>
-            </a:r>
-            <a:r>
-              <a:rPr lang="en-US" sz="2400" dirty="0" smtClean="0"/>
-              <a:t> </a:t>
-            </a:r>
-            <a:r>
-              <a:rPr lang="en-US" sz="2400" dirty="0" err="1" smtClean="0"/>
-              <a:t>kết</a:t>
-            </a:r>
-            <a:r>
-              <a:rPr lang="en-US" sz="2400" dirty="0" smtClean="0"/>
-              <a:t> </a:t>
-            </a:r>
-            <a:r>
-              <a:rPr lang="en-US" sz="2400" dirty="0" err="1" smtClean="0"/>
-              <a:t>quả</a:t>
-            </a:r>
-            <a:r>
-              <a:rPr lang="en-US" sz="2400" dirty="0" smtClean="0"/>
-              <a:t> </a:t>
-            </a:r>
-            <a:r>
-              <a:rPr lang="en-US" sz="2400" dirty="0" err="1" smtClean="0"/>
-              <a:t>mới</a:t>
-            </a:r>
-            <a:r>
-              <a:rPr lang="en-US" sz="2400" dirty="0" smtClean="0"/>
-              <a:t> </a:t>
-            </a:r>
-            <a:r>
-              <a:rPr lang="en-US" sz="2400" dirty="0" err="1" smtClean="0"/>
-              <a:t>thì</a:t>
-            </a:r>
-            <a:r>
-              <a:rPr lang="en-US" sz="2400" dirty="0" smtClean="0"/>
-              <a:t> </a:t>
-            </a:r>
-            <a:r>
-              <a:rPr lang="en-US" sz="2400" dirty="0" err="1" smtClean="0"/>
-              <a:t>rất</a:t>
-            </a:r>
-            <a:r>
-              <a:rPr lang="en-US" sz="2400" dirty="0" smtClean="0"/>
-              <a:t> </a:t>
-            </a:r>
-            <a:r>
-              <a:rPr lang="en-US" sz="2400" dirty="0" err="1" smtClean="0"/>
-              <a:t>đơn</a:t>
-            </a:r>
-            <a:r>
-              <a:rPr lang="en-US" sz="2400" dirty="0" smtClean="0"/>
-              <a:t> </a:t>
-            </a:r>
-            <a:r>
-              <a:rPr lang="en-US" sz="2400" dirty="0" err="1" smtClean="0"/>
-              <a:t>giản</a:t>
-            </a:r>
-            <a:endParaRPr lang="en-US" sz="2400" dirty="0" smtClean="0"/>
-          </a:p>
-          <a:p>
-            <a:pPr marL="285750" indent="-285750">
-              <a:buFontTx/>
-              <a:buChar char="-"/>
-            </a:pPr>
             <a:endParaRPr lang="en-US" sz="2400" dirty="0"/>
           </a:p>
           <a:p>
-            <a:pPr marL="285750" indent="-285750">
-              <a:buFontTx/>
-              <a:buChar char="-"/>
-            </a:pPr>
-            <a:endParaRPr lang="en-US" sz="2400" dirty="0" smtClean="0"/>
+            <a:r>
+              <a:rPr lang="en-US" sz="2400" dirty="0" err="1"/>
+              <a:t>Bước</a:t>
+            </a:r>
+            <a:r>
+              <a:rPr lang="en-US" sz="2400" dirty="0"/>
+              <a:t> 1: </a:t>
+            </a:r>
+            <a:r>
+              <a:rPr lang="en-US" sz="2400" dirty="0" err="1"/>
+              <a:t>Xác</a:t>
+            </a:r>
+            <a:r>
+              <a:rPr lang="en-US" sz="2400" dirty="0"/>
+              <a:t> </a:t>
+            </a:r>
+            <a:r>
+              <a:rPr lang="en-US" sz="2400" dirty="0" err="1"/>
+              <a:t>định</a:t>
+            </a:r>
+            <a:r>
+              <a:rPr lang="en-US" sz="2400" dirty="0"/>
+              <a:t> K</a:t>
+            </a:r>
           </a:p>
           <a:p>
             <a:r>
-              <a:rPr lang="en-US" sz="2400" dirty="0" err="1" smtClean="0"/>
-              <a:t>Nhược</a:t>
-            </a:r>
-            <a:r>
-              <a:rPr lang="en-US" sz="2400" dirty="0" smtClean="0"/>
-              <a:t> </a:t>
-            </a:r>
-            <a:r>
-              <a:rPr lang="en-US" sz="2400" dirty="0" err="1" smtClean="0"/>
-              <a:t>điểm</a:t>
-            </a:r>
-            <a:r>
-              <a:rPr lang="en-US" sz="2400" dirty="0" smtClean="0"/>
-              <a:t>:</a:t>
+              <a:rPr lang="en-US" sz="2400" dirty="0" err="1"/>
+              <a:t>Bước</a:t>
+            </a:r>
+            <a:r>
+              <a:rPr lang="en-US" sz="2400" dirty="0"/>
+              <a:t> 2: </a:t>
+            </a:r>
+            <a:r>
+              <a:rPr lang="en-US" sz="2400" dirty="0" err="1"/>
+              <a:t>Tính</a:t>
+            </a:r>
+            <a:r>
+              <a:rPr lang="en-US" sz="2400" dirty="0"/>
+              <a:t> </a:t>
+            </a:r>
+            <a:r>
+              <a:rPr lang="en-US" sz="2400" dirty="0" err="1"/>
+              <a:t>khoảng</a:t>
+            </a:r>
+            <a:r>
+              <a:rPr lang="en-US" sz="2400" dirty="0"/>
+              <a:t> </a:t>
+            </a:r>
+            <a:r>
+              <a:rPr lang="en-US" sz="2400" dirty="0" err="1"/>
+              <a:t>cách</a:t>
+            </a:r>
+            <a:r>
+              <a:rPr lang="en-US" sz="2400" dirty="0"/>
+              <a:t> </a:t>
+            </a:r>
+            <a:r>
+              <a:rPr lang="en-US" sz="2400" dirty="0" err="1"/>
+              <a:t>đối</a:t>
+            </a:r>
+            <a:r>
+              <a:rPr lang="en-US" sz="2400" dirty="0"/>
+              <a:t> </a:t>
+            </a:r>
+            <a:r>
+              <a:rPr lang="en-US" sz="2400" dirty="0" err="1"/>
+              <a:t>tượng</a:t>
+            </a:r>
+            <a:r>
+              <a:rPr lang="en-US" sz="2400" dirty="0"/>
+              <a:t> ta </a:t>
+            </a:r>
+            <a:r>
+              <a:rPr lang="en-US" sz="2400" dirty="0" err="1"/>
+              <a:t>xét</a:t>
+            </a:r>
+            <a:r>
+              <a:rPr lang="en-US" sz="2400" dirty="0"/>
+              <a:t> </a:t>
+            </a:r>
+            <a:r>
+              <a:rPr lang="en-US" sz="2400" dirty="0" err="1"/>
+              <a:t>với</a:t>
+            </a:r>
+            <a:r>
+              <a:rPr lang="en-US" sz="2400" dirty="0"/>
+              <a:t> </a:t>
+            </a:r>
+            <a:r>
+              <a:rPr lang="en-US" sz="2400" dirty="0" err="1"/>
+              <a:t>các</a:t>
+            </a:r>
+            <a:r>
+              <a:rPr lang="en-US" sz="2400" dirty="0"/>
+              <a:t> </a:t>
+            </a:r>
+            <a:r>
+              <a:rPr lang="en-US" sz="2400" dirty="0" err="1"/>
+              <a:t>đối</a:t>
+            </a:r>
+            <a:r>
+              <a:rPr lang="en-US" sz="2400" dirty="0"/>
+              <a:t> </a:t>
+            </a:r>
+            <a:r>
+              <a:rPr lang="en-US" sz="2400" dirty="0" err="1"/>
+              <a:t>tượng</a:t>
+            </a:r>
+            <a:r>
+              <a:rPr lang="en-US" sz="2400" dirty="0"/>
+              <a:t> </a:t>
+            </a:r>
+            <a:r>
+              <a:rPr lang="en-US" sz="2400" dirty="0" err="1"/>
+              <a:t>còn</a:t>
+            </a:r>
+            <a:r>
+              <a:rPr lang="en-US" sz="2400" dirty="0"/>
+              <a:t> </a:t>
+            </a:r>
+            <a:r>
+              <a:rPr lang="en-US" sz="2400" dirty="0" err="1"/>
+              <a:t>lại</a:t>
+            </a:r>
+            <a:r>
+              <a:rPr lang="en-US" sz="2400" dirty="0"/>
+              <a:t> </a:t>
+            </a:r>
+            <a:r>
+              <a:rPr lang="en-US" sz="2400" dirty="0" err="1"/>
+              <a:t>trong</a:t>
+            </a:r>
+            <a:r>
+              <a:rPr lang="en-US" sz="2400" dirty="0"/>
+              <a:t> </a:t>
+            </a:r>
+            <a:r>
+              <a:rPr lang="en-US" sz="2400" dirty="0" err="1"/>
+              <a:t>tập</a:t>
+            </a:r>
+            <a:r>
+              <a:rPr lang="en-US" sz="2400" dirty="0"/>
+              <a:t> </a:t>
+            </a:r>
+            <a:r>
+              <a:rPr lang="en-US" sz="2400" dirty="0" err="1"/>
+              <a:t>dữ</a:t>
+            </a:r>
+            <a:r>
+              <a:rPr lang="en-US" sz="2400" dirty="0"/>
+              <a:t> </a:t>
+            </a:r>
+            <a:r>
+              <a:rPr lang="en-US" sz="2400" dirty="0" err="1"/>
+              <a:t>liệu</a:t>
+            </a:r>
+            <a:r>
+              <a:rPr lang="en-US" sz="2400" dirty="0"/>
+              <a:t>.</a:t>
             </a:r>
           </a:p>
           <a:p>
-            <a:pPr marL="285750" indent="-285750">
-              <a:buFontTx/>
-              <a:buChar char="-"/>
-            </a:pPr>
-            <a:r>
-              <a:rPr lang="en-US" sz="2400" dirty="0" err="1" smtClean="0"/>
-              <a:t>Dễ</a:t>
-            </a:r>
-            <a:r>
-              <a:rPr lang="en-US" sz="2400" dirty="0" smtClean="0"/>
-              <a:t> </a:t>
-            </a:r>
-            <a:r>
-              <a:rPr lang="en-US" sz="2400" dirty="0" err="1" smtClean="0"/>
-              <a:t>bị</a:t>
-            </a:r>
-            <a:r>
-              <a:rPr lang="en-US" sz="2400" dirty="0" smtClean="0"/>
-              <a:t> </a:t>
-            </a:r>
-            <a:r>
-              <a:rPr lang="en-US" sz="2400" dirty="0" err="1" smtClean="0"/>
-              <a:t>ảnh</a:t>
-            </a:r>
-            <a:r>
-              <a:rPr lang="en-US" sz="2400" dirty="0" smtClean="0"/>
-              <a:t> </a:t>
-            </a:r>
-            <a:r>
-              <a:rPr lang="en-US" sz="2400" dirty="0" err="1" smtClean="0"/>
-              <a:t>hưởng</a:t>
-            </a:r>
-            <a:r>
-              <a:rPr lang="en-US" sz="2400" dirty="0" smtClean="0"/>
-              <a:t> </a:t>
-            </a:r>
-            <a:r>
-              <a:rPr lang="en-US" sz="2400" dirty="0" err="1" smtClean="0"/>
-              <a:t>bởi</a:t>
-            </a:r>
-            <a:r>
-              <a:rPr lang="en-US" sz="2400" dirty="0" smtClean="0"/>
-              <a:t> </a:t>
-            </a:r>
-            <a:r>
-              <a:rPr lang="en-US" sz="2400" dirty="0" err="1" smtClean="0"/>
+            <a:r>
+              <a:rPr lang="en-US" sz="2400" dirty="0" err="1"/>
+              <a:t>Bước</a:t>
+            </a:r>
+            <a:r>
+              <a:rPr lang="en-US" sz="2400" dirty="0"/>
+              <a:t> 3: </a:t>
+            </a:r>
+            <a:r>
+              <a:rPr lang="en-US" sz="2400" dirty="0" err="1"/>
+              <a:t>Sắp</a:t>
+            </a:r>
+            <a:r>
+              <a:rPr lang="en-US" sz="2400" dirty="0"/>
+              <a:t> </a:t>
+            </a:r>
+            <a:r>
+              <a:rPr lang="en-US" sz="2400" dirty="0" err="1"/>
+              <a:t>xếp</a:t>
+            </a:r>
+            <a:r>
+              <a:rPr lang="en-US" sz="2400" dirty="0"/>
+              <a:t> </a:t>
+            </a:r>
+            <a:r>
+              <a:rPr lang="en-US" sz="2400" dirty="0" err="1"/>
               <a:t>các</a:t>
             </a:r>
             <a:r>
-              <a:rPr lang="en-US" sz="2400" dirty="0" smtClean="0"/>
-              <a:t> </a:t>
-            </a:r>
-            <a:r>
-              <a:rPr lang="en-US" sz="2400" dirty="0" err="1" smtClean="0"/>
-              <a:t>dữ</a:t>
-            </a:r>
-            <a:r>
-              <a:rPr lang="en-US" sz="2400" dirty="0" smtClean="0"/>
-              <a:t> </a:t>
-            </a:r>
-            <a:r>
-              <a:rPr lang="en-US" sz="2400" dirty="0" err="1" smtClean="0"/>
-              <a:t>liệu</a:t>
-            </a:r>
-            <a:r>
-              <a:rPr lang="en-US" sz="2400" dirty="0" smtClean="0"/>
-              <a:t> </a:t>
-            </a:r>
-            <a:r>
-              <a:rPr lang="en-US" sz="2400" dirty="0" err="1" smtClean="0"/>
-              <a:t>nhiễu</a:t>
-            </a:r>
-            <a:endParaRPr lang="en-US" sz="2400" dirty="0" smtClean="0"/>
+              <a:rPr lang="en-US" sz="2400" dirty="0"/>
+              <a:t> </a:t>
+            </a:r>
+            <a:r>
+              <a:rPr lang="en-US" sz="2400" dirty="0" err="1"/>
+              <a:t>khoảng</a:t>
+            </a:r>
+            <a:r>
+              <a:rPr lang="en-US" sz="2400" dirty="0"/>
+              <a:t> </a:t>
+            </a:r>
+            <a:r>
+              <a:rPr lang="en-US" sz="2400" dirty="0" err="1"/>
+              <a:t>cách</a:t>
+            </a:r>
+            <a:r>
+              <a:rPr lang="en-US" sz="2400" dirty="0"/>
+              <a:t> </a:t>
+            </a:r>
+            <a:r>
+              <a:rPr lang="en-US" sz="2400" dirty="0" err="1"/>
+              <a:t>theo</a:t>
+            </a:r>
+            <a:r>
+              <a:rPr lang="en-US" sz="2400" dirty="0"/>
+              <a:t> </a:t>
+            </a:r>
+            <a:r>
+              <a:rPr lang="en-US" sz="2400" dirty="0" err="1"/>
+              <a:t>thứ</a:t>
+            </a:r>
+            <a:r>
+              <a:rPr lang="en-US" sz="2400" dirty="0"/>
+              <a:t> </a:t>
+            </a:r>
+            <a:r>
+              <a:rPr lang="en-US" sz="2400" dirty="0" err="1"/>
+              <a:t>tự</a:t>
+            </a:r>
+            <a:r>
+              <a:rPr lang="en-US" sz="2400" dirty="0"/>
+              <a:t> </a:t>
+            </a:r>
+            <a:r>
+              <a:rPr lang="en-US" sz="2400" dirty="0" err="1"/>
+              <a:t>tăng</a:t>
+            </a:r>
+            <a:r>
+              <a:rPr lang="en-US" sz="2400" dirty="0"/>
+              <a:t> </a:t>
+            </a:r>
+            <a:r>
+              <a:rPr lang="en-US" sz="2400" dirty="0" err="1"/>
+              <a:t>dần</a:t>
+            </a:r>
+            <a:r>
+              <a:rPr lang="en-US" sz="2400" dirty="0"/>
+              <a:t> </a:t>
+            </a:r>
+            <a:r>
+              <a:rPr lang="en-US" sz="2400" dirty="0" err="1"/>
+              <a:t>và</a:t>
+            </a:r>
+            <a:r>
+              <a:rPr lang="en-US" sz="2400" dirty="0"/>
+              <a:t> </a:t>
+            </a:r>
+            <a:r>
+              <a:rPr lang="en-US" sz="2400" dirty="0" err="1"/>
+              <a:t>xác</a:t>
+            </a:r>
+            <a:r>
+              <a:rPr lang="en-US" sz="2400" dirty="0"/>
+              <a:t> </a:t>
+            </a:r>
+            <a:r>
+              <a:rPr lang="en-US" sz="2400" dirty="0" err="1"/>
+              <a:t>đinh</a:t>
+            </a:r>
+            <a:r>
+              <a:rPr lang="en-US" sz="2400" dirty="0"/>
+              <a:t> k </a:t>
+            </a:r>
+            <a:r>
+              <a:rPr lang="en-US" sz="2400" dirty="0" err="1"/>
+              <a:t>láng</a:t>
+            </a:r>
+            <a:r>
+              <a:rPr lang="en-US" sz="2400" dirty="0"/>
+              <a:t> </a:t>
+            </a:r>
+            <a:r>
+              <a:rPr lang="en-US" sz="2400" dirty="0" err="1"/>
+              <a:t>giềng</a:t>
+            </a:r>
+            <a:r>
+              <a:rPr lang="en-US" sz="2400" dirty="0"/>
+              <a:t> </a:t>
+            </a:r>
+            <a:r>
+              <a:rPr lang="en-US" sz="2400" dirty="0" err="1"/>
+              <a:t>gần</a:t>
+            </a:r>
+            <a:r>
+              <a:rPr lang="en-US" sz="2400" dirty="0"/>
+              <a:t> </a:t>
+            </a:r>
+            <a:r>
+              <a:rPr lang="en-US" sz="2400" dirty="0" err="1"/>
+              <a:t>nhất</a:t>
+            </a:r>
+            <a:endParaRPr lang="en-US" sz="2400" dirty="0"/>
           </a:p>
           <a:p>
-            <a:pPr marL="285750" indent="-285750">
-              <a:buFontTx/>
-              <a:buChar char="-"/>
-            </a:pPr>
-            <a:r>
-              <a:rPr lang="en-US" sz="2400" dirty="0" err="1" smtClean="0"/>
-              <a:t>Vì</a:t>
-            </a:r>
-            <a:r>
-              <a:rPr lang="en-US" sz="2400" dirty="0" smtClean="0"/>
-              <a:t> </a:t>
-            </a:r>
-            <a:r>
-              <a:rPr lang="en-US" sz="2400" dirty="0" err="1" smtClean="0"/>
-              <a:t>phải</a:t>
-            </a:r>
-            <a:r>
-              <a:rPr lang="en-US" sz="2400" dirty="0" smtClean="0"/>
-              <a:t> </a:t>
-            </a:r>
-            <a:r>
-              <a:rPr lang="en-US" sz="2400" dirty="0" err="1" smtClean="0"/>
-              <a:t>tính</a:t>
-            </a:r>
-            <a:r>
-              <a:rPr lang="en-US" sz="2400" dirty="0" smtClean="0"/>
-              <a:t> </a:t>
-            </a:r>
-            <a:r>
-              <a:rPr lang="en-US" sz="2400" dirty="0" err="1" smtClean="0"/>
-              <a:t>toán</a:t>
-            </a:r>
-            <a:r>
-              <a:rPr lang="en-US" sz="2400" dirty="0" smtClean="0"/>
-              <a:t> </a:t>
-            </a:r>
-            <a:r>
-              <a:rPr lang="en-US" sz="2400" dirty="0" err="1" smtClean="0"/>
-              <a:t>toàn</a:t>
-            </a:r>
-            <a:r>
-              <a:rPr lang="en-US" sz="2400" dirty="0" smtClean="0"/>
-              <a:t> </a:t>
-            </a:r>
-            <a:r>
-              <a:rPr lang="en-US" sz="2400" dirty="0" err="1" smtClean="0"/>
-              <a:t>bộ</a:t>
-            </a:r>
-            <a:r>
-              <a:rPr lang="en-US" sz="2400" dirty="0" smtClean="0"/>
-              <a:t> </a:t>
-            </a:r>
-            <a:r>
-              <a:rPr lang="en-US" sz="2400" dirty="0" err="1" smtClean="0"/>
-              <a:t>khoảng</a:t>
-            </a:r>
-            <a:r>
-              <a:rPr lang="en-US" sz="2400" dirty="0" smtClean="0"/>
-              <a:t> </a:t>
-            </a:r>
-            <a:r>
-              <a:rPr lang="en-US" sz="2400" dirty="0" err="1" smtClean="0"/>
-              <a:t>cách</a:t>
-            </a:r>
-            <a:r>
-              <a:rPr lang="en-US" sz="2400" dirty="0" smtClean="0"/>
-              <a:t> </a:t>
-            </a:r>
-            <a:r>
-              <a:rPr lang="en-US" sz="2400" dirty="0" err="1" smtClean="0"/>
-              <a:t>tới</a:t>
-            </a:r>
-            <a:r>
-              <a:rPr lang="en-US" sz="2400" dirty="0" smtClean="0"/>
-              <a:t> </a:t>
-            </a:r>
-            <a:r>
-              <a:rPr lang="en-US" sz="2400" dirty="0" err="1" smtClean="0"/>
-              <a:t>từng</a:t>
-            </a:r>
-            <a:r>
-              <a:rPr lang="en-US" sz="2400" dirty="0" smtClean="0"/>
-              <a:t> </a:t>
-            </a:r>
-            <a:r>
-              <a:rPr lang="en-US" sz="2400" dirty="0" err="1" smtClean="0"/>
-              <a:t>điểm</a:t>
-            </a:r>
-            <a:r>
-              <a:rPr lang="en-US" sz="2400" dirty="0" smtClean="0"/>
-              <a:t> </a:t>
-            </a:r>
-            <a:r>
-              <a:rPr lang="en-US" sz="2400" dirty="0" err="1" smtClean="0"/>
-              <a:t>dữ</a:t>
-            </a:r>
-            <a:r>
-              <a:rPr lang="en-US" sz="2400" dirty="0" smtClean="0"/>
-              <a:t> </a:t>
-            </a:r>
-            <a:r>
-              <a:rPr lang="en-US" sz="2400" dirty="0" err="1" smtClean="0"/>
-              <a:t>liệu</a:t>
-            </a:r>
-            <a:r>
-              <a:rPr lang="en-US" sz="2400" dirty="0" smtClean="0"/>
-              <a:t> </a:t>
-            </a:r>
-            <a:r>
-              <a:rPr lang="en-US" sz="2400" dirty="0" err="1" smtClean="0"/>
+            <a:r>
+              <a:rPr lang="en-US" sz="2400" dirty="0" err="1"/>
+              <a:t>Bước</a:t>
+            </a:r>
+            <a:r>
+              <a:rPr lang="en-US" sz="2400" dirty="0"/>
+              <a:t> 4: </a:t>
+            </a:r>
+            <a:r>
+              <a:rPr lang="en-US" sz="2400" dirty="0" err="1"/>
+              <a:t>Lấy</a:t>
+            </a:r>
+            <a:r>
+              <a:rPr lang="en-US" sz="2400" dirty="0"/>
+              <a:t> </a:t>
+            </a:r>
+            <a:r>
+              <a:rPr lang="en-US" sz="2400" dirty="0" err="1"/>
+              <a:t>tất</a:t>
+            </a:r>
+            <a:r>
+              <a:rPr lang="en-US" sz="2400" dirty="0"/>
+              <a:t> </a:t>
+            </a:r>
+            <a:r>
+              <a:rPr lang="en-US" sz="2400" dirty="0" err="1"/>
+              <a:t>cả</a:t>
+            </a:r>
+            <a:r>
+              <a:rPr lang="en-US" sz="2400" dirty="0"/>
+              <a:t> </a:t>
+            </a:r>
+            <a:r>
+              <a:rPr lang="en-US" sz="2400" dirty="0" err="1"/>
+              <a:t>các</a:t>
+            </a:r>
+            <a:r>
+              <a:rPr lang="en-US" sz="2400" dirty="0"/>
+              <a:t> </a:t>
+            </a:r>
+            <a:r>
+              <a:rPr lang="en-US" sz="2400" dirty="0" err="1"/>
+              <a:t>lớp</a:t>
+            </a:r>
+            <a:r>
+              <a:rPr lang="en-US" sz="2400" dirty="0"/>
+              <a:t> </a:t>
+            </a:r>
+            <a:r>
+              <a:rPr lang="en-US" sz="2400" dirty="0" err="1"/>
               <a:t>của</a:t>
             </a:r>
             <a:r>
-              <a:rPr lang="en-US" sz="2400" dirty="0" smtClean="0"/>
-              <a:t> </a:t>
-            </a:r>
-            <a:r>
-              <a:rPr lang="en-US" sz="2400" dirty="0" err="1" smtClean="0"/>
-              <a:t>tập</a:t>
-            </a:r>
-            <a:r>
-              <a:rPr lang="en-US" sz="2400" dirty="0" smtClean="0"/>
-              <a:t> </a:t>
-            </a:r>
-            <a:r>
-              <a:rPr lang="en-US" sz="2400" dirty="0" err="1" smtClean="0"/>
-              <a:t>dữ</a:t>
-            </a:r>
-            <a:r>
-              <a:rPr lang="en-US" sz="2400" dirty="0" smtClean="0"/>
-              <a:t> </a:t>
-            </a:r>
-            <a:r>
-              <a:rPr lang="en-US" sz="2400" dirty="0" err="1" smtClean="0"/>
-              <a:t>liệu</a:t>
-            </a:r>
-            <a:r>
-              <a:rPr lang="en-US" sz="2400" dirty="0" smtClean="0"/>
-              <a:t> </a:t>
-            </a:r>
-            <a:r>
-              <a:rPr lang="en-US" sz="2400" dirty="0" err="1" smtClean="0"/>
-              <a:t>nên</a:t>
-            </a:r>
-            <a:r>
-              <a:rPr lang="en-US" sz="2400" dirty="0" smtClean="0"/>
-              <a:t> </a:t>
-            </a:r>
-            <a:r>
-              <a:rPr lang="en-US" sz="2400" dirty="0" err="1" smtClean="0"/>
-              <a:t>gây</a:t>
-            </a:r>
-            <a:r>
-              <a:rPr lang="en-US" sz="2400" dirty="0" smtClean="0"/>
-              <a:t> </a:t>
-            </a:r>
-            <a:r>
-              <a:rPr lang="en-US" sz="2400" dirty="0" err="1" smtClean="0"/>
-              <a:t>mất</a:t>
-            </a:r>
-            <a:r>
-              <a:rPr lang="en-US" sz="2400" dirty="0" smtClean="0"/>
-              <a:t> </a:t>
-            </a:r>
-            <a:r>
-              <a:rPr lang="en-US" sz="2400" dirty="0" err="1" smtClean="0"/>
-              <a:t>thời</a:t>
-            </a:r>
-            <a:r>
-              <a:rPr lang="en-US" sz="2400" dirty="0" smtClean="0"/>
-              <a:t> </a:t>
-            </a:r>
-            <a:r>
-              <a:rPr lang="en-US" sz="2400" dirty="0" err="1" smtClean="0"/>
-              <a:t>gian</a:t>
-            </a:r>
-            <a:r>
-              <a:rPr lang="en-US" sz="2400" dirty="0" smtClean="0"/>
-              <a:t> </a:t>
-            </a:r>
-            <a:r>
-              <a:rPr lang="en-US" sz="2400" dirty="0" err="1" smtClean="0"/>
-              <a:t>với</a:t>
-            </a:r>
-            <a:r>
-              <a:rPr lang="en-US" sz="2400" dirty="0" smtClean="0"/>
-              <a:t> </a:t>
-            </a:r>
-            <a:r>
-              <a:rPr lang="en-US" sz="2400" dirty="0" err="1" smtClean="0"/>
-              <a:t>dữ</a:t>
-            </a:r>
-            <a:r>
-              <a:rPr lang="en-US" sz="2400" dirty="0" smtClean="0"/>
-              <a:t> </a:t>
-            </a:r>
-            <a:r>
-              <a:rPr lang="en-US" sz="2400" dirty="0" err="1" smtClean="0"/>
-              <a:t>liệu</a:t>
-            </a:r>
-            <a:r>
-              <a:rPr lang="en-US" sz="2400" dirty="0" smtClean="0"/>
-              <a:t> </a:t>
-            </a:r>
-            <a:r>
-              <a:rPr lang="en-US" sz="2400" dirty="0" err="1" smtClean="0"/>
+              <a:rPr lang="en-US" sz="2400" dirty="0"/>
+              <a:t> K </a:t>
+            </a:r>
+            <a:r>
+              <a:rPr lang="en-US" sz="2400" dirty="0" err="1"/>
+              <a:t>láng</a:t>
+            </a:r>
+            <a:r>
+              <a:rPr lang="en-US" sz="2400" dirty="0"/>
+              <a:t> </a:t>
+            </a:r>
+            <a:r>
+              <a:rPr lang="en-US" sz="2400" dirty="0" err="1"/>
+              <a:t>giềng</a:t>
+            </a:r>
+            <a:r>
+              <a:rPr lang="en-US" sz="2400" dirty="0"/>
+              <a:t>.</a:t>
+            </a:r>
+          </a:p>
+          <a:p>
+            <a:r>
+              <a:rPr lang="en-US" sz="2400" dirty="0" err="1"/>
+              <a:t>Bước</a:t>
+            </a:r>
+            <a:r>
+              <a:rPr lang="en-US" sz="2400" dirty="0"/>
+              <a:t> 5: </a:t>
+            </a:r>
+            <a:r>
+              <a:rPr lang="en-US" sz="2400" dirty="0" err="1"/>
+              <a:t>Dựa</a:t>
+            </a:r>
+            <a:r>
+              <a:rPr lang="en-US" sz="2400" dirty="0"/>
+              <a:t> </a:t>
+            </a:r>
+            <a:r>
+              <a:rPr lang="en-US" sz="2400" dirty="0" err="1"/>
+              <a:t>vào</a:t>
+            </a:r>
+            <a:r>
+              <a:rPr lang="en-US" sz="2400" dirty="0"/>
+              <a:t> </a:t>
+            </a:r>
+            <a:r>
+              <a:rPr lang="en-US" sz="2400" dirty="0" err="1"/>
+              <a:t>phần</a:t>
+            </a:r>
+            <a:r>
+              <a:rPr lang="en-US" sz="2400" dirty="0"/>
+              <a:t> </a:t>
+            </a:r>
+            <a:r>
+              <a:rPr lang="en-US" sz="2400" dirty="0" err="1"/>
               <a:t>lớn</a:t>
             </a:r>
             <a:r>
-              <a:rPr lang="en-US" sz="2400" dirty="0" smtClean="0"/>
-              <a:t>, </a:t>
-            </a:r>
-            <a:r>
-              <a:rPr lang="en-US" sz="2400" dirty="0" err="1" smtClean="0"/>
-              <a:t>cùng</a:t>
-            </a:r>
-            <a:r>
-              <a:rPr lang="en-US" sz="2400" dirty="0" smtClean="0"/>
-              <a:t> </a:t>
-            </a:r>
-            <a:r>
-              <a:rPr lang="en-US" sz="2400" dirty="0" err="1" smtClean="0"/>
-              <a:t>với</a:t>
-            </a:r>
-            <a:r>
-              <a:rPr lang="en-US" sz="2400" dirty="0" smtClean="0"/>
-              <a:t> </a:t>
-            </a:r>
-            <a:r>
-              <a:rPr lang="en-US" sz="2400" dirty="0" err="1" smtClean="0"/>
-              <a:t>nó</a:t>
-            </a:r>
-            <a:r>
-              <a:rPr lang="en-US" sz="2400" dirty="0" smtClean="0"/>
-              <a:t> </a:t>
-            </a:r>
-            <a:r>
-              <a:rPr lang="en-US" sz="2400" dirty="0" err="1" smtClean="0"/>
-              <a:t>thì</a:t>
-            </a:r>
-            <a:r>
-              <a:rPr lang="en-US" sz="2400" dirty="0" smtClean="0"/>
-              <a:t> do </a:t>
-            </a:r>
-            <a:r>
-              <a:rPr lang="en-US" sz="2400" dirty="0" err="1" smtClean="0"/>
-              <a:t>lưu</a:t>
-            </a:r>
-            <a:r>
-              <a:rPr lang="en-US" sz="2400" dirty="0" smtClean="0"/>
-              <a:t> </a:t>
-            </a:r>
-            <a:r>
-              <a:rPr lang="en-US" sz="2400" dirty="0" err="1" smtClean="0"/>
-              <a:t>nhiều</a:t>
-            </a:r>
-            <a:r>
-              <a:rPr lang="en-US" sz="2400" dirty="0" smtClean="0"/>
-              <a:t> </a:t>
-            </a:r>
-            <a:r>
-              <a:rPr lang="en-US" sz="2400" dirty="0" err="1" smtClean="0"/>
-              <a:t>kết</a:t>
-            </a:r>
-            <a:r>
-              <a:rPr lang="en-US" sz="2400" dirty="0" smtClean="0"/>
-              <a:t> </a:t>
-            </a:r>
-            <a:r>
-              <a:rPr lang="en-US" sz="2400" dirty="0" err="1" smtClean="0"/>
-              <a:t>quả</a:t>
-            </a:r>
-            <a:r>
-              <a:rPr lang="en-US" sz="2400" dirty="0" smtClean="0"/>
-              <a:t> </a:t>
-            </a:r>
-            <a:r>
-              <a:rPr lang="en-US" sz="2400" dirty="0" err="1" smtClean="0"/>
-              <a:t>lên</a:t>
-            </a:r>
-            <a:r>
-              <a:rPr lang="en-US" sz="2400" dirty="0" smtClean="0"/>
-              <a:t> </a:t>
-            </a:r>
-            <a:r>
-              <a:rPr lang="en-US" sz="2400" dirty="0" err="1" smtClean="0"/>
-              <a:t>tốn</a:t>
-            </a:r>
-            <a:r>
-              <a:rPr lang="en-US" sz="2400" dirty="0" smtClean="0"/>
-              <a:t> </a:t>
-            </a:r>
-            <a:r>
-              <a:rPr lang="en-US" sz="2400" dirty="0" err="1" smtClean="0"/>
-              <a:t>bộ</a:t>
-            </a:r>
-            <a:r>
-              <a:rPr lang="en-US" sz="2400" dirty="0" smtClean="0"/>
-              <a:t> </a:t>
-            </a:r>
-            <a:r>
-              <a:rPr lang="en-US" sz="2400" dirty="0" err="1" smtClean="0"/>
-              <a:t>nhớ</a:t>
-            </a:r>
-            <a:endParaRPr lang="en-GB" sz="2400" dirty="0"/>
+              <a:rPr lang="en-US" sz="2400" dirty="0"/>
+              <a:t> </a:t>
+            </a:r>
+            <a:r>
+              <a:rPr lang="en-US" sz="2400" dirty="0" err="1"/>
+              <a:t>lớp</a:t>
+            </a:r>
+            <a:r>
+              <a:rPr lang="en-US" sz="2400" dirty="0"/>
+              <a:t> K </a:t>
+            </a:r>
+            <a:r>
+              <a:rPr lang="en-US" sz="2400" dirty="0" err="1"/>
+              <a:t>và</a:t>
+            </a:r>
+            <a:r>
+              <a:rPr lang="en-US" sz="2400" dirty="0"/>
+              <a:t> </a:t>
+            </a:r>
+            <a:r>
+              <a:rPr lang="en-US" sz="2400" dirty="0" err="1"/>
+              <a:t>xác</a:t>
+            </a:r>
+            <a:r>
+              <a:rPr lang="en-US" sz="2400" dirty="0"/>
+              <a:t> </a:t>
+            </a:r>
+            <a:r>
+              <a:rPr lang="en-US" sz="2400" dirty="0" err="1"/>
+              <a:t>định</a:t>
+            </a:r>
+            <a:r>
+              <a:rPr lang="en-US" sz="2400" dirty="0"/>
+              <a:t> </a:t>
+            </a:r>
+            <a:r>
+              <a:rPr lang="en-US" sz="2400" dirty="0" err="1"/>
+              <a:t>lớp</a:t>
+            </a:r>
+            <a:r>
+              <a:rPr lang="en-US" sz="2400" dirty="0"/>
+              <a:t> </a:t>
+            </a:r>
+            <a:r>
+              <a:rPr lang="en-US" sz="2400" dirty="0" err="1"/>
+              <a:t>cho</a:t>
+            </a:r>
+            <a:r>
+              <a:rPr lang="en-US" sz="2400" dirty="0"/>
+              <a:t> </a:t>
+            </a:r>
+            <a:r>
+              <a:rPr lang="en-US" sz="2400" dirty="0" err="1"/>
+              <a:t>đối</a:t>
+            </a:r>
+            <a:r>
+              <a:rPr lang="en-US" sz="2400" dirty="0"/>
+              <a:t> </a:t>
+            </a:r>
+            <a:r>
+              <a:rPr lang="en-US" sz="2400" dirty="0" err="1"/>
+              <a:t>tượng</a:t>
+            </a:r>
+            <a:r>
+              <a:rPr lang="en-US" sz="2400" dirty="0"/>
+              <a:t> ta </a:t>
+            </a:r>
+            <a:r>
+              <a:rPr lang="en-US" sz="2400" dirty="0" err="1"/>
+              <a:t>xét</a:t>
+            </a:r>
+            <a:r>
+              <a:rPr lang="en-US" sz="2400" dirty="0"/>
+              <a:t>.</a:t>
+            </a:r>
+            <a:endParaRPr lang="en-US" sz="2400" dirty="0"/>
           </a:p>
         </p:txBody>
       </p:sp>
     </p:spTree>
     <p:extLst>
       <p:ext uri="{BB962C8B-B14F-4D97-AF65-F5344CB8AC3E}">
-        <p14:creationId xmlns:p14="http://schemas.microsoft.com/office/powerpoint/2010/main" val="330417599"/>
+        <p14:creationId xmlns:p14="http://schemas.microsoft.com/office/powerpoint/2010/main" val="3227948077"/>
       </p:ext>
     </p:extLst>
   </p:cSld>
   <p:clrMapOvr>
     <a:masterClrMapping/>
   </p:clrMapOvr>
+  <p:timing>
+    <p:tnLst>
+      <p:par>
+        <p:cTn id="1" dur="indefinite" restart="never" nodeType="tmRoot"/>
+      </p:par>
+    </p:tnLst>
+  </p:timing>
 </p:sld>
 </file>
 
@@ -17242,6 +17344,13 @@
   <p:clrMapOvr>
     <a:masterClrMapping/>
   </p:clrMapOvr>
+  <p:timing>
+    <p:tnLst>
+      <p:par>
+        <p:cTn id="1" dur="indefinite" restart="never" nodeType="tmRoot"/>
+      </p:par>
+    </p:tnLst>
+  </p:timing>
 </p:sld>
 </file>
 
@@ -17250,7 +17359,7 @@
   <p:cSld>
     <p:spTree>
       <p:nvGrpSpPr>
-        <p:cNvPr id="1" name="Shape 284"/>
+        <p:cNvPr id="1" name=""/>
         <p:cNvGrpSpPr/>
         <p:nvPr/>
       </p:nvGrpSpPr>
@@ -17264,135 +17373,3010 @@
       </p:grpSpPr>
       <p:sp>
         <p:nvSpPr>
-          <p:cNvPr id="285" name="Google Shape;285;p19"/>
-          <p:cNvSpPr txBox="1">
-            <a:spLocks noGrp="1"/>
-          </p:cNvSpPr>
-          <p:nvPr>
-            <p:ph type="ctrTitle"/>
-          </p:nvPr>
+          <p:cNvPr id="5" name="TextBox 4"/>
+          <p:cNvSpPr txBox="1"/>
+          <p:nvPr/>
         </p:nvSpPr>
         <p:spPr>
           <a:xfrm>
-            <a:off x="7879404" y="2287067"/>
-            <a:ext cx="2420400" cy="1472400"/>
+            <a:off x="517891" y="1083900"/>
+            <a:ext cx="8650385" cy="3046988"/>
           </a:xfrm>
           <a:prstGeom prst="rect">
             <a:avLst/>
           </a:prstGeom>
           <a:noFill/>
-          <a:ln>
-            <a:noFill/>
-          </a:ln>
         </p:spPr>
         <p:txBody>
-          <a:bodyPr spcFirstLastPara="1" wrap="square" lIns="91425" tIns="91425" rIns="91425" bIns="91425" anchor="b" anchorCtr="0">
-            <a:noAutofit/>
+          <a:bodyPr wrap="square" rtlCol="0">
+            <a:spAutoFit/>
           </a:bodyPr>
           <a:lstStyle/>
           <a:p>
-            <a:pPr marL="0" lvl="0" indent="0" algn="l" rtl="0">
-              <a:lnSpc>
-                <a:spcPct val="90000"/>
-              </a:lnSpc>
-              <a:spcBef>
-                <a:spcPts val="0"/>
-              </a:spcBef>
-              <a:spcAft>
-                <a:spcPts val="0"/>
-              </a:spcAft>
-              <a:buClr>
-                <a:srgbClr val="F3F3F3"/>
-              </a:buClr>
-              <a:buSzPts val="3000"/>
-              <a:buFont typeface="Calibri"/>
-              <a:buNone/>
-            </a:pPr>
-            <a:endParaRPr/>
+            <a:pPr algn="just"/>
+            <a:r>
+              <a:rPr lang="en-US" sz="2400" dirty="0" err="1" smtClean="0"/>
+              <a:t>Trong</a:t>
+            </a:r>
+            <a:r>
+              <a:rPr lang="en-US" sz="2400" dirty="0" smtClean="0"/>
+              <a:t> </a:t>
+            </a:r>
+            <a:r>
+              <a:rPr lang="en-US" sz="2400" dirty="0" err="1" smtClean="0"/>
+              <a:t>vài</a:t>
+            </a:r>
+            <a:r>
+              <a:rPr lang="en-US" sz="2400" dirty="0" smtClean="0"/>
+              <a:t> </a:t>
+            </a:r>
+            <a:r>
+              <a:rPr lang="en-US" sz="2400" dirty="0" err="1" smtClean="0"/>
+              <a:t>trường</a:t>
+            </a:r>
+            <a:r>
+              <a:rPr lang="en-US" sz="2400" dirty="0" smtClean="0"/>
+              <a:t> </a:t>
+            </a:r>
+            <a:r>
+              <a:rPr lang="en-US" sz="2400" dirty="0" err="1" smtClean="0"/>
+              <a:t>hợp</a:t>
+            </a:r>
+            <a:r>
+              <a:rPr lang="en-US" sz="2400" dirty="0" smtClean="0"/>
+              <a:t> </a:t>
+            </a:r>
+            <a:r>
+              <a:rPr lang="en-US" sz="2400" dirty="0" err="1" smtClean="0"/>
+              <a:t>nếu</a:t>
+            </a:r>
+            <a:r>
+              <a:rPr lang="en-US" sz="2400" dirty="0" smtClean="0"/>
+              <a:t> ta </a:t>
+            </a:r>
+            <a:r>
+              <a:rPr lang="en-US" sz="2400" dirty="0" err="1" smtClean="0"/>
+              <a:t>chọn</a:t>
+            </a:r>
+            <a:r>
+              <a:rPr lang="en-US" sz="2400" dirty="0" smtClean="0"/>
+              <a:t> K </a:t>
+            </a:r>
+            <a:r>
+              <a:rPr lang="en-US" sz="2400" dirty="0" err="1" smtClean="0"/>
+              <a:t>là</a:t>
+            </a:r>
+            <a:r>
+              <a:rPr lang="en-US" sz="2400" dirty="0" smtClean="0"/>
+              <a:t> </a:t>
+            </a:r>
+            <a:r>
+              <a:rPr lang="en-US" sz="2400" dirty="0" err="1" smtClean="0"/>
+              <a:t>số</a:t>
+            </a:r>
+            <a:r>
+              <a:rPr lang="en-US" sz="2400" dirty="0" smtClean="0"/>
+              <a:t> </a:t>
+            </a:r>
+            <a:r>
+              <a:rPr lang="en-US" sz="2400" dirty="0" err="1" smtClean="0"/>
+              <a:t>chẵn</a:t>
+            </a:r>
+            <a:r>
+              <a:rPr lang="en-US" sz="2400" dirty="0" smtClean="0"/>
+              <a:t> </a:t>
+            </a:r>
+            <a:r>
+              <a:rPr lang="en-US" sz="2400" dirty="0" err="1" smtClean="0"/>
+              <a:t>có</a:t>
+            </a:r>
+            <a:r>
+              <a:rPr lang="en-US" sz="2400" dirty="0" smtClean="0"/>
+              <a:t> </a:t>
+            </a:r>
+            <a:r>
+              <a:rPr lang="en-US" sz="2400" dirty="0" err="1" smtClean="0"/>
+              <a:t>số</a:t>
+            </a:r>
+            <a:r>
+              <a:rPr lang="en-US" sz="2400" dirty="0" smtClean="0"/>
+              <a:t> </a:t>
+            </a:r>
+            <a:r>
+              <a:rPr lang="en-US" sz="2400" dirty="0" err="1" smtClean="0"/>
+              <a:t>điểm</a:t>
+            </a:r>
+            <a:r>
+              <a:rPr lang="en-US" sz="2400" dirty="0" smtClean="0"/>
+              <a:t> </a:t>
+            </a:r>
+            <a:r>
+              <a:rPr lang="en-US" sz="2400" dirty="0" err="1" smtClean="0"/>
+              <a:t>bằng</a:t>
+            </a:r>
+            <a:r>
+              <a:rPr lang="en-US" sz="2400" dirty="0" smtClean="0"/>
+              <a:t> </a:t>
+            </a:r>
+            <a:r>
+              <a:rPr lang="en-US" sz="2400" dirty="0" err="1" smtClean="0"/>
+              <a:t>nhau</a:t>
+            </a:r>
+            <a:r>
+              <a:rPr lang="en-US" sz="2400" dirty="0" smtClean="0"/>
+              <a:t>. VD: </a:t>
+            </a:r>
+            <a:r>
+              <a:rPr lang="en-US" sz="2400" dirty="0" err="1" smtClean="0"/>
+              <a:t>Như</a:t>
+            </a:r>
+            <a:r>
+              <a:rPr lang="en-US" sz="2400" dirty="0" smtClean="0"/>
+              <a:t> </a:t>
+            </a:r>
+            <a:r>
+              <a:rPr lang="en-US" sz="2400" dirty="0" err="1" smtClean="0"/>
+              <a:t>hình</a:t>
+            </a:r>
+            <a:r>
+              <a:rPr lang="en-US" sz="2400" dirty="0" smtClean="0"/>
+              <a:t> ta </a:t>
+            </a:r>
+            <a:r>
+              <a:rPr lang="en-US" sz="2400" dirty="0" err="1" smtClean="0"/>
+              <a:t>thấy</a:t>
+            </a:r>
+            <a:r>
+              <a:rPr lang="en-US" sz="2400" dirty="0" smtClean="0"/>
+              <a:t> </a:t>
+            </a:r>
+            <a:r>
+              <a:rPr lang="en-US" sz="2400" dirty="0" err="1" smtClean="0"/>
+              <a:t>có</a:t>
+            </a:r>
+            <a:r>
+              <a:rPr lang="en-US" sz="2400" dirty="0" smtClean="0"/>
+              <a:t> 4 </a:t>
+            </a:r>
+            <a:r>
+              <a:rPr lang="en-US" sz="2400" dirty="0" err="1" smtClean="0"/>
+              <a:t>điểm</a:t>
+            </a:r>
+            <a:r>
+              <a:rPr lang="en-US" sz="2400" dirty="0" smtClean="0"/>
+              <a:t> </a:t>
+            </a:r>
+            <a:r>
+              <a:rPr lang="en-US" sz="2400" dirty="0" err="1" smtClean="0"/>
+              <a:t>thuộc</a:t>
+            </a:r>
+            <a:r>
+              <a:rPr lang="en-US" sz="2400" dirty="0" smtClean="0"/>
+              <a:t> </a:t>
+            </a:r>
+            <a:r>
+              <a:rPr lang="en-US" sz="2400" dirty="0" smtClean="0">
+                <a:solidFill>
+                  <a:srgbClr val="FFC000"/>
+                </a:solidFill>
+              </a:rPr>
+              <a:t>Class A</a:t>
+            </a:r>
+            <a:r>
+              <a:rPr lang="en-US" sz="2400" dirty="0" smtClean="0"/>
+              <a:t> </a:t>
+            </a:r>
+            <a:r>
+              <a:rPr lang="en-US" sz="2400" dirty="0" err="1" smtClean="0"/>
+              <a:t>và</a:t>
+            </a:r>
+            <a:r>
+              <a:rPr lang="en-US" sz="2400" dirty="0" smtClean="0"/>
+              <a:t> 4 </a:t>
+            </a:r>
+            <a:r>
+              <a:rPr lang="en-US" sz="2400" dirty="0" err="1" smtClean="0"/>
+              <a:t>điểm</a:t>
+            </a:r>
+            <a:r>
+              <a:rPr lang="en-US" sz="2400" dirty="0" smtClean="0"/>
+              <a:t> </a:t>
+            </a:r>
+            <a:r>
+              <a:rPr lang="en-US" sz="2400" dirty="0" err="1" smtClean="0"/>
+              <a:t>thuộc</a:t>
+            </a:r>
+            <a:r>
+              <a:rPr lang="en-US" sz="2400" dirty="0" smtClean="0"/>
+              <a:t> </a:t>
+            </a:r>
+            <a:r>
+              <a:rPr lang="en-US" sz="2400" dirty="0" smtClean="0">
+                <a:solidFill>
+                  <a:srgbClr val="BB13BF"/>
+                </a:solidFill>
+              </a:rPr>
+              <a:t>class B. </a:t>
+            </a:r>
+            <a:r>
+              <a:rPr lang="en-US" sz="2400" dirty="0" err="1" smtClean="0">
+                <a:solidFill>
+                  <a:schemeClr val="tx1"/>
+                </a:solidFill>
+              </a:rPr>
+              <a:t>Trong</a:t>
+            </a:r>
+            <a:r>
+              <a:rPr lang="en-US" sz="2400" dirty="0" smtClean="0">
+                <a:solidFill>
+                  <a:schemeClr val="tx1"/>
+                </a:solidFill>
+              </a:rPr>
+              <a:t> </a:t>
+            </a:r>
+            <a:r>
+              <a:rPr lang="en-US" sz="2400" dirty="0" err="1" smtClean="0">
+                <a:solidFill>
+                  <a:schemeClr val="tx1"/>
+                </a:solidFill>
+              </a:rPr>
+              <a:t>trường</a:t>
+            </a:r>
+            <a:r>
+              <a:rPr lang="en-US" sz="2400" dirty="0" smtClean="0">
+                <a:solidFill>
+                  <a:schemeClr val="tx1"/>
+                </a:solidFill>
+              </a:rPr>
+              <a:t> </a:t>
+            </a:r>
+            <a:r>
+              <a:rPr lang="en-US" sz="2400" dirty="0" err="1" smtClean="0">
+                <a:solidFill>
+                  <a:schemeClr val="tx1"/>
+                </a:solidFill>
+              </a:rPr>
+              <a:t>hợp</a:t>
+            </a:r>
+            <a:r>
+              <a:rPr lang="en-US" sz="2400" dirty="0" smtClean="0">
+                <a:solidFill>
+                  <a:schemeClr val="tx1"/>
+                </a:solidFill>
+              </a:rPr>
+              <a:t> </a:t>
+            </a:r>
+            <a:r>
+              <a:rPr lang="en-US" sz="2400" dirty="0" err="1" smtClean="0">
+                <a:solidFill>
+                  <a:schemeClr val="tx1"/>
+                </a:solidFill>
+              </a:rPr>
+              <a:t>này</a:t>
+            </a:r>
+            <a:r>
+              <a:rPr lang="en-US" sz="2400" dirty="0" smtClean="0">
+                <a:solidFill>
+                  <a:schemeClr val="tx1"/>
+                </a:solidFill>
+              </a:rPr>
+              <a:t> </a:t>
+            </a:r>
+            <a:r>
+              <a:rPr lang="en-US" sz="2400" dirty="0" err="1" smtClean="0">
+                <a:solidFill>
+                  <a:schemeClr val="tx1"/>
+                </a:solidFill>
+              </a:rPr>
+              <a:t>thì</a:t>
+            </a:r>
+            <a:r>
+              <a:rPr lang="en-US" sz="2400" dirty="0" smtClean="0">
+                <a:solidFill>
+                  <a:schemeClr val="tx1"/>
+                </a:solidFill>
+              </a:rPr>
+              <a:t> KNN </a:t>
+            </a:r>
+            <a:r>
+              <a:rPr lang="en-US" sz="2400" dirty="0" err="1" smtClean="0">
+                <a:solidFill>
+                  <a:schemeClr val="tx1"/>
+                </a:solidFill>
+              </a:rPr>
+              <a:t>sẽ</a:t>
+            </a:r>
+            <a:r>
+              <a:rPr lang="en-US" sz="2400" dirty="0" smtClean="0">
+                <a:solidFill>
+                  <a:schemeClr val="tx1"/>
+                </a:solidFill>
+              </a:rPr>
+              <a:t> </a:t>
+            </a:r>
+            <a:r>
+              <a:rPr lang="en-US" sz="2400" dirty="0" err="1" smtClean="0">
+                <a:solidFill>
+                  <a:schemeClr val="tx1"/>
+                </a:solidFill>
+              </a:rPr>
+              <a:t>xử</a:t>
+            </a:r>
+            <a:r>
+              <a:rPr lang="en-US" sz="2400" dirty="0" smtClean="0">
+                <a:solidFill>
+                  <a:schemeClr val="tx1"/>
+                </a:solidFill>
+              </a:rPr>
+              <a:t> </a:t>
+            </a:r>
+            <a:r>
+              <a:rPr lang="en-US" sz="2400" dirty="0" err="1" smtClean="0">
+                <a:solidFill>
+                  <a:schemeClr val="tx1"/>
+                </a:solidFill>
+              </a:rPr>
+              <a:t>lý</a:t>
+            </a:r>
+            <a:r>
+              <a:rPr lang="en-US" sz="2400" dirty="0" smtClean="0">
+                <a:solidFill>
+                  <a:schemeClr val="tx1"/>
+                </a:solidFill>
+              </a:rPr>
+              <a:t> </a:t>
+            </a:r>
+            <a:r>
+              <a:rPr lang="en-US" sz="2400" dirty="0" err="1" smtClean="0">
+                <a:solidFill>
+                  <a:schemeClr val="tx1"/>
+                </a:solidFill>
+              </a:rPr>
+              <a:t>bằng</a:t>
+            </a:r>
+            <a:r>
+              <a:rPr lang="en-US" sz="2400" dirty="0" smtClean="0">
+                <a:solidFill>
+                  <a:schemeClr val="tx1"/>
+                </a:solidFill>
+              </a:rPr>
+              <a:t> </a:t>
+            </a:r>
+            <a:r>
+              <a:rPr lang="en-US" sz="2400" dirty="0" err="1" smtClean="0">
+                <a:solidFill>
+                  <a:schemeClr val="tx1"/>
+                </a:solidFill>
+              </a:rPr>
+              <a:t>cách</a:t>
+            </a:r>
+            <a:r>
+              <a:rPr lang="en-US" sz="2400" dirty="0" smtClean="0">
+                <a:solidFill>
+                  <a:schemeClr val="tx1"/>
+                </a:solidFill>
+              </a:rPr>
+              <a:t> so </a:t>
+            </a:r>
+            <a:r>
+              <a:rPr lang="en-US" sz="2400" dirty="0" err="1" smtClean="0">
+                <a:solidFill>
+                  <a:schemeClr val="tx1"/>
+                </a:solidFill>
+              </a:rPr>
+              <a:t>sánh</a:t>
+            </a:r>
+            <a:r>
+              <a:rPr lang="en-US" sz="2400" dirty="0" smtClean="0">
+                <a:solidFill>
+                  <a:schemeClr val="tx1"/>
+                </a:solidFill>
+              </a:rPr>
+              <a:t> </a:t>
+            </a:r>
+            <a:r>
+              <a:rPr lang="en-US" sz="2400" dirty="0" err="1" smtClean="0">
+                <a:solidFill>
+                  <a:schemeClr val="tx1"/>
+                </a:solidFill>
+              </a:rPr>
+              <a:t>tổng</a:t>
+            </a:r>
+            <a:r>
+              <a:rPr lang="en-US" sz="2400" dirty="0" smtClean="0">
+                <a:solidFill>
+                  <a:schemeClr val="tx1"/>
+                </a:solidFill>
+              </a:rPr>
+              <a:t> </a:t>
+            </a:r>
+            <a:r>
+              <a:rPr lang="en-US" sz="2400" dirty="0" err="1" smtClean="0">
+                <a:solidFill>
+                  <a:schemeClr val="tx1"/>
+                </a:solidFill>
+              </a:rPr>
+              <a:t>khoảng</a:t>
+            </a:r>
+            <a:r>
+              <a:rPr lang="en-US" sz="2400" dirty="0" smtClean="0">
+                <a:solidFill>
+                  <a:schemeClr val="tx1"/>
+                </a:solidFill>
+              </a:rPr>
+              <a:t> </a:t>
+            </a:r>
+            <a:r>
+              <a:rPr lang="en-US" sz="2400" dirty="0" err="1" smtClean="0">
+                <a:solidFill>
+                  <a:schemeClr val="tx1"/>
+                </a:solidFill>
+              </a:rPr>
+              <a:t>các</a:t>
+            </a:r>
+            <a:r>
+              <a:rPr lang="en-US" sz="2400" dirty="0" smtClean="0">
+                <a:solidFill>
+                  <a:schemeClr val="tx1"/>
+                </a:solidFill>
+              </a:rPr>
+              <a:t> </a:t>
+            </a:r>
+            <a:r>
+              <a:rPr lang="en-US" sz="2400" dirty="0" err="1" smtClean="0">
+                <a:solidFill>
+                  <a:schemeClr val="tx1"/>
+                </a:solidFill>
+              </a:rPr>
+              <a:t>của</a:t>
+            </a:r>
+            <a:r>
+              <a:rPr lang="en-US" sz="2400" dirty="0" smtClean="0">
+                <a:solidFill>
+                  <a:schemeClr val="tx1"/>
+                </a:solidFill>
+              </a:rPr>
+              <a:t> </a:t>
+            </a:r>
+            <a:r>
+              <a:rPr lang="en-US" sz="2400" dirty="0" err="1" smtClean="0">
+                <a:solidFill>
+                  <a:schemeClr val="tx1"/>
+                </a:solidFill>
+              </a:rPr>
+              <a:t>các</a:t>
+            </a:r>
+            <a:r>
+              <a:rPr lang="en-US" sz="2400" dirty="0" smtClean="0">
+                <a:solidFill>
+                  <a:schemeClr val="tx1"/>
+                </a:solidFill>
+              </a:rPr>
+              <a:t> </a:t>
+            </a:r>
+            <a:r>
+              <a:rPr lang="en-US" sz="2400" dirty="0" err="1" smtClean="0">
+                <a:solidFill>
+                  <a:schemeClr val="tx1"/>
+                </a:solidFill>
+              </a:rPr>
+              <a:t>điểm</a:t>
+            </a:r>
+            <a:r>
+              <a:rPr lang="en-US" sz="2400" dirty="0" smtClean="0">
+                <a:solidFill>
+                  <a:schemeClr val="tx1"/>
+                </a:solidFill>
+              </a:rPr>
+              <a:t> </a:t>
+            </a:r>
+            <a:r>
+              <a:rPr lang="en-US" sz="2400" dirty="0" err="1" smtClean="0">
+                <a:solidFill>
+                  <a:schemeClr val="tx1"/>
+                </a:solidFill>
+              </a:rPr>
+              <a:t>gần</a:t>
+            </a:r>
+            <a:r>
+              <a:rPr lang="en-US" sz="2400" dirty="0" smtClean="0">
+                <a:solidFill>
+                  <a:schemeClr val="tx1"/>
+                </a:solidFill>
+              </a:rPr>
+              <a:t> </a:t>
+            </a:r>
+            <a:r>
+              <a:rPr lang="en-US" sz="2400" dirty="0" err="1" smtClean="0">
+                <a:solidFill>
+                  <a:schemeClr val="tx1"/>
+                </a:solidFill>
+              </a:rPr>
+              <a:t>nhất</a:t>
+            </a:r>
+            <a:r>
+              <a:rPr lang="en-US" sz="2400" dirty="0" smtClean="0">
+                <a:solidFill>
+                  <a:schemeClr val="tx1"/>
+                </a:solidFill>
+              </a:rPr>
+              <a:t> </a:t>
+            </a:r>
+            <a:r>
+              <a:rPr lang="en-US" sz="2400" dirty="0" err="1" smtClean="0">
+                <a:solidFill>
+                  <a:schemeClr val="tx1"/>
+                </a:solidFill>
+              </a:rPr>
+              <a:t>với</a:t>
+            </a:r>
+            <a:r>
+              <a:rPr lang="en-US" sz="2400" dirty="0" smtClean="0">
+                <a:solidFill>
+                  <a:schemeClr val="tx1"/>
+                </a:solidFill>
+              </a:rPr>
+              <a:t> </a:t>
+            </a:r>
+            <a:r>
+              <a:rPr lang="en-US" sz="2400" dirty="0" err="1" smtClean="0">
+                <a:solidFill>
+                  <a:schemeClr val="tx1"/>
+                </a:solidFill>
+              </a:rPr>
+              <a:t>điểm</a:t>
+            </a:r>
+            <a:r>
+              <a:rPr lang="en-US" sz="2400" dirty="0" smtClean="0">
+                <a:solidFill>
+                  <a:schemeClr val="tx1"/>
+                </a:solidFill>
+              </a:rPr>
+              <a:t> </a:t>
+            </a:r>
+            <a:r>
+              <a:rPr lang="en-US" sz="2400" dirty="0" err="1" smtClean="0">
+                <a:solidFill>
+                  <a:schemeClr val="tx1"/>
+                </a:solidFill>
+              </a:rPr>
+              <a:t>mà</a:t>
+            </a:r>
+            <a:r>
+              <a:rPr lang="en-US" sz="2400" dirty="0" smtClean="0">
+                <a:solidFill>
+                  <a:schemeClr val="tx1"/>
+                </a:solidFill>
+              </a:rPr>
+              <a:t> ta </a:t>
+            </a:r>
+            <a:r>
+              <a:rPr lang="en-US" sz="2400" dirty="0" err="1" smtClean="0">
+                <a:solidFill>
+                  <a:schemeClr val="tx1"/>
+                </a:solidFill>
+              </a:rPr>
+              <a:t>đang</a:t>
+            </a:r>
+            <a:r>
+              <a:rPr lang="en-US" sz="2400" dirty="0" smtClean="0">
+                <a:solidFill>
+                  <a:schemeClr val="tx1"/>
+                </a:solidFill>
+              </a:rPr>
+              <a:t> </a:t>
+            </a:r>
+            <a:r>
+              <a:rPr lang="en-US" sz="2400" dirty="0" err="1" smtClean="0">
+                <a:solidFill>
+                  <a:schemeClr val="tx1"/>
+                </a:solidFill>
+              </a:rPr>
+              <a:t>xét</a:t>
+            </a:r>
+            <a:r>
+              <a:rPr lang="en-US" sz="2400" dirty="0" smtClean="0">
+                <a:solidFill>
+                  <a:schemeClr val="tx1"/>
+                </a:solidFill>
+              </a:rPr>
+              <a:t>.</a:t>
+            </a:r>
+          </a:p>
+          <a:p>
+            <a:pPr algn="just"/>
+            <a:endParaRPr lang="en-US" sz="2400" dirty="0" smtClean="0">
+              <a:solidFill>
+                <a:schemeClr val="tx1"/>
+              </a:solidFill>
+            </a:endParaRPr>
+          </a:p>
+          <a:p>
+            <a:pPr algn="just"/>
+            <a:r>
+              <a:rPr lang="en-US" sz="2400" dirty="0" err="1" smtClean="0">
+                <a:solidFill>
+                  <a:schemeClr val="tx1"/>
+                </a:solidFill>
+              </a:rPr>
+              <a:t>Vì</a:t>
+            </a:r>
+            <a:r>
+              <a:rPr lang="en-US" sz="2400" dirty="0" smtClean="0">
+                <a:solidFill>
+                  <a:schemeClr val="tx1"/>
+                </a:solidFill>
+              </a:rPr>
+              <a:t> </a:t>
+            </a:r>
+            <a:r>
+              <a:rPr lang="en-US" sz="2400" dirty="0" err="1" smtClean="0">
+                <a:solidFill>
+                  <a:schemeClr val="tx1"/>
+                </a:solidFill>
+              </a:rPr>
+              <a:t>có</a:t>
+            </a:r>
+            <a:r>
+              <a:rPr lang="en-US" sz="2400" dirty="0" smtClean="0">
+                <a:solidFill>
+                  <a:schemeClr val="tx1"/>
+                </a:solidFill>
+              </a:rPr>
+              <a:t> </a:t>
+            </a:r>
+            <a:r>
+              <a:rPr lang="en-US" sz="2400" dirty="0" err="1" smtClean="0">
+                <a:solidFill>
+                  <a:schemeClr val="tx1"/>
+                </a:solidFill>
+              </a:rPr>
+              <a:t>xuất</a:t>
+            </a:r>
+            <a:r>
+              <a:rPr lang="en-US" sz="2400" dirty="0" smtClean="0">
+                <a:solidFill>
+                  <a:schemeClr val="tx1"/>
+                </a:solidFill>
+              </a:rPr>
+              <a:t> </a:t>
+            </a:r>
+            <a:r>
+              <a:rPr lang="en-US" sz="2400" dirty="0" err="1" smtClean="0">
+                <a:solidFill>
+                  <a:schemeClr val="tx1"/>
+                </a:solidFill>
+              </a:rPr>
+              <a:t>hiện</a:t>
+            </a:r>
+            <a:r>
+              <a:rPr lang="en-US" sz="2400" dirty="0" smtClean="0">
+                <a:solidFill>
+                  <a:schemeClr val="tx1"/>
+                </a:solidFill>
+              </a:rPr>
+              <a:t> </a:t>
+            </a:r>
+            <a:r>
+              <a:rPr lang="en-US" sz="2400" dirty="0" err="1" smtClean="0">
+                <a:solidFill>
+                  <a:schemeClr val="tx1"/>
+                </a:solidFill>
+              </a:rPr>
+              <a:t>các</a:t>
+            </a:r>
+            <a:r>
+              <a:rPr lang="en-US" sz="2400" dirty="0" smtClean="0">
+                <a:solidFill>
+                  <a:schemeClr val="tx1"/>
+                </a:solidFill>
+              </a:rPr>
+              <a:t> </a:t>
+            </a:r>
+            <a:r>
+              <a:rPr lang="en-US" sz="2400" dirty="0" err="1" smtClean="0">
+                <a:solidFill>
+                  <a:schemeClr val="tx1"/>
+                </a:solidFill>
+              </a:rPr>
+              <a:t>trường</a:t>
+            </a:r>
+            <a:r>
+              <a:rPr lang="en-US" sz="2400" dirty="0" smtClean="0">
+                <a:solidFill>
+                  <a:schemeClr val="tx1"/>
+                </a:solidFill>
+              </a:rPr>
+              <a:t> </a:t>
+            </a:r>
+            <a:r>
+              <a:rPr lang="en-US" sz="2400" dirty="0" err="1" smtClean="0">
+                <a:solidFill>
+                  <a:schemeClr val="tx1"/>
+                </a:solidFill>
+              </a:rPr>
+              <a:t>hợp</a:t>
+            </a:r>
+            <a:r>
+              <a:rPr lang="en-US" sz="2400" dirty="0" smtClean="0">
+                <a:solidFill>
+                  <a:schemeClr val="tx1"/>
+                </a:solidFill>
+              </a:rPr>
+              <a:t> </a:t>
+            </a:r>
+            <a:r>
+              <a:rPr lang="en-US" sz="2400" dirty="0" err="1" smtClean="0">
+                <a:solidFill>
+                  <a:schemeClr val="tx1"/>
+                </a:solidFill>
+              </a:rPr>
+              <a:t>bằng</a:t>
+            </a:r>
+            <a:r>
+              <a:rPr lang="en-US" sz="2400" dirty="0" smtClean="0">
+                <a:solidFill>
+                  <a:schemeClr val="tx1"/>
+                </a:solidFill>
+              </a:rPr>
+              <a:t> </a:t>
+            </a:r>
+            <a:r>
+              <a:rPr lang="en-US" sz="2400" dirty="0" err="1" smtClean="0">
+                <a:solidFill>
+                  <a:schemeClr val="tx1"/>
+                </a:solidFill>
+              </a:rPr>
+              <a:t>nhau</a:t>
+            </a:r>
+            <a:r>
+              <a:rPr lang="en-US" sz="2400" dirty="0" smtClean="0">
+                <a:solidFill>
+                  <a:schemeClr val="tx1"/>
+                </a:solidFill>
+              </a:rPr>
+              <a:t>, </a:t>
+            </a:r>
+            <a:r>
+              <a:rPr lang="en-US" sz="2400" dirty="0" err="1" smtClean="0">
+                <a:solidFill>
+                  <a:schemeClr val="tx1"/>
+                </a:solidFill>
+              </a:rPr>
+              <a:t>vì</a:t>
+            </a:r>
+            <a:r>
+              <a:rPr lang="en-US" sz="2400" dirty="0" smtClean="0">
+                <a:solidFill>
+                  <a:schemeClr val="tx1"/>
+                </a:solidFill>
+              </a:rPr>
+              <a:t> </a:t>
+            </a:r>
+            <a:r>
+              <a:rPr lang="en-US" sz="2400" dirty="0" err="1" smtClean="0">
+                <a:solidFill>
+                  <a:schemeClr val="tx1"/>
+                </a:solidFill>
+              </a:rPr>
+              <a:t>vậy</a:t>
+            </a:r>
+            <a:r>
+              <a:rPr lang="en-US" sz="2400" dirty="0" smtClean="0">
+                <a:solidFill>
+                  <a:schemeClr val="tx1"/>
+                </a:solidFill>
+              </a:rPr>
+              <a:t> </a:t>
+            </a:r>
+            <a:r>
+              <a:rPr lang="en-US" sz="2400" dirty="0" err="1" smtClean="0">
+                <a:solidFill>
+                  <a:schemeClr val="tx1"/>
+                </a:solidFill>
+              </a:rPr>
+              <a:t>người</a:t>
+            </a:r>
+            <a:r>
+              <a:rPr lang="en-US" sz="2400" dirty="0" smtClean="0">
+                <a:solidFill>
+                  <a:schemeClr val="tx1"/>
+                </a:solidFill>
+              </a:rPr>
+              <a:t> ta </a:t>
+            </a:r>
+            <a:r>
+              <a:rPr lang="en-US" sz="2400" dirty="0" err="1" smtClean="0">
+                <a:solidFill>
+                  <a:schemeClr val="tx1"/>
+                </a:solidFill>
+              </a:rPr>
+              <a:t>thường</a:t>
+            </a:r>
+            <a:r>
+              <a:rPr lang="en-US" sz="2400" dirty="0" smtClean="0">
+                <a:solidFill>
+                  <a:schemeClr val="tx1"/>
+                </a:solidFill>
+              </a:rPr>
+              <a:t> </a:t>
+            </a:r>
+            <a:r>
+              <a:rPr lang="en-US" sz="2400" dirty="0" err="1" smtClean="0">
+                <a:solidFill>
+                  <a:schemeClr val="tx1"/>
+                </a:solidFill>
+              </a:rPr>
+              <a:t>chọn</a:t>
+            </a:r>
+            <a:r>
+              <a:rPr lang="en-US" sz="2400" dirty="0" smtClean="0">
+                <a:solidFill>
+                  <a:schemeClr val="tx1"/>
+                </a:solidFill>
+              </a:rPr>
+              <a:t> K </a:t>
+            </a:r>
+            <a:r>
+              <a:rPr lang="en-US" sz="2400" dirty="0" err="1" smtClean="0">
+                <a:solidFill>
+                  <a:schemeClr val="tx1"/>
+                </a:solidFill>
+              </a:rPr>
+              <a:t>là</a:t>
+            </a:r>
+            <a:r>
+              <a:rPr lang="en-US" sz="2400" dirty="0" smtClean="0">
+                <a:solidFill>
+                  <a:schemeClr val="tx1"/>
+                </a:solidFill>
+              </a:rPr>
+              <a:t> </a:t>
+            </a:r>
+            <a:r>
+              <a:rPr lang="en-US" sz="2400" dirty="0" err="1" smtClean="0">
+                <a:solidFill>
+                  <a:schemeClr val="tx1"/>
+                </a:solidFill>
+              </a:rPr>
+              <a:t>số</a:t>
+            </a:r>
+            <a:r>
+              <a:rPr lang="en-US" sz="2400" dirty="0" smtClean="0">
+                <a:solidFill>
+                  <a:schemeClr val="tx1"/>
+                </a:solidFill>
+              </a:rPr>
+              <a:t> </a:t>
+            </a:r>
+            <a:r>
+              <a:rPr lang="en-US" sz="2400" dirty="0" err="1" smtClean="0">
+                <a:solidFill>
+                  <a:schemeClr val="tx1"/>
+                </a:solidFill>
+              </a:rPr>
+              <a:t>lẻ</a:t>
+            </a:r>
+            <a:r>
+              <a:rPr lang="en-US" sz="2400" dirty="0" smtClean="0">
+                <a:solidFill>
+                  <a:schemeClr val="tx1"/>
+                </a:solidFill>
+              </a:rPr>
+              <a:t>.</a:t>
+            </a:r>
+            <a:endParaRPr lang="en-US" sz="2400" dirty="0">
+              <a:solidFill>
+                <a:srgbClr val="BB13BF"/>
+              </a:solidFill>
+            </a:endParaRPr>
+          </a:p>
+        </p:txBody>
+      </p:sp>
+      <p:grpSp>
+        <p:nvGrpSpPr>
+          <p:cNvPr id="9" name="Group 8"/>
+          <p:cNvGrpSpPr/>
+          <p:nvPr/>
+        </p:nvGrpSpPr>
+        <p:grpSpPr>
+          <a:xfrm>
+            <a:off x="7835062" y="3751080"/>
+            <a:ext cx="3499723" cy="2624793"/>
+            <a:chOff x="7857366" y="3777938"/>
+            <a:chExt cx="3499723" cy="2624793"/>
+          </a:xfrm>
+        </p:grpSpPr>
+        <p:pic>
+          <p:nvPicPr>
+            <p:cNvPr id="6" name="Picture 2" descr="k Nearest Neighbor Classifier ( kNN )-Machine Learning Algorithms | by  Shubham Panchal | Medium"/>
+            <p:cNvPicPr>
+              <a:picLocks noChangeAspect="1" noChangeArrowheads="1"/>
+            </p:cNvPicPr>
+            <p:nvPr/>
+          </p:nvPicPr>
+          <p:blipFill>
+            <a:blip r:embed="rId2">
+              <a:extLst>
+                <a:ext uri="{28A0092B-C50C-407E-A947-70E740481C1C}">
+                  <a14:useLocalDpi xmlns:a14="http://schemas.microsoft.com/office/drawing/2010/main" val="0"/>
+                </a:ext>
+              </a:extLst>
+            </a:blip>
+            <a:srcRect/>
+            <a:stretch>
+              <a:fillRect/>
+            </a:stretch>
+          </p:blipFill>
+          <p:spPr bwMode="auto">
+            <a:xfrm>
+              <a:off x="7857366" y="3777938"/>
+              <a:ext cx="3499723" cy="2624793"/>
+            </a:xfrm>
+            <a:prstGeom prst="rect">
+              <a:avLst/>
+            </a:prstGeom>
+            <a:noFill/>
+            <a:ln>
+              <a:noFill/>
+            </a:ln>
+            <a:extLst>
+              <a:ext uri="{909E8E84-426E-40DD-AFC4-6F175D3DCCD1}">
+                <a14:hiddenFill xmlns:a14="http://schemas.microsoft.com/office/drawing/2010/main">
+                  <a:solidFill>
+                    <a:srgbClr val="FFFFFF"/>
+                  </a:solidFill>
+                </a14:hiddenFill>
+              </a:ext>
+            </a:extLst>
+          </p:spPr>
+        </p:pic>
+        <p:sp>
+          <p:nvSpPr>
+            <p:cNvPr id="7" name="Oval 6"/>
+            <p:cNvSpPr/>
+            <p:nvPr/>
+          </p:nvSpPr>
+          <p:spPr>
+            <a:xfrm flipV="1">
+              <a:off x="10203717" y="4833412"/>
+              <a:ext cx="143634" cy="143634"/>
+            </a:xfrm>
+            <a:prstGeom prst="ellipse">
+              <a:avLst/>
+            </a:prstGeom>
+            <a:solidFill>
+              <a:srgbClr val="BB13BF"/>
+            </a:solidFill>
+            <a:ln>
+              <a:noFill/>
+            </a:ln>
+          </p:spPr>
+          <p:style>
+            <a:lnRef idx="2">
+              <a:schemeClr val="accent1">
+                <a:shade val="50000"/>
+              </a:schemeClr>
+            </a:lnRef>
+            <a:fillRef idx="1">
+              <a:schemeClr val="accent1"/>
+            </a:fillRef>
+            <a:effectRef idx="0">
+              <a:schemeClr val="accent1"/>
+            </a:effectRef>
+            <a:fontRef idx="minor">
+              <a:schemeClr val="lt1"/>
+            </a:fontRef>
+          </p:style>
+          <p:txBody>
+            <a:bodyPr rtlCol="0" anchor="ctr"/>
+            <a:lstStyle/>
+            <a:p>
+              <a:pPr algn="ctr"/>
+              <a:endParaRPr lang="en-US"/>
+            </a:p>
+          </p:txBody>
+        </p:sp>
+        <p:sp>
+          <p:nvSpPr>
+            <p:cNvPr id="8" name="Oval 7"/>
+            <p:cNvSpPr/>
+            <p:nvPr/>
+          </p:nvSpPr>
+          <p:spPr>
+            <a:xfrm flipV="1">
+              <a:off x="10070871" y="5273569"/>
+              <a:ext cx="143634" cy="143634"/>
+            </a:xfrm>
+            <a:prstGeom prst="ellipse">
+              <a:avLst/>
+            </a:prstGeom>
+            <a:solidFill>
+              <a:srgbClr val="BB13BF"/>
+            </a:solidFill>
+            <a:ln>
+              <a:noFill/>
+            </a:ln>
+          </p:spPr>
+          <p:style>
+            <a:lnRef idx="2">
+              <a:schemeClr val="accent1">
+                <a:shade val="50000"/>
+              </a:schemeClr>
+            </a:lnRef>
+            <a:fillRef idx="1">
+              <a:schemeClr val="accent1"/>
+            </a:fillRef>
+            <a:effectRef idx="0">
+              <a:schemeClr val="accent1"/>
+            </a:effectRef>
+            <a:fontRef idx="minor">
+              <a:schemeClr val="lt1"/>
+            </a:fontRef>
+          </p:style>
+          <p:txBody>
+            <a:bodyPr rtlCol="0" anchor="ctr"/>
+            <a:lstStyle/>
+            <a:p>
+              <a:pPr algn="ctr"/>
+              <a:endParaRPr lang="en-US"/>
+            </a:p>
+          </p:txBody>
+        </p:sp>
+      </p:grpSp>
+    </p:spTree>
+    <p:extLst>
+      <p:ext uri="{BB962C8B-B14F-4D97-AF65-F5344CB8AC3E}">
+        <p14:creationId xmlns:p14="http://schemas.microsoft.com/office/powerpoint/2010/main" val="1884817241"/>
+      </p:ext>
+    </p:extLst>
+  </p:cSld>
+  <p:clrMapOvr>
+    <a:masterClrMapping/>
+  </p:clrMapOvr>
+  <p:timing>
+    <p:tnLst>
+      <p:par>
+        <p:cTn id="1" dur="indefinite" restart="never" nodeType="tmRoot"/>
+      </p:par>
+    </p:tnLst>
+  </p:timing>
+</p:sld>
+</file>
+
+<file path=ppt/slides/slide7.xml><?xml version="1.0" encoding="utf-8"?>
+<p:sld xmlns:a="http://schemas.openxmlformats.org/drawingml/2006/main" xmlns:r="http://schemas.openxmlformats.org/officeDocument/2006/relationships" xmlns:p="http://schemas.openxmlformats.org/presentationml/2006/main">
+  <p:cSld>
+    <p:spTree>
+      <p:nvGrpSpPr>
+        <p:cNvPr id="1" name=""/>
+        <p:cNvGrpSpPr/>
+        <p:nvPr/>
+      </p:nvGrpSpPr>
+      <p:grpSpPr>
+        <a:xfrm>
+          <a:off x="0" y="0"/>
+          <a:ext cx="0" cy="0"/>
+          <a:chOff x="0" y="0"/>
+          <a:chExt cx="0" cy="0"/>
+        </a:xfrm>
+      </p:grpSpPr>
+      <p:sp>
+        <p:nvSpPr>
+          <p:cNvPr id="4" name="TextBox 3"/>
+          <p:cNvSpPr txBox="1"/>
+          <p:nvPr/>
+        </p:nvSpPr>
+        <p:spPr>
+          <a:xfrm>
+            <a:off x="372235" y="623086"/>
+            <a:ext cx="5348836" cy="5632311"/>
+          </a:xfrm>
+          <a:prstGeom prst="rect">
+            <a:avLst/>
+          </a:prstGeom>
+          <a:noFill/>
+        </p:spPr>
+        <p:txBody>
+          <a:bodyPr wrap="square" rtlCol="0">
+            <a:spAutoFit/>
+          </a:bodyPr>
+          <a:lstStyle/>
+          <a:p>
+            <a:r>
+              <a:rPr lang="en-US" sz="2400" dirty="0" err="1" smtClean="0"/>
+              <a:t>Về</a:t>
+            </a:r>
+            <a:r>
+              <a:rPr lang="en-US" sz="2400" dirty="0" smtClean="0"/>
+              <a:t> </a:t>
+            </a:r>
+            <a:r>
+              <a:rPr lang="en-US" sz="2400" dirty="0" err="1" smtClean="0"/>
+              <a:t>dữ</a:t>
+            </a:r>
+            <a:r>
+              <a:rPr lang="en-US" sz="2400" dirty="0" smtClean="0"/>
+              <a:t> </a:t>
+            </a:r>
+            <a:r>
+              <a:rPr lang="en-US" sz="2400" dirty="0" err="1" smtClean="0"/>
+              <a:t>liệu</a:t>
+            </a:r>
+            <a:r>
+              <a:rPr lang="en-US" sz="2400" dirty="0" smtClean="0"/>
+              <a:t> </a:t>
+            </a:r>
+            <a:r>
+              <a:rPr lang="en-US" sz="2400" dirty="0" err="1" smtClean="0"/>
+              <a:t>nhiễu</a:t>
+            </a:r>
+            <a:r>
+              <a:rPr lang="en-US" sz="2400" dirty="0" smtClean="0"/>
+              <a:t> ta </a:t>
+            </a:r>
+            <a:r>
+              <a:rPr lang="en-US" sz="2400" dirty="0" err="1" smtClean="0"/>
+              <a:t>có</a:t>
+            </a:r>
+            <a:r>
+              <a:rPr lang="en-US" sz="2400" dirty="0" smtClean="0"/>
+              <a:t> </a:t>
+            </a:r>
+            <a:r>
+              <a:rPr lang="en-US" sz="2400" dirty="0" err="1" smtClean="0"/>
+              <a:t>thể</a:t>
+            </a:r>
+            <a:r>
+              <a:rPr lang="en-US" sz="2400" dirty="0" smtClean="0"/>
+              <a:t> </a:t>
+            </a:r>
+            <a:r>
+              <a:rPr lang="en-US" sz="2400" dirty="0" err="1" smtClean="0"/>
+              <a:t>hiểu</a:t>
+            </a:r>
+            <a:r>
+              <a:rPr lang="en-US" sz="2400" dirty="0" smtClean="0"/>
+              <a:t> </a:t>
+            </a:r>
+            <a:r>
+              <a:rPr lang="en-US" sz="2400" dirty="0" err="1" smtClean="0"/>
+              <a:t>như</a:t>
+            </a:r>
+            <a:r>
+              <a:rPr lang="en-US" sz="2400" dirty="0" smtClean="0"/>
+              <a:t> </a:t>
+            </a:r>
+            <a:r>
+              <a:rPr lang="en-US" sz="2400" dirty="0" err="1" smtClean="0"/>
+              <a:t>sau</a:t>
+            </a:r>
+            <a:r>
+              <a:rPr lang="en-US" sz="2400" dirty="0" smtClean="0"/>
+              <a:t> </a:t>
+            </a:r>
+            <a:r>
+              <a:rPr lang="en-US" sz="2400" dirty="0" err="1" smtClean="0"/>
+              <a:t>nhìn</a:t>
+            </a:r>
+            <a:r>
+              <a:rPr lang="en-US" sz="2400" dirty="0" smtClean="0"/>
+              <a:t> </a:t>
+            </a:r>
+            <a:r>
+              <a:rPr lang="en-US" sz="2400" dirty="0" err="1" smtClean="0"/>
+              <a:t>vào</a:t>
+            </a:r>
+            <a:r>
+              <a:rPr lang="en-US" sz="2400" dirty="0" smtClean="0"/>
+              <a:t> </a:t>
+            </a:r>
+            <a:r>
+              <a:rPr lang="en-US" sz="2400" dirty="0" err="1" smtClean="0"/>
+              <a:t>hình</a:t>
+            </a:r>
+            <a:r>
+              <a:rPr lang="en-US" sz="2400" dirty="0" smtClean="0"/>
+              <a:t> </a:t>
+            </a:r>
+            <a:r>
+              <a:rPr lang="en-US" sz="2400" dirty="0" err="1" smtClean="0"/>
+              <a:t>bên</a:t>
+            </a:r>
+            <a:r>
+              <a:rPr lang="en-US" sz="2400" dirty="0" smtClean="0"/>
+              <a:t> ta </a:t>
+            </a:r>
+            <a:r>
+              <a:rPr lang="en-US" sz="2400" dirty="0" err="1" smtClean="0"/>
+              <a:t>có</a:t>
+            </a:r>
+            <a:r>
+              <a:rPr lang="en-US" sz="2400" dirty="0" smtClean="0"/>
+              <a:t> </a:t>
+            </a:r>
+            <a:r>
+              <a:rPr lang="en-US" sz="2400" dirty="0" err="1" smtClean="0"/>
+              <a:t>thể</a:t>
+            </a:r>
+            <a:r>
+              <a:rPr lang="en-US" sz="2400" dirty="0" smtClean="0"/>
+              <a:t> </a:t>
+            </a:r>
+            <a:r>
+              <a:rPr lang="en-US" sz="2400" dirty="0" err="1" smtClean="0"/>
+              <a:t>thấy</a:t>
+            </a:r>
+            <a:r>
+              <a:rPr lang="en-US" sz="2400" dirty="0" smtClean="0"/>
+              <a:t> </a:t>
+            </a:r>
+            <a:r>
+              <a:rPr lang="en-US" sz="2400" dirty="0" err="1" smtClean="0"/>
+              <a:t>rằng</a:t>
+            </a:r>
+            <a:r>
+              <a:rPr lang="en-US" sz="2400" dirty="0" smtClean="0"/>
+              <a:t> </a:t>
+            </a:r>
+            <a:r>
+              <a:rPr lang="en-US" sz="2400" dirty="0" err="1" smtClean="0"/>
+              <a:t>khi</a:t>
+            </a:r>
+            <a:r>
+              <a:rPr lang="en-US" sz="2400" dirty="0" smtClean="0"/>
+              <a:t> ta </a:t>
+            </a:r>
+            <a:r>
+              <a:rPr lang="en-US" sz="2400" dirty="0" err="1" smtClean="0"/>
+              <a:t>chọn</a:t>
+            </a:r>
+            <a:r>
+              <a:rPr lang="en-US" sz="2400" dirty="0" smtClean="0"/>
+              <a:t> K </a:t>
+            </a:r>
+            <a:r>
+              <a:rPr lang="en-US" sz="2400" dirty="0" err="1" smtClean="0"/>
+              <a:t>bằng</a:t>
+            </a:r>
+            <a:r>
+              <a:rPr lang="en-US" sz="2400" dirty="0" smtClean="0"/>
+              <a:t> 1 ta </a:t>
+            </a:r>
+            <a:r>
+              <a:rPr lang="en-US" sz="2400" dirty="0" err="1" smtClean="0"/>
+              <a:t>sẽ</a:t>
+            </a:r>
+            <a:r>
+              <a:rPr lang="en-US" sz="2400" dirty="0" smtClean="0"/>
+              <a:t> </a:t>
+            </a:r>
+            <a:r>
+              <a:rPr lang="en-US" sz="2400" dirty="0" err="1" smtClean="0"/>
+              <a:t>thấy</a:t>
+            </a:r>
+            <a:r>
+              <a:rPr lang="en-US" sz="2400" dirty="0"/>
+              <a:t> </a:t>
+            </a:r>
+            <a:r>
+              <a:rPr lang="en-US" sz="2400" dirty="0" err="1" smtClean="0"/>
+              <a:t>màu</a:t>
+            </a:r>
+            <a:r>
+              <a:rPr lang="en-US" sz="2400" dirty="0" smtClean="0"/>
+              <a:t> </a:t>
+            </a:r>
+            <a:r>
+              <a:rPr lang="en-US" sz="2400" dirty="0" err="1" smtClean="0"/>
+              <a:t>xanh</a:t>
+            </a:r>
+            <a:r>
+              <a:rPr lang="en-US" sz="2400" dirty="0" smtClean="0"/>
+              <a:t> </a:t>
+            </a:r>
+            <a:r>
+              <a:rPr lang="en-US" sz="2400" dirty="0" err="1" smtClean="0"/>
+              <a:t>kia</a:t>
+            </a:r>
+            <a:r>
+              <a:rPr lang="en-US" sz="2400" dirty="0" smtClean="0"/>
+              <a:t> </a:t>
+            </a:r>
+            <a:r>
+              <a:rPr lang="en-US" sz="2400" dirty="0" err="1" smtClean="0"/>
+              <a:t>đang</a:t>
+            </a:r>
+            <a:r>
+              <a:rPr lang="en-US" sz="2400" dirty="0" smtClean="0"/>
+              <a:t> </a:t>
+            </a:r>
+            <a:r>
+              <a:rPr lang="en-US" sz="2400" dirty="0" err="1" smtClean="0"/>
+              <a:t>nằm</a:t>
+            </a:r>
+            <a:r>
+              <a:rPr lang="en-US" sz="2400" dirty="0" smtClean="0"/>
+              <a:t> </a:t>
+            </a:r>
+            <a:r>
+              <a:rPr lang="en-US" sz="2400" dirty="0" err="1" smtClean="0"/>
+              <a:t>trong</a:t>
+            </a:r>
+            <a:r>
+              <a:rPr lang="en-US" sz="2400" dirty="0" smtClean="0"/>
+              <a:t> </a:t>
+            </a:r>
+            <a:r>
+              <a:rPr lang="en-US" sz="2400" dirty="0" err="1" smtClean="0"/>
+              <a:t>một</a:t>
+            </a:r>
+            <a:r>
+              <a:rPr lang="en-US" sz="2400" dirty="0" smtClean="0"/>
+              <a:t> </a:t>
+            </a:r>
+            <a:r>
+              <a:rPr lang="en-US" sz="2400" dirty="0" err="1" smtClean="0"/>
+              <a:t>vùng</a:t>
+            </a:r>
+            <a:r>
+              <a:rPr lang="en-US" sz="2400" dirty="0" smtClean="0"/>
+              <a:t> </a:t>
+            </a:r>
+            <a:r>
+              <a:rPr lang="en-US" sz="2400" dirty="0" err="1" smtClean="0"/>
+              <a:t>bao</a:t>
+            </a:r>
+            <a:r>
+              <a:rPr lang="en-US" sz="2400" dirty="0" smtClean="0"/>
+              <a:t> </a:t>
+            </a:r>
+            <a:r>
+              <a:rPr lang="en-US" sz="2400" dirty="0" err="1" smtClean="0"/>
+              <a:t>quanh</a:t>
+            </a:r>
+            <a:r>
+              <a:rPr lang="en-US" sz="2400" dirty="0" smtClean="0"/>
+              <a:t> </a:t>
+            </a:r>
+            <a:r>
+              <a:rPr lang="en-US" sz="2400" dirty="0" err="1" smtClean="0"/>
+              <a:t>bởi</a:t>
+            </a:r>
+            <a:r>
+              <a:rPr lang="en-US" sz="2400" dirty="0" smtClean="0"/>
+              <a:t> </a:t>
+            </a:r>
+            <a:r>
+              <a:rPr lang="en-US" sz="2400" dirty="0" err="1" smtClean="0"/>
+              <a:t>các</a:t>
+            </a:r>
+            <a:r>
+              <a:rPr lang="en-US" sz="2400" dirty="0" smtClean="0"/>
+              <a:t> </a:t>
+            </a:r>
+            <a:r>
+              <a:rPr lang="en-US" sz="2400" dirty="0" err="1" smtClean="0"/>
+              <a:t>điểm</a:t>
+            </a:r>
+            <a:r>
+              <a:rPr lang="en-US" sz="2400" dirty="0" smtClean="0"/>
+              <a:t> </a:t>
+            </a:r>
+            <a:r>
+              <a:rPr lang="en-US" sz="2400" dirty="0" err="1" smtClean="0"/>
+              <a:t>màu</a:t>
+            </a:r>
+            <a:r>
+              <a:rPr lang="en-US" sz="2400" dirty="0" smtClean="0"/>
+              <a:t> </a:t>
+            </a:r>
+            <a:r>
+              <a:rPr lang="en-US" sz="2400" dirty="0" err="1" smtClean="0"/>
+              <a:t>hồng</a:t>
+            </a:r>
+            <a:r>
+              <a:rPr lang="en-US" sz="2400" dirty="0" smtClean="0"/>
+              <a:t> </a:t>
+            </a:r>
+            <a:r>
+              <a:rPr lang="en-US" sz="2400" dirty="0" err="1" smtClean="0"/>
+              <a:t>vì</a:t>
+            </a:r>
+            <a:r>
+              <a:rPr lang="en-US" sz="2400" dirty="0" smtClean="0"/>
+              <a:t> </a:t>
+            </a:r>
+            <a:r>
+              <a:rPr lang="en-US" sz="2400" dirty="0" err="1" smtClean="0"/>
+              <a:t>vậy</a:t>
+            </a:r>
+            <a:r>
+              <a:rPr lang="en-US" sz="2400" dirty="0" smtClean="0"/>
+              <a:t> </a:t>
+            </a:r>
+            <a:r>
+              <a:rPr lang="en-US" sz="2400" dirty="0" err="1" smtClean="0"/>
+              <a:t>điểm</a:t>
+            </a:r>
+            <a:r>
+              <a:rPr lang="en-US" sz="2400" dirty="0" smtClean="0"/>
+              <a:t> </a:t>
+            </a:r>
+            <a:r>
+              <a:rPr lang="en-US" sz="2400" dirty="0" err="1" smtClean="0"/>
+              <a:t>này</a:t>
+            </a:r>
+            <a:r>
+              <a:rPr lang="en-US" sz="2400" dirty="0" smtClean="0"/>
+              <a:t> </a:t>
+            </a:r>
+            <a:r>
+              <a:rPr lang="en-US" sz="2400" dirty="0" err="1" smtClean="0"/>
+              <a:t>có</a:t>
+            </a:r>
+            <a:r>
+              <a:rPr lang="en-US" sz="2400" dirty="0" smtClean="0"/>
+              <a:t> </a:t>
+            </a:r>
+            <a:r>
+              <a:rPr lang="en-US" sz="2400" dirty="0" err="1" smtClean="0"/>
+              <a:t>thể</a:t>
+            </a:r>
+            <a:r>
+              <a:rPr lang="en-US" sz="2400" dirty="0" smtClean="0"/>
+              <a:t> </a:t>
+            </a:r>
+            <a:r>
+              <a:rPr lang="en-US" sz="2400" dirty="0" err="1" smtClean="0"/>
+              <a:t>là</a:t>
+            </a:r>
+            <a:r>
+              <a:rPr lang="en-US" sz="2400" dirty="0" smtClean="0"/>
+              <a:t> </a:t>
+            </a:r>
+            <a:r>
+              <a:rPr lang="en-US" sz="2400" dirty="0" err="1" smtClean="0"/>
+              <a:t>một</a:t>
+            </a:r>
+            <a:r>
+              <a:rPr lang="en-US" sz="2400" dirty="0" smtClean="0"/>
+              <a:t> </a:t>
+            </a:r>
+            <a:r>
+              <a:rPr lang="en-US" sz="2400" dirty="0" err="1" smtClean="0"/>
+              <a:t>điểm</a:t>
+            </a:r>
+            <a:r>
+              <a:rPr lang="en-US" sz="2400" dirty="0" smtClean="0"/>
+              <a:t> </a:t>
+            </a:r>
+            <a:r>
+              <a:rPr lang="en-US" sz="2400" dirty="0" err="1" smtClean="0"/>
+              <a:t>dữ</a:t>
+            </a:r>
+            <a:r>
+              <a:rPr lang="en-US" sz="2400" dirty="0" smtClean="0"/>
+              <a:t> </a:t>
+            </a:r>
+            <a:r>
+              <a:rPr lang="en-US" sz="2400" dirty="0" err="1" smtClean="0"/>
+              <a:t>liệu</a:t>
+            </a:r>
+            <a:r>
+              <a:rPr lang="en-US" sz="2400" dirty="0" smtClean="0"/>
+              <a:t> </a:t>
+            </a:r>
+            <a:r>
+              <a:rPr lang="en-US" sz="2400" dirty="0" err="1" smtClean="0"/>
+              <a:t>bị</a:t>
+            </a:r>
+            <a:r>
+              <a:rPr lang="en-US" sz="2400" dirty="0" smtClean="0"/>
+              <a:t> </a:t>
+            </a:r>
+            <a:r>
+              <a:rPr lang="en-US" sz="2400" dirty="0" err="1" smtClean="0"/>
+              <a:t>nhiễu</a:t>
+            </a:r>
+            <a:r>
+              <a:rPr lang="en-US" sz="2400" dirty="0" smtClean="0"/>
+              <a:t>. </a:t>
+            </a:r>
+            <a:r>
+              <a:rPr lang="en-US" sz="2400" dirty="0" err="1" smtClean="0"/>
+              <a:t>Khi</a:t>
+            </a:r>
+            <a:r>
+              <a:rPr lang="en-US" sz="2400" dirty="0" smtClean="0"/>
+              <a:t> ta </a:t>
+            </a:r>
+            <a:r>
+              <a:rPr lang="en-US" sz="2400" dirty="0" err="1" smtClean="0"/>
+              <a:t>xét</a:t>
+            </a:r>
+            <a:r>
+              <a:rPr lang="en-US" sz="2400" dirty="0" smtClean="0"/>
+              <a:t> </a:t>
+            </a:r>
+            <a:r>
+              <a:rPr lang="en-US" sz="2400" dirty="0" err="1" smtClean="0"/>
+              <a:t>nếu</a:t>
+            </a:r>
+            <a:r>
+              <a:rPr lang="en-US" sz="2400" dirty="0" smtClean="0"/>
+              <a:t> </a:t>
+            </a:r>
+            <a:r>
+              <a:rPr lang="en-US" sz="2400" dirty="0" err="1" smtClean="0"/>
+              <a:t>dữ</a:t>
+            </a:r>
+            <a:r>
+              <a:rPr lang="en-US" sz="2400" dirty="0" smtClean="0"/>
+              <a:t> </a:t>
+            </a:r>
+            <a:r>
+              <a:rPr lang="en-US" sz="2400" dirty="0" err="1" smtClean="0"/>
+              <a:t>liệu</a:t>
+            </a:r>
+            <a:r>
+              <a:rPr lang="en-US" sz="2400" dirty="0" smtClean="0"/>
+              <a:t> test </a:t>
+            </a:r>
+            <a:r>
+              <a:rPr lang="en-US" sz="2400" dirty="0" err="1" smtClean="0"/>
+              <a:t>rơi</a:t>
+            </a:r>
+            <a:r>
+              <a:rPr lang="en-US" sz="2400" dirty="0" smtClean="0"/>
+              <a:t> </a:t>
+            </a:r>
+            <a:r>
+              <a:rPr lang="en-US" sz="2400" dirty="0" err="1" smtClean="0"/>
+              <a:t>vào</a:t>
+            </a:r>
+            <a:r>
+              <a:rPr lang="en-US" sz="2400" dirty="0" smtClean="0"/>
+              <a:t> </a:t>
+            </a:r>
+            <a:r>
+              <a:rPr lang="en-US" sz="2400" dirty="0" err="1" smtClean="0"/>
+              <a:t>những</a:t>
+            </a:r>
+            <a:r>
+              <a:rPr lang="en-US" sz="2400" dirty="0" smtClean="0"/>
+              <a:t> </a:t>
+            </a:r>
+            <a:r>
+              <a:rPr lang="en-US" sz="2400" dirty="0" err="1" smtClean="0"/>
+              <a:t>điểm</a:t>
+            </a:r>
+            <a:r>
+              <a:rPr lang="en-US" sz="2400" dirty="0" smtClean="0"/>
+              <a:t> </a:t>
+            </a:r>
+            <a:r>
+              <a:rPr lang="en-US" sz="2400" dirty="0" err="1" smtClean="0"/>
+              <a:t>như</a:t>
+            </a:r>
+            <a:r>
+              <a:rPr lang="en-US" sz="2400" dirty="0" smtClean="0"/>
+              <a:t> </a:t>
+            </a:r>
+            <a:r>
+              <a:rPr lang="en-US" sz="2400" dirty="0" err="1" smtClean="0"/>
+              <a:t>thế</a:t>
+            </a:r>
+            <a:r>
+              <a:rPr lang="en-US" sz="2400" dirty="0" smtClean="0"/>
+              <a:t> </a:t>
+            </a:r>
+            <a:r>
+              <a:rPr lang="en-US" sz="2400" dirty="0" err="1" smtClean="0"/>
+              <a:t>có</a:t>
+            </a:r>
+            <a:r>
+              <a:rPr lang="en-US" sz="2400" dirty="0" smtClean="0"/>
+              <a:t> </a:t>
+            </a:r>
+            <a:r>
+              <a:rPr lang="en-US" sz="2400" dirty="0" err="1" smtClean="0"/>
+              <a:t>thể</a:t>
+            </a:r>
+            <a:r>
+              <a:rPr lang="en-US" sz="2400" dirty="0" smtClean="0"/>
+              <a:t> </a:t>
+            </a:r>
+            <a:r>
+              <a:rPr lang="en-US" sz="2400" dirty="0" err="1" smtClean="0"/>
+              <a:t>sẽ</a:t>
+            </a:r>
+            <a:r>
+              <a:rPr lang="en-US" sz="2400" dirty="0" smtClean="0"/>
+              <a:t> </a:t>
+            </a:r>
+            <a:r>
+              <a:rPr lang="en-US" sz="2400" dirty="0" err="1" smtClean="0"/>
+              <a:t>đưa</a:t>
+            </a:r>
+            <a:r>
+              <a:rPr lang="en-US" sz="2400" dirty="0" smtClean="0"/>
+              <a:t> </a:t>
+            </a:r>
+            <a:r>
+              <a:rPr lang="en-US" sz="2400" dirty="0" err="1" smtClean="0"/>
+              <a:t>ra</a:t>
+            </a:r>
+            <a:r>
+              <a:rPr lang="en-US" sz="2400" dirty="0" smtClean="0"/>
+              <a:t> </a:t>
+            </a:r>
+            <a:r>
+              <a:rPr lang="en-US" sz="2400" dirty="0" err="1" smtClean="0"/>
+              <a:t>nhữ</a:t>
+            </a:r>
+            <a:r>
+              <a:rPr lang="en-US" sz="2400" dirty="0" smtClean="0"/>
+              <a:t> </a:t>
+            </a:r>
+            <a:r>
+              <a:rPr lang="en-US" sz="2400" dirty="0" err="1" smtClean="0"/>
+              <a:t>dữ</a:t>
+            </a:r>
+            <a:r>
+              <a:rPr lang="en-US" sz="2400" dirty="0" smtClean="0"/>
+              <a:t> </a:t>
+            </a:r>
+            <a:r>
+              <a:rPr lang="en-US" sz="2400" dirty="0" err="1" smtClean="0"/>
+              <a:t>đoán</a:t>
+            </a:r>
+            <a:r>
+              <a:rPr lang="en-US" sz="2400" dirty="0" smtClean="0"/>
+              <a:t> </a:t>
+            </a:r>
+            <a:r>
+              <a:rPr lang="en-US" sz="2400" dirty="0" err="1" smtClean="0"/>
+              <a:t>không</a:t>
+            </a:r>
+            <a:r>
+              <a:rPr lang="en-US" sz="2400" dirty="0" smtClean="0"/>
+              <a:t> </a:t>
+            </a:r>
+            <a:r>
+              <a:rPr lang="en-US" sz="2400" dirty="0" err="1" smtClean="0"/>
+              <a:t>chính</a:t>
+            </a:r>
+            <a:r>
+              <a:rPr lang="en-US" sz="2400" dirty="0" smtClean="0"/>
+              <a:t> </a:t>
+            </a:r>
+            <a:r>
+              <a:rPr lang="en-US" sz="2400" dirty="0" err="1" smtClean="0"/>
+              <a:t>xác</a:t>
+            </a:r>
+            <a:r>
+              <a:rPr lang="en-US" sz="2400" dirty="0" smtClean="0"/>
+              <a:t>.</a:t>
+            </a:r>
+          </a:p>
+          <a:p>
+            <a:endParaRPr lang="en-US" sz="2400" dirty="0"/>
+          </a:p>
+          <a:p>
+            <a:r>
+              <a:rPr lang="en-US" sz="2400" dirty="0" err="1" smtClean="0"/>
+              <a:t>Để</a:t>
+            </a:r>
+            <a:r>
+              <a:rPr lang="en-US" sz="2400" dirty="0" smtClean="0"/>
+              <a:t> </a:t>
+            </a:r>
+            <a:r>
+              <a:rPr lang="en-US" sz="2400" dirty="0" err="1" smtClean="0"/>
+              <a:t>khắc</a:t>
+            </a:r>
+            <a:r>
+              <a:rPr lang="en-US" sz="2400" dirty="0" smtClean="0"/>
+              <a:t> </a:t>
+            </a:r>
+            <a:r>
+              <a:rPr lang="en-US" sz="2400" dirty="0" err="1" smtClean="0"/>
+              <a:t>phục</a:t>
+            </a:r>
+            <a:r>
+              <a:rPr lang="en-US" sz="2400" dirty="0" smtClean="0"/>
+              <a:t> </a:t>
+            </a:r>
+            <a:r>
+              <a:rPr lang="en-US" sz="2400" dirty="0" err="1" smtClean="0"/>
+              <a:t>thì</a:t>
+            </a:r>
+            <a:r>
+              <a:rPr lang="en-US" sz="2400" dirty="0" smtClean="0"/>
+              <a:t> </a:t>
+            </a:r>
+            <a:r>
+              <a:rPr lang="en-US" sz="2400" dirty="0" err="1" smtClean="0"/>
+              <a:t>thì</a:t>
+            </a:r>
+            <a:r>
+              <a:rPr lang="en-US" sz="2400" dirty="0" smtClean="0"/>
+              <a:t> ta </a:t>
+            </a:r>
+            <a:r>
+              <a:rPr lang="en-US" sz="2400" dirty="0" err="1" smtClean="0"/>
+              <a:t>có</a:t>
+            </a:r>
+            <a:r>
+              <a:rPr lang="en-US" sz="2400" dirty="0" smtClean="0"/>
+              <a:t> </a:t>
+            </a:r>
+            <a:r>
+              <a:rPr lang="en-US" sz="2400" dirty="0" err="1" smtClean="0"/>
+              <a:t>thể</a:t>
+            </a:r>
+            <a:r>
+              <a:rPr lang="en-US" sz="2400" dirty="0" smtClean="0"/>
+              <a:t> </a:t>
+            </a:r>
+            <a:r>
+              <a:rPr lang="en-US" sz="2400" dirty="0" err="1" smtClean="0"/>
+              <a:t>tăng</a:t>
+            </a:r>
+            <a:r>
+              <a:rPr lang="en-US" sz="2400" dirty="0" smtClean="0"/>
+              <a:t> K </a:t>
+            </a:r>
+            <a:r>
+              <a:rPr lang="en-US" sz="2400" dirty="0" err="1" smtClean="0"/>
+              <a:t>lên</a:t>
+            </a:r>
+            <a:r>
+              <a:rPr lang="en-US" sz="2400" dirty="0" smtClean="0"/>
+              <a:t>. </a:t>
+            </a:r>
+            <a:r>
+              <a:rPr lang="en-US" sz="2400" dirty="0" err="1" smtClean="0"/>
+              <a:t>Sau</a:t>
+            </a:r>
+            <a:r>
+              <a:rPr lang="en-US" sz="2400" dirty="0" smtClean="0"/>
+              <a:t> </a:t>
+            </a:r>
+            <a:r>
+              <a:rPr lang="en-US" sz="2400" dirty="0" err="1" smtClean="0"/>
+              <a:t>khi</a:t>
+            </a:r>
+            <a:r>
+              <a:rPr lang="en-US" sz="2400" dirty="0" smtClean="0"/>
+              <a:t> </a:t>
+            </a:r>
+            <a:r>
+              <a:rPr lang="en-US" sz="2400" dirty="0" err="1" smtClean="0"/>
+              <a:t>tăng</a:t>
+            </a:r>
+            <a:r>
+              <a:rPr lang="en-US" sz="2400" dirty="0" smtClean="0"/>
+              <a:t> K </a:t>
+            </a:r>
+            <a:r>
+              <a:rPr lang="en-US" sz="2400" dirty="0" err="1" smtClean="0"/>
+              <a:t>lên</a:t>
+            </a:r>
+            <a:r>
+              <a:rPr lang="en-US" sz="2400" dirty="0" smtClean="0"/>
+              <a:t> </a:t>
+            </a:r>
+            <a:r>
+              <a:rPr lang="en-US" sz="2400" dirty="0" err="1" smtClean="0"/>
+              <a:t>thì</a:t>
+            </a:r>
+            <a:r>
+              <a:rPr lang="en-US" sz="2400" dirty="0" smtClean="0"/>
+              <a:t> ta </a:t>
+            </a:r>
+            <a:r>
+              <a:rPr lang="en-US" sz="2400" dirty="0" err="1" smtClean="0"/>
+              <a:t>có</a:t>
+            </a:r>
+            <a:r>
+              <a:rPr lang="en-US" sz="2400" dirty="0" smtClean="0"/>
+              <a:t> </a:t>
+            </a:r>
+            <a:r>
+              <a:rPr lang="en-US" sz="2400" dirty="0" err="1" smtClean="0"/>
+              <a:t>thể</a:t>
+            </a:r>
+            <a:r>
+              <a:rPr lang="en-US" sz="2400" dirty="0" smtClean="0"/>
+              <a:t> </a:t>
+            </a:r>
+            <a:r>
+              <a:rPr lang="en-US" sz="2400" dirty="0" err="1" smtClean="0"/>
+              <a:t>thấy</a:t>
+            </a:r>
+            <a:r>
+              <a:rPr lang="en-US" sz="2400" dirty="0" smtClean="0"/>
+              <a:t> </a:t>
+            </a:r>
+            <a:r>
+              <a:rPr lang="en-US" sz="2400" dirty="0" err="1" smtClean="0"/>
+              <a:t>đường</a:t>
+            </a:r>
+            <a:r>
+              <a:rPr lang="en-US" sz="2400" dirty="0" smtClean="0"/>
+              <a:t> </a:t>
+            </a:r>
+            <a:r>
+              <a:rPr lang="en-US" sz="2400" dirty="0" err="1" smtClean="0"/>
+              <a:t>viền</a:t>
+            </a:r>
+            <a:r>
+              <a:rPr lang="en-US" sz="2400" dirty="0" smtClean="0"/>
+              <a:t> </a:t>
+            </a:r>
+            <a:r>
+              <a:rPr lang="en-US" sz="2400" dirty="0" err="1" smtClean="0"/>
+              <a:t>phân</a:t>
+            </a:r>
+            <a:r>
+              <a:rPr lang="en-US" sz="2400" dirty="0" smtClean="0"/>
+              <a:t> </a:t>
+            </a:r>
+            <a:r>
+              <a:rPr lang="en-US" sz="2400" dirty="0" err="1" smtClean="0"/>
+              <a:t>cách</a:t>
+            </a:r>
+            <a:r>
+              <a:rPr lang="en-US" sz="2400" dirty="0" smtClean="0"/>
+              <a:t> </a:t>
+            </a:r>
+            <a:r>
+              <a:rPr lang="en-US" sz="2400" dirty="0" err="1" smtClean="0"/>
+              <a:t>các</a:t>
+            </a:r>
+            <a:r>
+              <a:rPr lang="en-US" sz="2400" dirty="0" smtClean="0"/>
+              <a:t> </a:t>
+            </a:r>
+            <a:r>
+              <a:rPr lang="en-US" sz="2400" dirty="0" err="1" smtClean="0"/>
+              <a:t>vùng</a:t>
+            </a:r>
+            <a:r>
+              <a:rPr lang="en-US" sz="2400" dirty="0" smtClean="0"/>
+              <a:t> </a:t>
+            </a:r>
+            <a:r>
+              <a:rPr lang="en-US" sz="2400" dirty="0" err="1" smtClean="0"/>
+              <a:t>trở</a:t>
+            </a:r>
+            <a:r>
+              <a:rPr lang="en-US" sz="2400" dirty="0" smtClean="0"/>
+              <a:t> </a:t>
+            </a:r>
+            <a:r>
+              <a:rPr lang="en-US" sz="2400" dirty="0" err="1" smtClean="0"/>
+              <a:t>nên</a:t>
+            </a:r>
+            <a:r>
+              <a:rPr lang="en-US" sz="2400" dirty="0" smtClean="0"/>
+              <a:t> </a:t>
+            </a:r>
+            <a:r>
+              <a:rPr lang="en-US" sz="2400" dirty="0" err="1" smtClean="0"/>
+              <a:t>mượt</a:t>
+            </a:r>
+            <a:r>
+              <a:rPr lang="en-US" sz="2400" dirty="0" smtClean="0"/>
+              <a:t> </a:t>
+            </a:r>
+            <a:r>
+              <a:rPr lang="en-US" sz="2400" dirty="0" err="1" smtClean="0"/>
+              <a:t>mà</a:t>
+            </a:r>
+            <a:r>
+              <a:rPr lang="en-US" sz="2400" dirty="0" smtClean="0"/>
+              <a:t> </a:t>
+            </a:r>
+            <a:r>
+              <a:rPr lang="en-US" sz="2400" dirty="0" err="1" smtClean="0"/>
+              <a:t>hơn</a:t>
+            </a:r>
+            <a:r>
+              <a:rPr lang="en-US" sz="2400" dirty="0" smtClean="0"/>
+              <a:t>.</a:t>
+            </a:r>
+            <a:endParaRPr lang="en-US" sz="2400" dirty="0"/>
+          </a:p>
+        </p:txBody>
+      </p:sp>
+      <p:grpSp>
+        <p:nvGrpSpPr>
+          <p:cNvPr id="13" name="Group 12"/>
+          <p:cNvGrpSpPr/>
+          <p:nvPr/>
+        </p:nvGrpSpPr>
+        <p:grpSpPr>
+          <a:xfrm>
+            <a:off x="6085210" y="339761"/>
+            <a:ext cx="5178902" cy="5672132"/>
+            <a:chOff x="6085210" y="339761"/>
+            <a:chExt cx="5178902" cy="5672132"/>
+          </a:xfrm>
+        </p:grpSpPr>
+        <p:pic>
+          <p:nvPicPr>
+            <p:cNvPr id="5" name="Picture 2" descr="Misleading modelling: overfitting, cross-validation, and the bias-variance  trade-off | Cambridge Coding Academy"/>
+            <p:cNvPicPr>
+              <a:picLocks noChangeAspect="1" noChangeArrowheads="1"/>
+            </p:cNvPicPr>
+            <p:nvPr/>
+          </p:nvPicPr>
+          <p:blipFill rotWithShape="1">
+            <a:blip r:embed="rId2">
+              <a:extLst>
+                <a:ext uri="{28A0092B-C50C-407E-A947-70E740481C1C}">
+                  <a14:useLocalDpi xmlns:a14="http://schemas.microsoft.com/office/drawing/2010/main" val="0"/>
+                </a:ext>
+              </a:extLst>
+            </a:blip>
+            <a:srcRect l="52517" r="2527" b="4471"/>
+            <a:stretch/>
+          </p:blipFill>
+          <p:spPr bwMode="auto">
+            <a:xfrm>
+              <a:off x="6085210" y="339761"/>
+              <a:ext cx="5178902" cy="5672132"/>
+            </a:xfrm>
+            <a:prstGeom prst="rect">
+              <a:avLst/>
+            </a:prstGeom>
+            <a:noFill/>
+            <a:extLst>
+              <a:ext uri="{909E8E84-426E-40DD-AFC4-6F175D3DCCD1}">
+                <a14:hiddenFill xmlns:a14="http://schemas.microsoft.com/office/drawing/2010/main">
+                  <a:solidFill>
+                    <a:srgbClr val="FFFFFF"/>
+                  </a:solidFill>
+                </a14:hiddenFill>
+              </a:ext>
+            </a:extLst>
+          </p:spPr>
+        </p:pic>
+        <p:sp>
+          <p:nvSpPr>
+            <p:cNvPr id="11" name="Up Arrow 10"/>
+            <p:cNvSpPr/>
+            <p:nvPr/>
+          </p:nvSpPr>
+          <p:spPr>
+            <a:xfrm rot="4242147">
+              <a:off x="8637551" y="4349362"/>
+              <a:ext cx="110855" cy="547747"/>
+            </a:xfrm>
+            <a:prstGeom prst="upArrow">
+              <a:avLst>
+                <a:gd name="adj1" fmla="val 50000"/>
+                <a:gd name="adj2" fmla="val 50160"/>
+              </a:avLst>
+            </a:prstGeom>
+          </p:spPr>
+          <p:style>
+            <a:lnRef idx="2">
+              <a:schemeClr val="accent1">
+                <a:shade val="50000"/>
+              </a:schemeClr>
+            </a:lnRef>
+            <a:fillRef idx="1">
+              <a:schemeClr val="accent1"/>
+            </a:fillRef>
+            <a:effectRef idx="0">
+              <a:schemeClr val="accent1"/>
+            </a:effectRef>
+            <a:fontRef idx="minor">
+              <a:schemeClr val="lt1"/>
+            </a:fontRef>
+          </p:style>
+          <p:txBody>
+            <a:bodyPr rtlCol="0" anchor="ctr"/>
+            <a:lstStyle/>
+            <a:p>
+              <a:pPr algn="ctr"/>
+              <a:endParaRPr lang="en-US"/>
+            </a:p>
+          </p:txBody>
+        </p:sp>
+        <p:sp>
+          <p:nvSpPr>
+            <p:cNvPr id="12" name="Up Arrow 11"/>
+            <p:cNvSpPr/>
+            <p:nvPr/>
+          </p:nvSpPr>
+          <p:spPr>
+            <a:xfrm rot="1285005">
+              <a:off x="8916788" y="4621112"/>
+              <a:ext cx="105986" cy="621969"/>
+            </a:xfrm>
+            <a:prstGeom prst="upArrow">
+              <a:avLst>
+                <a:gd name="adj1" fmla="val 50000"/>
+                <a:gd name="adj2" fmla="val 50160"/>
+              </a:avLst>
+            </a:prstGeom>
+          </p:spPr>
+          <p:style>
+            <a:lnRef idx="2">
+              <a:schemeClr val="accent1">
+                <a:shade val="50000"/>
+              </a:schemeClr>
+            </a:lnRef>
+            <a:fillRef idx="1">
+              <a:schemeClr val="accent1"/>
+            </a:fillRef>
+            <a:effectRef idx="0">
+              <a:schemeClr val="accent1"/>
+            </a:effectRef>
+            <a:fontRef idx="minor">
+              <a:schemeClr val="lt1"/>
+            </a:fontRef>
+          </p:style>
+          <p:txBody>
+            <a:bodyPr rtlCol="0" anchor="ctr"/>
+            <a:lstStyle/>
+            <a:p>
+              <a:pPr algn="ctr"/>
+              <a:endParaRPr lang="en-US"/>
+            </a:p>
+          </p:txBody>
+        </p:sp>
+      </p:grpSp>
+      <p:pic>
+        <p:nvPicPr>
+          <p:cNvPr id="14" name="Picture 2" descr="Misleading modelling: overfitting, cross-validation, and the bias-variance  trade-off | Cambridge Coding Academy"/>
+          <p:cNvPicPr>
+            <a:picLocks noChangeAspect="1" noChangeArrowheads="1"/>
+          </p:cNvPicPr>
+          <p:nvPr/>
+        </p:nvPicPr>
+        <p:blipFill rotWithShape="1">
+          <a:blip r:embed="rId2">
+            <a:extLst>
+              <a:ext uri="{28A0092B-C50C-407E-A947-70E740481C1C}">
+                <a14:useLocalDpi xmlns:a14="http://schemas.microsoft.com/office/drawing/2010/main" val="0"/>
+              </a:ext>
+            </a:extLst>
+          </a:blip>
+          <a:srcRect l="3449" r="50000" b="4165"/>
+          <a:stretch/>
+        </p:blipFill>
+        <p:spPr bwMode="auto">
+          <a:xfrm>
+            <a:off x="6014513" y="351990"/>
+            <a:ext cx="5249599" cy="5659903"/>
+          </a:xfrm>
+          <a:prstGeom prst="rect">
+            <a:avLst/>
+          </a:prstGeom>
+          <a:noFill/>
+          <a:extLst>
+            <a:ext uri="{909E8E84-426E-40DD-AFC4-6F175D3DCCD1}">
+              <a14:hiddenFill xmlns:a14="http://schemas.microsoft.com/office/drawing/2010/main">
+                <a:solidFill>
+                  <a:srgbClr val="FFFFFF"/>
+                </a:solidFill>
+              </a14:hiddenFill>
+            </a:ext>
+          </a:extLst>
+        </p:spPr>
+      </p:pic>
+    </p:spTree>
+    <p:extLst>
+      <p:ext uri="{BB962C8B-B14F-4D97-AF65-F5344CB8AC3E}">
+        <p14:creationId xmlns:p14="http://schemas.microsoft.com/office/powerpoint/2010/main" val="3713975113"/>
+      </p:ext>
+    </p:extLst>
+  </p:cSld>
+  <p:clrMapOvr>
+    <a:masterClrMapping/>
+  </p:clrMapOvr>
+  <p:timing>
+    <p:tnLst>
+      <p:par>
+        <p:cTn id="1" dur="indefinite" restart="never" nodeType="tmRoot">
+          <p:childTnLst>
+            <p:seq concurrent="1" nextAc="seek">
+              <p:cTn id="2" dur="indefinite" nodeType="mainSeq">
+                <p:childTnLst>
+                  <p:par>
+                    <p:cTn id="3" fill="hold">
+                      <p:stCondLst>
+                        <p:cond delay="indefinite"/>
+                      </p:stCondLst>
+                      <p:childTnLst>
+                        <p:par>
+                          <p:cTn id="4" fill="hold">
+                            <p:stCondLst>
+                              <p:cond delay="0"/>
+                            </p:stCondLst>
+                            <p:childTnLst>
+                              <p:par>
+                                <p:cTn id="5" presetID="10" presetClass="exit" presetSubtype="0" fill="hold" nodeType="clickEffect">
+                                  <p:stCondLst>
+                                    <p:cond delay="0"/>
+                                  </p:stCondLst>
+                                  <p:childTnLst>
+                                    <p:animEffect transition="out" filter="fade">
+                                      <p:cBhvr>
+                                        <p:cTn id="6" dur="500"/>
+                                        <p:tgtEl>
+                                          <p:spTgt spid="13"/>
+                                        </p:tgtEl>
+                                      </p:cBhvr>
+                                    </p:animEffect>
+                                    <p:set>
+                                      <p:cBhvr>
+                                        <p:cTn id="7" dur="1" fill="hold">
+                                          <p:stCondLst>
+                                            <p:cond delay="499"/>
+                                          </p:stCondLst>
+                                        </p:cTn>
+                                        <p:tgtEl>
+                                          <p:spTgt spid="13"/>
+                                        </p:tgtEl>
+                                        <p:attrNameLst>
+                                          <p:attrName>style.visibility</p:attrName>
+                                        </p:attrNameLst>
+                                      </p:cBhvr>
+                                      <p:to>
+                                        <p:strVal val="hidden"/>
+                                      </p:to>
+                                    </p:set>
+                                  </p:childTnLst>
+                                </p:cTn>
+                              </p:par>
+                            </p:childTnLst>
+                          </p:cTn>
+                        </p:par>
+                        <p:par>
+                          <p:cTn id="8" fill="hold">
+                            <p:stCondLst>
+                              <p:cond delay="500"/>
+                            </p:stCondLst>
+                            <p:childTnLst>
+                              <p:par>
+                                <p:cTn id="9" presetID="10" presetClass="entr" presetSubtype="0" fill="hold" nodeType="afterEffect">
+                                  <p:stCondLst>
+                                    <p:cond delay="0"/>
+                                  </p:stCondLst>
+                                  <p:childTnLst>
+                                    <p:set>
+                                      <p:cBhvr>
+                                        <p:cTn id="10" dur="1" fill="hold">
+                                          <p:stCondLst>
+                                            <p:cond delay="0"/>
+                                          </p:stCondLst>
+                                        </p:cTn>
+                                        <p:tgtEl>
+                                          <p:spTgt spid="14"/>
+                                        </p:tgtEl>
+                                        <p:attrNameLst>
+                                          <p:attrName>style.visibility</p:attrName>
+                                        </p:attrNameLst>
+                                      </p:cBhvr>
+                                      <p:to>
+                                        <p:strVal val="visible"/>
+                                      </p:to>
+                                    </p:set>
+                                    <p:animEffect transition="in" filter="fade">
+                                      <p:cBhvr>
+                                        <p:cTn id="11" dur="500"/>
+                                        <p:tgtEl>
+                                          <p:spTgt spid="14"/>
+                                        </p:tgtEl>
+                                      </p:cBhvr>
+                                    </p:animEffect>
+                                  </p:childTnLst>
+                                </p:cTn>
+                              </p:par>
+                            </p:childTnLst>
+                          </p:cTn>
+                        </p:par>
+                      </p:childTnLst>
+                    </p:cTn>
+                  </p:par>
+                </p:childTnLst>
+              </p:cTn>
+              <p:prevCondLst>
+                <p:cond evt="onPrev" delay="0">
+                  <p:tgtEl>
+                    <p:sldTgt/>
+                  </p:tgtEl>
+                </p:cond>
+              </p:prevCondLst>
+              <p:nextCondLst>
+                <p:cond evt="onNext" delay="0">
+                  <p:tgtEl>
+                    <p:sldTgt/>
+                  </p:tgtEl>
+                </p:cond>
+              </p:nextCondLst>
+            </p:seq>
+          </p:childTnLst>
+        </p:cTn>
+      </p:par>
+    </p:tnLst>
+  </p:timing>
+</p:sld>
+</file>
+
+<file path=ppt/slides/slide8.xml><?xml version="1.0" encoding="utf-8"?>
+<p:sld xmlns:a="http://schemas.openxmlformats.org/drawingml/2006/main" xmlns:r="http://schemas.openxmlformats.org/officeDocument/2006/relationships" xmlns:p="http://schemas.openxmlformats.org/presentationml/2006/main">
+  <p:cSld>
+    <p:spTree>
+      <p:nvGrpSpPr>
+        <p:cNvPr id="1" name=""/>
+        <p:cNvGrpSpPr/>
+        <p:nvPr/>
+      </p:nvGrpSpPr>
+      <p:grpSpPr>
+        <a:xfrm>
+          <a:off x="0" y="0"/>
+          <a:ext cx="0" cy="0"/>
+          <a:chOff x="0" y="0"/>
+          <a:chExt cx="0" cy="0"/>
+        </a:xfrm>
+      </p:grpSpPr>
+      <p:sp>
+        <p:nvSpPr>
+          <p:cNvPr id="3" name="TextBox 2"/>
+          <p:cNvSpPr txBox="1"/>
+          <p:nvPr/>
+        </p:nvSpPr>
+        <p:spPr>
+          <a:xfrm>
+            <a:off x="550258" y="493614"/>
+            <a:ext cx="11134641" cy="307777"/>
+          </a:xfrm>
+          <a:prstGeom prst="rect">
+            <a:avLst/>
+          </a:prstGeom>
+          <a:noFill/>
+        </p:spPr>
+        <p:txBody>
+          <a:bodyPr wrap="square" rtlCol="0">
+            <a:spAutoFit/>
+          </a:bodyPr>
+          <a:lstStyle/>
+          <a:p>
+            <a:r>
+              <a:rPr lang="en-US" dirty="0" err="1" smtClean="0"/>
+              <a:t>Các</a:t>
+            </a:r>
+            <a:r>
+              <a:rPr lang="en-US" dirty="0" smtClean="0"/>
+              <a:t> </a:t>
+            </a:r>
+            <a:r>
+              <a:rPr lang="en-US" dirty="0" err="1" smtClean="0"/>
+              <a:t>tính</a:t>
+            </a:r>
+            <a:r>
+              <a:rPr lang="en-US" dirty="0" smtClean="0"/>
+              <a:t> </a:t>
+            </a:r>
+            <a:r>
+              <a:rPr lang="en-US" dirty="0" err="1" smtClean="0"/>
+              <a:t>khoảng</a:t>
+            </a:r>
+            <a:r>
+              <a:rPr lang="en-US" dirty="0" smtClean="0"/>
+              <a:t> </a:t>
+            </a:r>
+            <a:r>
+              <a:rPr lang="en-US" dirty="0" err="1" smtClean="0"/>
+              <a:t>cách</a:t>
+            </a:r>
+            <a:r>
+              <a:rPr lang="en-US" smtClean="0"/>
+              <a:t> </a:t>
+            </a:r>
+            <a:endParaRPr lang="en-US"/>
+          </a:p>
+        </p:txBody>
+      </p:sp>
+    </p:spTree>
+    <p:extLst>
+      <p:ext uri="{BB962C8B-B14F-4D97-AF65-F5344CB8AC3E}">
+        <p14:creationId xmlns:p14="http://schemas.microsoft.com/office/powerpoint/2010/main" val="115152096"/>
+      </p:ext>
+    </p:extLst>
+  </p:cSld>
+  <p:clrMapOvr>
+    <a:masterClrMapping/>
+  </p:clrMapOvr>
+  <p:timing>
+    <p:tnLst>
+      <p:par>
+        <p:cTn id="1" dur="indefinite" restart="never" nodeType="tmRoot"/>
+      </p:par>
+    </p:tnLst>
+  </p:timing>
+</p:sld>
+</file>
+
+<file path=ppt/slides/slide9.xml><?xml version="1.0" encoding="utf-8"?>
+<p:sld xmlns:a="http://schemas.openxmlformats.org/drawingml/2006/main" xmlns:r="http://schemas.openxmlformats.org/officeDocument/2006/relationships" xmlns:p="http://schemas.openxmlformats.org/presentationml/2006/main">
+  <p:cSld>
+    <p:spTree>
+      <p:nvGrpSpPr>
+        <p:cNvPr id="1" name=""/>
+        <p:cNvGrpSpPr/>
+        <p:nvPr/>
+      </p:nvGrpSpPr>
+      <p:grpSpPr>
+        <a:xfrm>
+          <a:off x="0" y="0"/>
+          <a:ext cx="0" cy="0"/>
+          <a:chOff x="0" y="0"/>
+          <a:chExt cx="0" cy="0"/>
+        </a:xfrm>
+      </p:grpSpPr>
+      <p:sp>
+        <p:nvSpPr>
+          <p:cNvPr id="2" name="Text Placeholder 1"/>
+          <p:cNvSpPr>
+            <a:spLocks noGrp="1"/>
+          </p:cNvSpPr>
+          <p:nvPr>
+            <p:ph type="body" idx="1"/>
+          </p:nvPr>
+        </p:nvSpPr>
+        <p:spPr/>
+        <p:txBody>
+          <a:bodyPr>
+            <a:normAutofit fontScale="85000" lnSpcReduction="20000"/>
+          </a:bodyPr>
+          <a:lstStyle/>
+          <a:p>
+            <a:endParaRPr lang="en-GB" dirty="0"/>
           </a:p>
         </p:txBody>
       </p:sp>
       <p:sp>
         <p:nvSpPr>
-          <p:cNvPr id="286" name="Google Shape;286;p19"/>
-          <p:cNvSpPr txBox="1">
-            <a:spLocks noGrp="1"/>
-          </p:cNvSpPr>
-          <p:nvPr>
-            <p:ph type="subTitle" idx="1"/>
-          </p:nvPr>
+          <p:cNvPr id="3" name="TextBox 2"/>
+          <p:cNvSpPr txBox="1"/>
+          <p:nvPr/>
         </p:nvSpPr>
         <p:spPr>
           <a:xfrm>
-            <a:off x="7879401" y="3759500"/>
-            <a:ext cx="3083200" cy="1472400"/>
+            <a:off x="919274" y="1714920"/>
+            <a:ext cx="10732398" cy="3785652"/>
           </a:xfrm>
           <a:prstGeom prst="rect">
             <a:avLst/>
           </a:prstGeom>
           <a:noFill/>
-          <a:ln>
-            <a:noFill/>
-          </a:ln>
         </p:spPr>
         <p:txBody>
-          <a:bodyPr spcFirstLastPara="1" wrap="square" lIns="91425" tIns="91425" rIns="91425" bIns="91425" anchor="t" anchorCtr="0">
-            <a:noAutofit/>
+          <a:bodyPr wrap="square" rtlCol="0">
+            <a:spAutoFit/>
           </a:bodyPr>
           <a:lstStyle/>
           <a:p>
-            <a:pPr marL="228600" lvl="0" indent="-228600" algn="l" rtl="0">
-              <a:lnSpc>
-                <a:spcPct val="100000"/>
-              </a:lnSpc>
-              <a:spcBef>
-                <a:spcPts val="0"/>
-              </a:spcBef>
-              <a:spcAft>
-                <a:spcPts val="0"/>
-              </a:spcAft>
-              <a:buClr>
-                <a:srgbClr val="F3F3F3"/>
-              </a:buClr>
-              <a:buSzPts val="1400"/>
-              <a:buNone/>
+            <a:r>
+              <a:rPr lang="en-US" sz="2400" dirty="0" err="1" smtClean="0"/>
+              <a:t>Ưu</a:t>
+            </a:r>
+            <a:r>
+              <a:rPr lang="en-US" sz="2400" dirty="0" smtClean="0"/>
+              <a:t> </a:t>
+            </a:r>
+            <a:r>
+              <a:rPr lang="en-US" sz="2400" dirty="0" err="1" smtClean="0"/>
+              <a:t>điểm</a:t>
+            </a:r>
+            <a:r>
+              <a:rPr lang="en-US" sz="2400" dirty="0" smtClean="0"/>
+              <a:t>:</a:t>
+            </a:r>
+          </a:p>
+          <a:p>
+            <a:pPr marL="285750" indent="-285750">
+              <a:buFontTx/>
+              <a:buChar char="-"/>
             </a:pPr>
-            <a:endParaRPr/>
+            <a:r>
+              <a:rPr lang="en-US" sz="2400" dirty="0" err="1" smtClean="0"/>
+              <a:t>Độ</a:t>
+            </a:r>
+            <a:r>
+              <a:rPr lang="en-US" sz="2400" dirty="0" smtClean="0"/>
+              <a:t> </a:t>
+            </a:r>
+            <a:r>
+              <a:rPr lang="en-US" sz="2400" dirty="0" err="1" smtClean="0"/>
+              <a:t>phức</a:t>
+            </a:r>
+            <a:r>
+              <a:rPr lang="en-US" sz="2400" dirty="0" smtClean="0"/>
+              <a:t> </a:t>
+            </a:r>
+            <a:r>
+              <a:rPr lang="en-US" sz="2400" dirty="0" err="1" smtClean="0"/>
+              <a:t>tạp</a:t>
+            </a:r>
+            <a:r>
+              <a:rPr lang="en-US" sz="2400" dirty="0" smtClean="0"/>
+              <a:t> </a:t>
+            </a:r>
+            <a:r>
+              <a:rPr lang="en-US" sz="2400" dirty="0" err="1" smtClean="0"/>
+              <a:t>của</a:t>
+            </a:r>
+            <a:r>
+              <a:rPr lang="en-US" sz="2400" dirty="0" smtClean="0"/>
+              <a:t> </a:t>
+            </a:r>
+            <a:r>
+              <a:rPr lang="en-US" sz="2400" dirty="0" err="1" smtClean="0"/>
+              <a:t>thuật</a:t>
+            </a:r>
+            <a:r>
+              <a:rPr lang="en-US" sz="2400" dirty="0" smtClean="0"/>
+              <a:t> </a:t>
+            </a:r>
+            <a:r>
+              <a:rPr lang="en-US" sz="2400" dirty="0" err="1" smtClean="0"/>
+              <a:t>toán</a:t>
+            </a:r>
+            <a:r>
+              <a:rPr lang="en-US" sz="2400" dirty="0" smtClean="0"/>
+              <a:t> </a:t>
+            </a:r>
+            <a:r>
+              <a:rPr lang="en-US" sz="2400" dirty="0" err="1" smtClean="0"/>
+              <a:t>gần</a:t>
+            </a:r>
+            <a:r>
+              <a:rPr lang="en-US" sz="2400" dirty="0" smtClean="0"/>
+              <a:t> </a:t>
+            </a:r>
+            <a:r>
+              <a:rPr lang="en-US" sz="2400" dirty="0" err="1" smtClean="0"/>
+              <a:t>như</a:t>
+            </a:r>
+            <a:r>
+              <a:rPr lang="en-US" sz="2400" dirty="0" smtClean="0"/>
+              <a:t> </a:t>
+            </a:r>
+            <a:r>
+              <a:rPr lang="en-US" sz="2400" dirty="0" err="1" smtClean="0"/>
+              <a:t>là</a:t>
+            </a:r>
+            <a:r>
+              <a:rPr lang="en-US" sz="2400" dirty="0" smtClean="0"/>
+              <a:t> 0 </a:t>
+            </a:r>
+          </a:p>
+          <a:p>
+            <a:pPr marL="285750" indent="-285750">
+              <a:buFontTx/>
+              <a:buChar char="-"/>
+            </a:pPr>
+            <a:r>
+              <a:rPr lang="en-US" sz="2400" dirty="0" err="1" smtClean="0"/>
+              <a:t>Việc</a:t>
+            </a:r>
+            <a:r>
+              <a:rPr lang="en-US" sz="2400" dirty="0" smtClean="0"/>
+              <a:t> </a:t>
+            </a:r>
+            <a:r>
+              <a:rPr lang="en-US" sz="2400" dirty="0" err="1" smtClean="0"/>
+              <a:t>dự</a:t>
+            </a:r>
+            <a:r>
+              <a:rPr lang="en-US" sz="2400" dirty="0" smtClean="0"/>
+              <a:t> </a:t>
+            </a:r>
+            <a:r>
+              <a:rPr lang="en-US" sz="2400" dirty="0" err="1" smtClean="0"/>
+              <a:t>đoán</a:t>
+            </a:r>
+            <a:r>
+              <a:rPr lang="en-US" sz="2400" dirty="0" smtClean="0"/>
+              <a:t> </a:t>
+            </a:r>
+            <a:r>
+              <a:rPr lang="en-US" sz="2400" dirty="0" err="1" smtClean="0"/>
+              <a:t>kết</a:t>
+            </a:r>
+            <a:r>
+              <a:rPr lang="en-US" sz="2400" dirty="0" smtClean="0"/>
+              <a:t> </a:t>
+            </a:r>
+            <a:r>
+              <a:rPr lang="en-US" sz="2400" dirty="0" err="1" smtClean="0"/>
+              <a:t>quả</a:t>
+            </a:r>
+            <a:r>
+              <a:rPr lang="en-US" sz="2400" dirty="0" smtClean="0"/>
+              <a:t> </a:t>
+            </a:r>
+            <a:r>
+              <a:rPr lang="en-US" sz="2400" dirty="0" err="1" smtClean="0"/>
+              <a:t>mới</a:t>
+            </a:r>
+            <a:r>
+              <a:rPr lang="en-US" sz="2400" dirty="0" smtClean="0"/>
+              <a:t> </a:t>
+            </a:r>
+            <a:r>
+              <a:rPr lang="en-US" sz="2400" dirty="0" err="1" smtClean="0"/>
+              <a:t>thì</a:t>
+            </a:r>
+            <a:r>
+              <a:rPr lang="en-US" sz="2400" dirty="0" smtClean="0"/>
+              <a:t> </a:t>
+            </a:r>
+            <a:r>
+              <a:rPr lang="en-US" sz="2400" dirty="0" err="1" smtClean="0"/>
+              <a:t>rất</a:t>
+            </a:r>
+            <a:r>
+              <a:rPr lang="en-US" sz="2400" dirty="0" smtClean="0"/>
+              <a:t> </a:t>
+            </a:r>
+            <a:r>
+              <a:rPr lang="en-US" sz="2400" dirty="0" err="1" smtClean="0"/>
+              <a:t>đơn</a:t>
+            </a:r>
+            <a:r>
+              <a:rPr lang="en-US" sz="2400" dirty="0" smtClean="0"/>
+              <a:t> </a:t>
+            </a:r>
+            <a:r>
+              <a:rPr lang="en-US" sz="2400" dirty="0" err="1" smtClean="0"/>
+              <a:t>giản</a:t>
+            </a:r>
+            <a:endParaRPr lang="en-US" sz="2400" dirty="0" smtClean="0"/>
+          </a:p>
+          <a:p>
+            <a:pPr marL="285750" indent="-285750">
+              <a:buFontTx/>
+              <a:buChar char="-"/>
+            </a:pPr>
+            <a:endParaRPr lang="en-US" sz="2400" dirty="0"/>
+          </a:p>
+          <a:p>
+            <a:pPr marL="285750" indent="-285750">
+              <a:buFontTx/>
+              <a:buChar char="-"/>
+            </a:pPr>
+            <a:endParaRPr lang="en-US" sz="2400" dirty="0" smtClean="0"/>
+          </a:p>
+          <a:p>
+            <a:r>
+              <a:rPr lang="en-US" sz="2400" dirty="0" err="1" smtClean="0"/>
+              <a:t>Nhược</a:t>
+            </a:r>
+            <a:r>
+              <a:rPr lang="en-US" sz="2400" dirty="0" smtClean="0"/>
+              <a:t> </a:t>
+            </a:r>
+            <a:r>
+              <a:rPr lang="en-US" sz="2400" dirty="0" err="1" smtClean="0"/>
+              <a:t>điểm</a:t>
+            </a:r>
+            <a:r>
+              <a:rPr lang="en-US" sz="2400" dirty="0" smtClean="0"/>
+              <a:t>:</a:t>
+            </a:r>
+          </a:p>
+          <a:p>
+            <a:pPr marL="285750" indent="-285750">
+              <a:buFontTx/>
+              <a:buChar char="-"/>
+            </a:pPr>
+            <a:r>
+              <a:rPr lang="en-US" sz="2400" dirty="0" err="1" smtClean="0"/>
+              <a:t>Dễ</a:t>
+            </a:r>
+            <a:r>
+              <a:rPr lang="en-US" sz="2400" dirty="0" smtClean="0"/>
+              <a:t> </a:t>
+            </a:r>
+            <a:r>
+              <a:rPr lang="en-US" sz="2400" dirty="0" err="1" smtClean="0"/>
+              <a:t>bị</a:t>
+            </a:r>
+            <a:r>
+              <a:rPr lang="en-US" sz="2400" dirty="0" smtClean="0"/>
+              <a:t> </a:t>
+            </a:r>
+            <a:r>
+              <a:rPr lang="en-US" sz="2400" dirty="0" err="1" smtClean="0"/>
+              <a:t>ảnh</a:t>
+            </a:r>
+            <a:r>
+              <a:rPr lang="en-US" sz="2400" dirty="0" smtClean="0"/>
+              <a:t> </a:t>
+            </a:r>
+            <a:r>
+              <a:rPr lang="en-US" sz="2400" dirty="0" err="1" smtClean="0"/>
+              <a:t>hưởng</a:t>
+            </a:r>
+            <a:r>
+              <a:rPr lang="en-US" sz="2400" dirty="0" smtClean="0"/>
+              <a:t> </a:t>
+            </a:r>
+            <a:r>
+              <a:rPr lang="en-US" sz="2400" dirty="0" err="1" smtClean="0"/>
+              <a:t>bởi</a:t>
+            </a:r>
+            <a:r>
+              <a:rPr lang="en-US" sz="2400" dirty="0" smtClean="0"/>
+              <a:t> </a:t>
+            </a:r>
+            <a:r>
+              <a:rPr lang="en-US" sz="2400" dirty="0" err="1" smtClean="0"/>
+              <a:t>các</a:t>
+            </a:r>
+            <a:r>
+              <a:rPr lang="en-US" sz="2400" dirty="0" smtClean="0"/>
+              <a:t> </a:t>
+            </a:r>
+            <a:r>
+              <a:rPr lang="en-US" sz="2400" dirty="0" err="1" smtClean="0"/>
+              <a:t>dữ</a:t>
+            </a:r>
+            <a:r>
+              <a:rPr lang="en-US" sz="2400" dirty="0" smtClean="0"/>
+              <a:t> </a:t>
+            </a:r>
+            <a:r>
+              <a:rPr lang="en-US" sz="2400" dirty="0" err="1" smtClean="0"/>
+              <a:t>liệu</a:t>
+            </a:r>
+            <a:r>
+              <a:rPr lang="en-US" sz="2400" dirty="0" smtClean="0"/>
+              <a:t> </a:t>
+            </a:r>
+            <a:r>
+              <a:rPr lang="en-US" sz="2400" dirty="0" err="1" smtClean="0"/>
+              <a:t>nhiễu</a:t>
+            </a:r>
+            <a:endParaRPr lang="en-US" sz="2400" dirty="0" smtClean="0"/>
+          </a:p>
+          <a:p>
+            <a:pPr marL="285750" indent="-285750">
+              <a:buFontTx/>
+              <a:buChar char="-"/>
+            </a:pPr>
+            <a:r>
+              <a:rPr lang="en-US" sz="2400" dirty="0" err="1" smtClean="0"/>
+              <a:t>Vì</a:t>
+            </a:r>
+            <a:r>
+              <a:rPr lang="en-US" sz="2400" dirty="0" smtClean="0"/>
+              <a:t> </a:t>
+            </a:r>
+            <a:r>
+              <a:rPr lang="en-US" sz="2400" dirty="0" err="1" smtClean="0"/>
+              <a:t>phải</a:t>
+            </a:r>
+            <a:r>
+              <a:rPr lang="en-US" sz="2400" dirty="0" smtClean="0"/>
+              <a:t> </a:t>
+            </a:r>
+            <a:r>
+              <a:rPr lang="en-US" sz="2400" dirty="0" err="1" smtClean="0"/>
+              <a:t>tính</a:t>
+            </a:r>
+            <a:r>
+              <a:rPr lang="en-US" sz="2400" dirty="0" smtClean="0"/>
+              <a:t> </a:t>
+            </a:r>
+            <a:r>
+              <a:rPr lang="en-US" sz="2400" dirty="0" err="1" smtClean="0"/>
+              <a:t>toán</a:t>
+            </a:r>
+            <a:r>
+              <a:rPr lang="en-US" sz="2400" dirty="0" smtClean="0"/>
+              <a:t> </a:t>
+            </a:r>
+            <a:r>
+              <a:rPr lang="en-US" sz="2400" dirty="0" err="1" smtClean="0"/>
+              <a:t>toàn</a:t>
+            </a:r>
+            <a:r>
+              <a:rPr lang="en-US" sz="2400" dirty="0" smtClean="0"/>
+              <a:t> </a:t>
+            </a:r>
+            <a:r>
+              <a:rPr lang="en-US" sz="2400" dirty="0" err="1" smtClean="0"/>
+              <a:t>bộ</a:t>
+            </a:r>
+            <a:r>
+              <a:rPr lang="en-US" sz="2400" dirty="0" smtClean="0"/>
+              <a:t> </a:t>
+            </a:r>
+            <a:r>
+              <a:rPr lang="en-US" sz="2400" dirty="0" err="1" smtClean="0"/>
+              <a:t>khoảng</a:t>
+            </a:r>
+            <a:r>
+              <a:rPr lang="en-US" sz="2400" dirty="0" smtClean="0"/>
+              <a:t> </a:t>
+            </a:r>
+            <a:r>
+              <a:rPr lang="en-US" sz="2400" dirty="0" err="1" smtClean="0"/>
+              <a:t>cách</a:t>
+            </a:r>
+            <a:r>
+              <a:rPr lang="en-US" sz="2400" dirty="0" smtClean="0"/>
+              <a:t> </a:t>
+            </a:r>
+            <a:r>
+              <a:rPr lang="en-US" sz="2400" dirty="0" err="1" smtClean="0"/>
+              <a:t>tới</a:t>
+            </a:r>
+            <a:r>
+              <a:rPr lang="en-US" sz="2400" dirty="0" smtClean="0"/>
+              <a:t> </a:t>
+            </a:r>
+            <a:r>
+              <a:rPr lang="en-US" sz="2400" dirty="0" err="1" smtClean="0"/>
+              <a:t>từng</a:t>
+            </a:r>
+            <a:r>
+              <a:rPr lang="en-US" sz="2400" dirty="0" smtClean="0"/>
+              <a:t> </a:t>
+            </a:r>
+            <a:r>
+              <a:rPr lang="en-US" sz="2400" dirty="0" err="1" smtClean="0"/>
+              <a:t>điểm</a:t>
+            </a:r>
+            <a:r>
+              <a:rPr lang="en-US" sz="2400" dirty="0" smtClean="0"/>
+              <a:t> </a:t>
+            </a:r>
+            <a:r>
+              <a:rPr lang="en-US" sz="2400" dirty="0" err="1" smtClean="0"/>
+              <a:t>dữ</a:t>
+            </a:r>
+            <a:r>
+              <a:rPr lang="en-US" sz="2400" dirty="0" smtClean="0"/>
+              <a:t> </a:t>
+            </a:r>
+            <a:r>
+              <a:rPr lang="en-US" sz="2400" dirty="0" err="1" smtClean="0"/>
+              <a:t>liệu</a:t>
+            </a:r>
+            <a:r>
+              <a:rPr lang="en-US" sz="2400" dirty="0" smtClean="0"/>
+              <a:t> </a:t>
+            </a:r>
+            <a:r>
+              <a:rPr lang="en-US" sz="2400" dirty="0" err="1" smtClean="0"/>
+              <a:t>của</a:t>
+            </a:r>
+            <a:r>
+              <a:rPr lang="en-US" sz="2400" dirty="0" smtClean="0"/>
+              <a:t> </a:t>
+            </a:r>
+            <a:r>
+              <a:rPr lang="en-US" sz="2400" dirty="0" err="1" smtClean="0"/>
+              <a:t>tập</a:t>
+            </a:r>
+            <a:r>
+              <a:rPr lang="en-US" sz="2400" dirty="0" smtClean="0"/>
+              <a:t> </a:t>
+            </a:r>
+            <a:r>
+              <a:rPr lang="en-US" sz="2400" dirty="0" err="1" smtClean="0"/>
+              <a:t>dữ</a:t>
+            </a:r>
+            <a:r>
+              <a:rPr lang="en-US" sz="2400" dirty="0" smtClean="0"/>
+              <a:t> </a:t>
+            </a:r>
+            <a:r>
+              <a:rPr lang="en-US" sz="2400" dirty="0" err="1" smtClean="0"/>
+              <a:t>liệu</a:t>
+            </a:r>
+            <a:r>
+              <a:rPr lang="en-US" sz="2400" dirty="0" smtClean="0"/>
+              <a:t> </a:t>
+            </a:r>
+            <a:r>
+              <a:rPr lang="en-US" sz="2400" dirty="0" err="1" smtClean="0"/>
+              <a:t>nên</a:t>
+            </a:r>
+            <a:r>
+              <a:rPr lang="en-US" sz="2400" dirty="0" smtClean="0"/>
+              <a:t> </a:t>
+            </a:r>
+            <a:r>
+              <a:rPr lang="en-US" sz="2400" dirty="0" err="1" smtClean="0"/>
+              <a:t>gây</a:t>
+            </a:r>
+            <a:r>
+              <a:rPr lang="en-US" sz="2400" dirty="0" smtClean="0"/>
+              <a:t> </a:t>
+            </a:r>
+            <a:r>
+              <a:rPr lang="en-US" sz="2400" dirty="0" err="1" smtClean="0"/>
+              <a:t>mất</a:t>
+            </a:r>
+            <a:r>
+              <a:rPr lang="en-US" sz="2400" dirty="0" smtClean="0"/>
+              <a:t> </a:t>
+            </a:r>
+            <a:r>
+              <a:rPr lang="en-US" sz="2400" dirty="0" err="1" smtClean="0"/>
+              <a:t>thời</a:t>
+            </a:r>
+            <a:r>
+              <a:rPr lang="en-US" sz="2400" dirty="0" smtClean="0"/>
+              <a:t> </a:t>
+            </a:r>
+            <a:r>
+              <a:rPr lang="en-US" sz="2400" dirty="0" err="1" smtClean="0"/>
+              <a:t>gian</a:t>
+            </a:r>
+            <a:r>
+              <a:rPr lang="en-US" sz="2400" dirty="0" smtClean="0"/>
+              <a:t> </a:t>
+            </a:r>
+            <a:r>
+              <a:rPr lang="en-US" sz="2400" dirty="0" err="1" smtClean="0"/>
+              <a:t>với</a:t>
+            </a:r>
+            <a:r>
+              <a:rPr lang="en-US" sz="2400" dirty="0" smtClean="0"/>
+              <a:t> </a:t>
+            </a:r>
+            <a:r>
+              <a:rPr lang="en-US" sz="2400" dirty="0" err="1" smtClean="0"/>
+              <a:t>dữ</a:t>
+            </a:r>
+            <a:r>
+              <a:rPr lang="en-US" sz="2400" dirty="0" smtClean="0"/>
+              <a:t> </a:t>
+            </a:r>
+            <a:r>
+              <a:rPr lang="en-US" sz="2400" dirty="0" err="1" smtClean="0"/>
+              <a:t>liệu</a:t>
+            </a:r>
+            <a:r>
+              <a:rPr lang="en-US" sz="2400" dirty="0" smtClean="0"/>
+              <a:t> </a:t>
+            </a:r>
+            <a:r>
+              <a:rPr lang="en-US" sz="2400" dirty="0" err="1" smtClean="0"/>
+              <a:t>lớn</a:t>
+            </a:r>
+            <a:r>
+              <a:rPr lang="en-US" sz="2400" dirty="0" smtClean="0"/>
+              <a:t>, </a:t>
+            </a:r>
+            <a:r>
+              <a:rPr lang="en-US" sz="2400" dirty="0" err="1" smtClean="0"/>
+              <a:t>cùng</a:t>
+            </a:r>
+            <a:r>
+              <a:rPr lang="en-US" sz="2400" dirty="0" smtClean="0"/>
+              <a:t> </a:t>
+            </a:r>
+            <a:r>
+              <a:rPr lang="en-US" sz="2400" dirty="0" err="1" smtClean="0"/>
+              <a:t>với</a:t>
+            </a:r>
+            <a:r>
+              <a:rPr lang="en-US" sz="2400" dirty="0" smtClean="0"/>
+              <a:t> </a:t>
+            </a:r>
+            <a:r>
+              <a:rPr lang="en-US" sz="2400" dirty="0" err="1" smtClean="0"/>
+              <a:t>nó</a:t>
+            </a:r>
+            <a:r>
+              <a:rPr lang="en-US" sz="2400" dirty="0" smtClean="0"/>
+              <a:t> </a:t>
+            </a:r>
+            <a:r>
+              <a:rPr lang="en-US" sz="2400" dirty="0" err="1" smtClean="0"/>
+              <a:t>thì</a:t>
+            </a:r>
+            <a:r>
+              <a:rPr lang="en-US" sz="2400" dirty="0" smtClean="0"/>
+              <a:t> do </a:t>
+            </a:r>
+            <a:r>
+              <a:rPr lang="en-US" sz="2400" dirty="0" err="1" smtClean="0"/>
+              <a:t>lưu</a:t>
+            </a:r>
+            <a:r>
+              <a:rPr lang="en-US" sz="2400" dirty="0" smtClean="0"/>
+              <a:t> </a:t>
+            </a:r>
+            <a:r>
+              <a:rPr lang="en-US" sz="2400" dirty="0" err="1" smtClean="0"/>
+              <a:t>nhiều</a:t>
+            </a:r>
+            <a:r>
+              <a:rPr lang="en-US" sz="2400" dirty="0" smtClean="0"/>
+              <a:t> </a:t>
+            </a:r>
+            <a:r>
+              <a:rPr lang="en-US" sz="2400" dirty="0" err="1" smtClean="0"/>
+              <a:t>kết</a:t>
+            </a:r>
+            <a:r>
+              <a:rPr lang="en-US" sz="2400" dirty="0" smtClean="0"/>
+              <a:t> </a:t>
+            </a:r>
+            <a:r>
+              <a:rPr lang="en-US" sz="2400" dirty="0" err="1" smtClean="0"/>
+              <a:t>quả</a:t>
+            </a:r>
+            <a:r>
+              <a:rPr lang="en-US" sz="2400" dirty="0" smtClean="0"/>
+              <a:t> </a:t>
+            </a:r>
+            <a:r>
+              <a:rPr lang="en-US" sz="2400" dirty="0" err="1" smtClean="0"/>
+              <a:t>lên</a:t>
+            </a:r>
+            <a:r>
+              <a:rPr lang="en-US" sz="2400" dirty="0" smtClean="0"/>
+              <a:t> </a:t>
+            </a:r>
+            <a:r>
+              <a:rPr lang="en-US" sz="2400" dirty="0" err="1" smtClean="0"/>
+              <a:t>tốn</a:t>
+            </a:r>
+            <a:r>
+              <a:rPr lang="en-US" sz="2400" dirty="0" smtClean="0"/>
+              <a:t> </a:t>
+            </a:r>
+            <a:r>
+              <a:rPr lang="en-US" sz="2400" dirty="0" err="1" smtClean="0"/>
+              <a:t>bộ</a:t>
+            </a:r>
+            <a:r>
+              <a:rPr lang="en-US" sz="2400" dirty="0" smtClean="0"/>
+              <a:t> </a:t>
+            </a:r>
+            <a:r>
+              <a:rPr lang="en-US" sz="2400" dirty="0" err="1" smtClean="0"/>
+              <a:t>nhớ</a:t>
+            </a:r>
+            <a:endParaRPr lang="en-GB" sz="2400" dirty="0"/>
           </a:p>
         </p:txBody>
       </p:sp>
-      <p:pic>
-        <p:nvPicPr>
-          <p:cNvPr id="287" name="Google Shape;287;p19" descr="A group of people around each other&#10;&#10;Description automatically generated"/>
-          <p:cNvPicPr preferRelativeResize="0"/>
-          <p:nvPr/>
-        </p:nvPicPr>
-        <p:blipFill rotWithShape="1">
-          <a:blip r:embed="rId3">
-            <a:alphaModFix/>
-          </a:blip>
-          <a:srcRect t="1457" b="4811"/>
-          <a:stretch/>
-        </p:blipFill>
-        <p:spPr>
-          <a:xfrm>
-            <a:off x="20" y="1282"/>
-            <a:ext cx="12191980" cy="6856718"/>
-          </a:xfrm>
-          <a:prstGeom prst="rect">
-            <a:avLst/>
-          </a:prstGeom>
-          <a:noFill/>
-          <a:ln>
-            <a:noFill/>
-          </a:ln>
-        </p:spPr>
-      </p:pic>
     </p:spTree>
+    <p:extLst>
+      <p:ext uri="{BB962C8B-B14F-4D97-AF65-F5344CB8AC3E}">
+        <p14:creationId xmlns:p14="http://schemas.microsoft.com/office/powerpoint/2010/main" val="330417599"/>
+      </p:ext>
+    </p:extLst>
   </p:cSld>
   <p:clrMapOvr>
     <a:masterClrMapping/>
   </p:clrMapOvr>
+  <p:timing>
+    <p:tnLst>
+      <p:par>
+        <p:cTn id="1" dur="indefinite" restart="never" nodeType="tmRoot"/>
+      </p:par>
+    </p:tnLst>
+  </p:timing>
 </p:sld>
 </file>
 

--- a/BaoCao_4Tuandau.pptx
+++ b/BaoCao_4Tuandau.pptx
@@ -32,6 +32,10 @@
     <p:embeddedFont>
       <p:font typeface="Unica One" charset="0"/>
       <p:regular r:id="rId17"/>
+    </p:embeddedFont>
+    <p:embeddedFont>
+      <p:font typeface="Cambria Math" pitchFamily="18" charset="0"/>
+      <p:regular r:id="rId18"/>
     </p:embeddedFont>
   </p:embeddedFontLst>
   <p:defaultTextStyle>
@@ -15405,12 +15409,8 @@
               <a:t> </a:t>
             </a:r>
             <a:r>
-              <a:rPr lang="en-US" sz="2400" dirty="0" err="1" smtClean="0"/>
-              <a:t>classìication</a:t>
-            </a:r>
-            <a:r>
-              <a:rPr lang="en-US" sz="2400" dirty="0" smtClean="0"/>
-              <a:t> </a:t>
+              <a:rPr lang="en-US" sz="2400" dirty="0" smtClean="0"/>
+              <a:t>classification </a:t>
             </a:r>
             <a:r>
               <a:rPr lang="en-US" sz="2400" dirty="0" err="1" smtClean="0"/>
@@ -19637,7 +19637,7 @@
         <p:spPr>
           <a:xfrm>
             <a:off x="550258" y="493614"/>
-            <a:ext cx="11134641" cy="307777"/>
+            <a:ext cx="11134641" cy="461665"/>
           </a:xfrm>
           <a:prstGeom prst="rect">
             <a:avLst/>
@@ -19651,41 +19651,699 @@
           <a:lstStyle/>
           <a:p>
             <a:r>
-              <a:rPr lang="en-US" dirty="0" err="1" smtClean="0"/>
+              <a:rPr lang="en-US" sz="2400" dirty="0" err="1" smtClean="0"/>
               <a:t>Các</a:t>
             </a:r>
             <a:r>
-              <a:rPr lang="en-US" dirty="0" smtClean="0"/>
-              <a:t> </a:t>
-            </a:r>
-            <a:r>
-              <a:rPr lang="en-US" dirty="0" err="1" smtClean="0"/>
+              <a:rPr lang="en-US" sz="2400" dirty="0" smtClean="0"/>
+              <a:t> </a:t>
+            </a:r>
+            <a:r>
+              <a:rPr lang="en-US" sz="2400" dirty="0" err="1" smtClean="0"/>
+              <a:t>công</a:t>
+            </a:r>
+            <a:r>
+              <a:rPr lang="en-US" sz="2400" dirty="0" smtClean="0"/>
+              <a:t> </a:t>
+            </a:r>
+            <a:r>
+              <a:rPr lang="en-US" sz="2400" dirty="0" err="1" smtClean="0"/>
+              <a:t>thức</a:t>
+            </a:r>
+            <a:r>
+              <a:rPr lang="en-US" sz="2400" dirty="0" smtClean="0"/>
+              <a:t> </a:t>
+            </a:r>
+            <a:r>
+              <a:rPr lang="en-US" sz="2400" dirty="0" err="1" smtClean="0"/>
               <a:t>tính</a:t>
             </a:r>
             <a:r>
-              <a:rPr lang="en-US" dirty="0" smtClean="0"/>
-              <a:t> </a:t>
-            </a:r>
-            <a:r>
-              <a:rPr lang="en-US" dirty="0" err="1" smtClean="0"/>
+              <a:rPr lang="en-US" sz="2400" dirty="0" smtClean="0"/>
+              <a:t> </a:t>
+            </a:r>
+            <a:r>
+              <a:rPr lang="en-US" sz="2400" dirty="0" err="1" smtClean="0"/>
               <a:t>khoảng</a:t>
             </a:r>
             <a:r>
-              <a:rPr lang="en-US" dirty="0" smtClean="0"/>
-              <a:t> </a:t>
-            </a:r>
-            <a:r>
-              <a:rPr lang="en-US" dirty="0" err="1" smtClean="0"/>
+              <a:rPr lang="en-US" sz="2400" dirty="0" smtClean="0"/>
+              <a:t> </a:t>
+            </a:r>
+            <a:r>
+              <a:rPr lang="en-US" sz="2400" dirty="0" err="1" smtClean="0"/>
               <a:t>cách</a:t>
             </a:r>
             <a:r>
-              <a:rPr lang="en-US" smtClean="0"/>
-              <a:t> </a:t>
-            </a:r>
-            <a:endParaRPr lang="en-US"/>
+              <a:rPr lang="en-US" sz="2400" dirty="0" smtClean="0"/>
+              <a:t>  </a:t>
+            </a:r>
+            <a:endParaRPr lang="en-US" sz="2400" dirty="0"/>
           </a:p>
         </p:txBody>
       </p:sp>
+      <mc:AlternateContent xmlns:mc="http://schemas.openxmlformats.org/markup-compatibility/2006">
+        <mc:Choice xmlns:a14="http://schemas.microsoft.com/office/drawing/2010/main" Requires="a14">
+          <p:sp>
+            <p:nvSpPr>
+              <p:cNvPr id="4" name="TextBox 3"/>
+              <p:cNvSpPr txBox="1"/>
+              <p:nvPr/>
+            </p:nvSpPr>
+            <p:spPr>
+              <a:xfrm>
+                <a:off x="145655" y="1815349"/>
+                <a:ext cx="7533685" cy="434414"/>
+              </a:xfrm>
+              <a:prstGeom prst="rect">
+                <a:avLst/>
+              </a:prstGeom>
+              <a:noFill/>
+            </p:spPr>
+            <p:txBody>
+              <a:bodyPr wrap="square" rtlCol="0">
+                <a:spAutoFit/>
+              </a:bodyPr>
+              <a:lstStyle/>
+              <a:p>
+                <a:r>
+                  <a:rPr lang="en-US" sz="2000" dirty="0" smtClean="0"/>
+                  <a:t>Euclidean : </a:t>
+                </a:r>
+                <a14:m>
+                  <m:oMath xmlns:m="http://schemas.openxmlformats.org/officeDocument/2006/math">
+                    <m:sSup>
+                      <m:sSupPr>
+                        <m:ctrlPr>
+                          <a:rPr lang="en-US" sz="2000" i="1" smtClean="0">
+                            <a:latin typeface="Cambria Math"/>
+                          </a:rPr>
+                        </m:ctrlPr>
+                      </m:sSupPr>
+                      <m:e>
+                        <m:r>
+                          <m:rPr>
+                            <m:nor/>
+                          </m:rPr>
+                          <a:rPr lang="en-US" sz="2000" dirty="0"/>
+                          <m:t>d</m:t>
+                        </m:r>
+                        <m:r>
+                          <m:rPr>
+                            <m:nor/>
+                          </m:rPr>
+                          <a:rPr lang="en-US" sz="2000" dirty="0"/>
+                          <m:t>( </m:t>
+                        </m:r>
+                        <m:r>
+                          <m:rPr>
+                            <m:nor/>
+                          </m:rPr>
+                          <a:rPr lang="en-US" sz="2000" dirty="0"/>
+                          <m:t>p</m:t>
+                        </m:r>
+                        <m:r>
+                          <m:rPr>
+                            <m:nor/>
+                          </m:rPr>
+                          <a:rPr lang="en-US" sz="2000" dirty="0"/>
+                          <m:t>,</m:t>
+                        </m:r>
+                        <m:r>
+                          <m:rPr>
+                            <m:nor/>
+                          </m:rPr>
+                          <a:rPr lang="en-US" sz="2000" dirty="0"/>
+                          <m:t>q</m:t>
+                        </m:r>
+                        <m:r>
+                          <m:rPr>
+                            <m:nor/>
+                          </m:rPr>
+                          <a:rPr lang="en-US" sz="2000" dirty="0"/>
+                          <m:t>)</m:t>
+                        </m:r>
+                      </m:e>
+                      <m:sup>
+                        <m:r>
+                          <a:rPr lang="en-US" sz="2000" i="1" smtClean="0">
+                            <a:latin typeface="Cambria Math"/>
+                          </a:rPr>
+                          <m:t>2</m:t>
+                        </m:r>
+                      </m:sup>
+                    </m:sSup>
+                    <m:r>
+                      <a:rPr lang="en-US" sz="2000" b="0" i="1" smtClean="0">
+                        <a:latin typeface="Cambria Math"/>
+                      </a:rPr>
+                      <m:t>= </m:t>
+                    </m:r>
+                    <m:sSup>
+                      <m:sSupPr>
+                        <m:ctrlPr>
+                          <a:rPr lang="en-US" sz="2000" b="0" i="1" smtClean="0">
+                            <a:latin typeface="Cambria Math"/>
+                          </a:rPr>
+                        </m:ctrlPr>
+                      </m:sSupPr>
+                      <m:e>
+                        <m:d>
+                          <m:dPr>
+                            <m:ctrlPr>
+                              <a:rPr lang="en-US" sz="2000" i="1">
+                                <a:latin typeface="Cambria Math"/>
+                              </a:rPr>
+                            </m:ctrlPr>
+                          </m:dPr>
+                          <m:e>
+                            <m:sSub>
+                              <m:sSubPr>
+                                <m:ctrlPr>
+                                  <a:rPr lang="pt-BR" sz="2000" i="1">
+                                    <a:latin typeface="Cambria Math"/>
+                                  </a:rPr>
+                                </m:ctrlPr>
+                              </m:sSubPr>
+                              <m:e>
+                                <m:r>
+                                  <a:rPr lang="en-US" sz="2000" i="1">
+                                    <a:latin typeface="Cambria Math"/>
+                                  </a:rPr>
+                                  <m:t>𝑞</m:t>
+                                </m:r>
+                              </m:e>
+                              <m:sub>
+                                <m:r>
+                                  <a:rPr lang="en-US" sz="2000" i="1">
+                                    <a:latin typeface="Cambria Math"/>
+                                  </a:rPr>
+                                  <m:t>1</m:t>
+                                </m:r>
+                              </m:sub>
+                            </m:sSub>
+                            <m:r>
+                              <a:rPr lang="en-US" sz="2000" i="1">
+                                <a:latin typeface="Cambria Math"/>
+                              </a:rPr>
+                              <m:t> −</m:t>
+                            </m:r>
+                            <m:sSub>
+                              <m:sSubPr>
+                                <m:ctrlPr>
+                                  <a:rPr lang="pt-BR" sz="2000" i="1">
+                                    <a:latin typeface="Cambria Math"/>
+                                  </a:rPr>
+                                </m:ctrlPr>
+                              </m:sSubPr>
+                              <m:e>
+                                <m:r>
+                                  <a:rPr lang="en-US" sz="2000" i="1">
+                                    <a:latin typeface="Cambria Math"/>
+                                  </a:rPr>
+                                  <m:t>𝑝</m:t>
+                                </m:r>
+                              </m:e>
+                              <m:sub>
+                                <m:r>
+                                  <a:rPr lang="en-US" sz="2000" i="1">
+                                    <a:latin typeface="Cambria Math"/>
+                                  </a:rPr>
+                                  <m:t>1</m:t>
+                                </m:r>
+                              </m:sub>
+                            </m:sSub>
+                          </m:e>
+                        </m:d>
+                      </m:e>
+                      <m:sup>
+                        <m:r>
+                          <a:rPr lang="en-US" sz="2000" b="0" i="1" smtClean="0">
+                            <a:latin typeface="Cambria Math"/>
+                          </a:rPr>
+                          <m:t>2</m:t>
+                        </m:r>
+                      </m:sup>
+                    </m:sSup>
+                    <m:r>
+                      <a:rPr lang="en-US" sz="2000" b="0" i="1" smtClean="0">
+                        <a:latin typeface="Cambria Math"/>
+                      </a:rPr>
+                      <m:t>+</m:t>
+                    </m:r>
+                    <m:sSup>
+                      <m:sSupPr>
+                        <m:ctrlPr>
+                          <a:rPr lang="en-US" sz="2000" i="1">
+                            <a:latin typeface="Cambria Math"/>
+                          </a:rPr>
+                        </m:ctrlPr>
+                      </m:sSupPr>
+                      <m:e>
+                        <m:d>
+                          <m:dPr>
+                            <m:ctrlPr>
+                              <a:rPr lang="en-US" sz="2000" i="1">
+                                <a:latin typeface="Cambria Math"/>
+                              </a:rPr>
+                            </m:ctrlPr>
+                          </m:dPr>
+                          <m:e>
+                            <m:sSub>
+                              <m:sSubPr>
+                                <m:ctrlPr>
+                                  <a:rPr lang="pt-BR" sz="2000" i="1">
+                                    <a:latin typeface="Cambria Math"/>
+                                  </a:rPr>
+                                </m:ctrlPr>
+                              </m:sSubPr>
+                              <m:e>
+                                <m:r>
+                                  <a:rPr lang="en-US" sz="2000" i="1">
+                                    <a:latin typeface="Cambria Math"/>
+                                  </a:rPr>
+                                  <m:t>𝑞</m:t>
+                                </m:r>
+                              </m:e>
+                              <m:sub>
+                                <m:r>
+                                  <a:rPr lang="en-US" sz="2000" b="0" i="1" smtClean="0">
+                                    <a:latin typeface="Cambria Math"/>
+                                  </a:rPr>
+                                  <m:t>2</m:t>
+                                </m:r>
+                              </m:sub>
+                            </m:sSub>
+                            <m:r>
+                              <a:rPr lang="en-US" sz="2000" i="1">
+                                <a:latin typeface="Cambria Math"/>
+                              </a:rPr>
+                              <m:t> −</m:t>
+                            </m:r>
+                            <m:sSub>
+                              <m:sSubPr>
+                                <m:ctrlPr>
+                                  <a:rPr lang="pt-BR" sz="2000" i="1">
+                                    <a:latin typeface="Cambria Math"/>
+                                  </a:rPr>
+                                </m:ctrlPr>
+                              </m:sSubPr>
+                              <m:e>
+                                <m:r>
+                                  <a:rPr lang="en-US" sz="2000" i="1">
+                                    <a:latin typeface="Cambria Math"/>
+                                  </a:rPr>
+                                  <m:t>𝑝</m:t>
+                                </m:r>
+                              </m:e>
+                              <m:sub>
+                                <m:r>
+                                  <a:rPr lang="en-US" sz="2000" b="0" i="1" smtClean="0">
+                                    <a:latin typeface="Cambria Math"/>
+                                  </a:rPr>
+                                  <m:t>2</m:t>
+                                </m:r>
+                              </m:sub>
+                            </m:sSub>
+                          </m:e>
+                        </m:d>
+                      </m:e>
+                      <m:sup>
+                        <m:r>
+                          <a:rPr lang="en-US" sz="2000" i="1">
+                            <a:latin typeface="Cambria Math"/>
+                          </a:rPr>
+                          <m:t>2</m:t>
+                        </m:r>
+                      </m:sup>
+                    </m:sSup>
+                  </m:oMath>
+                </a14:m>
+                <a:endParaRPr lang="en-US" sz="2000" dirty="0"/>
+              </a:p>
+            </p:txBody>
+          </p:sp>
+        </mc:Choice>
+        <mc:Fallback>
+          <p:sp>
+            <p:nvSpPr>
+              <p:cNvPr id="4" name="TextBox 3"/>
+              <p:cNvSpPr txBox="1">
+                <a:spLocks noRot="1" noChangeAspect="1" noMove="1" noResize="1" noEditPoints="1" noAdjustHandles="1" noChangeArrowheads="1" noChangeShapeType="1" noTextEdit="1"/>
+              </p:cNvSpPr>
+              <p:nvPr/>
+            </p:nvSpPr>
+            <p:spPr>
+              <a:xfrm>
+                <a:off x="145655" y="1815349"/>
+                <a:ext cx="7533685" cy="434414"/>
+              </a:xfrm>
+              <a:prstGeom prst="rect">
+                <a:avLst/>
+              </a:prstGeom>
+              <a:blipFill rotWithShape="1">
+                <a:blip r:embed="rId2"/>
+                <a:stretch>
+                  <a:fillRect l="-890" b="-25352"/>
+                </a:stretch>
+              </a:blipFill>
+            </p:spPr>
+            <p:txBody>
+              <a:bodyPr/>
+              <a:lstStyle/>
+              <a:p>
+                <a:r>
+                  <a:rPr lang="en-US">
+                    <a:noFill/>
+                  </a:rPr>
+                  <a:t> </a:t>
+                </a:r>
+              </a:p>
+            </p:txBody>
+          </p:sp>
+        </mc:Fallback>
+      </mc:AlternateContent>
+      <p:pic>
+        <p:nvPicPr>
+          <p:cNvPr id="1026" name="Picture 2" descr="https://upload.wikimedia.org/wikipedia/commons/thumb/5/55/Euclidean_distance_2d.svg/1200px-Euclidean_distance_2d.svg.png"/>
+          <p:cNvPicPr>
+            <a:picLocks noChangeAspect="1" noChangeArrowheads="1"/>
+          </p:cNvPicPr>
+          <p:nvPr/>
+        </p:nvPicPr>
+        <p:blipFill>
+          <a:blip r:embed="rId3">
+            <a:extLst>
+              <a:ext uri="{28A0092B-C50C-407E-A947-70E740481C1C}">
+                <a14:useLocalDpi xmlns:a14="http://schemas.microsoft.com/office/drawing/2010/main" val="0"/>
+              </a:ext>
+            </a:extLst>
+          </a:blip>
+          <a:srcRect/>
+          <a:stretch>
+            <a:fillRect/>
+          </a:stretch>
+        </p:blipFill>
+        <p:spPr bwMode="auto">
+          <a:xfrm>
+            <a:off x="6481718" y="2032556"/>
+            <a:ext cx="4044191" cy="2787122"/>
+          </a:xfrm>
+          <a:prstGeom prst="rect">
+            <a:avLst/>
+          </a:prstGeom>
+          <a:noFill/>
+          <a:extLst>
+            <a:ext uri="{909E8E84-426E-40DD-AFC4-6F175D3DCCD1}">
+              <a14:hiddenFill xmlns:a14="http://schemas.microsoft.com/office/drawing/2010/main">
+                <a:solidFill>
+                  <a:srgbClr val="FFFFFF"/>
+                </a:solidFill>
+              </a14:hiddenFill>
+            </a:ext>
+          </a:extLst>
+        </p:spPr>
+      </p:pic>
+      <mc:AlternateContent xmlns:mc="http://schemas.openxmlformats.org/markup-compatibility/2006">
+        <mc:Choice xmlns:a14="http://schemas.microsoft.com/office/drawing/2010/main" Requires="a14">
+          <p:sp>
+            <p:nvSpPr>
+              <p:cNvPr id="6" name="TextBox 5"/>
+              <p:cNvSpPr txBox="1"/>
+              <p:nvPr/>
+            </p:nvSpPr>
+            <p:spPr>
+              <a:xfrm>
+                <a:off x="242760" y="3951243"/>
+                <a:ext cx="6206591" cy="400110"/>
+              </a:xfrm>
+              <a:prstGeom prst="rect">
+                <a:avLst/>
+              </a:prstGeom>
+              <a:noFill/>
+            </p:spPr>
+            <p:txBody>
+              <a:bodyPr wrap="square" rtlCol="0">
+                <a:spAutoFit/>
+              </a:bodyPr>
+              <a:lstStyle/>
+              <a:p>
+                <a:r>
+                  <a:rPr lang="en-US" sz="2000" dirty="0" smtClean="0"/>
+                  <a:t>Manhattan </a:t>
+                </a:r>
+                <a14:m>
+                  <m:oMath xmlns:m="http://schemas.openxmlformats.org/officeDocument/2006/math">
+                    <m:r>
+                      <m:rPr>
+                        <m:sty m:val="p"/>
+                      </m:rPr>
+                      <a:rPr lang="en-US" sz="2000" b="0" i="0" smtClean="0">
+                        <a:latin typeface="Cambria Math"/>
+                      </a:rPr>
+                      <m:t>d</m:t>
+                    </m:r>
+                    <m:d>
+                      <m:dPr>
+                        <m:begChr m:val="|"/>
+                        <m:endChr m:val="|"/>
+                        <m:ctrlPr>
+                          <a:rPr lang="en-US" sz="2000" b="0" i="1" smtClean="0">
+                            <a:latin typeface="Cambria Math"/>
+                          </a:rPr>
+                        </m:ctrlPr>
+                      </m:dPr>
+                      <m:e>
+                        <m:r>
+                          <a:rPr lang="en-US" sz="2000" b="0" i="1" smtClean="0">
+                            <a:latin typeface="Cambria Math"/>
+                          </a:rPr>
+                          <m:t>𝑝</m:t>
+                        </m:r>
+                        <m:r>
+                          <a:rPr lang="en-US" sz="2000" b="0" i="1" smtClean="0">
+                            <a:latin typeface="Cambria Math"/>
+                          </a:rPr>
+                          <m:t>,</m:t>
+                        </m:r>
+                        <m:r>
+                          <a:rPr lang="en-US" sz="2000" b="0" i="1" smtClean="0">
+                            <a:latin typeface="Cambria Math"/>
+                          </a:rPr>
+                          <m:t>𝑞</m:t>
+                        </m:r>
+                      </m:e>
+                    </m:d>
+                    <m:r>
+                      <a:rPr lang="en-US" sz="2000" b="0" i="1" smtClean="0">
+                        <a:latin typeface="Cambria Math"/>
+                      </a:rPr>
+                      <m:t>=</m:t>
+                    </m:r>
+                    <m:r>
+                      <a:rPr lang="en-US" sz="2000" b="0" i="0" smtClean="0">
+                        <a:latin typeface="Cambria Math"/>
+                      </a:rPr>
+                      <m:t> </m:t>
+                    </m:r>
+                    <m:d>
+                      <m:dPr>
+                        <m:begChr m:val="|"/>
+                        <m:endChr m:val="|"/>
+                        <m:ctrlPr>
+                          <a:rPr lang="en-US" sz="2000" i="1">
+                            <a:latin typeface="Cambria Math"/>
+                          </a:rPr>
+                        </m:ctrlPr>
+                      </m:dPr>
+                      <m:e>
+                        <m:sSub>
+                          <m:sSubPr>
+                            <m:ctrlPr>
+                              <a:rPr lang="pt-BR" sz="2000" i="1">
+                                <a:latin typeface="Cambria Math"/>
+                              </a:rPr>
+                            </m:ctrlPr>
+                          </m:sSubPr>
+                          <m:e>
+                            <m:r>
+                              <a:rPr lang="en-US" sz="2000" i="1">
+                                <a:latin typeface="Cambria Math"/>
+                              </a:rPr>
+                              <m:t>𝑞</m:t>
+                            </m:r>
+                          </m:e>
+                          <m:sub>
+                            <m:r>
+                              <a:rPr lang="en-US" sz="2000" b="0" i="1" smtClean="0">
+                                <a:latin typeface="Cambria Math"/>
+                              </a:rPr>
+                              <m:t>1</m:t>
+                            </m:r>
+                          </m:sub>
+                        </m:sSub>
+                        <m:r>
+                          <a:rPr lang="en-US" sz="2000" i="1">
+                            <a:latin typeface="Cambria Math"/>
+                          </a:rPr>
+                          <m:t> −</m:t>
+                        </m:r>
+                        <m:sSub>
+                          <m:sSubPr>
+                            <m:ctrlPr>
+                              <a:rPr lang="pt-BR" sz="2000" i="1">
+                                <a:latin typeface="Cambria Math"/>
+                              </a:rPr>
+                            </m:ctrlPr>
+                          </m:sSubPr>
+                          <m:e>
+                            <m:r>
+                              <a:rPr lang="en-US" sz="2000" i="1">
+                                <a:latin typeface="Cambria Math"/>
+                              </a:rPr>
+                              <m:t>𝑝</m:t>
+                            </m:r>
+                          </m:e>
+                          <m:sub>
+                            <m:r>
+                              <a:rPr lang="en-US" sz="2000" b="0" i="1" smtClean="0">
+                                <a:latin typeface="Cambria Math"/>
+                              </a:rPr>
+                              <m:t>1</m:t>
+                            </m:r>
+                          </m:sub>
+                        </m:sSub>
+                      </m:e>
+                    </m:d>
+                    <m:r>
+                      <a:rPr lang="en-US" sz="2000" i="1">
+                        <a:latin typeface="Cambria Math"/>
+                      </a:rPr>
+                      <m:t> </m:t>
+                    </m:r>
+                  </m:oMath>
+                </a14:m>
+                <a:r>
+                  <a:rPr lang="en-US" sz="2000" dirty="0" smtClean="0"/>
+                  <a:t>+ </a:t>
+                </a:r>
+                <a14:m>
+                  <m:oMath xmlns:m="http://schemas.openxmlformats.org/officeDocument/2006/math">
+                    <m:d>
+                      <m:dPr>
+                        <m:begChr m:val="|"/>
+                        <m:endChr m:val="|"/>
+                        <m:ctrlPr>
+                          <a:rPr lang="en-US" sz="2000" i="1" smtClean="0">
+                            <a:latin typeface="Cambria Math"/>
+                          </a:rPr>
+                        </m:ctrlPr>
+                      </m:dPr>
+                      <m:e>
+                        <m:sSub>
+                          <m:sSubPr>
+                            <m:ctrlPr>
+                              <a:rPr lang="pt-BR" sz="2000" i="1">
+                                <a:latin typeface="Cambria Math"/>
+                              </a:rPr>
+                            </m:ctrlPr>
+                          </m:sSubPr>
+                          <m:e>
+                            <m:r>
+                              <a:rPr lang="en-US" sz="2000" i="1">
+                                <a:latin typeface="Cambria Math"/>
+                              </a:rPr>
+                              <m:t>𝑞</m:t>
+                            </m:r>
+                          </m:e>
+                          <m:sub>
+                            <m:r>
+                              <a:rPr lang="en-US" sz="2000" i="1">
+                                <a:latin typeface="Cambria Math"/>
+                              </a:rPr>
+                              <m:t>2</m:t>
+                            </m:r>
+                          </m:sub>
+                        </m:sSub>
+                        <m:r>
+                          <a:rPr lang="en-US" sz="2000" i="1">
+                            <a:latin typeface="Cambria Math"/>
+                          </a:rPr>
+                          <m:t> −</m:t>
+                        </m:r>
+                        <m:sSub>
+                          <m:sSubPr>
+                            <m:ctrlPr>
+                              <a:rPr lang="pt-BR" sz="2000" i="1">
+                                <a:latin typeface="Cambria Math"/>
+                              </a:rPr>
+                            </m:ctrlPr>
+                          </m:sSubPr>
+                          <m:e>
+                            <m:r>
+                              <a:rPr lang="en-US" sz="2000" i="1">
+                                <a:latin typeface="Cambria Math"/>
+                              </a:rPr>
+                              <m:t>𝑝</m:t>
+                            </m:r>
+                          </m:e>
+                          <m:sub>
+                            <m:r>
+                              <a:rPr lang="en-US" sz="2000" i="1">
+                                <a:latin typeface="Cambria Math"/>
+                              </a:rPr>
+                              <m:t>2</m:t>
+                            </m:r>
+                          </m:sub>
+                        </m:sSub>
+                      </m:e>
+                    </m:d>
+                  </m:oMath>
+                </a14:m>
+                <a:endParaRPr lang="en-US" sz="2000" dirty="0"/>
+              </a:p>
+            </p:txBody>
+          </p:sp>
+        </mc:Choice>
+        <mc:Fallback>
+          <p:sp>
+            <p:nvSpPr>
+              <p:cNvPr id="6" name="TextBox 5"/>
+              <p:cNvSpPr txBox="1">
+                <a:spLocks noRot="1" noChangeAspect="1" noMove="1" noResize="1" noEditPoints="1" noAdjustHandles="1" noChangeArrowheads="1" noChangeShapeType="1" noTextEdit="1"/>
+              </p:cNvSpPr>
+              <p:nvPr/>
+            </p:nvSpPr>
+            <p:spPr>
+              <a:xfrm>
+                <a:off x="242760" y="3951243"/>
+                <a:ext cx="6206591" cy="400110"/>
+              </a:xfrm>
+              <a:prstGeom prst="rect">
+                <a:avLst/>
+              </a:prstGeom>
+              <a:blipFill rotWithShape="1">
+                <a:blip r:embed="rId4"/>
+                <a:stretch>
+                  <a:fillRect l="-1081" t="-6061" b="-27273"/>
+                </a:stretch>
+              </a:blipFill>
+            </p:spPr>
+            <p:txBody>
+              <a:bodyPr/>
+              <a:lstStyle/>
+              <a:p>
+                <a:r>
+                  <a:rPr lang="en-US">
+                    <a:noFill/>
+                  </a:rPr>
+                  <a:t> </a:t>
+                </a:r>
+              </a:p>
+            </p:txBody>
+          </p:sp>
+        </mc:Fallback>
+      </mc:AlternateContent>
     </p:spTree>
     <p:extLst>
       <p:ext uri="{BB962C8B-B14F-4D97-AF65-F5344CB8AC3E}">

--- a/BaoCao_4Tuandau.pptx
+++ b/BaoCao_4Tuandau.pptx
@@ -5,7 +5,7 @@
     <p:sldMasterId id="2147483648" r:id="rId1"/>
   </p:sldMasterIdLst>
   <p:notesMasterIdLst>
-    <p:notesMasterId r:id="rId12"/>
+    <p:notesMasterId r:id="rId13"/>
   </p:notesMasterIdLst>
   <p:sldIdLst>
     <p:sldId id="256" r:id="rId2"/>
@@ -16,26 +16,27 @@
     <p:sldId id="279" r:id="rId7"/>
     <p:sldId id="280" r:id="rId8"/>
     <p:sldId id="281" r:id="rId9"/>
-    <p:sldId id="276" r:id="rId10"/>
-    <p:sldId id="274" r:id="rId11"/>
+    <p:sldId id="282" r:id="rId10"/>
+    <p:sldId id="276" r:id="rId11"/>
+    <p:sldId id="274" r:id="rId12"/>
   </p:sldIdLst>
   <p:sldSz cx="12192000" cy="6858000"/>
   <p:notesSz cx="6858000" cy="9144000"/>
   <p:embeddedFontLst>
     <p:embeddedFont>
-      <p:font typeface="Calibri" pitchFamily="34" charset="0"/>
-      <p:regular r:id="rId13"/>
-      <p:bold r:id="rId14"/>
-      <p:italic r:id="rId15"/>
-      <p:boldItalic r:id="rId16"/>
+      <p:font typeface="Cambria Math" pitchFamily="18" charset="0"/>
+      <p:regular r:id="rId14"/>
     </p:embeddedFont>
     <p:embeddedFont>
       <p:font typeface="Unica One" charset="0"/>
-      <p:regular r:id="rId17"/>
+      <p:regular r:id="rId15"/>
     </p:embeddedFont>
     <p:embeddedFont>
-      <p:font typeface="Cambria Math" pitchFamily="18" charset="0"/>
-      <p:regular r:id="rId18"/>
+      <p:font typeface="Calibri" pitchFamily="34" charset="0"/>
+      <p:regular r:id="rId16"/>
+      <p:bold r:id="rId17"/>
+      <p:italic r:id="rId18"/>
+      <p:boldItalic r:id="rId19"/>
     </p:embeddedFont>
   </p:embeddedFontLst>
   <p:defaultTextStyle>
@@ -14586,6 +14587,680 @@
   <p:cSld>
     <p:spTree>
       <p:nvGrpSpPr>
+        <p:cNvPr id="1" name=""/>
+        <p:cNvGrpSpPr/>
+        <p:nvPr/>
+      </p:nvGrpSpPr>
+      <p:grpSpPr>
+        <a:xfrm>
+          <a:off x="0" y="0"/>
+          <a:ext cx="0" cy="0"/>
+          <a:chOff x="0" y="0"/>
+          <a:chExt cx="0" cy="0"/>
+        </a:xfrm>
+      </p:grpSpPr>
+      <p:sp>
+        <p:nvSpPr>
+          <p:cNvPr id="2" name="Text Placeholder 1"/>
+          <p:cNvSpPr>
+            <a:spLocks noGrp="1"/>
+          </p:cNvSpPr>
+          <p:nvPr>
+            <p:ph type="body" idx="1"/>
+          </p:nvPr>
+        </p:nvSpPr>
+        <p:spPr/>
+        <p:txBody>
+          <a:bodyPr>
+            <a:normAutofit fontScale="85000" lnSpcReduction="20000"/>
+          </a:bodyPr>
+          <a:lstStyle/>
+          <a:p>
+            <a:endParaRPr lang="en-GB" dirty="0"/>
+          </a:p>
+        </p:txBody>
+      </p:sp>
+      <p:sp>
+        <p:nvSpPr>
+          <p:cNvPr id="3" name="TextBox 2"/>
+          <p:cNvSpPr txBox="1"/>
+          <p:nvPr/>
+        </p:nvSpPr>
+        <p:spPr>
+          <a:xfrm>
+            <a:off x="919274" y="1714920"/>
+            <a:ext cx="10732398" cy="3785652"/>
+          </a:xfrm>
+          <a:prstGeom prst="rect">
+            <a:avLst/>
+          </a:prstGeom>
+          <a:noFill/>
+        </p:spPr>
+        <p:txBody>
+          <a:bodyPr wrap="square" rtlCol="0">
+            <a:spAutoFit/>
+          </a:bodyPr>
+          <a:lstStyle/>
+          <a:p>
+            <a:r>
+              <a:rPr lang="en-US" sz="2400" dirty="0" err="1" smtClean="0"/>
+              <a:t>Ưu</a:t>
+            </a:r>
+            <a:r>
+              <a:rPr lang="en-US" sz="2400" dirty="0" smtClean="0"/>
+              <a:t> </a:t>
+            </a:r>
+            <a:r>
+              <a:rPr lang="en-US" sz="2400" dirty="0" err="1" smtClean="0"/>
+              <a:t>điểm</a:t>
+            </a:r>
+            <a:r>
+              <a:rPr lang="en-US" sz="2400" dirty="0" smtClean="0"/>
+              <a:t>:</a:t>
+            </a:r>
+          </a:p>
+          <a:p>
+            <a:pPr marL="285750" indent="-285750">
+              <a:buFontTx/>
+              <a:buChar char="-"/>
+            </a:pPr>
+            <a:r>
+              <a:rPr lang="en-US" sz="2400" dirty="0" err="1" smtClean="0"/>
+              <a:t>Độ</a:t>
+            </a:r>
+            <a:r>
+              <a:rPr lang="en-US" sz="2400" dirty="0" smtClean="0"/>
+              <a:t> </a:t>
+            </a:r>
+            <a:r>
+              <a:rPr lang="en-US" sz="2400" dirty="0" err="1" smtClean="0"/>
+              <a:t>phức</a:t>
+            </a:r>
+            <a:r>
+              <a:rPr lang="en-US" sz="2400" dirty="0" smtClean="0"/>
+              <a:t> </a:t>
+            </a:r>
+            <a:r>
+              <a:rPr lang="en-US" sz="2400" dirty="0" err="1" smtClean="0"/>
+              <a:t>tạp</a:t>
+            </a:r>
+            <a:r>
+              <a:rPr lang="en-US" sz="2400" dirty="0" smtClean="0"/>
+              <a:t> </a:t>
+            </a:r>
+            <a:r>
+              <a:rPr lang="en-US" sz="2400" dirty="0" err="1" smtClean="0"/>
+              <a:t>của</a:t>
+            </a:r>
+            <a:r>
+              <a:rPr lang="en-US" sz="2400" dirty="0" smtClean="0"/>
+              <a:t> </a:t>
+            </a:r>
+            <a:r>
+              <a:rPr lang="en-US" sz="2400" dirty="0" err="1" smtClean="0"/>
+              <a:t>thuật</a:t>
+            </a:r>
+            <a:r>
+              <a:rPr lang="en-US" sz="2400" dirty="0" smtClean="0"/>
+              <a:t> </a:t>
+            </a:r>
+            <a:r>
+              <a:rPr lang="en-US" sz="2400" dirty="0" err="1" smtClean="0"/>
+              <a:t>toán</a:t>
+            </a:r>
+            <a:r>
+              <a:rPr lang="en-US" sz="2400" dirty="0" smtClean="0"/>
+              <a:t> </a:t>
+            </a:r>
+            <a:r>
+              <a:rPr lang="en-US" sz="2400" dirty="0" err="1" smtClean="0"/>
+              <a:t>gần</a:t>
+            </a:r>
+            <a:r>
+              <a:rPr lang="en-US" sz="2400" dirty="0" smtClean="0"/>
+              <a:t> </a:t>
+            </a:r>
+            <a:r>
+              <a:rPr lang="en-US" sz="2400" dirty="0" err="1" smtClean="0"/>
+              <a:t>như</a:t>
+            </a:r>
+            <a:r>
+              <a:rPr lang="en-US" sz="2400" dirty="0" smtClean="0"/>
+              <a:t> </a:t>
+            </a:r>
+            <a:r>
+              <a:rPr lang="en-US" sz="2400" dirty="0" err="1" smtClean="0"/>
+              <a:t>là</a:t>
+            </a:r>
+            <a:r>
+              <a:rPr lang="en-US" sz="2400" dirty="0" smtClean="0"/>
+              <a:t> 0 </a:t>
+            </a:r>
+          </a:p>
+          <a:p>
+            <a:pPr marL="285750" indent="-285750">
+              <a:buFontTx/>
+              <a:buChar char="-"/>
+            </a:pPr>
+            <a:r>
+              <a:rPr lang="en-US" sz="2400" dirty="0" err="1" smtClean="0"/>
+              <a:t>Việc</a:t>
+            </a:r>
+            <a:r>
+              <a:rPr lang="en-US" sz="2400" dirty="0" smtClean="0"/>
+              <a:t> </a:t>
+            </a:r>
+            <a:r>
+              <a:rPr lang="en-US" sz="2400" dirty="0" err="1" smtClean="0"/>
+              <a:t>dự</a:t>
+            </a:r>
+            <a:r>
+              <a:rPr lang="en-US" sz="2400" dirty="0" smtClean="0"/>
+              <a:t> </a:t>
+            </a:r>
+            <a:r>
+              <a:rPr lang="en-US" sz="2400" dirty="0" err="1" smtClean="0"/>
+              <a:t>đoán</a:t>
+            </a:r>
+            <a:r>
+              <a:rPr lang="en-US" sz="2400" dirty="0" smtClean="0"/>
+              <a:t> </a:t>
+            </a:r>
+            <a:r>
+              <a:rPr lang="en-US" sz="2400" dirty="0" err="1" smtClean="0"/>
+              <a:t>kết</a:t>
+            </a:r>
+            <a:r>
+              <a:rPr lang="en-US" sz="2400" dirty="0" smtClean="0"/>
+              <a:t> </a:t>
+            </a:r>
+            <a:r>
+              <a:rPr lang="en-US" sz="2400" dirty="0" err="1" smtClean="0"/>
+              <a:t>quả</a:t>
+            </a:r>
+            <a:r>
+              <a:rPr lang="en-US" sz="2400" dirty="0" smtClean="0"/>
+              <a:t> </a:t>
+            </a:r>
+            <a:r>
+              <a:rPr lang="en-US" sz="2400" dirty="0" err="1" smtClean="0"/>
+              <a:t>mới</a:t>
+            </a:r>
+            <a:r>
+              <a:rPr lang="en-US" sz="2400" dirty="0" smtClean="0"/>
+              <a:t> </a:t>
+            </a:r>
+            <a:r>
+              <a:rPr lang="en-US" sz="2400" dirty="0" err="1" smtClean="0"/>
+              <a:t>thì</a:t>
+            </a:r>
+            <a:r>
+              <a:rPr lang="en-US" sz="2400" dirty="0" smtClean="0"/>
+              <a:t> </a:t>
+            </a:r>
+            <a:r>
+              <a:rPr lang="en-US" sz="2400" dirty="0" err="1" smtClean="0"/>
+              <a:t>rất</a:t>
+            </a:r>
+            <a:r>
+              <a:rPr lang="en-US" sz="2400" dirty="0" smtClean="0"/>
+              <a:t> </a:t>
+            </a:r>
+            <a:r>
+              <a:rPr lang="en-US" sz="2400" dirty="0" err="1" smtClean="0"/>
+              <a:t>đơn</a:t>
+            </a:r>
+            <a:r>
+              <a:rPr lang="en-US" sz="2400" dirty="0" smtClean="0"/>
+              <a:t> </a:t>
+            </a:r>
+            <a:r>
+              <a:rPr lang="en-US" sz="2400" dirty="0" err="1" smtClean="0"/>
+              <a:t>giản</a:t>
+            </a:r>
+            <a:endParaRPr lang="en-US" sz="2400" dirty="0" smtClean="0"/>
+          </a:p>
+          <a:p>
+            <a:pPr marL="285750" indent="-285750">
+              <a:buFontTx/>
+              <a:buChar char="-"/>
+            </a:pPr>
+            <a:endParaRPr lang="en-US" sz="2400" dirty="0"/>
+          </a:p>
+          <a:p>
+            <a:pPr marL="285750" indent="-285750">
+              <a:buFontTx/>
+              <a:buChar char="-"/>
+            </a:pPr>
+            <a:endParaRPr lang="en-US" sz="2400" dirty="0" smtClean="0"/>
+          </a:p>
+          <a:p>
+            <a:r>
+              <a:rPr lang="en-US" sz="2400" dirty="0" err="1" smtClean="0"/>
+              <a:t>Nhược</a:t>
+            </a:r>
+            <a:r>
+              <a:rPr lang="en-US" sz="2400" dirty="0" smtClean="0"/>
+              <a:t> </a:t>
+            </a:r>
+            <a:r>
+              <a:rPr lang="en-US" sz="2400" dirty="0" err="1" smtClean="0"/>
+              <a:t>điểm</a:t>
+            </a:r>
+            <a:r>
+              <a:rPr lang="en-US" sz="2400" dirty="0" smtClean="0"/>
+              <a:t>:</a:t>
+            </a:r>
+          </a:p>
+          <a:p>
+            <a:pPr marL="285750" indent="-285750">
+              <a:buFontTx/>
+              <a:buChar char="-"/>
+            </a:pPr>
+            <a:r>
+              <a:rPr lang="en-US" sz="2400" dirty="0" err="1" smtClean="0"/>
+              <a:t>Dễ</a:t>
+            </a:r>
+            <a:r>
+              <a:rPr lang="en-US" sz="2400" dirty="0" smtClean="0"/>
+              <a:t> </a:t>
+            </a:r>
+            <a:r>
+              <a:rPr lang="en-US" sz="2400" dirty="0" err="1" smtClean="0"/>
+              <a:t>bị</a:t>
+            </a:r>
+            <a:r>
+              <a:rPr lang="en-US" sz="2400" dirty="0" smtClean="0"/>
+              <a:t> </a:t>
+            </a:r>
+            <a:r>
+              <a:rPr lang="en-US" sz="2400" dirty="0" err="1" smtClean="0"/>
+              <a:t>ảnh</a:t>
+            </a:r>
+            <a:r>
+              <a:rPr lang="en-US" sz="2400" dirty="0" smtClean="0"/>
+              <a:t> </a:t>
+            </a:r>
+            <a:r>
+              <a:rPr lang="en-US" sz="2400" dirty="0" err="1" smtClean="0"/>
+              <a:t>hưởng</a:t>
+            </a:r>
+            <a:r>
+              <a:rPr lang="en-US" sz="2400" dirty="0" smtClean="0"/>
+              <a:t> </a:t>
+            </a:r>
+            <a:r>
+              <a:rPr lang="en-US" sz="2400" dirty="0" err="1" smtClean="0"/>
+              <a:t>bởi</a:t>
+            </a:r>
+            <a:r>
+              <a:rPr lang="en-US" sz="2400" dirty="0" smtClean="0"/>
+              <a:t> </a:t>
+            </a:r>
+            <a:r>
+              <a:rPr lang="en-US" sz="2400" dirty="0" err="1" smtClean="0"/>
+              <a:t>các</a:t>
+            </a:r>
+            <a:r>
+              <a:rPr lang="en-US" sz="2400" dirty="0" smtClean="0"/>
+              <a:t> </a:t>
+            </a:r>
+            <a:r>
+              <a:rPr lang="en-US" sz="2400" dirty="0" err="1" smtClean="0"/>
+              <a:t>dữ</a:t>
+            </a:r>
+            <a:r>
+              <a:rPr lang="en-US" sz="2400" dirty="0" smtClean="0"/>
+              <a:t> </a:t>
+            </a:r>
+            <a:r>
+              <a:rPr lang="en-US" sz="2400" dirty="0" err="1" smtClean="0"/>
+              <a:t>liệu</a:t>
+            </a:r>
+            <a:r>
+              <a:rPr lang="en-US" sz="2400" dirty="0" smtClean="0"/>
+              <a:t> </a:t>
+            </a:r>
+            <a:r>
+              <a:rPr lang="en-US" sz="2400" dirty="0" err="1" smtClean="0"/>
+              <a:t>nhiễu</a:t>
+            </a:r>
+            <a:endParaRPr lang="en-US" sz="2400" dirty="0" smtClean="0"/>
+          </a:p>
+          <a:p>
+            <a:pPr marL="285750" indent="-285750">
+              <a:buFontTx/>
+              <a:buChar char="-"/>
+            </a:pPr>
+            <a:r>
+              <a:rPr lang="en-US" sz="2400" dirty="0" err="1" smtClean="0"/>
+              <a:t>Vì</a:t>
+            </a:r>
+            <a:r>
+              <a:rPr lang="en-US" sz="2400" dirty="0" smtClean="0"/>
+              <a:t> </a:t>
+            </a:r>
+            <a:r>
+              <a:rPr lang="en-US" sz="2400" dirty="0" err="1" smtClean="0"/>
+              <a:t>phải</a:t>
+            </a:r>
+            <a:r>
+              <a:rPr lang="en-US" sz="2400" dirty="0" smtClean="0"/>
+              <a:t> </a:t>
+            </a:r>
+            <a:r>
+              <a:rPr lang="en-US" sz="2400" dirty="0" err="1" smtClean="0"/>
+              <a:t>tính</a:t>
+            </a:r>
+            <a:r>
+              <a:rPr lang="en-US" sz="2400" dirty="0" smtClean="0"/>
+              <a:t> </a:t>
+            </a:r>
+            <a:r>
+              <a:rPr lang="en-US" sz="2400" dirty="0" err="1" smtClean="0"/>
+              <a:t>toán</a:t>
+            </a:r>
+            <a:r>
+              <a:rPr lang="en-US" sz="2400" dirty="0" smtClean="0"/>
+              <a:t> </a:t>
+            </a:r>
+            <a:r>
+              <a:rPr lang="en-US" sz="2400" dirty="0" err="1" smtClean="0"/>
+              <a:t>toàn</a:t>
+            </a:r>
+            <a:r>
+              <a:rPr lang="en-US" sz="2400" dirty="0" smtClean="0"/>
+              <a:t> </a:t>
+            </a:r>
+            <a:r>
+              <a:rPr lang="en-US" sz="2400" dirty="0" err="1" smtClean="0"/>
+              <a:t>bộ</a:t>
+            </a:r>
+            <a:r>
+              <a:rPr lang="en-US" sz="2400" dirty="0" smtClean="0"/>
+              <a:t> </a:t>
+            </a:r>
+            <a:r>
+              <a:rPr lang="en-US" sz="2400" dirty="0" err="1" smtClean="0"/>
+              <a:t>khoảng</a:t>
+            </a:r>
+            <a:r>
+              <a:rPr lang="en-US" sz="2400" dirty="0" smtClean="0"/>
+              <a:t> </a:t>
+            </a:r>
+            <a:r>
+              <a:rPr lang="en-US" sz="2400" dirty="0" err="1" smtClean="0"/>
+              <a:t>cách</a:t>
+            </a:r>
+            <a:r>
+              <a:rPr lang="en-US" sz="2400" dirty="0" smtClean="0"/>
+              <a:t> </a:t>
+            </a:r>
+            <a:r>
+              <a:rPr lang="en-US" sz="2400" dirty="0" err="1" smtClean="0"/>
+              <a:t>tới</a:t>
+            </a:r>
+            <a:r>
+              <a:rPr lang="en-US" sz="2400" dirty="0" smtClean="0"/>
+              <a:t> </a:t>
+            </a:r>
+            <a:r>
+              <a:rPr lang="en-US" sz="2400" dirty="0" err="1" smtClean="0"/>
+              <a:t>từng</a:t>
+            </a:r>
+            <a:r>
+              <a:rPr lang="en-US" sz="2400" dirty="0" smtClean="0"/>
+              <a:t> </a:t>
+            </a:r>
+            <a:r>
+              <a:rPr lang="en-US" sz="2400" dirty="0" err="1" smtClean="0"/>
+              <a:t>điểm</a:t>
+            </a:r>
+            <a:r>
+              <a:rPr lang="en-US" sz="2400" dirty="0" smtClean="0"/>
+              <a:t> </a:t>
+            </a:r>
+            <a:r>
+              <a:rPr lang="en-US" sz="2400" dirty="0" err="1" smtClean="0"/>
+              <a:t>dữ</a:t>
+            </a:r>
+            <a:r>
+              <a:rPr lang="en-US" sz="2400" dirty="0" smtClean="0"/>
+              <a:t> </a:t>
+            </a:r>
+            <a:r>
+              <a:rPr lang="en-US" sz="2400" dirty="0" err="1" smtClean="0"/>
+              <a:t>liệu</a:t>
+            </a:r>
+            <a:r>
+              <a:rPr lang="en-US" sz="2400" dirty="0" smtClean="0"/>
+              <a:t> </a:t>
+            </a:r>
+            <a:r>
+              <a:rPr lang="en-US" sz="2400" dirty="0" err="1" smtClean="0"/>
+              <a:t>của</a:t>
+            </a:r>
+            <a:r>
+              <a:rPr lang="en-US" sz="2400" dirty="0" smtClean="0"/>
+              <a:t> </a:t>
+            </a:r>
+            <a:r>
+              <a:rPr lang="en-US" sz="2400" dirty="0" err="1" smtClean="0"/>
+              <a:t>tập</a:t>
+            </a:r>
+            <a:r>
+              <a:rPr lang="en-US" sz="2400" dirty="0" smtClean="0"/>
+              <a:t> </a:t>
+            </a:r>
+            <a:r>
+              <a:rPr lang="en-US" sz="2400" dirty="0" err="1" smtClean="0"/>
+              <a:t>dữ</a:t>
+            </a:r>
+            <a:r>
+              <a:rPr lang="en-US" sz="2400" dirty="0" smtClean="0"/>
+              <a:t> </a:t>
+            </a:r>
+            <a:r>
+              <a:rPr lang="en-US" sz="2400" dirty="0" err="1" smtClean="0"/>
+              <a:t>liệu</a:t>
+            </a:r>
+            <a:r>
+              <a:rPr lang="en-US" sz="2400" dirty="0" smtClean="0"/>
+              <a:t> </a:t>
+            </a:r>
+            <a:r>
+              <a:rPr lang="en-US" sz="2400" dirty="0" err="1" smtClean="0"/>
+              <a:t>nên</a:t>
+            </a:r>
+            <a:r>
+              <a:rPr lang="en-US" sz="2400" dirty="0" smtClean="0"/>
+              <a:t> </a:t>
+            </a:r>
+            <a:r>
+              <a:rPr lang="en-US" sz="2400" dirty="0" err="1" smtClean="0"/>
+              <a:t>gây</a:t>
+            </a:r>
+            <a:r>
+              <a:rPr lang="en-US" sz="2400" dirty="0" smtClean="0"/>
+              <a:t> </a:t>
+            </a:r>
+            <a:r>
+              <a:rPr lang="en-US" sz="2400" dirty="0" err="1" smtClean="0"/>
+              <a:t>mất</a:t>
+            </a:r>
+            <a:r>
+              <a:rPr lang="en-US" sz="2400" dirty="0" smtClean="0"/>
+              <a:t> </a:t>
+            </a:r>
+            <a:r>
+              <a:rPr lang="en-US" sz="2400" dirty="0" err="1" smtClean="0"/>
+              <a:t>thời</a:t>
+            </a:r>
+            <a:r>
+              <a:rPr lang="en-US" sz="2400" dirty="0" smtClean="0"/>
+              <a:t> </a:t>
+            </a:r>
+            <a:r>
+              <a:rPr lang="en-US" sz="2400" dirty="0" err="1" smtClean="0"/>
+              <a:t>gian</a:t>
+            </a:r>
+            <a:r>
+              <a:rPr lang="en-US" sz="2400" dirty="0" smtClean="0"/>
+              <a:t> </a:t>
+            </a:r>
+            <a:r>
+              <a:rPr lang="en-US" sz="2400" dirty="0" err="1" smtClean="0"/>
+              <a:t>với</a:t>
+            </a:r>
+            <a:r>
+              <a:rPr lang="en-US" sz="2400" dirty="0" smtClean="0"/>
+              <a:t> </a:t>
+            </a:r>
+            <a:r>
+              <a:rPr lang="en-US" sz="2400" dirty="0" err="1" smtClean="0"/>
+              <a:t>dữ</a:t>
+            </a:r>
+            <a:r>
+              <a:rPr lang="en-US" sz="2400" dirty="0" smtClean="0"/>
+              <a:t> </a:t>
+            </a:r>
+            <a:r>
+              <a:rPr lang="en-US" sz="2400" dirty="0" err="1" smtClean="0"/>
+              <a:t>liệu</a:t>
+            </a:r>
+            <a:r>
+              <a:rPr lang="en-US" sz="2400" dirty="0" smtClean="0"/>
+              <a:t> </a:t>
+            </a:r>
+            <a:r>
+              <a:rPr lang="en-US" sz="2400" dirty="0" err="1" smtClean="0"/>
+              <a:t>lớn</a:t>
+            </a:r>
+            <a:r>
+              <a:rPr lang="en-US" sz="2400" dirty="0" smtClean="0"/>
+              <a:t>, </a:t>
+            </a:r>
+            <a:r>
+              <a:rPr lang="en-US" sz="2400" dirty="0" err="1" smtClean="0"/>
+              <a:t>cùng</a:t>
+            </a:r>
+            <a:r>
+              <a:rPr lang="en-US" sz="2400" dirty="0" smtClean="0"/>
+              <a:t> </a:t>
+            </a:r>
+            <a:r>
+              <a:rPr lang="en-US" sz="2400" dirty="0" err="1" smtClean="0"/>
+              <a:t>với</a:t>
+            </a:r>
+            <a:r>
+              <a:rPr lang="en-US" sz="2400" dirty="0" smtClean="0"/>
+              <a:t> </a:t>
+            </a:r>
+            <a:r>
+              <a:rPr lang="en-US" sz="2400" dirty="0" err="1" smtClean="0"/>
+              <a:t>nó</a:t>
+            </a:r>
+            <a:r>
+              <a:rPr lang="en-US" sz="2400" dirty="0" smtClean="0"/>
+              <a:t> </a:t>
+            </a:r>
+            <a:r>
+              <a:rPr lang="en-US" sz="2400" dirty="0" err="1" smtClean="0"/>
+              <a:t>thì</a:t>
+            </a:r>
+            <a:r>
+              <a:rPr lang="en-US" sz="2400" dirty="0" smtClean="0"/>
+              <a:t> do </a:t>
+            </a:r>
+            <a:r>
+              <a:rPr lang="en-US" sz="2400" dirty="0" err="1" smtClean="0"/>
+              <a:t>lưu</a:t>
+            </a:r>
+            <a:r>
+              <a:rPr lang="en-US" sz="2400" dirty="0" smtClean="0"/>
+              <a:t> </a:t>
+            </a:r>
+            <a:r>
+              <a:rPr lang="en-US" sz="2400" dirty="0" err="1" smtClean="0"/>
+              <a:t>nhiều</a:t>
+            </a:r>
+            <a:r>
+              <a:rPr lang="en-US" sz="2400" dirty="0" smtClean="0"/>
+              <a:t> </a:t>
+            </a:r>
+            <a:r>
+              <a:rPr lang="en-US" sz="2400" dirty="0" err="1" smtClean="0"/>
+              <a:t>kết</a:t>
+            </a:r>
+            <a:r>
+              <a:rPr lang="en-US" sz="2400" dirty="0" smtClean="0"/>
+              <a:t> </a:t>
+            </a:r>
+            <a:r>
+              <a:rPr lang="en-US" sz="2400" dirty="0" err="1" smtClean="0"/>
+              <a:t>quả</a:t>
+            </a:r>
+            <a:r>
+              <a:rPr lang="en-US" sz="2400" dirty="0" smtClean="0"/>
+              <a:t> </a:t>
+            </a:r>
+            <a:r>
+              <a:rPr lang="en-US" sz="2400" dirty="0" err="1" smtClean="0"/>
+              <a:t>lên</a:t>
+            </a:r>
+            <a:r>
+              <a:rPr lang="en-US" sz="2400" dirty="0" smtClean="0"/>
+              <a:t> </a:t>
+            </a:r>
+            <a:r>
+              <a:rPr lang="en-US" sz="2400" dirty="0" err="1" smtClean="0"/>
+              <a:t>tốn</a:t>
+            </a:r>
+            <a:r>
+              <a:rPr lang="en-US" sz="2400" dirty="0" smtClean="0"/>
+              <a:t> </a:t>
+            </a:r>
+            <a:r>
+              <a:rPr lang="en-US" sz="2400" dirty="0" err="1" smtClean="0"/>
+              <a:t>bộ</a:t>
+            </a:r>
+            <a:r>
+              <a:rPr lang="en-US" sz="2400" dirty="0" smtClean="0"/>
+              <a:t> </a:t>
+            </a:r>
+            <a:r>
+              <a:rPr lang="en-US" sz="2400" dirty="0" err="1" smtClean="0"/>
+              <a:t>nhớ</a:t>
+            </a:r>
+            <a:endParaRPr lang="en-GB" sz="2400" dirty="0"/>
+          </a:p>
+        </p:txBody>
+      </p:sp>
+    </p:spTree>
+    <p:extLst>
+      <p:ext uri="{BB962C8B-B14F-4D97-AF65-F5344CB8AC3E}">
+        <p14:creationId xmlns:p14="http://schemas.microsoft.com/office/powerpoint/2010/main" val="330417599"/>
+      </p:ext>
+    </p:extLst>
+  </p:cSld>
+  <p:clrMapOvr>
+    <a:masterClrMapping/>
+  </p:clrMapOvr>
+  <p:timing>
+    <p:tnLst>
+      <p:par>
+        <p:cTn id="1" dur="indefinite" restart="never" nodeType="tmRoot"/>
+      </p:par>
+    </p:tnLst>
+  </p:timing>
+</p:sld>
+</file>
+
+<file path=ppt/slides/slide11.xml><?xml version="1.0" encoding="utf-8"?>
+<p:sld xmlns:a="http://schemas.openxmlformats.org/drawingml/2006/main" xmlns:r="http://schemas.openxmlformats.org/officeDocument/2006/relationships" xmlns:p="http://schemas.openxmlformats.org/presentationml/2006/main">
+  <p:cSld>
+    <p:spTree>
+      <p:nvGrpSpPr>
         <p:cNvPr id="1" name="Shape 284"/>
         <p:cNvGrpSpPr/>
         <p:nvPr/>
@@ -15306,8 +15981,8 @@
         </p:nvSpPr>
         <p:spPr>
           <a:xfrm>
-            <a:off x="1357744" y="965549"/>
-            <a:ext cx="9684327" cy="4893647"/>
+            <a:off x="912682" y="487025"/>
+            <a:ext cx="9684327" cy="6001643"/>
           </a:xfrm>
           <a:prstGeom prst="rect">
             <a:avLst/>
@@ -15406,11 +16081,7 @@
             </a:r>
             <a:r>
               <a:rPr lang="en-US" sz="2400" dirty="0" smtClean="0"/>
-              <a:t> </a:t>
-            </a:r>
-            <a:r>
-              <a:rPr lang="en-US" sz="2400" dirty="0" smtClean="0"/>
-              <a:t>classification </a:t>
+              <a:t> classification </a:t>
             </a:r>
             <a:r>
               <a:rPr lang="en-US" sz="2400" dirty="0" err="1" smtClean="0"/>
@@ -15707,10 +16378,18 @@
             </a:r>
             <a:r>
               <a:rPr lang="en-US" sz="2400" dirty="0" smtClean="0"/>
-              <a:t>.(</a:t>
-            </a:r>
-            <a:r>
-              <a:rPr lang="en-US" sz="2400" i="1" dirty="0"/>
+              <a:t>.</a:t>
+            </a:r>
+            <a:r>
+              <a:rPr lang="vi-VN" sz="2400" dirty="0"/>
+              <a:t> Nhãn đó có thể được quyết định bằng bầu chọn theo đa số (major voting) trong số K điểm gần nhất, hoặc nó có thể được suy ra bằng cách đánh trọng số khác nhau cho mỗi trong các điểm gần nhất đó rồi suy ra kết quả</a:t>
+            </a:r>
+            <a:r>
+              <a:rPr lang="en-US" sz="2400" dirty="0" smtClean="0"/>
+              <a:t>(</a:t>
+            </a:r>
+            <a:r>
+              <a:rPr lang="en-US" sz="2400" i="1" dirty="0" smtClean="0"/>
               <a:t>T</a:t>
             </a:r>
             <a:r>
@@ -15721,9 +16400,6 @@
               <a:rPr lang="en-GB" sz="2400" dirty="0" smtClean="0"/>
               <a:t>.)</a:t>
             </a:r>
-            <a:endParaRPr lang="en-US" sz="2400" dirty="0"/>
-          </a:p>
-          <a:p>
             <a:endParaRPr lang="en-US" sz="2400" dirty="0"/>
           </a:p>
           <a:p>
@@ -15916,7 +16592,7 @@
         </p:blipFill>
         <p:spPr bwMode="auto">
           <a:xfrm>
-            <a:off x="6961907" y="3806558"/>
+            <a:off x="7212760" y="4445829"/>
             <a:ext cx="2736850" cy="2052638"/>
           </a:xfrm>
           <a:prstGeom prst="rect">
@@ -16522,7 +17198,6 @@
               <a:rPr lang="en-US" sz="2400" dirty="0"/>
               <a:t>.</a:t>
             </a:r>
-            <a:endParaRPr lang="en-US" sz="2400" dirty="0"/>
           </a:p>
         </p:txBody>
       </p:sp>
@@ -19702,8 +20377,8 @@
           </a:p>
         </p:txBody>
       </p:sp>
-      <mc:AlternateContent xmlns:mc="http://schemas.openxmlformats.org/markup-compatibility/2006">
-        <mc:Choice xmlns:a14="http://schemas.microsoft.com/office/drawing/2010/main" Requires="a14">
+      <mc:AlternateContent xmlns:mc="http://schemas.openxmlformats.org/markup-compatibility/2006" xmlns:a14="http://schemas.microsoft.com/office/drawing/2010/main">
+        <mc:Choice Requires="a14">
           <p:sp>
             <p:nvSpPr>
               <p:cNvPr id="4" name="TextBox 3"/>
@@ -19984,7 +20659,7 @@
             </p:txBody>
           </p:sp>
         </mc:Choice>
-        <mc:Fallback>
+        <mc:Fallback xmlns="">
           <p:sp>
             <p:nvSpPr>
               <p:cNvPr id="4" name="TextBox 3"/>
@@ -20064,8 +20739,8 @@
           </a:extLst>
         </p:spPr>
       </p:pic>
-      <mc:AlternateContent xmlns:mc="http://schemas.openxmlformats.org/markup-compatibility/2006">
-        <mc:Choice xmlns:a14="http://schemas.microsoft.com/office/drawing/2010/main" Requires="a14">
+      <mc:AlternateContent xmlns:mc="http://schemas.openxmlformats.org/markup-compatibility/2006" xmlns:a14="http://schemas.microsoft.com/office/drawing/2010/main">
+        <mc:Choice Requires="a14">
           <p:sp>
             <p:nvSpPr>
               <p:cNvPr id="6" name="TextBox 5"/>
@@ -20305,7 +20980,7 @@
             </p:txBody>
           </p:sp>
         </mc:Choice>
-        <mc:Fallback>
+        <mc:Fallback xmlns="">
           <p:sp>
             <p:nvSpPr>
               <p:cNvPr id="6" name="TextBox 5"/>
@@ -20383,35 +21058,14 @@
       </p:grpSpPr>
       <p:sp>
         <p:nvSpPr>
-          <p:cNvPr id="2" name="Text Placeholder 1"/>
-          <p:cNvSpPr>
-            <a:spLocks noGrp="1"/>
-          </p:cNvSpPr>
-          <p:nvPr>
-            <p:ph type="body" idx="1"/>
-          </p:nvPr>
-        </p:nvSpPr>
-        <p:spPr/>
-        <p:txBody>
-          <a:bodyPr>
-            <a:normAutofit fontScale="85000" lnSpcReduction="20000"/>
-          </a:bodyPr>
-          <a:lstStyle/>
-          <a:p>
-            <a:endParaRPr lang="en-GB" dirty="0"/>
-          </a:p>
-        </p:txBody>
-      </p:sp>
-      <p:sp>
-        <p:nvSpPr>
           <p:cNvPr id="3" name="TextBox 2"/>
           <p:cNvSpPr txBox="1"/>
           <p:nvPr/>
         </p:nvSpPr>
         <p:spPr>
           <a:xfrm>
-            <a:off x="919274" y="1714920"/>
-            <a:ext cx="10732398" cy="3785652"/>
+            <a:off x="267037" y="558350"/>
+            <a:ext cx="10009848" cy="3170099"/>
           </a:xfrm>
           <a:prstGeom prst="rect">
             <a:avLst/>
@@ -20425,616 +21079,937 @@
           <a:lstStyle/>
           <a:p>
             <a:r>
-              <a:rPr lang="en-US" sz="2400" dirty="0" err="1" smtClean="0"/>
-              <a:t>Ưu</a:t>
-            </a:r>
-            <a:r>
-              <a:rPr lang="en-US" sz="2400" dirty="0" smtClean="0"/>
-              <a:t> </a:t>
-            </a:r>
-            <a:r>
-              <a:rPr lang="en-US" sz="2400" dirty="0" err="1" smtClean="0"/>
+              <a:rPr lang="en-US" sz="2000" dirty="0" smtClean="0"/>
+              <a:t>Ta </a:t>
+            </a:r>
+            <a:r>
+              <a:rPr lang="en-US" sz="2000" dirty="0" err="1" smtClean="0"/>
+              <a:t>có</a:t>
+            </a:r>
+            <a:r>
+              <a:rPr lang="en-US" sz="2000" dirty="0" smtClean="0"/>
+              <a:t> </a:t>
+            </a:r>
+            <a:r>
+              <a:rPr lang="en-US" sz="2000" dirty="0" err="1" smtClean="0"/>
+              <a:t>thể</a:t>
+            </a:r>
+            <a:r>
+              <a:rPr lang="en-US" sz="2000" dirty="0" smtClean="0"/>
+              <a:t> </a:t>
+            </a:r>
+            <a:r>
+              <a:rPr lang="en-US" sz="2000" dirty="0" err="1" smtClean="0"/>
+              <a:t>nâng</a:t>
+            </a:r>
+            <a:r>
+              <a:rPr lang="en-US" sz="2000" dirty="0" smtClean="0"/>
+              <a:t> </a:t>
+            </a:r>
+            <a:r>
+              <a:rPr lang="en-US" sz="2000" dirty="0" err="1" smtClean="0"/>
+              <a:t>cao</a:t>
+            </a:r>
+            <a:r>
+              <a:rPr lang="en-US" sz="2000" dirty="0" smtClean="0"/>
+              <a:t> </a:t>
+            </a:r>
+            <a:r>
+              <a:rPr lang="en-US" sz="2000" dirty="0" err="1" smtClean="0"/>
+              <a:t>độ</a:t>
+            </a:r>
+            <a:r>
+              <a:rPr lang="en-US" sz="2000" dirty="0" smtClean="0"/>
+              <a:t> </a:t>
+            </a:r>
+            <a:r>
+              <a:rPr lang="en-US" sz="2000" dirty="0" err="1" smtClean="0"/>
+              <a:t>chính</a:t>
+            </a:r>
+            <a:r>
+              <a:rPr lang="en-US" sz="2000" dirty="0" smtClean="0"/>
+              <a:t> </a:t>
+            </a:r>
+            <a:r>
+              <a:rPr lang="en-US" sz="2000" dirty="0" err="1" smtClean="0"/>
+              <a:t>xác</a:t>
+            </a:r>
+            <a:r>
+              <a:rPr lang="en-US" sz="2000" dirty="0" smtClean="0"/>
+              <a:t> </a:t>
+            </a:r>
+            <a:r>
+              <a:rPr lang="en-US" sz="2000" dirty="0" err="1" smtClean="0"/>
+              <a:t>của</a:t>
+            </a:r>
+            <a:r>
+              <a:rPr lang="en-US" sz="2000" dirty="0" smtClean="0"/>
+              <a:t> </a:t>
+            </a:r>
+            <a:r>
+              <a:rPr lang="en-US" sz="2000" dirty="0" err="1" smtClean="0"/>
+              <a:t>thuật</a:t>
+            </a:r>
+            <a:r>
+              <a:rPr lang="en-US" sz="2000" dirty="0" smtClean="0"/>
+              <a:t> </a:t>
+            </a:r>
+            <a:r>
+              <a:rPr lang="en-US" sz="2000" dirty="0" err="1" smtClean="0"/>
+              <a:t>toán</a:t>
+            </a:r>
+            <a:r>
+              <a:rPr lang="en-US" sz="2000" dirty="0" smtClean="0"/>
+              <a:t> </a:t>
+            </a:r>
+            <a:r>
+              <a:rPr lang="en-US" sz="2000" dirty="0" err="1" smtClean="0"/>
+              <a:t>bằng</a:t>
+            </a:r>
+            <a:r>
+              <a:rPr lang="en-US" sz="2000" dirty="0" smtClean="0"/>
+              <a:t> </a:t>
+            </a:r>
+            <a:r>
+              <a:rPr lang="en-US" sz="2000" dirty="0" err="1" smtClean="0"/>
+              <a:t>cách</a:t>
+            </a:r>
+            <a:r>
+              <a:rPr lang="en-US" sz="2000" dirty="0" smtClean="0"/>
+              <a:t> </a:t>
+            </a:r>
+            <a:r>
+              <a:rPr lang="en-US" sz="2000" dirty="0" err="1" smtClean="0"/>
+              <a:t>đánh</a:t>
+            </a:r>
+            <a:r>
+              <a:rPr lang="en-US" sz="2000" dirty="0" smtClean="0"/>
+              <a:t> </a:t>
+            </a:r>
+            <a:r>
+              <a:rPr lang="en-US" sz="2000" dirty="0" err="1" smtClean="0"/>
+              <a:t>trọng</a:t>
+            </a:r>
+            <a:r>
+              <a:rPr lang="en-US" sz="2000" dirty="0" smtClean="0"/>
+              <a:t> </a:t>
+            </a:r>
+            <a:r>
+              <a:rPr lang="en-US" sz="2000" dirty="0" err="1" smtClean="0"/>
+              <a:t>số</a:t>
+            </a:r>
+            <a:r>
+              <a:rPr lang="en-US" sz="2000" dirty="0" smtClean="0"/>
+              <a:t> </a:t>
+            </a:r>
+            <a:r>
+              <a:rPr lang="en-US" sz="2000" dirty="0" err="1" smtClean="0"/>
+              <a:t>cho</a:t>
+            </a:r>
+            <a:r>
+              <a:rPr lang="en-US" sz="2000" dirty="0" smtClean="0"/>
+              <a:t> </a:t>
+            </a:r>
+            <a:r>
+              <a:rPr lang="en-US" sz="2000" dirty="0" err="1" smtClean="0"/>
+              <a:t>các</a:t>
+            </a:r>
+            <a:r>
+              <a:rPr lang="en-US" sz="2000" dirty="0" smtClean="0"/>
+              <a:t> </a:t>
+            </a:r>
+            <a:r>
+              <a:rPr lang="en-US" sz="2000" dirty="0" err="1" smtClean="0"/>
               <a:t>điểm</a:t>
             </a:r>
             <a:r>
-              <a:rPr lang="en-US" sz="2400" dirty="0" smtClean="0"/>
-              <a:t>:</a:t>
+              <a:rPr lang="en-US" sz="2000" dirty="0" smtClean="0"/>
+              <a:t> </a:t>
+            </a:r>
+            <a:r>
+              <a:rPr lang="en-US" sz="2000" dirty="0" err="1" smtClean="0"/>
+              <a:t>lân</a:t>
+            </a:r>
+            <a:r>
+              <a:rPr lang="en-US" sz="2000" dirty="0" smtClean="0"/>
+              <a:t> </a:t>
+            </a:r>
+            <a:r>
+              <a:rPr lang="en-US" sz="2000" dirty="0" err="1" smtClean="0"/>
+              <a:t>cận</a:t>
+            </a:r>
+            <a:r>
+              <a:rPr lang="en-US" sz="2000" dirty="0" smtClean="0"/>
+              <a:t>.( </a:t>
+            </a:r>
+            <a:r>
+              <a:rPr lang="en-US" sz="2000" dirty="0" err="1" smtClean="0"/>
+              <a:t>trong</a:t>
+            </a:r>
+            <a:r>
+              <a:rPr lang="en-US" sz="2000" dirty="0" smtClean="0"/>
+              <a:t> </a:t>
+            </a:r>
+            <a:r>
+              <a:rPr lang="en-US" sz="2000" dirty="0" err="1" smtClean="0"/>
+              <a:t>thư</a:t>
+            </a:r>
+            <a:r>
+              <a:rPr lang="en-US" sz="2000" dirty="0" smtClean="0"/>
+              <a:t> </a:t>
+            </a:r>
+            <a:r>
+              <a:rPr lang="en-US" sz="2000" dirty="0" err="1" smtClean="0"/>
+              <a:t>viện</a:t>
+            </a:r>
+            <a:r>
+              <a:rPr lang="en-US" sz="2000" dirty="0" smtClean="0"/>
+              <a:t> </a:t>
+            </a:r>
+            <a:r>
+              <a:rPr lang="en-US" sz="2000" dirty="0" err="1" smtClean="0"/>
+              <a:t>của</a:t>
+            </a:r>
+            <a:r>
+              <a:rPr lang="en-US" sz="2000" dirty="0"/>
+              <a:t> </a:t>
+            </a:r>
+            <a:r>
+              <a:rPr lang="en-US" sz="2000" dirty="0" err="1" smtClean="0"/>
+              <a:t>sklearn</a:t>
+            </a:r>
+            <a:r>
+              <a:rPr lang="en-US" sz="2000" dirty="0" smtClean="0"/>
+              <a:t> )  </a:t>
             </a:r>
           </a:p>
           <a:p>
-            <a:pPr marL="285750" indent="-285750">
-              <a:buFontTx/>
-              <a:buChar char="-"/>
-            </a:pPr>
-            <a:r>
-              <a:rPr lang="en-US" sz="2400" dirty="0" err="1" smtClean="0"/>
-              <a:t>Độ</a:t>
-            </a:r>
-            <a:r>
-              <a:rPr lang="en-US" sz="2400" dirty="0" smtClean="0"/>
-              <a:t> </a:t>
-            </a:r>
-            <a:r>
-              <a:rPr lang="en-US" sz="2400" dirty="0" err="1" smtClean="0"/>
-              <a:t>phức</a:t>
-            </a:r>
-            <a:r>
-              <a:rPr lang="en-US" sz="2400" dirty="0" smtClean="0"/>
-              <a:t> </a:t>
-            </a:r>
-            <a:r>
-              <a:rPr lang="en-US" sz="2400" dirty="0" err="1" smtClean="0"/>
-              <a:t>tạp</a:t>
-            </a:r>
-            <a:r>
-              <a:rPr lang="en-US" sz="2400" dirty="0" smtClean="0"/>
-              <a:t> </a:t>
-            </a:r>
-            <a:r>
-              <a:rPr lang="en-US" sz="2400" dirty="0" err="1" smtClean="0"/>
-              <a:t>của</a:t>
-            </a:r>
-            <a:r>
-              <a:rPr lang="en-US" sz="2400" dirty="0" smtClean="0"/>
-              <a:t> </a:t>
-            </a:r>
-            <a:r>
-              <a:rPr lang="en-US" sz="2400" dirty="0" err="1" smtClean="0"/>
-              <a:t>thuật</a:t>
-            </a:r>
-            <a:r>
-              <a:rPr lang="en-US" sz="2400" dirty="0" smtClean="0"/>
-              <a:t> </a:t>
-            </a:r>
-            <a:r>
-              <a:rPr lang="en-US" sz="2400" dirty="0" err="1" smtClean="0"/>
-              <a:t>toán</a:t>
-            </a:r>
-            <a:r>
-              <a:rPr lang="en-US" sz="2400" dirty="0" smtClean="0"/>
-              <a:t> </a:t>
-            </a:r>
-            <a:r>
-              <a:rPr lang="en-US" sz="2400" dirty="0" err="1" smtClean="0"/>
+            <a:r>
+              <a:rPr lang="en-US" sz="2000" dirty="0" smtClean="0"/>
+              <a:t>- </a:t>
+            </a:r>
+            <a:r>
+              <a:rPr lang="en-US" sz="2000" dirty="0"/>
+              <a:t>W</a:t>
+            </a:r>
+            <a:r>
+              <a:rPr lang="en-US" sz="2000" dirty="0" smtClean="0"/>
+              <a:t>eights </a:t>
+            </a:r>
+            <a:r>
+              <a:rPr lang="en-US" sz="2000" dirty="0"/>
+              <a:t>= </a:t>
+            </a:r>
+            <a:r>
+              <a:rPr lang="en-US" sz="2000" dirty="0" smtClean="0"/>
+              <a:t>'distance‘ : </a:t>
+            </a:r>
+            <a:r>
+              <a:rPr lang="en-US" sz="2000" dirty="0" err="1" smtClean="0"/>
+              <a:t>Các</a:t>
+            </a:r>
+            <a:r>
+              <a:rPr lang="en-US" sz="2000" dirty="0" smtClean="0"/>
+              <a:t> </a:t>
+            </a:r>
+            <a:r>
+              <a:rPr lang="en-US" sz="2000" dirty="0" err="1" smtClean="0"/>
+              <a:t>điểm</a:t>
+            </a:r>
+            <a:r>
+              <a:rPr lang="en-US" sz="2000" dirty="0" smtClean="0"/>
+              <a:t> </a:t>
+            </a:r>
+            <a:r>
+              <a:rPr lang="en-US" sz="2000" dirty="0" err="1" smtClean="0"/>
+              <a:t>càng</a:t>
+            </a:r>
+            <a:r>
+              <a:rPr lang="en-US" sz="2000" dirty="0" smtClean="0"/>
+              <a:t> </a:t>
+            </a:r>
+            <a:r>
+              <a:rPr lang="en-US" sz="2000" dirty="0" err="1" smtClean="0"/>
               <a:t>gần</a:t>
             </a:r>
             <a:r>
-              <a:rPr lang="en-US" sz="2400" dirty="0" smtClean="0"/>
-              <a:t> </a:t>
-            </a:r>
-            <a:r>
-              <a:rPr lang="en-US" sz="2400" dirty="0" err="1" smtClean="0"/>
-              <a:t>như</a:t>
-            </a:r>
-            <a:r>
-              <a:rPr lang="en-US" sz="2400" dirty="0" smtClean="0"/>
-              <a:t> </a:t>
-            </a:r>
-            <a:r>
-              <a:rPr lang="en-US" sz="2400" dirty="0" err="1" smtClean="0"/>
-              <a:t>là</a:t>
-            </a:r>
-            <a:r>
-              <a:rPr lang="en-US" sz="2400" dirty="0" smtClean="0"/>
-              <a:t> 0 </a:t>
+              <a:rPr lang="en-US" sz="2000" dirty="0" smtClean="0"/>
+              <a:t> </a:t>
+            </a:r>
+            <a:r>
+              <a:rPr lang="en-US" sz="2000" dirty="0" err="1" smtClean="0"/>
+              <a:t>càng</a:t>
+            </a:r>
+            <a:r>
+              <a:rPr lang="en-US" sz="2000" dirty="0" smtClean="0"/>
+              <a:t> </a:t>
+            </a:r>
+            <a:r>
+              <a:rPr lang="en-US" sz="2000" dirty="0" err="1" smtClean="0"/>
+              <a:t>có</a:t>
+            </a:r>
+            <a:r>
+              <a:rPr lang="en-US" sz="2000" dirty="0" smtClean="0"/>
+              <a:t> </a:t>
+            </a:r>
+            <a:r>
+              <a:rPr lang="en-US" sz="2000" dirty="0" err="1" smtClean="0"/>
+              <a:t>trọng</a:t>
+            </a:r>
+            <a:r>
+              <a:rPr lang="en-US" sz="2000" dirty="0" smtClean="0"/>
+              <a:t> </a:t>
+            </a:r>
+            <a:r>
+              <a:rPr lang="en-US" sz="2000" dirty="0" err="1" smtClean="0"/>
+              <a:t>số</a:t>
+            </a:r>
+            <a:r>
+              <a:rPr lang="en-US" sz="2000" dirty="0" smtClean="0"/>
+              <a:t> </a:t>
+            </a:r>
+            <a:r>
+              <a:rPr lang="en-US" sz="2000" dirty="0" err="1" smtClean="0"/>
+              <a:t>cao</a:t>
+            </a:r>
+            <a:r>
+              <a:rPr lang="en-US" sz="2000" dirty="0" smtClean="0"/>
+              <a:t>.</a:t>
             </a:r>
           </a:p>
           <a:p>
-            <a:pPr marL="285750" indent="-285750">
-              <a:buFontTx/>
-              <a:buChar char="-"/>
-            </a:pPr>
-            <a:r>
-              <a:rPr lang="en-US" sz="2400" dirty="0" err="1" smtClean="0"/>
-              <a:t>Việc</a:t>
-            </a:r>
-            <a:r>
-              <a:rPr lang="en-US" sz="2400" dirty="0" smtClean="0"/>
-              <a:t> </a:t>
-            </a:r>
-            <a:r>
-              <a:rPr lang="en-US" sz="2400" dirty="0" err="1" smtClean="0"/>
-              <a:t>dự</a:t>
-            </a:r>
-            <a:r>
-              <a:rPr lang="en-US" sz="2400" dirty="0" smtClean="0"/>
-              <a:t> </a:t>
-            </a:r>
-            <a:r>
-              <a:rPr lang="en-US" sz="2400" dirty="0" err="1" smtClean="0"/>
-              <a:t>đoán</a:t>
-            </a:r>
-            <a:r>
-              <a:rPr lang="en-US" sz="2400" dirty="0" smtClean="0"/>
-              <a:t> </a:t>
-            </a:r>
-            <a:r>
-              <a:rPr lang="en-US" sz="2400" dirty="0" err="1" smtClean="0"/>
-              <a:t>kết</a:t>
-            </a:r>
-            <a:r>
-              <a:rPr lang="en-US" sz="2400" dirty="0" smtClean="0"/>
-              <a:t> </a:t>
-            </a:r>
-            <a:r>
-              <a:rPr lang="en-US" sz="2400" dirty="0" err="1" smtClean="0"/>
-              <a:t>quả</a:t>
-            </a:r>
-            <a:r>
-              <a:rPr lang="en-US" sz="2400" dirty="0" smtClean="0"/>
-              <a:t> </a:t>
-            </a:r>
-            <a:r>
-              <a:rPr lang="en-US" sz="2400" dirty="0" err="1" smtClean="0"/>
-              <a:t>mới</a:t>
-            </a:r>
-            <a:r>
-              <a:rPr lang="en-US" sz="2400" dirty="0" smtClean="0"/>
-              <a:t> </a:t>
-            </a:r>
-            <a:r>
-              <a:rPr lang="en-US" sz="2400" dirty="0" err="1" smtClean="0"/>
-              <a:t>thì</a:t>
-            </a:r>
-            <a:r>
-              <a:rPr lang="en-US" sz="2400" dirty="0" smtClean="0"/>
-              <a:t> </a:t>
-            </a:r>
-            <a:r>
-              <a:rPr lang="en-US" sz="2400" dirty="0" err="1" smtClean="0"/>
-              <a:t>rất</a:t>
-            </a:r>
-            <a:r>
-              <a:rPr lang="en-US" sz="2400" dirty="0" smtClean="0"/>
-              <a:t> </a:t>
-            </a:r>
-            <a:r>
-              <a:rPr lang="en-US" sz="2400" dirty="0" err="1" smtClean="0"/>
-              <a:t>đơn</a:t>
-            </a:r>
-            <a:r>
-              <a:rPr lang="en-US" sz="2400" dirty="0" smtClean="0"/>
-              <a:t> </a:t>
-            </a:r>
-            <a:r>
-              <a:rPr lang="en-US" sz="2400" dirty="0" err="1" smtClean="0"/>
-              <a:t>giản</a:t>
-            </a:r>
-            <a:endParaRPr lang="en-US" sz="2400" dirty="0" smtClean="0"/>
+            <a:r>
+              <a:rPr lang="en-US" sz="2000" dirty="0" smtClean="0"/>
+              <a:t>- Weights = ‘</a:t>
+            </a:r>
+            <a:r>
+              <a:rPr lang="en-US" sz="2000" dirty="0" err="1" smtClean="0"/>
+              <a:t>unifrom</a:t>
+            </a:r>
+            <a:r>
+              <a:rPr lang="en-US" sz="2000" dirty="0" smtClean="0"/>
+              <a:t>’ : </a:t>
+            </a:r>
+            <a:r>
+              <a:rPr lang="en-US" sz="2000" dirty="0" err="1" smtClean="0"/>
+              <a:t>Các</a:t>
+            </a:r>
+            <a:r>
+              <a:rPr lang="en-US" sz="2000" dirty="0" smtClean="0"/>
+              <a:t> </a:t>
+            </a:r>
+            <a:r>
+              <a:rPr lang="en-US" sz="2000" dirty="0" err="1" smtClean="0"/>
+              <a:t>điểm</a:t>
+            </a:r>
+            <a:r>
+              <a:rPr lang="en-US" sz="2000" dirty="0" smtClean="0"/>
+              <a:t> </a:t>
+            </a:r>
+            <a:r>
+              <a:rPr lang="en-US" sz="2000" dirty="0" err="1" smtClean="0"/>
+              <a:t>có</a:t>
+            </a:r>
+            <a:r>
+              <a:rPr lang="en-US" sz="2000" dirty="0" smtClean="0"/>
+              <a:t> </a:t>
+            </a:r>
+            <a:r>
+              <a:rPr lang="en-US" sz="2000" dirty="0" err="1" smtClean="0"/>
+              <a:t>trọng</a:t>
+            </a:r>
+            <a:r>
+              <a:rPr lang="en-US" sz="2000" dirty="0" smtClean="0"/>
+              <a:t> </a:t>
+            </a:r>
+            <a:r>
+              <a:rPr lang="en-US" sz="2000" dirty="0" err="1" smtClean="0"/>
+              <a:t>số</a:t>
+            </a:r>
+            <a:r>
+              <a:rPr lang="en-US" sz="2000" dirty="0" smtClean="0"/>
+              <a:t> </a:t>
+            </a:r>
+            <a:r>
+              <a:rPr lang="en-US" sz="2000" dirty="0" err="1" smtClean="0"/>
+              <a:t>như</a:t>
+            </a:r>
+            <a:r>
+              <a:rPr lang="en-US" sz="2000" dirty="0" smtClean="0"/>
+              <a:t> </a:t>
+            </a:r>
+            <a:r>
+              <a:rPr lang="en-US" sz="2000" dirty="0" err="1" smtClean="0"/>
+              <a:t>nhau</a:t>
+            </a:r>
+            <a:r>
+              <a:rPr lang="en-US" sz="2000" dirty="0" smtClean="0"/>
+              <a:t>.</a:t>
+            </a:r>
           </a:p>
           <a:p>
-            <a:pPr marL="285750" indent="-285750">
-              <a:buFontTx/>
-              <a:buChar char="-"/>
-            </a:pPr>
-            <a:endParaRPr lang="en-US" sz="2400" dirty="0"/>
+            <a:r>
+              <a:rPr lang="en-US" sz="2000" dirty="0" smtClean="0"/>
+              <a:t>-  </a:t>
+            </a:r>
+            <a:r>
+              <a:rPr lang="en-US" sz="2000" dirty="0" err="1" smtClean="0"/>
+              <a:t>Ngoài</a:t>
+            </a:r>
+            <a:r>
+              <a:rPr lang="en-US" sz="2000" dirty="0" smtClean="0"/>
+              <a:t> </a:t>
+            </a:r>
+            <a:r>
+              <a:rPr lang="en-US" sz="2000" dirty="0" err="1" smtClean="0"/>
+              <a:t>ra</a:t>
+            </a:r>
+            <a:r>
+              <a:rPr lang="en-US" sz="2000" dirty="0" smtClean="0"/>
+              <a:t> </a:t>
+            </a:r>
+            <a:r>
+              <a:rPr lang="en-US" sz="2000" dirty="0" err="1" smtClean="0"/>
+              <a:t>scikit</a:t>
+            </a:r>
+            <a:r>
+              <a:rPr lang="en-US" sz="2000" dirty="0" smtClean="0"/>
+              <a:t>-learn </a:t>
+            </a:r>
+            <a:r>
+              <a:rPr lang="en-US" sz="2000" dirty="0" err="1" smtClean="0"/>
+              <a:t>còn</a:t>
+            </a:r>
+            <a:r>
+              <a:rPr lang="en-US" sz="2000" dirty="0" smtClean="0"/>
+              <a:t> </a:t>
+            </a:r>
+            <a:r>
+              <a:rPr lang="en-US" sz="2000" dirty="0" err="1" smtClean="0"/>
+              <a:t>cho</a:t>
+            </a:r>
+            <a:r>
+              <a:rPr lang="en-US" sz="2000" dirty="0" smtClean="0"/>
+              <a:t> </a:t>
+            </a:r>
+            <a:r>
+              <a:rPr lang="en-US" sz="2000" dirty="0" err="1" smtClean="0"/>
+              <a:t>phép</a:t>
+            </a:r>
+            <a:r>
+              <a:rPr lang="en-US" sz="2000" dirty="0" smtClean="0"/>
+              <a:t> ta </a:t>
+            </a:r>
+            <a:r>
+              <a:rPr lang="en-US" sz="2000" dirty="0" err="1" smtClean="0"/>
+              <a:t>một</a:t>
+            </a:r>
+            <a:r>
+              <a:rPr lang="en-US" sz="2000" dirty="0" smtClean="0"/>
+              <a:t> </a:t>
+            </a:r>
+            <a:r>
+              <a:rPr lang="en-US" sz="2000" dirty="0" err="1" smtClean="0"/>
+              <a:t>cách</a:t>
+            </a:r>
+            <a:r>
+              <a:rPr lang="en-US" sz="2000" dirty="0" smtClean="0"/>
+              <a:t> </a:t>
+            </a:r>
+            <a:r>
+              <a:rPr lang="en-US" sz="2000" dirty="0" err="1" smtClean="0"/>
+              <a:t>đánh</a:t>
+            </a:r>
+            <a:r>
+              <a:rPr lang="en-US" sz="2000" dirty="0" smtClean="0"/>
+              <a:t> </a:t>
+            </a:r>
+            <a:r>
+              <a:rPr lang="en-US" sz="2000" dirty="0" err="1" smtClean="0"/>
+              <a:t>trọng</a:t>
+            </a:r>
+            <a:r>
+              <a:rPr lang="en-US" sz="2000" dirty="0" smtClean="0"/>
+              <a:t> </a:t>
+            </a:r>
+            <a:r>
+              <a:rPr lang="en-US" sz="2000" dirty="0" err="1" smtClean="0"/>
+              <a:t>số</a:t>
+            </a:r>
+            <a:r>
+              <a:rPr lang="en-US" sz="2000" dirty="0" smtClean="0"/>
+              <a:t> </a:t>
+            </a:r>
+            <a:r>
+              <a:rPr lang="en-US" sz="2000" dirty="0" err="1" smtClean="0"/>
+              <a:t>một</a:t>
+            </a:r>
+            <a:r>
+              <a:rPr lang="en-US" sz="2000" dirty="0" smtClean="0"/>
+              <a:t> </a:t>
+            </a:r>
+            <a:r>
+              <a:rPr lang="en-US" sz="2000" dirty="0" err="1" smtClean="0"/>
+              <a:t>cách</a:t>
+            </a:r>
+            <a:r>
+              <a:rPr lang="en-US" sz="2000" dirty="0" smtClean="0"/>
+              <a:t> </a:t>
+            </a:r>
+            <a:r>
+              <a:rPr lang="en-US" sz="2000" dirty="0" err="1" smtClean="0"/>
+              <a:t>tùy</a:t>
+            </a:r>
+            <a:r>
+              <a:rPr lang="en-US" sz="2000" dirty="0" smtClean="0"/>
+              <a:t> </a:t>
+            </a:r>
+            <a:r>
+              <a:rPr lang="en-US" sz="2000" dirty="0" err="1" smtClean="0"/>
+              <a:t>chọn</a:t>
+            </a:r>
+            <a:r>
+              <a:rPr lang="en-US" sz="2000" dirty="0" smtClean="0"/>
+              <a:t>.</a:t>
+            </a:r>
+            <a:endParaRPr lang="en-US" sz="2000" dirty="0"/>
           </a:p>
           <a:p>
-            <a:pPr marL="285750" indent="-285750">
-              <a:buFontTx/>
-              <a:buChar char="-"/>
-            </a:pPr>
-            <a:endParaRPr lang="en-US" sz="2400" dirty="0" smtClean="0"/>
+            <a:endParaRPr lang="en-US" sz="2000" dirty="0" smtClean="0"/>
           </a:p>
           <a:p>
             <a:r>
-              <a:rPr lang="en-US" sz="2400" dirty="0" err="1" smtClean="0"/>
-              <a:t>Nhược</a:t>
-            </a:r>
-            <a:r>
-              <a:rPr lang="en-US" sz="2400" dirty="0" smtClean="0"/>
-              <a:t> </a:t>
-            </a:r>
-            <a:r>
-              <a:rPr lang="en-US" sz="2400" dirty="0" err="1" smtClean="0"/>
+              <a:rPr lang="en-US" sz="2000" dirty="0" err="1" smtClean="0"/>
+              <a:t>Ngoài</a:t>
+            </a:r>
+            <a:r>
+              <a:rPr lang="en-US" sz="2000" dirty="0" smtClean="0"/>
+              <a:t> </a:t>
+            </a:r>
+            <a:r>
+              <a:rPr lang="en-US" sz="2000" dirty="0" err="1" smtClean="0"/>
+              <a:t>việc</a:t>
+            </a:r>
+            <a:r>
+              <a:rPr lang="en-US" sz="2000" dirty="0" smtClean="0"/>
+              <a:t> </a:t>
+            </a:r>
+            <a:r>
+              <a:rPr lang="en-US" sz="2000" dirty="0" err="1" smtClean="0"/>
+              <a:t>tính</a:t>
+            </a:r>
+            <a:r>
+              <a:rPr lang="en-US" sz="2000" dirty="0" smtClean="0"/>
+              <a:t> </a:t>
+            </a:r>
+            <a:r>
+              <a:rPr lang="en-US" sz="2000" dirty="0" err="1" smtClean="0"/>
+              <a:t>khoảng</a:t>
+            </a:r>
+            <a:r>
+              <a:rPr lang="en-US" sz="2000" dirty="0" smtClean="0"/>
+              <a:t> </a:t>
+            </a:r>
+            <a:r>
+              <a:rPr lang="en-US" sz="2000" dirty="0" err="1" smtClean="0"/>
+              <a:t>cách</a:t>
+            </a:r>
+            <a:r>
+              <a:rPr lang="en-US" sz="2000" dirty="0" smtClean="0"/>
+              <a:t> </a:t>
+            </a:r>
+            <a:r>
+              <a:rPr lang="en-US" sz="2000" dirty="0" err="1" smtClean="0"/>
+              <a:t>từ</a:t>
+            </a:r>
+            <a:r>
+              <a:rPr lang="en-US" sz="2000" dirty="0" smtClean="0"/>
+              <a:t> </a:t>
+            </a:r>
+            <a:r>
+              <a:rPr lang="en-US" sz="2000" dirty="0" err="1" smtClean="0"/>
               <a:t>điểm</a:t>
             </a:r>
             <a:r>
-              <a:rPr lang="en-US" sz="2400" dirty="0" smtClean="0"/>
-              <a:t>:</a:t>
+              <a:rPr lang="en-US" sz="2000" dirty="0" smtClean="0"/>
+              <a:t> ta </a:t>
+            </a:r>
+            <a:r>
+              <a:rPr lang="en-US" sz="2000" dirty="0" err="1"/>
+              <a:t>x</a:t>
+            </a:r>
+            <a:r>
+              <a:rPr lang="en-US" sz="2000" dirty="0" err="1" smtClean="0"/>
+              <a:t>ét</a:t>
+            </a:r>
+            <a:r>
+              <a:rPr lang="en-US" sz="2000" dirty="0" smtClean="0"/>
+              <a:t> </a:t>
+            </a:r>
+            <a:r>
+              <a:rPr lang="en-US" sz="2000" dirty="0" err="1" smtClean="0"/>
+              <a:t>đến</a:t>
+            </a:r>
+            <a:r>
+              <a:rPr lang="en-US" sz="2000" dirty="0" smtClean="0"/>
+              <a:t> </a:t>
+            </a:r>
+            <a:r>
+              <a:rPr lang="en-US" sz="2000" dirty="0" err="1" smtClean="0"/>
+              <a:t>toàn</a:t>
+            </a:r>
+            <a:r>
+              <a:rPr lang="en-US" sz="2000" dirty="0" smtClean="0"/>
+              <a:t> </a:t>
+            </a:r>
+            <a:r>
+              <a:rPr lang="en-US" sz="2000" dirty="0" err="1" smtClean="0"/>
+              <a:t>bộ</a:t>
+            </a:r>
+            <a:r>
+              <a:rPr lang="en-US" sz="2000" dirty="0" smtClean="0"/>
+              <a:t> </a:t>
+            </a:r>
+            <a:r>
+              <a:rPr lang="en-US" sz="2000" dirty="0" err="1" smtClean="0"/>
+              <a:t>các</a:t>
+            </a:r>
+            <a:r>
+              <a:rPr lang="en-US" sz="2000" dirty="0" smtClean="0"/>
+              <a:t> </a:t>
+            </a:r>
+            <a:r>
+              <a:rPr lang="en-US" sz="2000" dirty="0" err="1" smtClean="0"/>
+              <a:t>điểm</a:t>
+            </a:r>
+            <a:r>
+              <a:rPr lang="en-US" sz="2000" dirty="0" smtClean="0"/>
+              <a:t> </a:t>
+            </a:r>
+            <a:r>
+              <a:rPr lang="en-US" sz="2000" dirty="0" err="1" smtClean="0"/>
+              <a:t>trong</a:t>
+            </a:r>
+            <a:r>
+              <a:rPr lang="en-US" sz="2000" dirty="0" smtClean="0"/>
+              <a:t> data, </a:t>
+            </a:r>
+            <a:r>
+              <a:rPr lang="en-US" sz="2000" dirty="0" err="1" smtClean="0"/>
+              <a:t>thì</a:t>
+            </a:r>
+            <a:r>
+              <a:rPr lang="en-US" sz="2000" dirty="0" smtClean="0"/>
+              <a:t> ta </a:t>
+            </a:r>
+            <a:r>
+              <a:rPr lang="en-US" sz="2000" dirty="0" err="1" smtClean="0"/>
+              <a:t>có</a:t>
+            </a:r>
+            <a:r>
+              <a:rPr lang="en-US" sz="2000" dirty="0" smtClean="0"/>
+              <a:t> </a:t>
+            </a:r>
+            <a:r>
+              <a:rPr lang="en-US" sz="2000" dirty="0" err="1" smtClean="0"/>
+              <a:t>thể</a:t>
+            </a:r>
+            <a:r>
+              <a:rPr lang="en-US" sz="2000" dirty="0" smtClean="0"/>
+              <a:t> </a:t>
+            </a:r>
+            <a:r>
+              <a:rPr lang="en-US" sz="2000" dirty="0" err="1" smtClean="0"/>
+              <a:t>dùng</a:t>
+            </a:r>
+            <a:r>
+              <a:rPr lang="en-US" sz="2000" dirty="0" smtClean="0"/>
+              <a:t> </a:t>
+            </a:r>
+            <a:r>
+              <a:rPr lang="en-US" sz="2000" dirty="0" err="1" smtClean="0"/>
+              <a:t>các</a:t>
+            </a:r>
+            <a:r>
+              <a:rPr lang="en-US" sz="2000" dirty="0" smtClean="0"/>
+              <a:t> </a:t>
+            </a:r>
+            <a:r>
+              <a:rPr lang="en-US" sz="2000" dirty="0" err="1" smtClean="0"/>
+              <a:t>thuật</a:t>
+            </a:r>
+            <a:r>
+              <a:rPr lang="en-US" sz="2000" dirty="0" smtClean="0"/>
+              <a:t> </a:t>
+            </a:r>
+            <a:r>
+              <a:rPr lang="en-US" sz="2000" dirty="0" err="1" smtClean="0"/>
+              <a:t>toán</a:t>
+            </a:r>
+            <a:r>
+              <a:rPr lang="en-US" sz="2000" dirty="0" smtClean="0"/>
+              <a:t> KD-tree </a:t>
+            </a:r>
+            <a:r>
+              <a:rPr lang="en-US" sz="2000" dirty="0" err="1" smtClean="0"/>
+              <a:t>và</a:t>
+            </a:r>
+            <a:r>
+              <a:rPr lang="en-US" sz="2000" dirty="0" smtClean="0"/>
+              <a:t> Ball tree </a:t>
+            </a:r>
+            <a:r>
+              <a:rPr lang="en-US" sz="2000" dirty="0" err="1" smtClean="0"/>
+              <a:t>để</a:t>
+            </a:r>
+            <a:r>
+              <a:rPr lang="en-US" sz="2000" dirty="0" smtClean="0"/>
+              <a:t> </a:t>
+            </a:r>
+            <a:r>
+              <a:rPr lang="en-US" sz="2000" dirty="0" err="1" smtClean="0"/>
+              <a:t>cải</a:t>
+            </a:r>
+            <a:r>
+              <a:rPr lang="en-US" sz="2000" dirty="0" smtClean="0"/>
+              <a:t> </a:t>
+            </a:r>
+            <a:r>
+              <a:rPr lang="en-US" sz="2000" dirty="0" err="1" smtClean="0"/>
+              <a:t>thiện</a:t>
+            </a:r>
+            <a:r>
+              <a:rPr lang="en-US" sz="2000" dirty="0" smtClean="0"/>
+              <a:t> </a:t>
+            </a:r>
+            <a:r>
+              <a:rPr lang="en-US" sz="2000" dirty="0" err="1" smtClean="0"/>
+              <a:t>tốc</a:t>
+            </a:r>
+            <a:r>
+              <a:rPr lang="en-US" sz="2000" dirty="0" smtClean="0"/>
+              <a:t> </a:t>
+            </a:r>
+            <a:r>
+              <a:rPr lang="en-US" sz="2000" dirty="0" err="1" smtClean="0"/>
+              <a:t>độ</a:t>
+            </a:r>
+            <a:r>
+              <a:rPr lang="en-US" sz="2000" dirty="0" smtClean="0"/>
+              <a:t> </a:t>
+            </a:r>
+            <a:r>
+              <a:rPr lang="en-US" sz="2000" dirty="0" err="1" smtClean="0"/>
+              <a:t>tìm</a:t>
+            </a:r>
+            <a:r>
+              <a:rPr lang="en-US" sz="2000" dirty="0" smtClean="0"/>
+              <a:t> </a:t>
+            </a:r>
+            <a:r>
+              <a:rPr lang="en-US" sz="2000" dirty="0" err="1" smtClean="0"/>
+              <a:t>kiếm</a:t>
+            </a:r>
+            <a:r>
+              <a:rPr lang="en-US" sz="2000" dirty="0" smtClean="0"/>
+              <a:t>.</a:t>
             </a:r>
           </a:p>
           <a:p>
-            <a:pPr marL="285750" indent="-285750">
-              <a:buFontTx/>
-              <a:buChar char="-"/>
-            </a:pPr>
-            <a:r>
-              <a:rPr lang="en-US" sz="2400" dirty="0" err="1" smtClean="0"/>
-              <a:t>Dễ</a:t>
-            </a:r>
-            <a:r>
-              <a:rPr lang="en-US" sz="2400" dirty="0" smtClean="0"/>
-              <a:t> </a:t>
-            </a:r>
-            <a:r>
-              <a:rPr lang="en-US" sz="2400" dirty="0" err="1" smtClean="0"/>
-              <a:t>bị</a:t>
-            </a:r>
-            <a:r>
-              <a:rPr lang="en-US" sz="2400" dirty="0" smtClean="0"/>
-              <a:t> </a:t>
-            </a:r>
-            <a:r>
-              <a:rPr lang="en-US" sz="2400" dirty="0" err="1" smtClean="0"/>
-              <a:t>ảnh</a:t>
-            </a:r>
-            <a:r>
-              <a:rPr lang="en-US" sz="2400" dirty="0" smtClean="0"/>
-              <a:t> </a:t>
-            </a:r>
-            <a:r>
-              <a:rPr lang="en-US" sz="2400" dirty="0" err="1" smtClean="0"/>
-              <a:t>hưởng</a:t>
-            </a:r>
-            <a:r>
-              <a:rPr lang="en-US" sz="2400" dirty="0" smtClean="0"/>
-              <a:t> </a:t>
-            </a:r>
-            <a:r>
-              <a:rPr lang="en-US" sz="2400" dirty="0" err="1" smtClean="0"/>
-              <a:t>bởi</a:t>
-            </a:r>
-            <a:r>
-              <a:rPr lang="en-US" sz="2400" dirty="0" smtClean="0"/>
-              <a:t> </a:t>
-            </a:r>
-            <a:r>
-              <a:rPr lang="en-US" sz="2400" dirty="0" err="1" smtClean="0"/>
-              <a:t>các</a:t>
-            </a:r>
-            <a:r>
-              <a:rPr lang="en-US" sz="2400" dirty="0" smtClean="0"/>
-              <a:t> </a:t>
-            </a:r>
-            <a:r>
-              <a:rPr lang="en-US" sz="2400" dirty="0" err="1" smtClean="0"/>
-              <a:t>dữ</a:t>
-            </a:r>
-            <a:r>
-              <a:rPr lang="en-US" sz="2400" dirty="0" smtClean="0"/>
-              <a:t> </a:t>
-            </a:r>
-            <a:r>
-              <a:rPr lang="en-US" sz="2400" dirty="0" err="1" smtClean="0"/>
-              <a:t>liệu</a:t>
-            </a:r>
-            <a:r>
-              <a:rPr lang="en-US" sz="2400" dirty="0" smtClean="0"/>
-              <a:t> </a:t>
-            </a:r>
-            <a:r>
-              <a:rPr lang="en-US" sz="2400" dirty="0" err="1" smtClean="0"/>
-              <a:t>nhiễu</a:t>
-            </a:r>
-            <a:endParaRPr lang="en-US" sz="2400" dirty="0" smtClean="0"/>
+            <a:endParaRPr lang="en-US" sz="2000" dirty="0" smtClean="0"/>
           </a:p>
           <a:p>
-            <a:pPr marL="285750" indent="-285750">
-              <a:buFontTx/>
-              <a:buChar char="-"/>
-            </a:pPr>
-            <a:r>
-              <a:rPr lang="en-US" sz="2400" dirty="0" err="1" smtClean="0"/>
-              <a:t>Vì</a:t>
-            </a:r>
-            <a:r>
-              <a:rPr lang="en-US" sz="2400" dirty="0" smtClean="0"/>
-              <a:t> </a:t>
-            </a:r>
-            <a:r>
-              <a:rPr lang="en-US" sz="2400" dirty="0" err="1" smtClean="0"/>
-              <a:t>phải</a:t>
-            </a:r>
-            <a:r>
-              <a:rPr lang="en-US" sz="2400" dirty="0" smtClean="0"/>
-              <a:t> </a:t>
-            </a:r>
-            <a:r>
-              <a:rPr lang="en-US" sz="2400" dirty="0" err="1" smtClean="0"/>
-              <a:t>tính</a:t>
-            </a:r>
-            <a:r>
-              <a:rPr lang="en-US" sz="2400" dirty="0" smtClean="0"/>
-              <a:t> </a:t>
-            </a:r>
-            <a:r>
-              <a:rPr lang="en-US" sz="2400" dirty="0" err="1" smtClean="0"/>
-              <a:t>toán</a:t>
-            </a:r>
-            <a:r>
-              <a:rPr lang="en-US" sz="2400" dirty="0" smtClean="0"/>
-              <a:t> </a:t>
-            </a:r>
-            <a:r>
-              <a:rPr lang="en-US" sz="2400" dirty="0" err="1" smtClean="0"/>
-              <a:t>toàn</a:t>
-            </a:r>
-            <a:r>
-              <a:rPr lang="en-US" sz="2400" dirty="0" smtClean="0"/>
-              <a:t> </a:t>
-            </a:r>
-            <a:r>
-              <a:rPr lang="en-US" sz="2400" dirty="0" err="1" smtClean="0"/>
-              <a:t>bộ</a:t>
-            </a:r>
-            <a:r>
-              <a:rPr lang="en-US" sz="2400" dirty="0" smtClean="0"/>
-              <a:t> </a:t>
-            </a:r>
-            <a:r>
-              <a:rPr lang="en-US" sz="2400" dirty="0" err="1" smtClean="0"/>
-              <a:t>khoảng</a:t>
-            </a:r>
-            <a:r>
-              <a:rPr lang="en-US" sz="2400" dirty="0" smtClean="0"/>
-              <a:t> </a:t>
-            </a:r>
-            <a:r>
-              <a:rPr lang="en-US" sz="2400" dirty="0" err="1" smtClean="0"/>
-              <a:t>cách</a:t>
-            </a:r>
-            <a:r>
-              <a:rPr lang="en-US" sz="2400" dirty="0" smtClean="0"/>
-              <a:t> </a:t>
-            </a:r>
-            <a:r>
-              <a:rPr lang="en-US" sz="2400" dirty="0" err="1" smtClean="0"/>
-              <a:t>tới</a:t>
-            </a:r>
-            <a:r>
-              <a:rPr lang="en-US" sz="2400" dirty="0" smtClean="0"/>
-              <a:t> </a:t>
-            </a:r>
-            <a:r>
-              <a:rPr lang="en-US" sz="2400" dirty="0" err="1" smtClean="0"/>
-              <a:t>từng</a:t>
-            </a:r>
-            <a:r>
-              <a:rPr lang="en-US" sz="2400" dirty="0" smtClean="0"/>
-              <a:t> </a:t>
-            </a:r>
-            <a:r>
-              <a:rPr lang="en-US" sz="2400" dirty="0" err="1" smtClean="0"/>
-              <a:t>điểm</a:t>
-            </a:r>
-            <a:r>
-              <a:rPr lang="en-US" sz="2400" dirty="0" smtClean="0"/>
-              <a:t> </a:t>
-            </a:r>
-            <a:r>
-              <a:rPr lang="en-US" sz="2400" dirty="0" err="1" smtClean="0"/>
-              <a:t>dữ</a:t>
-            </a:r>
-            <a:r>
-              <a:rPr lang="en-US" sz="2400" dirty="0" smtClean="0"/>
-              <a:t> </a:t>
-            </a:r>
-            <a:r>
-              <a:rPr lang="en-US" sz="2400" dirty="0" err="1" smtClean="0"/>
-              <a:t>liệu</a:t>
-            </a:r>
-            <a:r>
-              <a:rPr lang="en-US" sz="2400" dirty="0" smtClean="0"/>
-              <a:t> </a:t>
-            </a:r>
-            <a:r>
-              <a:rPr lang="en-US" sz="2400" dirty="0" err="1" smtClean="0"/>
-              <a:t>của</a:t>
-            </a:r>
-            <a:r>
-              <a:rPr lang="en-US" sz="2400" dirty="0" smtClean="0"/>
-              <a:t> </a:t>
-            </a:r>
-            <a:r>
-              <a:rPr lang="en-US" sz="2400" dirty="0" err="1" smtClean="0"/>
-              <a:t>tập</a:t>
-            </a:r>
-            <a:r>
-              <a:rPr lang="en-US" sz="2400" dirty="0" smtClean="0"/>
-              <a:t> </a:t>
-            </a:r>
-            <a:r>
-              <a:rPr lang="en-US" sz="2400" dirty="0" err="1" smtClean="0"/>
-              <a:t>dữ</a:t>
-            </a:r>
-            <a:r>
-              <a:rPr lang="en-US" sz="2400" dirty="0" smtClean="0"/>
-              <a:t> </a:t>
-            </a:r>
-            <a:r>
-              <a:rPr lang="en-US" sz="2400" dirty="0" err="1" smtClean="0"/>
-              <a:t>liệu</a:t>
-            </a:r>
-            <a:r>
-              <a:rPr lang="en-US" sz="2400" dirty="0" smtClean="0"/>
-              <a:t> </a:t>
-            </a:r>
-            <a:r>
-              <a:rPr lang="en-US" sz="2400" dirty="0" err="1" smtClean="0"/>
-              <a:t>nên</a:t>
-            </a:r>
-            <a:r>
-              <a:rPr lang="en-US" sz="2400" dirty="0" smtClean="0"/>
-              <a:t> </a:t>
-            </a:r>
-            <a:r>
-              <a:rPr lang="en-US" sz="2400" dirty="0" err="1" smtClean="0"/>
-              <a:t>gây</a:t>
-            </a:r>
-            <a:r>
-              <a:rPr lang="en-US" sz="2400" dirty="0" smtClean="0"/>
-              <a:t> </a:t>
-            </a:r>
-            <a:r>
-              <a:rPr lang="en-US" sz="2400" dirty="0" err="1" smtClean="0"/>
-              <a:t>mất</a:t>
-            </a:r>
-            <a:r>
-              <a:rPr lang="en-US" sz="2400" dirty="0" smtClean="0"/>
-              <a:t> </a:t>
-            </a:r>
-            <a:r>
-              <a:rPr lang="en-US" sz="2400" dirty="0" err="1" smtClean="0"/>
-              <a:t>thời</a:t>
-            </a:r>
-            <a:r>
-              <a:rPr lang="en-US" sz="2400" dirty="0" smtClean="0"/>
-              <a:t> </a:t>
-            </a:r>
-            <a:r>
-              <a:rPr lang="en-US" sz="2400" dirty="0" err="1" smtClean="0"/>
-              <a:t>gian</a:t>
-            </a:r>
-            <a:r>
-              <a:rPr lang="en-US" sz="2400" dirty="0" smtClean="0"/>
-              <a:t> </a:t>
-            </a:r>
-            <a:r>
-              <a:rPr lang="en-US" sz="2400" dirty="0" err="1" smtClean="0"/>
-              <a:t>với</a:t>
-            </a:r>
-            <a:r>
-              <a:rPr lang="en-US" sz="2400" dirty="0" smtClean="0"/>
-              <a:t> </a:t>
-            </a:r>
-            <a:r>
-              <a:rPr lang="en-US" sz="2400" dirty="0" err="1" smtClean="0"/>
-              <a:t>dữ</a:t>
-            </a:r>
-            <a:r>
-              <a:rPr lang="en-US" sz="2400" dirty="0" smtClean="0"/>
-              <a:t> </a:t>
-            </a:r>
-            <a:r>
-              <a:rPr lang="en-US" sz="2400" dirty="0" err="1" smtClean="0"/>
-              <a:t>liệu</a:t>
-            </a:r>
-            <a:r>
-              <a:rPr lang="en-US" sz="2400" dirty="0" smtClean="0"/>
-              <a:t> </a:t>
-            </a:r>
-            <a:r>
-              <a:rPr lang="en-US" sz="2400" dirty="0" err="1" smtClean="0"/>
-              <a:t>lớn</a:t>
-            </a:r>
-            <a:r>
-              <a:rPr lang="en-US" sz="2400" dirty="0" smtClean="0"/>
-              <a:t>, </a:t>
-            </a:r>
-            <a:r>
-              <a:rPr lang="en-US" sz="2400" dirty="0" err="1" smtClean="0"/>
-              <a:t>cùng</a:t>
-            </a:r>
-            <a:r>
-              <a:rPr lang="en-US" sz="2400" dirty="0" smtClean="0"/>
-              <a:t> </a:t>
-            </a:r>
-            <a:r>
-              <a:rPr lang="en-US" sz="2400" dirty="0" err="1" smtClean="0"/>
-              <a:t>với</a:t>
-            </a:r>
-            <a:r>
-              <a:rPr lang="en-US" sz="2400" dirty="0" smtClean="0"/>
-              <a:t> </a:t>
-            </a:r>
-            <a:r>
-              <a:rPr lang="en-US" sz="2400" dirty="0" err="1" smtClean="0"/>
-              <a:t>nó</a:t>
-            </a:r>
-            <a:r>
-              <a:rPr lang="en-US" sz="2400" dirty="0" smtClean="0"/>
-              <a:t> </a:t>
-            </a:r>
-            <a:r>
-              <a:rPr lang="en-US" sz="2400" dirty="0" err="1" smtClean="0"/>
-              <a:t>thì</a:t>
-            </a:r>
-            <a:r>
-              <a:rPr lang="en-US" sz="2400" dirty="0" smtClean="0"/>
-              <a:t> do </a:t>
-            </a:r>
-            <a:r>
-              <a:rPr lang="en-US" sz="2400" dirty="0" err="1" smtClean="0"/>
-              <a:t>lưu</a:t>
-            </a:r>
-            <a:r>
-              <a:rPr lang="en-US" sz="2400" dirty="0" smtClean="0"/>
-              <a:t> </a:t>
-            </a:r>
-            <a:r>
-              <a:rPr lang="en-US" sz="2400" dirty="0" err="1" smtClean="0"/>
-              <a:t>nhiều</a:t>
-            </a:r>
-            <a:r>
-              <a:rPr lang="en-US" sz="2400" dirty="0" smtClean="0"/>
-              <a:t> </a:t>
-            </a:r>
-            <a:r>
-              <a:rPr lang="en-US" sz="2400" dirty="0" err="1" smtClean="0"/>
-              <a:t>kết</a:t>
-            </a:r>
-            <a:r>
-              <a:rPr lang="en-US" sz="2400" dirty="0" smtClean="0"/>
-              <a:t> </a:t>
-            </a:r>
-            <a:r>
-              <a:rPr lang="en-US" sz="2400" dirty="0" err="1" smtClean="0"/>
-              <a:t>quả</a:t>
-            </a:r>
-            <a:r>
-              <a:rPr lang="en-US" sz="2400" dirty="0" smtClean="0"/>
-              <a:t> </a:t>
-            </a:r>
-            <a:r>
-              <a:rPr lang="en-US" sz="2400" dirty="0" err="1" smtClean="0"/>
-              <a:t>lên</a:t>
-            </a:r>
-            <a:r>
-              <a:rPr lang="en-US" sz="2400" dirty="0" smtClean="0"/>
-              <a:t> </a:t>
-            </a:r>
-            <a:r>
-              <a:rPr lang="en-US" sz="2400" dirty="0" err="1" smtClean="0"/>
-              <a:t>tốn</a:t>
-            </a:r>
-            <a:r>
-              <a:rPr lang="en-US" sz="2400" dirty="0" smtClean="0"/>
-              <a:t> </a:t>
-            </a:r>
-            <a:r>
-              <a:rPr lang="en-US" sz="2400" dirty="0" err="1" smtClean="0"/>
-              <a:t>bộ</a:t>
-            </a:r>
-            <a:r>
-              <a:rPr lang="en-US" sz="2400" dirty="0" smtClean="0"/>
-              <a:t> </a:t>
-            </a:r>
-            <a:r>
-              <a:rPr lang="en-US" sz="2400" dirty="0" err="1" smtClean="0"/>
-              <a:t>nhớ</a:t>
-            </a:r>
-            <a:endParaRPr lang="en-GB" sz="2400" dirty="0"/>
+            <a:endParaRPr lang="en-US" sz="2000" dirty="0"/>
+          </a:p>
+        </p:txBody>
+      </p:sp>
+      <p:pic>
+        <p:nvPicPr>
+          <p:cNvPr id="1026" name="Picture 2" descr="Cấu trúc dữ liệu BallTree – Lương Hoàng Hướng"/>
+          <p:cNvPicPr>
+            <a:picLocks noChangeAspect="1" noChangeArrowheads="1"/>
+          </p:cNvPicPr>
+          <p:nvPr/>
+        </p:nvPicPr>
+        <p:blipFill rotWithShape="1">
+          <a:blip r:embed="rId2">
+            <a:extLst>
+              <a:ext uri="{BEBA8EAE-BF5A-486C-A8C5-ECC9F3942E4B}">
+                <a14:imgProps xmlns:a14="http://schemas.microsoft.com/office/drawing/2010/main">
+                  <a14:imgLayer r:embed="rId3">
+                    <a14:imgEffect>
+                      <a14:backgroundRemoval t="8738" b="92233" l="1423" r="93238">
+                        <a14:foregroundMark x1="50534" y1="9223" x2="50534" y2="9223"/>
+                        <a14:foregroundMark x1="55694" y1="33010" x2="55694" y2="33010"/>
+                        <a14:foregroundMark x1="5694" y1="47573" x2="5694" y2="47573"/>
+                        <a14:foregroundMark x1="1779" y1="55340" x2="1779" y2="55340"/>
+                        <a14:foregroundMark x1="8007" y1="40291" x2="8007" y2="40291"/>
+                        <a14:foregroundMark x1="11744" y1="40777" x2="11744" y2="40777"/>
+                        <a14:foregroundMark x1="19395" y1="48544" x2="19395" y2="48544"/>
+                        <a14:foregroundMark x1="21530" y1="47573" x2="21530" y2="47573"/>
+                        <a14:foregroundMark x1="16548" y1="58252" x2="16548" y2="58252"/>
+                        <a14:foregroundMark x1="5516" y1="34951" x2="5516" y2="34951"/>
+                        <a14:foregroundMark x1="7473" y1="50971" x2="7473" y2="50971"/>
+                        <a14:foregroundMark x1="3737" y1="51942" x2="3737" y2="51942"/>
+                        <a14:foregroundMark x1="8897" y1="60680" x2="8897" y2="60680"/>
+                        <a14:foregroundMark x1="10142" y1="92718" x2="10142" y2="92718"/>
+                        <a14:foregroundMark x1="11744" y1="90291" x2="11744" y2="90291"/>
+                        <a14:foregroundMark x1="50890" y1="90291" x2="50890" y2="90291"/>
+                        <a14:foregroundMark x1="53025" y1="89806" x2="53025" y2="89806"/>
+                        <a14:foregroundMark x1="50712" y1="54854" x2="50712" y2="54854"/>
+                        <a14:foregroundMark x1="52669" y1="46117" x2="52669" y2="46117"/>
+                        <a14:foregroundMark x1="61210" y1="56796" x2="61210" y2="56796"/>
+                        <a14:foregroundMark x1="58363" y1="71359" x2="58363" y2="71359"/>
+                        <a14:foregroundMark x1="62811" y1="71359" x2="62811" y2="71359"/>
+                        <a14:foregroundMark x1="53559" y1="72816" x2="53559" y2="72816"/>
+                        <a14:foregroundMark x1="41459" y1="12621" x2="65302" y2="84466"/>
+                        <a14:foregroundMark x1="35409" y1="83981" x2="60498" y2="26214"/>
+                        <a14:foregroundMark x1="64947" y1="55340" x2="61744" y2="46602"/>
+                        <a14:foregroundMark x1="78826" y1="35922" x2="81673" y2="41748"/>
+                        <a14:foregroundMark x1="85943" y1="23786" x2="85943" y2="32524"/>
+                        <a14:foregroundMark x1="93238" y1="31068" x2="89680" y2="37379"/>
+                      </a14:backgroundRemoval>
+                    </a14:imgEffect>
+                  </a14:imgLayer>
+                </a14:imgProps>
+              </a:ext>
+              <a:ext uri="{28A0092B-C50C-407E-A947-70E740481C1C}">
+                <a14:useLocalDpi xmlns:a14="http://schemas.microsoft.com/office/drawing/2010/main" val="0"/>
+              </a:ext>
+            </a:extLst>
+          </a:blip>
+          <a:srcRect l="1209" t="3607" r="1590" b="3189"/>
+          <a:stretch/>
+        </p:blipFill>
+        <p:spPr bwMode="auto">
+          <a:xfrm>
+            <a:off x="396509" y="3728449"/>
+            <a:ext cx="5203179" cy="1828801"/>
+          </a:xfrm>
+          <a:prstGeom prst="rect">
+            <a:avLst/>
+          </a:prstGeom>
+          <a:noFill/>
+          <a:extLst>
+            <a:ext uri="{909E8E84-426E-40DD-AFC4-6F175D3DCCD1}">
+              <a14:hiddenFill xmlns:a14="http://schemas.microsoft.com/office/drawing/2010/main">
+                <a:solidFill>
+                  <a:srgbClr val="FFFFFF"/>
+                </a:solidFill>
+              </a14:hiddenFill>
+            </a:ext>
+          </a:extLst>
+        </p:spPr>
+      </p:pic>
+      <p:pic>
+        <p:nvPicPr>
+          <p:cNvPr id="1028" name="Picture 4" descr="File:Kdtree 2d.svg - Wikimedia Commons"/>
+          <p:cNvPicPr>
+            <a:picLocks noChangeAspect="1" noChangeArrowheads="1"/>
+          </p:cNvPicPr>
+          <p:nvPr/>
+        </p:nvPicPr>
+        <p:blipFill rotWithShape="1">
+          <a:blip r:embed="rId4">
+            <a:extLst>
+              <a:ext uri="{28A0092B-C50C-407E-A947-70E740481C1C}">
+                <a14:useLocalDpi xmlns:a14="http://schemas.microsoft.com/office/drawing/2010/main" val="0"/>
+              </a:ext>
+            </a:extLst>
+          </a:blip>
+          <a:srcRect l="7549" t="6964" r="6836" b="4390"/>
+          <a:stretch/>
+        </p:blipFill>
+        <p:spPr bwMode="auto">
+          <a:xfrm>
+            <a:off x="7655063" y="3089248"/>
+            <a:ext cx="3017303" cy="3107202"/>
+          </a:xfrm>
+          <a:prstGeom prst="rect">
+            <a:avLst/>
+          </a:prstGeom>
+          <a:noFill/>
+          <a:extLst>
+            <a:ext uri="{909E8E84-426E-40DD-AFC4-6F175D3DCCD1}">
+              <a14:hiddenFill xmlns:a14="http://schemas.microsoft.com/office/drawing/2010/main">
+                <a:solidFill>
+                  <a:srgbClr val="FFFFFF"/>
+                </a:solidFill>
+              </a14:hiddenFill>
+            </a:ext>
+          </a:extLst>
+        </p:spPr>
+      </p:pic>
+      <p:sp>
+        <p:nvSpPr>
+          <p:cNvPr id="4" name="TextBox 3"/>
+          <p:cNvSpPr txBox="1"/>
+          <p:nvPr/>
+        </p:nvSpPr>
+        <p:spPr>
+          <a:xfrm>
+            <a:off x="2702741" y="5907045"/>
+            <a:ext cx="1027688" cy="307777"/>
+          </a:xfrm>
+          <a:prstGeom prst="rect">
+            <a:avLst/>
+          </a:prstGeom>
+          <a:noFill/>
+        </p:spPr>
+        <p:txBody>
+          <a:bodyPr wrap="square" rtlCol="0">
+            <a:spAutoFit/>
+          </a:bodyPr>
+          <a:lstStyle/>
+          <a:p>
+            <a:r>
+              <a:rPr lang="en-US" dirty="0" smtClean="0"/>
+              <a:t>Ball tree</a:t>
+            </a:r>
+            <a:endParaRPr lang="en-US" dirty="0"/>
+          </a:p>
+        </p:txBody>
+      </p:sp>
+      <p:sp>
+        <p:nvSpPr>
+          <p:cNvPr id="6" name="TextBox 5"/>
+          <p:cNvSpPr txBox="1"/>
+          <p:nvPr/>
+        </p:nvSpPr>
+        <p:spPr>
+          <a:xfrm>
+            <a:off x="8755583" y="6311788"/>
+            <a:ext cx="1003412" cy="307777"/>
+          </a:xfrm>
+          <a:prstGeom prst="rect">
+            <a:avLst/>
+          </a:prstGeom>
+          <a:noFill/>
+        </p:spPr>
+        <p:txBody>
+          <a:bodyPr wrap="square" rtlCol="0">
+            <a:spAutoFit/>
+          </a:bodyPr>
+          <a:lstStyle/>
+          <a:p>
+            <a:r>
+              <a:rPr lang="en-US" dirty="0" smtClean="0"/>
+              <a:t>KD- tree</a:t>
+            </a:r>
+            <a:endParaRPr lang="en-US" dirty="0"/>
           </a:p>
         </p:txBody>
       </p:sp>
     </p:spTree>
     <p:extLst>
       <p:ext uri="{BB962C8B-B14F-4D97-AF65-F5344CB8AC3E}">
-        <p14:creationId xmlns:p14="http://schemas.microsoft.com/office/powerpoint/2010/main" val="330417599"/>
+        <p14:creationId xmlns:p14="http://schemas.microsoft.com/office/powerpoint/2010/main" val="3422440020"/>
       </p:ext>
     </p:extLst>
   </p:cSld>
   <p:clrMapOvr>
     <a:masterClrMapping/>
   </p:clrMapOvr>
-  <p:timing>
-    <p:tnLst>
-      <p:par>
-        <p:cTn id="1" dur="indefinite" restart="never" nodeType="tmRoot"/>
-      </p:par>
-    </p:tnLst>
-  </p:timing>
 </p:sld>
 </file>
 

--- a/BaoCao_4Tuandau.pptx
+++ b/BaoCao_4Tuandau.pptx
@@ -5,7 +5,7 @@
     <p:sldMasterId id="2147483648" r:id="rId1"/>
   </p:sldMasterIdLst>
   <p:notesMasterIdLst>
-    <p:notesMasterId r:id="rId13"/>
+    <p:notesMasterId r:id="rId18"/>
   </p:notesMasterIdLst>
   <p:sldIdLst>
     <p:sldId id="256" r:id="rId2"/>
@@ -19,24 +19,29 @@
     <p:sldId id="282" r:id="rId10"/>
     <p:sldId id="276" r:id="rId11"/>
     <p:sldId id="274" r:id="rId12"/>
+    <p:sldId id="283" r:id="rId13"/>
+    <p:sldId id="285" r:id="rId14"/>
+    <p:sldId id="284" r:id="rId15"/>
+    <p:sldId id="286" r:id="rId16"/>
+    <p:sldId id="287" r:id="rId17"/>
   </p:sldIdLst>
   <p:sldSz cx="12192000" cy="6858000"/>
   <p:notesSz cx="6858000" cy="9144000"/>
   <p:embeddedFontLst>
     <p:embeddedFont>
-      <p:font typeface="Cambria Math" pitchFamily="18" charset="0"/>
-      <p:regular r:id="rId14"/>
+      <p:font typeface="Calibri" pitchFamily="34" charset="0"/>
+      <p:regular r:id="rId19"/>
+      <p:bold r:id="rId20"/>
+      <p:italic r:id="rId21"/>
+      <p:boldItalic r:id="rId22"/>
     </p:embeddedFont>
     <p:embeddedFont>
       <p:font typeface="Unica One" charset="0"/>
-      <p:regular r:id="rId15"/>
+      <p:regular r:id="rId23"/>
     </p:embeddedFont>
     <p:embeddedFont>
-      <p:font typeface="Calibri" pitchFamily="34" charset="0"/>
-      <p:regular r:id="rId16"/>
-      <p:bold r:id="rId17"/>
-      <p:italic r:id="rId18"/>
-      <p:boldItalic r:id="rId19"/>
+      <p:font typeface="Cambria Math" pitchFamily="18" charset="0"/>
+      <p:regular r:id="rId24"/>
     </p:embeddedFont>
   </p:embeddedFontLst>
   <p:defaultTextStyle>
@@ -270,10 +275,10 @@
   </p:defaultTextStyle>
   <p:extLst>
     <p:ext uri="{EFAFB233-063F-42B5-8137-9DF3F51BA10A}">
-      <p15:sldGuideLst xmlns:p15="http://schemas.microsoft.com/office/powerpoint/2012/main" xmlns=""/>
+      <p15:sldGuideLst xmlns="" xmlns:p15="http://schemas.microsoft.com/office/powerpoint/2012/main"/>
     </p:ext>
     <p:ext uri="http://customooxmlschemas.google.com/">
-      <go:slidesCustomData xmlns:go="http://customooxmlschemas.google.com/" xmlns:ahyp="http://schemas.microsoft.com/office/drawing/2018/hyperlinkcolor" xmlns:p15="http://schemas.microsoft.com/office/powerpoint/2012/main" xmlns:p14="http://schemas.microsoft.com/office/powerpoint/2010/main" xmlns:com="http://schemas.openxmlformats.org/drawingml/2006/compatibility" xmlns:pvml="urn:schemas-microsoft-com:office:powerpoint" xmlns:v="urn:schemas-microsoft-com:vml" xmlns:o="urn:schemas-microsoft-com:office:office" xmlns:dgm="http://schemas.openxmlformats.org/drawingml/2006/diagram" xmlns:c="http://schemas.openxmlformats.org/drawingml/2006/chart" xmlns:mv="urn:schemas-microsoft-com:mac:vml" xmlns:mc="http://schemas.openxmlformats.org/markup-compatibility/2006" xmlns="" r:id="rId25" roundtripDataSignature="AMtx7mhF0vPlbGilWkYAbwAtJc9b6S9FfA=="/>
+      <go:slidesCustomData xmlns="" xmlns:mc="http://schemas.openxmlformats.org/markup-compatibility/2006" xmlns:mv="urn:schemas-microsoft-com:mac:vml" xmlns:c="http://schemas.openxmlformats.org/drawingml/2006/chart" xmlns:dgm="http://schemas.openxmlformats.org/drawingml/2006/diagram" xmlns:o="urn:schemas-microsoft-com:office:office" xmlns:v="urn:schemas-microsoft-com:vml" xmlns:pvml="urn:schemas-microsoft-com:office:powerpoint" xmlns:com="http://schemas.openxmlformats.org/drawingml/2006/compatibility" xmlns:p14="http://schemas.microsoft.com/office/powerpoint/2010/main" xmlns:p15="http://schemas.microsoft.com/office/powerpoint/2012/main" xmlns:ahyp="http://schemas.microsoft.com/office/drawing/2018/hyperlinkcolor" xmlns:go="http://customooxmlschemas.google.com/" r:id="rId25" roundtripDataSignature="AMtx7mhF0vPlbGilWkYAbwAtJc9b6S9FfA=="/>
     </p:ext>
   </p:extLst>
 </p:presentation>
@@ -15414,6 +15419,4951 @@
 </p:sld>
 </file>
 
+<file path=ppt/slides/slide12.xml><?xml version="1.0" encoding="utf-8"?>
+<p:sld xmlns:a="http://schemas.openxmlformats.org/drawingml/2006/main" xmlns:r="http://schemas.openxmlformats.org/officeDocument/2006/relationships" xmlns:p="http://schemas.openxmlformats.org/presentationml/2006/main">
+  <p:cSld>
+    <p:spTree>
+      <p:nvGrpSpPr>
+        <p:cNvPr id="1" name=""/>
+        <p:cNvGrpSpPr/>
+        <p:nvPr/>
+      </p:nvGrpSpPr>
+      <p:grpSpPr>
+        <a:xfrm>
+          <a:off x="0" y="0"/>
+          <a:ext cx="0" cy="0"/>
+          <a:chOff x="0" y="0"/>
+          <a:chExt cx="0" cy="0"/>
+        </a:xfrm>
+      </p:grpSpPr>
+      <p:sp>
+        <p:nvSpPr>
+          <p:cNvPr id="4" name="TextBox 3"/>
+          <p:cNvSpPr txBox="1"/>
+          <p:nvPr/>
+        </p:nvSpPr>
+        <p:spPr>
+          <a:xfrm>
+            <a:off x="1002114" y="2223935"/>
+            <a:ext cx="9937019" cy="2031325"/>
+          </a:xfrm>
+          <a:prstGeom prst="rect">
+            <a:avLst/>
+          </a:prstGeom>
+          <a:noFill/>
+        </p:spPr>
+        <p:txBody>
+          <a:bodyPr wrap="square" rtlCol="0">
+            <a:spAutoFit/>
+          </a:bodyPr>
+          <a:lstStyle/>
+          <a:p>
+            <a:r>
+              <a:rPr lang="en-US" dirty="0" err="1" smtClean="0">
+                <a:solidFill>
+                  <a:schemeClr val="bg1"/>
+                </a:solidFill>
+              </a:rPr>
+              <a:t>Tại</a:t>
+            </a:r>
+            <a:r>
+              <a:rPr lang="en-US" dirty="0" smtClean="0">
+                <a:solidFill>
+                  <a:schemeClr val="bg1"/>
+                </a:solidFill>
+              </a:rPr>
+              <a:t> </a:t>
+            </a:r>
+            <a:r>
+              <a:rPr lang="en-US" dirty="0" err="1" smtClean="0">
+                <a:solidFill>
+                  <a:schemeClr val="bg1"/>
+                </a:solidFill>
+              </a:rPr>
+              <a:t>sao</a:t>
+            </a:r>
+            <a:r>
+              <a:rPr lang="en-US" dirty="0" smtClean="0">
+                <a:solidFill>
+                  <a:schemeClr val="bg1"/>
+                </a:solidFill>
+              </a:rPr>
+              <a:t> </a:t>
+            </a:r>
+            <a:r>
+              <a:rPr lang="en-US" dirty="0" err="1" smtClean="0">
+                <a:solidFill>
+                  <a:schemeClr val="bg1"/>
+                </a:solidFill>
+              </a:rPr>
+              <a:t>lại</a:t>
+            </a:r>
+            <a:r>
+              <a:rPr lang="en-US" dirty="0" smtClean="0">
+                <a:solidFill>
+                  <a:schemeClr val="bg1"/>
+                </a:solidFill>
+              </a:rPr>
+              <a:t> </a:t>
+            </a:r>
+            <a:r>
+              <a:rPr lang="en-US" dirty="0" err="1" smtClean="0">
+                <a:solidFill>
+                  <a:schemeClr val="bg1"/>
+                </a:solidFill>
+              </a:rPr>
+              <a:t>chọn</a:t>
+            </a:r>
+            <a:r>
+              <a:rPr lang="en-US" dirty="0" smtClean="0">
+                <a:solidFill>
+                  <a:schemeClr val="bg1"/>
+                </a:solidFill>
+              </a:rPr>
+              <a:t> </a:t>
+            </a:r>
+            <a:r>
+              <a:rPr lang="en-US" dirty="0" err="1" smtClean="0">
+                <a:solidFill>
+                  <a:schemeClr val="bg1"/>
+                </a:solidFill>
+              </a:rPr>
+              <a:t>ramdom</a:t>
+            </a:r>
+            <a:r>
+              <a:rPr lang="en-US" dirty="0" smtClean="0">
+                <a:solidFill>
+                  <a:schemeClr val="bg1"/>
+                </a:solidFill>
+              </a:rPr>
+              <a:t> state </a:t>
+            </a:r>
+            <a:r>
+              <a:rPr lang="en-US" dirty="0" err="1" smtClean="0">
+                <a:solidFill>
+                  <a:schemeClr val="bg1"/>
+                </a:solidFill>
+              </a:rPr>
+              <a:t>là</a:t>
+            </a:r>
+            <a:r>
+              <a:rPr lang="en-US" dirty="0" smtClean="0">
+                <a:solidFill>
+                  <a:schemeClr val="bg1"/>
+                </a:solidFill>
+              </a:rPr>
+              <a:t> 42, </a:t>
+            </a:r>
+            <a:r>
+              <a:rPr lang="en-US" dirty="0" err="1" smtClean="0">
+                <a:solidFill>
+                  <a:schemeClr val="bg1"/>
+                </a:solidFill>
+              </a:rPr>
+              <a:t>Đơn</a:t>
+            </a:r>
+            <a:r>
+              <a:rPr lang="en-US" dirty="0" smtClean="0">
+                <a:solidFill>
+                  <a:schemeClr val="bg1"/>
+                </a:solidFill>
+              </a:rPr>
+              <a:t> </a:t>
+            </a:r>
+            <a:r>
+              <a:rPr lang="en-US" dirty="0" err="1" smtClean="0">
+                <a:solidFill>
+                  <a:schemeClr val="bg1"/>
+                </a:solidFill>
+              </a:rPr>
+              <a:t>giản</a:t>
+            </a:r>
+            <a:r>
+              <a:rPr lang="en-US" dirty="0" smtClean="0">
+                <a:solidFill>
+                  <a:schemeClr val="bg1"/>
+                </a:solidFill>
+              </a:rPr>
+              <a:t> </a:t>
+            </a:r>
+            <a:r>
+              <a:rPr lang="en-US" dirty="0" err="1" smtClean="0">
+                <a:solidFill>
+                  <a:schemeClr val="bg1"/>
+                </a:solidFill>
+              </a:rPr>
+              <a:t>là</a:t>
+            </a:r>
+            <a:r>
+              <a:rPr lang="en-US" dirty="0" smtClean="0">
+                <a:solidFill>
+                  <a:schemeClr val="bg1"/>
+                </a:solidFill>
+              </a:rPr>
+              <a:t> </a:t>
+            </a:r>
+            <a:r>
+              <a:rPr lang="en-US" dirty="0" err="1" smtClean="0">
+                <a:solidFill>
+                  <a:schemeClr val="bg1"/>
+                </a:solidFill>
+              </a:rPr>
+              <a:t>vì</a:t>
+            </a:r>
+            <a:r>
+              <a:rPr lang="en-US" dirty="0" smtClean="0">
+                <a:solidFill>
+                  <a:schemeClr val="bg1"/>
+                </a:solidFill>
+              </a:rPr>
+              <a:t> </a:t>
+            </a:r>
+            <a:r>
+              <a:rPr lang="en-US" dirty="0" err="1" smtClean="0">
+                <a:solidFill>
+                  <a:schemeClr val="bg1"/>
+                </a:solidFill>
+              </a:rPr>
+              <a:t>theo</a:t>
+            </a:r>
+            <a:r>
+              <a:rPr lang="en-US" dirty="0" smtClean="0">
+                <a:solidFill>
+                  <a:schemeClr val="bg1"/>
+                </a:solidFill>
+              </a:rPr>
+              <a:t> </a:t>
+            </a:r>
+            <a:r>
+              <a:rPr lang="en-US" dirty="0" err="1" smtClean="0">
+                <a:solidFill>
+                  <a:schemeClr val="bg1"/>
+                </a:solidFill>
+              </a:rPr>
+              <a:t>cuốn</a:t>
+            </a:r>
+            <a:r>
+              <a:rPr lang="en-US" dirty="0" smtClean="0">
+                <a:solidFill>
+                  <a:schemeClr val="bg1"/>
+                </a:solidFill>
+              </a:rPr>
+              <a:t> </a:t>
+            </a:r>
+            <a:r>
+              <a:rPr lang="en-US" dirty="0" err="1" smtClean="0">
+                <a:solidFill>
+                  <a:schemeClr val="bg1"/>
+                </a:solidFill>
+              </a:rPr>
+              <a:t>sách</a:t>
+            </a:r>
+            <a:r>
+              <a:rPr lang="en-US" dirty="0">
+                <a:solidFill>
+                  <a:schemeClr val="bg1"/>
+                </a:solidFill>
+              </a:rPr>
+              <a:t> </a:t>
+            </a:r>
+            <a:r>
+              <a:rPr lang="en-US" dirty="0" smtClean="0">
+                <a:solidFill>
+                  <a:schemeClr val="bg1"/>
+                </a:solidFill>
+              </a:rPr>
+              <a:t>“</a:t>
+            </a:r>
+            <a:r>
+              <a:rPr lang="en-US" i="1" dirty="0"/>
+              <a:t>The Hitchhiker's Guide to the Galaxy</a:t>
+            </a:r>
+            <a:r>
+              <a:rPr lang="en-US" dirty="0"/>
+              <a:t> by Douglas Adams</a:t>
+            </a:r>
+            <a:r>
+              <a:rPr lang="en-US" dirty="0" smtClean="0">
+                <a:solidFill>
+                  <a:schemeClr val="bg1"/>
+                </a:solidFill>
+              </a:rPr>
+              <a:t>” </a:t>
+            </a:r>
+            <a:r>
+              <a:rPr lang="en-US" dirty="0" err="1" smtClean="0">
+                <a:solidFill>
+                  <a:schemeClr val="bg1"/>
+                </a:solidFill>
+              </a:rPr>
+              <a:t>nó</a:t>
+            </a:r>
+            <a:r>
+              <a:rPr lang="en-US" dirty="0" smtClean="0">
+                <a:solidFill>
+                  <a:schemeClr val="bg1"/>
+                </a:solidFill>
+              </a:rPr>
+              <a:t> </a:t>
+            </a:r>
+            <a:r>
+              <a:rPr lang="en-US" dirty="0" err="1" smtClean="0">
+                <a:solidFill>
+                  <a:schemeClr val="bg1"/>
+                </a:solidFill>
+              </a:rPr>
+              <a:t>là</a:t>
+            </a:r>
+            <a:r>
+              <a:rPr lang="en-US" dirty="0" smtClean="0">
+                <a:solidFill>
+                  <a:schemeClr val="bg1"/>
+                </a:solidFill>
+              </a:rPr>
+              <a:t> “ </a:t>
+            </a:r>
+            <a:r>
+              <a:rPr lang="en-US" dirty="0" err="1" smtClean="0">
+                <a:solidFill>
+                  <a:schemeClr val="bg1"/>
+                </a:solidFill>
+              </a:rPr>
+              <a:t>Câu</a:t>
+            </a:r>
+            <a:r>
+              <a:rPr lang="en-US" dirty="0" smtClean="0">
+                <a:solidFill>
+                  <a:schemeClr val="bg1"/>
+                </a:solidFill>
+              </a:rPr>
+              <a:t> </a:t>
+            </a:r>
+            <a:r>
+              <a:rPr lang="en-US" dirty="0" err="1" smtClean="0">
+                <a:solidFill>
+                  <a:schemeClr val="bg1"/>
+                </a:solidFill>
+              </a:rPr>
+              <a:t>trả</a:t>
+            </a:r>
+            <a:r>
+              <a:rPr lang="en-US" dirty="0" smtClean="0">
+                <a:solidFill>
+                  <a:schemeClr val="bg1"/>
+                </a:solidFill>
+              </a:rPr>
+              <a:t> </a:t>
+            </a:r>
+            <a:r>
+              <a:rPr lang="en-US" dirty="0" err="1" smtClean="0">
+                <a:solidFill>
+                  <a:schemeClr val="bg1"/>
+                </a:solidFill>
+              </a:rPr>
+              <a:t>lời</a:t>
+            </a:r>
+            <a:r>
+              <a:rPr lang="en-US" dirty="0" smtClean="0">
+                <a:solidFill>
+                  <a:schemeClr val="bg1"/>
+                </a:solidFill>
+              </a:rPr>
+              <a:t> </a:t>
+            </a:r>
+            <a:r>
+              <a:rPr lang="en-US" dirty="0" err="1" smtClean="0">
+                <a:solidFill>
+                  <a:schemeClr val="bg1"/>
+                </a:solidFill>
+              </a:rPr>
+              <a:t>cho</a:t>
+            </a:r>
+            <a:r>
+              <a:rPr lang="en-US" dirty="0" smtClean="0">
+                <a:solidFill>
+                  <a:schemeClr val="bg1"/>
+                </a:solidFill>
+              </a:rPr>
+              <a:t> </a:t>
+            </a:r>
+            <a:r>
+              <a:rPr lang="en-US" dirty="0" err="1" smtClean="0">
+                <a:solidFill>
+                  <a:schemeClr val="bg1"/>
+                </a:solidFill>
+              </a:rPr>
+              <a:t>tất</a:t>
+            </a:r>
+            <a:r>
+              <a:rPr lang="en-US" dirty="0" smtClean="0">
+                <a:solidFill>
+                  <a:schemeClr val="bg1"/>
+                </a:solidFill>
+              </a:rPr>
+              <a:t> </a:t>
+            </a:r>
+            <a:r>
+              <a:rPr lang="en-US" dirty="0" err="1" smtClean="0">
+                <a:solidFill>
+                  <a:schemeClr val="bg1"/>
+                </a:solidFill>
+              </a:rPr>
+              <a:t>cả</a:t>
+            </a:r>
+            <a:r>
+              <a:rPr lang="en-US" dirty="0" smtClean="0">
+                <a:solidFill>
+                  <a:schemeClr val="bg1"/>
+                </a:solidFill>
+              </a:rPr>
+              <a:t> </a:t>
+            </a:r>
+            <a:r>
+              <a:rPr lang="en-US" dirty="0" err="1" smtClean="0">
+                <a:solidFill>
+                  <a:schemeClr val="bg1"/>
+                </a:solidFill>
+              </a:rPr>
+              <a:t>mọi</a:t>
+            </a:r>
+            <a:r>
+              <a:rPr lang="en-US" dirty="0" smtClean="0">
+                <a:solidFill>
+                  <a:schemeClr val="bg1"/>
+                </a:solidFill>
+              </a:rPr>
+              <a:t> </a:t>
+            </a:r>
+            <a:r>
+              <a:rPr lang="en-US" dirty="0" err="1" smtClean="0">
+                <a:solidFill>
+                  <a:schemeClr val="bg1"/>
+                </a:solidFill>
+              </a:rPr>
+              <a:t>thứ</a:t>
+            </a:r>
+            <a:r>
+              <a:rPr lang="en-US" dirty="0" smtClean="0">
+                <a:solidFill>
+                  <a:schemeClr val="bg1"/>
+                </a:solidFill>
+              </a:rPr>
+              <a:t> ” =) </a:t>
+            </a:r>
+          </a:p>
+          <a:p>
+            <a:endParaRPr lang="en-US" dirty="0">
+              <a:solidFill>
+                <a:schemeClr val="bg1"/>
+              </a:solidFill>
+            </a:endParaRPr>
+          </a:p>
+          <a:p>
+            <a:r>
+              <a:rPr lang="en-US" dirty="0" err="1" smtClean="0">
+                <a:solidFill>
+                  <a:schemeClr val="bg1"/>
+                </a:solidFill>
+              </a:rPr>
+              <a:t>Thật</a:t>
+            </a:r>
+            <a:r>
+              <a:rPr lang="en-US" dirty="0" smtClean="0">
+                <a:solidFill>
+                  <a:schemeClr val="bg1"/>
+                </a:solidFill>
+              </a:rPr>
+              <a:t> </a:t>
+            </a:r>
+            <a:r>
+              <a:rPr lang="en-US" dirty="0" err="1" smtClean="0">
+                <a:solidFill>
+                  <a:schemeClr val="bg1"/>
+                </a:solidFill>
+              </a:rPr>
+              <a:t>ra</a:t>
+            </a:r>
+            <a:r>
+              <a:rPr lang="en-US" dirty="0" smtClean="0">
+                <a:solidFill>
+                  <a:schemeClr val="bg1"/>
+                </a:solidFill>
+              </a:rPr>
+              <a:t> </a:t>
+            </a:r>
+            <a:r>
+              <a:rPr lang="en-US" dirty="0" err="1" smtClean="0">
+                <a:solidFill>
+                  <a:schemeClr val="bg1"/>
+                </a:solidFill>
+              </a:rPr>
+              <a:t>là</a:t>
+            </a:r>
+            <a:r>
+              <a:rPr lang="en-US" dirty="0" smtClean="0">
+                <a:solidFill>
+                  <a:schemeClr val="bg1"/>
+                </a:solidFill>
+              </a:rPr>
+              <a:t> </a:t>
+            </a:r>
+            <a:r>
+              <a:rPr lang="en-US" dirty="0" err="1" smtClean="0">
+                <a:solidFill>
+                  <a:schemeClr val="bg1"/>
+                </a:solidFill>
+              </a:rPr>
+              <a:t>số</a:t>
+            </a:r>
+            <a:r>
+              <a:rPr lang="en-US" dirty="0" smtClean="0">
+                <a:solidFill>
+                  <a:schemeClr val="bg1"/>
+                </a:solidFill>
+              </a:rPr>
+              <a:t> 42 </a:t>
+            </a:r>
+            <a:r>
+              <a:rPr lang="en-US" dirty="0" err="1" smtClean="0">
+                <a:solidFill>
+                  <a:schemeClr val="bg1"/>
+                </a:solidFill>
+              </a:rPr>
+              <a:t>chỉ</a:t>
+            </a:r>
+            <a:r>
+              <a:rPr lang="en-US" dirty="0" smtClean="0">
+                <a:solidFill>
+                  <a:schemeClr val="bg1"/>
+                </a:solidFill>
+              </a:rPr>
+              <a:t> </a:t>
+            </a:r>
+            <a:r>
+              <a:rPr lang="en-US" dirty="0" err="1" smtClean="0">
+                <a:solidFill>
+                  <a:schemeClr val="bg1"/>
+                </a:solidFill>
+              </a:rPr>
+              <a:t>là</a:t>
+            </a:r>
+            <a:r>
+              <a:rPr lang="en-US" dirty="0" smtClean="0">
+                <a:solidFill>
+                  <a:schemeClr val="bg1"/>
+                </a:solidFill>
+              </a:rPr>
+              <a:t> </a:t>
+            </a:r>
+            <a:r>
+              <a:rPr lang="en-US" dirty="0" err="1" smtClean="0">
+                <a:solidFill>
+                  <a:schemeClr val="bg1"/>
+                </a:solidFill>
+              </a:rPr>
+              <a:t>một</a:t>
+            </a:r>
+            <a:r>
+              <a:rPr lang="en-US" dirty="0" smtClean="0">
+                <a:solidFill>
+                  <a:schemeClr val="bg1"/>
+                </a:solidFill>
+              </a:rPr>
+              <a:t> </a:t>
+            </a:r>
+            <a:r>
+              <a:rPr lang="en-US" dirty="0" err="1" smtClean="0">
+                <a:solidFill>
+                  <a:schemeClr val="bg1"/>
+                </a:solidFill>
+              </a:rPr>
+              <a:t>số</a:t>
+            </a:r>
+            <a:r>
+              <a:rPr lang="en-US" dirty="0" smtClean="0">
+                <a:solidFill>
+                  <a:schemeClr val="bg1"/>
+                </a:solidFill>
+              </a:rPr>
+              <a:t> </a:t>
+            </a:r>
+            <a:r>
+              <a:rPr lang="en-US" dirty="0" err="1" smtClean="0">
+                <a:solidFill>
+                  <a:schemeClr val="bg1"/>
+                </a:solidFill>
+              </a:rPr>
+              <a:t>ngẫu</a:t>
+            </a:r>
+            <a:r>
+              <a:rPr lang="en-US" dirty="0" smtClean="0">
+                <a:solidFill>
+                  <a:schemeClr val="bg1"/>
+                </a:solidFill>
+              </a:rPr>
+              <a:t> </a:t>
+            </a:r>
+            <a:r>
+              <a:rPr lang="en-US" dirty="0" err="1" smtClean="0">
+                <a:solidFill>
+                  <a:schemeClr val="bg1"/>
+                </a:solidFill>
+              </a:rPr>
+              <a:t>nhiên</a:t>
+            </a:r>
+            <a:r>
+              <a:rPr lang="en-US" dirty="0" smtClean="0">
+                <a:solidFill>
+                  <a:schemeClr val="bg1"/>
+                </a:solidFill>
+              </a:rPr>
+              <a:t> ta </a:t>
+            </a:r>
+            <a:r>
+              <a:rPr lang="en-US" dirty="0" err="1" smtClean="0">
+                <a:solidFill>
+                  <a:schemeClr val="bg1"/>
+                </a:solidFill>
+              </a:rPr>
+              <a:t>có</a:t>
+            </a:r>
+            <a:r>
+              <a:rPr lang="en-US" dirty="0" smtClean="0">
+                <a:solidFill>
+                  <a:schemeClr val="bg1"/>
+                </a:solidFill>
+              </a:rPr>
+              <a:t> </a:t>
+            </a:r>
+            <a:r>
+              <a:rPr lang="en-US" dirty="0" err="1" smtClean="0">
+                <a:solidFill>
+                  <a:schemeClr val="bg1"/>
+                </a:solidFill>
+              </a:rPr>
+              <a:t>thể</a:t>
+            </a:r>
+            <a:r>
+              <a:rPr lang="en-US" dirty="0" smtClean="0">
+                <a:solidFill>
+                  <a:schemeClr val="bg1"/>
+                </a:solidFill>
+              </a:rPr>
+              <a:t> </a:t>
+            </a:r>
+            <a:r>
+              <a:rPr lang="en-US" dirty="0" err="1" smtClean="0">
+                <a:solidFill>
+                  <a:schemeClr val="bg1"/>
+                </a:solidFill>
+              </a:rPr>
+              <a:t>chọn</a:t>
+            </a:r>
+            <a:r>
+              <a:rPr lang="en-US" dirty="0" smtClean="0">
+                <a:solidFill>
+                  <a:schemeClr val="bg1"/>
+                </a:solidFill>
+              </a:rPr>
+              <a:t> </a:t>
+            </a:r>
+            <a:r>
+              <a:rPr lang="en-US" dirty="0" err="1" smtClean="0">
+                <a:solidFill>
+                  <a:schemeClr val="bg1"/>
+                </a:solidFill>
+              </a:rPr>
+              <a:t>một</a:t>
+            </a:r>
+            <a:r>
+              <a:rPr lang="en-US" dirty="0" smtClean="0">
+                <a:solidFill>
+                  <a:schemeClr val="bg1"/>
+                </a:solidFill>
+              </a:rPr>
+              <a:t> </a:t>
+            </a:r>
+            <a:r>
+              <a:rPr lang="en-US" dirty="0" err="1" smtClean="0">
+                <a:solidFill>
+                  <a:schemeClr val="bg1"/>
+                </a:solidFill>
+              </a:rPr>
+              <a:t>số</a:t>
+            </a:r>
+            <a:r>
+              <a:rPr lang="en-US" dirty="0" smtClean="0">
+                <a:solidFill>
+                  <a:schemeClr val="bg1"/>
+                </a:solidFill>
+              </a:rPr>
+              <a:t> </a:t>
+            </a:r>
+            <a:r>
+              <a:rPr lang="en-US" dirty="0" err="1" smtClean="0">
+                <a:solidFill>
+                  <a:schemeClr val="bg1"/>
+                </a:solidFill>
+              </a:rPr>
+              <a:t>khác</a:t>
+            </a:r>
+            <a:r>
+              <a:rPr lang="en-US" dirty="0" smtClean="0">
+                <a:solidFill>
+                  <a:schemeClr val="bg1"/>
+                </a:solidFill>
+              </a:rPr>
+              <a:t>. </a:t>
+            </a:r>
+            <a:r>
+              <a:rPr lang="en-US" dirty="0" err="1" smtClean="0">
+                <a:solidFill>
+                  <a:schemeClr val="bg1"/>
+                </a:solidFill>
+              </a:rPr>
+              <a:t>Với</a:t>
+            </a:r>
+            <a:r>
+              <a:rPr lang="en-US" dirty="0" smtClean="0">
+                <a:solidFill>
+                  <a:schemeClr val="bg1"/>
+                </a:solidFill>
+              </a:rPr>
+              <a:t> </a:t>
+            </a:r>
+            <a:r>
+              <a:rPr lang="en-US" dirty="0" err="1" smtClean="0">
+                <a:solidFill>
+                  <a:schemeClr val="bg1"/>
+                </a:solidFill>
+              </a:rPr>
+              <a:t>một</a:t>
+            </a:r>
+            <a:r>
+              <a:rPr lang="en-US" dirty="0" smtClean="0">
+                <a:solidFill>
+                  <a:schemeClr val="bg1"/>
+                </a:solidFill>
+              </a:rPr>
+              <a:t> </a:t>
+            </a:r>
+            <a:r>
+              <a:rPr lang="en-US" dirty="0" err="1" smtClean="0">
+                <a:solidFill>
+                  <a:schemeClr val="bg1"/>
+                </a:solidFill>
+              </a:rPr>
+              <a:t>số</a:t>
+            </a:r>
+            <a:r>
+              <a:rPr lang="en-US" dirty="0" smtClean="0">
+                <a:solidFill>
+                  <a:schemeClr val="bg1"/>
+                </a:solidFill>
+              </a:rPr>
+              <a:t> </a:t>
+            </a:r>
+            <a:r>
+              <a:rPr lang="en-US" dirty="0" err="1" smtClean="0">
+                <a:solidFill>
+                  <a:schemeClr val="bg1"/>
+                </a:solidFill>
+              </a:rPr>
+              <a:t>thì</a:t>
+            </a:r>
+            <a:r>
+              <a:rPr lang="en-US" dirty="0" smtClean="0">
+                <a:solidFill>
+                  <a:schemeClr val="bg1"/>
+                </a:solidFill>
+              </a:rPr>
+              <a:t> </a:t>
+            </a:r>
+            <a:r>
+              <a:rPr lang="en-US" dirty="0" err="1">
+                <a:solidFill>
+                  <a:schemeClr val="bg1"/>
+                </a:solidFill>
+              </a:rPr>
+              <a:t>m</a:t>
+            </a:r>
+            <a:r>
+              <a:rPr lang="en-US" dirty="0" err="1" smtClean="0">
+                <a:solidFill>
+                  <a:schemeClr val="bg1"/>
+                </a:solidFill>
+              </a:rPr>
+              <a:t>ỗi</a:t>
+            </a:r>
+            <a:r>
+              <a:rPr lang="en-US" dirty="0" smtClean="0">
+                <a:solidFill>
+                  <a:schemeClr val="bg1"/>
+                </a:solidFill>
+              </a:rPr>
+              <a:t> </a:t>
+            </a:r>
+            <a:r>
+              <a:rPr lang="en-US" dirty="0" err="1" smtClean="0">
+                <a:solidFill>
+                  <a:schemeClr val="bg1"/>
+                </a:solidFill>
+              </a:rPr>
+              <a:t>lần</a:t>
+            </a:r>
+            <a:r>
+              <a:rPr lang="en-US" dirty="0" smtClean="0">
+                <a:solidFill>
+                  <a:schemeClr val="bg1"/>
+                </a:solidFill>
+              </a:rPr>
+              <a:t> </a:t>
+            </a:r>
+            <a:r>
+              <a:rPr lang="en-US" dirty="0" err="1" smtClean="0">
+                <a:solidFill>
+                  <a:schemeClr val="bg1"/>
+                </a:solidFill>
+              </a:rPr>
+              <a:t>chạy</a:t>
+            </a:r>
+            <a:r>
+              <a:rPr lang="en-US" dirty="0" smtClean="0">
+                <a:solidFill>
+                  <a:schemeClr val="bg1"/>
+                </a:solidFill>
+              </a:rPr>
+              <a:t> </a:t>
+            </a:r>
+            <a:r>
+              <a:rPr lang="en-US" dirty="0" err="1" smtClean="0">
+                <a:solidFill>
+                  <a:schemeClr val="bg1"/>
+                </a:solidFill>
+              </a:rPr>
+              <a:t>mô</a:t>
+            </a:r>
+            <a:r>
+              <a:rPr lang="en-US" dirty="0" smtClean="0">
+                <a:solidFill>
+                  <a:schemeClr val="bg1"/>
+                </a:solidFill>
+              </a:rPr>
+              <a:t> </a:t>
+            </a:r>
+            <a:r>
+              <a:rPr lang="en-US" dirty="0" err="1" smtClean="0">
+                <a:solidFill>
+                  <a:schemeClr val="bg1"/>
+                </a:solidFill>
+              </a:rPr>
+              <a:t>hình</a:t>
+            </a:r>
+            <a:r>
+              <a:rPr lang="en-US" dirty="0" smtClean="0">
+                <a:solidFill>
+                  <a:schemeClr val="bg1"/>
+                </a:solidFill>
+              </a:rPr>
+              <a:t> </a:t>
+            </a:r>
+            <a:r>
+              <a:rPr lang="en-US" dirty="0" err="1" smtClean="0">
+                <a:solidFill>
+                  <a:schemeClr val="bg1"/>
+                </a:solidFill>
+              </a:rPr>
+              <a:t>thì</a:t>
+            </a:r>
+            <a:r>
+              <a:rPr lang="en-US" dirty="0" smtClean="0">
+                <a:solidFill>
+                  <a:schemeClr val="bg1"/>
+                </a:solidFill>
+              </a:rPr>
+              <a:t> </a:t>
+            </a:r>
+            <a:r>
+              <a:rPr lang="en-US" dirty="0" err="1" smtClean="0">
+                <a:solidFill>
+                  <a:schemeClr val="bg1"/>
+                </a:solidFill>
+              </a:rPr>
+              <a:t>kết</a:t>
+            </a:r>
+            <a:r>
+              <a:rPr lang="en-US" dirty="0" smtClean="0">
+                <a:solidFill>
+                  <a:schemeClr val="bg1"/>
+                </a:solidFill>
+              </a:rPr>
+              <a:t> </a:t>
+            </a:r>
+            <a:r>
+              <a:rPr lang="en-US" dirty="0" err="1" smtClean="0">
+                <a:solidFill>
+                  <a:schemeClr val="bg1"/>
+                </a:solidFill>
+              </a:rPr>
+              <a:t>quả</a:t>
+            </a:r>
+            <a:r>
+              <a:rPr lang="en-US" dirty="0" smtClean="0">
+                <a:solidFill>
+                  <a:schemeClr val="bg1"/>
+                </a:solidFill>
+              </a:rPr>
+              <a:t> </a:t>
+            </a:r>
+            <a:r>
+              <a:rPr lang="en-US" dirty="0" err="1" smtClean="0">
+                <a:solidFill>
+                  <a:schemeClr val="bg1"/>
+                </a:solidFill>
+              </a:rPr>
+              <a:t>sẽ</a:t>
+            </a:r>
+            <a:r>
+              <a:rPr lang="en-US" dirty="0" smtClean="0">
+                <a:solidFill>
+                  <a:schemeClr val="bg1"/>
+                </a:solidFill>
+              </a:rPr>
+              <a:t> </a:t>
+            </a:r>
+            <a:r>
+              <a:rPr lang="en-US" dirty="0" err="1" smtClean="0">
+                <a:solidFill>
+                  <a:schemeClr val="bg1"/>
+                </a:solidFill>
+              </a:rPr>
+              <a:t>giống</a:t>
+            </a:r>
+            <a:r>
+              <a:rPr lang="en-US" dirty="0" smtClean="0">
+                <a:solidFill>
+                  <a:schemeClr val="bg1"/>
+                </a:solidFill>
+              </a:rPr>
+              <a:t> </a:t>
+            </a:r>
+            <a:r>
+              <a:rPr lang="en-US" dirty="0" err="1" smtClean="0">
+                <a:solidFill>
+                  <a:schemeClr val="bg1"/>
+                </a:solidFill>
+              </a:rPr>
+              <a:t>nhau</a:t>
+            </a:r>
+            <a:r>
+              <a:rPr lang="en-US" dirty="0" smtClean="0">
+                <a:solidFill>
+                  <a:schemeClr val="bg1"/>
+                </a:solidFill>
+              </a:rPr>
+              <a:t> </a:t>
+            </a:r>
+            <a:r>
+              <a:rPr lang="en-US" dirty="0" err="1" smtClean="0">
+                <a:solidFill>
+                  <a:schemeClr val="bg1"/>
+                </a:solidFill>
+              </a:rPr>
+              <a:t>nhưng</a:t>
+            </a:r>
+            <a:r>
+              <a:rPr lang="en-US" dirty="0" smtClean="0">
+                <a:solidFill>
+                  <a:schemeClr val="bg1"/>
+                </a:solidFill>
+              </a:rPr>
+              <a:t> </a:t>
+            </a:r>
+            <a:r>
+              <a:rPr lang="en-US" dirty="0" err="1" smtClean="0">
+                <a:solidFill>
+                  <a:schemeClr val="bg1"/>
+                </a:solidFill>
+              </a:rPr>
+              <a:t>khi</a:t>
+            </a:r>
+            <a:r>
+              <a:rPr lang="en-US" dirty="0" smtClean="0">
+                <a:solidFill>
+                  <a:schemeClr val="bg1"/>
+                </a:solidFill>
+              </a:rPr>
+              <a:t> </a:t>
+            </a:r>
+            <a:r>
+              <a:rPr lang="en-US" dirty="0" err="1" smtClean="0">
+                <a:solidFill>
+                  <a:schemeClr val="bg1"/>
+                </a:solidFill>
+              </a:rPr>
+              <a:t>đổi</a:t>
+            </a:r>
+            <a:r>
+              <a:rPr lang="en-US" dirty="0" smtClean="0">
+                <a:solidFill>
+                  <a:schemeClr val="bg1"/>
+                </a:solidFill>
+              </a:rPr>
+              <a:t> </a:t>
+            </a:r>
+            <a:r>
+              <a:rPr lang="en-US" dirty="0" err="1" smtClean="0">
+                <a:solidFill>
+                  <a:schemeClr val="bg1"/>
+                </a:solidFill>
+              </a:rPr>
+              <a:t>nó</a:t>
+            </a:r>
+            <a:r>
+              <a:rPr lang="en-US" dirty="0" smtClean="0">
+                <a:solidFill>
+                  <a:schemeClr val="bg1"/>
+                </a:solidFill>
+              </a:rPr>
+              <a:t> </a:t>
+            </a:r>
+            <a:r>
+              <a:rPr lang="en-US" dirty="0" err="1" smtClean="0">
+                <a:solidFill>
+                  <a:schemeClr val="bg1"/>
+                </a:solidFill>
+              </a:rPr>
+              <a:t>thì</a:t>
+            </a:r>
+            <a:r>
+              <a:rPr lang="en-US" dirty="0" smtClean="0">
+                <a:solidFill>
+                  <a:schemeClr val="bg1"/>
+                </a:solidFill>
+              </a:rPr>
+              <a:t> </a:t>
+            </a:r>
+            <a:r>
+              <a:rPr lang="en-US" dirty="0" err="1" smtClean="0">
+                <a:solidFill>
+                  <a:schemeClr val="bg1"/>
+                </a:solidFill>
+              </a:rPr>
+              <a:t>kết</a:t>
+            </a:r>
+            <a:r>
+              <a:rPr lang="en-US" dirty="0" smtClean="0">
+                <a:solidFill>
+                  <a:schemeClr val="bg1"/>
+                </a:solidFill>
+              </a:rPr>
+              <a:t> </a:t>
+            </a:r>
+            <a:r>
+              <a:rPr lang="en-US" dirty="0" err="1" smtClean="0">
+                <a:solidFill>
+                  <a:schemeClr val="bg1"/>
+                </a:solidFill>
+              </a:rPr>
+              <a:t>quả</a:t>
+            </a:r>
+            <a:r>
+              <a:rPr lang="en-US" dirty="0" smtClean="0">
+                <a:solidFill>
+                  <a:schemeClr val="bg1"/>
+                </a:solidFill>
+              </a:rPr>
+              <a:t> </a:t>
+            </a:r>
+            <a:r>
+              <a:rPr lang="en-US" dirty="0" err="1" smtClean="0">
+                <a:solidFill>
+                  <a:schemeClr val="bg1"/>
+                </a:solidFill>
+              </a:rPr>
+              <a:t>sẽ</a:t>
+            </a:r>
+            <a:r>
+              <a:rPr lang="en-US" dirty="0" smtClean="0">
+                <a:solidFill>
+                  <a:schemeClr val="bg1"/>
+                </a:solidFill>
+              </a:rPr>
+              <a:t> </a:t>
+            </a:r>
+            <a:r>
+              <a:rPr lang="en-US" dirty="0" err="1" smtClean="0">
+                <a:solidFill>
+                  <a:schemeClr val="bg1"/>
+                </a:solidFill>
+              </a:rPr>
+              <a:t>khác</a:t>
+            </a:r>
+            <a:r>
+              <a:rPr lang="en-US" dirty="0" smtClean="0">
+                <a:solidFill>
+                  <a:schemeClr val="bg1"/>
+                </a:solidFill>
+              </a:rPr>
+              <a:t> </a:t>
+            </a:r>
+            <a:r>
+              <a:rPr lang="en-US" dirty="0" err="1" smtClean="0">
+                <a:solidFill>
+                  <a:schemeClr val="bg1"/>
+                </a:solidFill>
+              </a:rPr>
+              <a:t>nhau</a:t>
+            </a:r>
+            <a:r>
+              <a:rPr lang="en-US" dirty="0" smtClean="0">
+                <a:solidFill>
+                  <a:schemeClr val="bg1"/>
+                </a:solidFill>
+              </a:rPr>
+              <a:t> </a:t>
+            </a:r>
+            <a:r>
+              <a:rPr lang="en-US" dirty="0" err="1" smtClean="0">
+                <a:solidFill>
+                  <a:schemeClr val="bg1"/>
+                </a:solidFill>
+              </a:rPr>
+              <a:t>tốt</a:t>
+            </a:r>
+            <a:r>
+              <a:rPr lang="en-US" dirty="0" smtClean="0">
+                <a:solidFill>
+                  <a:schemeClr val="bg1"/>
+                </a:solidFill>
+              </a:rPr>
+              <a:t> </a:t>
+            </a:r>
+            <a:r>
+              <a:rPr lang="en-US" dirty="0" err="1" smtClean="0">
+                <a:solidFill>
+                  <a:schemeClr val="bg1"/>
+                </a:solidFill>
+              </a:rPr>
+              <a:t>xấu</a:t>
+            </a:r>
+            <a:r>
+              <a:rPr lang="en-US" dirty="0" smtClean="0">
+                <a:solidFill>
+                  <a:schemeClr val="bg1"/>
+                </a:solidFill>
+              </a:rPr>
+              <a:t> </a:t>
+            </a:r>
+            <a:r>
+              <a:rPr lang="en-US" dirty="0" err="1" smtClean="0">
+                <a:solidFill>
+                  <a:schemeClr val="bg1"/>
+                </a:solidFill>
+              </a:rPr>
+              <a:t>tùy</a:t>
+            </a:r>
+            <a:r>
+              <a:rPr lang="en-US" dirty="0" smtClean="0">
+                <a:solidFill>
+                  <a:schemeClr val="bg1"/>
+                </a:solidFill>
+              </a:rPr>
+              <a:t> </a:t>
+            </a:r>
+            <a:r>
+              <a:rPr lang="en-US" dirty="0" err="1" smtClean="0">
+                <a:solidFill>
+                  <a:schemeClr val="bg1"/>
+                </a:solidFill>
+              </a:rPr>
+              <a:t>trường</a:t>
+            </a:r>
+            <a:r>
+              <a:rPr lang="en-US" dirty="0" smtClean="0">
+                <a:solidFill>
+                  <a:schemeClr val="bg1"/>
+                </a:solidFill>
+              </a:rPr>
+              <a:t> </a:t>
+            </a:r>
+            <a:r>
+              <a:rPr lang="en-US" dirty="0" err="1" smtClean="0">
+                <a:solidFill>
+                  <a:schemeClr val="bg1"/>
+                </a:solidFill>
+              </a:rPr>
+              <a:t>hợp</a:t>
+            </a:r>
+            <a:r>
+              <a:rPr lang="en-US" dirty="0" smtClean="0">
+                <a:solidFill>
+                  <a:schemeClr val="bg1"/>
+                </a:solidFill>
+              </a:rPr>
+              <a:t> </a:t>
+            </a:r>
+            <a:r>
+              <a:rPr lang="en-US" dirty="0" err="1" smtClean="0">
+                <a:solidFill>
+                  <a:schemeClr val="bg1"/>
+                </a:solidFill>
+              </a:rPr>
+              <a:t>và</a:t>
+            </a:r>
+            <a:r>
+              <a:rPr lang="en-US" dirty="0" smtClean="0">
+                <a:solidFill>
+                  <a:schemeClr val="bg1"/>
+                </a:solidFill>
+              </a:rPr>
+              <a:t> ta </a:t>
+            </a:r>
+            <a:r>
+              <a:rPr lang="en-US" dirty="0" err="1" smtClean="0">
+                <a:solidFill>
+                  <a:schemeClr val="bg1"/>
+                </a:solidFill>
+              </a:rPr>
+              <a:t>có</a:t>
+            </a:r>
+            <a:r>
+              <a:rPr lang="en-US" dirty="0" smtClean="0">
+                <a:solidFill>
+                  <a:schemeClr val="bg1"/>
+                </a:solidFill>
+              </a:rPr>
+              <a:t> </a:t>
+            </a:r>
+            <a:r>
+              <a:rPr lang="en-US" dirty="0" err="1" smtClean="0">
+                <a:solidFill>
+                  <a:schemeClr val="bg1"/>
+                </a:solidFill>
+              </a:rPr>
+              <a:t>thể</a:t>
+            </a:r>
+            <a:r>
+              <a:rPr lang="en-US" dirty="0" smtClean="0">
+                <a:solidFill>
+                  <a:schemeClr val="bg1"/>
+                </a:solidFill>
+              </a:rPr>
+              <a:t> </a:t>
+            </a:r>
+            <a:r>
+              <a:rPr lang="en-US" dirty="0" err="1" smtClean="0">
+                <a:solidFill>
+                  <a:schemeClr val="bg1"/>
+                </a:solidFill>
+              </a:rPr>
+              <a:t>tiếp</a:t>
+            </a:r>
+            <a:r>
+              <a:rPr lang="en-US" dirty="0" smtClean="0">
+                <a:solidFill>
+                  <a:schemeClr val="bg1"/>
+                </a:solidFill>
+              </a:rPr>
+              <a:t> </a:t>
+            </a:r>
+            <a:r>
+              <a:rPr lang="en-US" dirty="0" err="1" smtClean="0">
+                <a:solidFill>
+                  <a:schemeClr val="bg1"/>
+                </a:solidFill>
+              </a:rPr>
+              <a:t>tục</a:t>
+            </a:r>
+            <a:r>
+              <a:rPr lang="en-US" dirty="0" smtClean="0">
+                <a:solidFill>
+                  <a:schemeClr val="bg1"/>
+                </a:solidFill>
+              </a:rPr>
+              <a:t> </a:t>
+            </a:r>
+            <a:r>
+              <a:rPr lang="en-US" dirty="0" err="1" smtClean="0">
+                <a:solidFill>
+                  <a:schemeClr val="bg1"/>
+                </a:solidFill>
+              </a:rPr>
+              <a:t>sửa</a:t>
+            </a:r>
+            <a:r>
+              <a:rPr lang="en-US" dirty="0" smtClean="0">
+                <a:solidFill>
+                  <a:schemeClr val="bg1"/>
+                </a:solidFill>
+              </a:rPr>
+              <a:t> </a:t>
+            </a:r>
+            <a:r>
+              <a:rPr lang="en-US" dirty="0" err="1" smtClean="0">
+                <a:solidFill>
+                  <a:schemeClr val="bg1"/>
+                </a:solidFill>
+              </a:rPr>
+              <a:t>đổi</a:t>
+            </a:r>
+            <a:r>
+              <a:rPr lang="en-US" dirty="0" smtClean="0">
+                <a:solidFill>
+                  <a:schemeClr val="bg1"/>
+                </a:solidFill>
+              </a:rPr>
+              <a:t> </a:t>
+            </a:r>
+            <a:r>
+              <a:rPr lang="en-US" dirty="0" err="1" smtClean="0">
+                <a:solidFill>
+                  <a:schemeClr val="bg1"/>
+                </a:solidFill>
+              </a:rPr>
+              <a:t>cho</a:t>
+            </a:r>
+            <a:r>
+              <a:rPr lang="en-US" dirty="0" smtClean="0">
+                <a:solidFill>
+                  <a:schemeClr val="bg1"/>
+                </a:solidFill>
+              </a:rPr>
+              <a:t> </a:t>
+            </a:r>
+            <a:r>
+              <a:rPr lang="en-US" dirty="0" err="1" smtClean="0">
+                <a:solidFill>
+                  <a:schemeClr val="bg1"/>
+                </a:solidFill>
+              </a:rPr>
+              <a:t>đến</a:t>
+            </a:r>
+            <a:r>
+              <a:rPr lang="en-US" dirty="0" smtClean="0">
+                <a:solidFill>
+                  <a:schemeClr val="bg1"/>
+                </a:solidFill>
+              </a:rPr>
+              <a:t> </a:t>
+            </a:r>
+            <a:r>
+              <a:rPr lang="en-US" dirty="0" err="1" smtClean="0">
+                <a:solidFill>
+                  <a:schemeClr val="bg1"/>
+                </a:solidFill>
+              </a:rPr>
+              <a:t>khi</a:t>
+            </a:r>
+            <a:r>
+              <a:rPr lang="en-US" dirty="0" smtClean="0">
+                <a:solidFill>
+                  <a:schemeClr val="bg1"/>
+                </a:solidFill>
+              </a:rPr>
+              <a:t> </a:t>
+            </a:r>
+            <a:r>
+              <a:rPr lang="en-US" dirty="0" err="1" smtClean="0">
+                <a:solidFill>
+                  <a:schemeClr val="bg1"/>
+                </a:solidFill>
+              </a:rPr>
+              <a:t>đạt</a:t>
+            </a:r>
+            <a:r>
+              <a:rPr lang="en-US" dirty="0" smtClean="0">
+                <a:solidFill>
+                  <a:schemeClr val="bg1"/>
+                </a:solidFill>
+              </a:rPr>
+              <a:t> </a:t>
+            </a:r>
+            <a:r>
+              <a:rPr lang="en-US" dirty="0" err="1" smtClean="0">
+                <a:solidFill>
+                  <a:schemeClr val="bg1"/>
+                </a:solidFill>
+              </a:rPr>
+              <a:t>đến</a:t>
+            </a:r>
+            <a:r>
+              <a:rPr lang="en-US" dirty="0" smtClean="0">
+                <a:solidFill>
+                  <a:schemeClr val="bg1"/>
+                </a:solidFill>
+              </a:rPr>
+              <a:t> </a:t>
+            </a:r>
+            <a:r>
+              <a:rPr lang="en-US" dirty="0" err="1" smtClean="0">
+                <a:solidFill>
+                  <a:schemeClr val="bg1"/>
+                </a:solidFill>
+              </a:rPr>
+              <a:t>ngưỡng</a:t>
+            </a:r>
+            <a:r>
+              <a:rPr lang="en-US" dirty="0" smtClean="0">
+                <a:solidFill>
+                  <a:schemeClr val="bg1"/>
+                </a:solidFill>
+              </a:rPr>
+              <a:t> </a:t>
+            </a:r>
+            <a:r>
+              <a:rPr lang="en-US" dirty="0" err="1" smtClean="0">
+                <a:solidFill>
+                  <a:schemeClr val="bg1"/>
+                </a:solidFill>
+              </a:rPr>
+              <a:t>mà</a:t>
+            </a:r>
+            <a:r>
+              <a:rPr lang="en-US" dirty="0" smtClean="0">
+                <a:solidFill>
+                  <a:schemeClr val="bg1"/>
+                </a:solidFill>
+              </a:rPr>
+              <a:t> ta </a:t>
+            </a:r>
+            <a:r>
+              <a:rPr lang="en-US" dirty="0" err="1" smtClean="0">
+                <a:solidFill>
+                  <a:schemeClr val="bg1"/>
+                </a:solidFill>
+              </a:rPr>
+              <a:t>mong</a:t>
+            </a:r>
+            <a:r>
+              <a:rPr lang="en-US" dirty="0" smtClean="0">
+                <a:solidFill>
+                  <a:schemeClr val="bg1"/>
+                </a:solidFill>
+              </a:rPr>
+              <a:t> </a:t>
+            </a:r>
+            <a:r>
+              <a:rPr lang="en-US" dirty="0" err="1" smtClean="0">
+                <a:solidFill>
+                  <a:schemeClr val="bg1"/>
+                </a:solidFill>
+              </a:rPr>
+              <a:t>muốn</a:t>
+            </a:r>
+            <a:r>
+              <a:rPr lang="en-US" dirty="0" smtClean="0">
+                <a:solidFill>
+                  <a:schemeClr val="bg1"/>
+                </a:solidFill>
+              </a:rPr>
+              <a:t>.</a:t>
+            </a:r>
+          </a:p>
+          <a:p>
+            <a:r>
+              <a:rPr lang="en-US" dirty="0" err="1" smtClean="0">
+                <a:solidFill>
+                  <a:schemeClr val="bg1"/>
+                </a:solidFill>
+              </a:rPr>
+              <a:t>Nếu</a:t>
+            </a:r>
+            <a:r>
+              <a:rPr lang="en-US" dirty="0" smtClean="0">
+                <a:solidFill>
+                  <a:schemeClr val="bg1"/>
+                </a:solidFill>
+              </a:rPr>
+              <a:t> </a:t>
+            </a:r>
+            <a:r>
+              <a:rPr lang="en-US" dirty="0" err="1" smtClean="0">
+                <a:solidFill>
+                  <a:schemeClr val="bg1"/>
+                </a:solidFill>
+              </a:rPr>
+              <a:t>không</a:t>
+            </a:r>
+            <a:r>
+              <a:rPr lang="en-US" dirty="0" smtClean="0">
+                <a:solidFill>
+                  <a:schemeClr val="bg1"/>
+                </a:solidFill>
+              </a:rPr>
+              <a:t> </a:t>
+            </a:r>
+            <a:r>
+              <a:rPr lang="en-US" dirty="0" err="1" smtClean="0">
+                <a:solidFill>
+                  <a:schemeClr val="bg1"/>
+                </a:solidFill>
+              </a:rPr>
+              <a:t>có</a:t>
+            </a:r>
+            <a:r>
+              <a:rPr lang="en-US" dirty="0" smtClean="0">
+                <a:solidFill>
+                  <a:schemeClr val="bg1"/>
+                </a:solidFill>
+              </a:rPr>
+              <a:t> </a:t>
+            </a:r>
+            <a:r>
+              <a:rPr lang="en-US" dirty="0" err="1">
+                <a:solidFill>
+                  <a:schemeClr val="bg1"/>
+                </a:solidFill>
+              </a:rPr>
+              <a:t>ramdom</a:t>
+            </a:r>
+            <a:r>
+              <a:rPr lang="en-US" dirty="0">
+                <a:solidFill>
+                  <a:schemeClr val="bg1"/>
+                </a:solidFill>
+              </a:rPr>
+              <a:t> </a:t>
+            </a:r>
+            <a:r>
+              <a:rPr lang="en-US" dirty="0" smtClean="0">
+                <a:solidFill>
+                  <a:schemeClr val="bg1"/>
+                </a:solidFill>
+              </a:rPr>
+              <a:t>state </a:t>
+            </a:r>
+            <a:r>
+              <a:rPr lang="en-US" dirty="0" err="1" smtClean="0">
+                <a:solidFill>
+                  <a:schemeClr val="bg1"/>
+                </a:solidFill>
+              </a:rPr>
+              <a:t>thì</a:t>
+            </a:r>
+            <a:r>
+              <a:rPr lang="en-US" dirty="0" smtClean="0">
+                <a:solidFill>
+                  <a:schemeClr val="bg1"/>
+                </a:solidFill>
+              </a:rPr>
+              <a:t> </a:t>
+            </a:r>
+            <a:r>
+              <a:rPr lang="en-US" dirty="0" err="1" smtClean="0">
+                <a:solidFill>
+                  <a:schemeClr val="bg1"/>
+                </a:solidFill>
+              </a:rPr>
+              <a:t>hệ</a:t>
+            </a:r>
+            <a:r>
+              <a:rPr lang="en-US" dirty="0" smtClean="0">
+                <a:solidFill>
+                  <a:schemeClr val="bg1"/>
+                </a:solidFill>
+              </a:rPr>
+              <a:t> </a:t>
+            </a:r>
+            <a:r>
+              <a:rPr lang="en-US" dirty="0" err="1" smtClean="0">
+                <a:solidFill>
+                  <a:schemeClr val="bg1"/>
+                </a:solidFill>
+              </a:rPr>
+              <a:t>thống</a:t>
+            </a:r>
+            <a:r>
+              <a:rPr lang="en-US" dirty="0" smtClean="0">
+                <a:solidFill>
+                  <a:schemeClr val="bg1"/>
+                </a:solidFill>
+              </a:rPr>
+              <a:t> </a:t>
+            </a:r>
+            <a:r>
+              <a:rPr lang="en-US" dirty="0" err="1" smtClean="0">
+                <a:solidFill>
+                  <a:schemeClr val="bg1"/>
+                </a:solidFill>
+              </a:rPr>
+              <a:t>sẽ</a:t>
+            </a:r>
+            <a:r>
+              <a:rPr lang="en-US" dirty="0" smtClean="0">
+                <a:solidFill>
+                  <a:schemeClr val="bg1"/>
+                </a:solidFill>
+              </a:rPr>
+              <a:t> </a:t>
+            </a:r>
+            <a:r>
+              <a:rPr lang="en-US" dirty="0" err="1" smtClean="0">
+                <a:solidFill>
+                  <a:schemeClr val="bg1"/>
+                </a:solidFill>
+              </a:rPr>
+              <a:t>tạo</a:t>
+            </a:r>
+            <a:r>
+              <a:rPr lang="en-US" dirty="0" smtClean="0">
+                <a:solidFill>
+                  <a:schemeClr val="bg1"/>
+                </a:solidFill>
+              </a:rPr>
+              <a:t> </a:t>
+            </a:r>
+            <a:r>
+              <a:rPr lang="en-US" dirty="0" err="1" smtClean="0">
+                <a:solidFill>
+                  <a:schemeClr val="bg1"/>
+                </a:solidFill>
+              </a:rPr>
+              <a:t>mặc</a:t>
+            </a:r>
+            <a:r>
+              <a:rPr lang="en-US" dirty="0" smtClean="0">
+                <a:solidFill>
+                  <a:schemeClr val="bg1"/>
+                </a:solidFill>
+              </a:rPr>
+              <a:t> </a:t>
+            </a:r>
+            <a:r>
+              <a:rPr lang="en-US" dirty="0" err="1" smtClean="0">
+                <a:solidFill>
+                  <a:schemeClr val="bg1"/>
+                </a:solidFill>
+              </a:rPr>
+              <a:t>định</a:t>
+            </a:r>
+            <a:r>
+              <a:rPr lang="en-US" dirty="0" smtClean="0">
+                <a:solidFill>
+                  <a:schemeClr val="bg1"/>
+                </a:solidFill>
+              </a:rPr>
+              <a:t>. </a:t>
+            </a:r>
+            <a:r>
+              <a:rPr lang="en-US" dirty="0" err="1" smtClean="0">
+                <a:solidFill>
+                  <a:schemeClr val="bg1"/>
+                </a:solidFill>
+              </a:rPr>
+              <a:t>Nên</a:t>
+            </a:r>
+            <a:r>
+              <a:rPr lang="en-US" dirty="0" smtClean="0">
+                <a:solidFill>
+                  <a:schemeClr val="bg1"/>
+                </a:solidFill>
+              </a:rPr>
+              <a:t> </a:t>
+            </a:r>
+            <a:r>
+              <a:rPr lang="en-US" dirty="0" err="1" smtClean="0">
+                <a:solidFill>
+                  <a:schemeClr val="bg1"/>
+                </a:solidFill>
+              </a:rPr>
+              <a:t>khi</a:t>
+            </a:r>
+            <a:r>
+              <a:rPr lang="en-US" dirty="0" smtClean="0">
+                <a:solidFill>
+                  <a:schemeClr val="bg1"/>
+                </a:solidFill>
+              </a:rPr>
+              <a:t> </a:t>
+            </a:r>
+            <a:r>
+              <a:rPr lang="en-US" dirty="0" err="1" smtClean="0">
+                <a:solidFill>
+                  <a:schemeClr val="bg1"/>
+                </a:solidFill>
+              </a:rPr>
+              <a:t>chạy</a:t>
+            </a:r>
+            <a:r>
+              <a:rPr lang="en-US" dirty="0" smtClean="0">
+                <a:solidFill>
+                  <a:schemeClr val="bg1"/>
+                </a:solidFill>
+              </a:rPr>
+              <a:t> </a:t>
+            </a:r>
+            <a:r>
+              <a:rPr lang="en-US" dirty="0" err="1" smtClean="0">
+                <a:solidFill>
+                  <a:schemeClr val="bg1"/>
+                </a:solidFill>
+              </a:rPr>
+              <a:t>nhiều</a:t>
+            </a:r>
+            <a:r>
+              <a:rPr lang="en-US" dirty="0" smtClean="0">
+                <a:solidFill>
+                  <a:schemeClr val="bg1"/>
+                </a:solidFill>
+              </a:rPr>
+              <a:t> </a:t>
+            </a:r>
+            <a:r>
+              <a:rPr lang="en-US" dirty="0" err="1" smtClean="0">
+                <a:solidFill>
+                  <a:schemeClr val="bg1"/>
+                </a:solidFill>
+              </a:rPr>
+              <a:t>lần</a:t>
+            </a:r>
+            <a:r>
+              <a:rPr lang="en-US" dirty="0" smtClean="0">
+                <a:solidFill>
+                  <a:schemeClr val="bg1"/>
+                </a:solidFill>
+              </a:rPr>
+              <a:t> </a:t>
+            </a:r>
+            <a:r>
+              <a:rPr lang="en-US" dirty="0" err="1" smtClean="0">
+                <a:solidFill>
+                  <a:schemeClr val="bg1"/>
+                </a:solidFill>
+              </a:rPr>
+              <a:t>thì</a:t>
+            </a:r>
+            <a:r>
+              <a:rPr lang="en-US" dirty="0" smtClean="0">
+                <a:solidFill>
+                  <a:schemeClr val="bg1"/>
+                </a:solidFill>
+              </a:rPr>
+              <a:t> </a:t>
+            </a:r>
+            <a:r>
+              <a:rPr lang="en-US" dirty="0" err="1" smtClean="0">
+                <a:solidFill>
+                  <a:schemeClr val="bg1"/>
+                </a:solidFill>
+              </a:rPr>
+              <a:t>kết</a:t>
+            </a:r>
+            <a:r>
+              <a:rPr lang="en-US" dirty="0" smtClean="0">
+                <a:solidFill>
+                  <a:schemeClr val="bg1"/>
+                </a:solidFill>
+              </a:rPr>
+              <a:t> </a:t>
+            </a:r>
+            <a:r>
+              <a:rPr lang="en-US" dirty="0" err="1" smtClean="0">
+                <a:solidFill>
+                  <a:schemeClr val="bg1"/>
+                </a:solidFill>
+              </a:rPr>
+              <a:t>quả</a:t>
+            </a:r>
+            <a:r>
+              <a:rPr lang="en-US" dirty="0" smtClean="0">
+                <a:solidFill>
+                  <a:schemeClr val="bg1"/>
+                </a:solidFill>
+              </a:rPr>
+              <a:t> </a:t>
+            </a:r>
+            <a:r>
+              <a:rPr lang="en-US" dirty="0" err="1" smtClean="0">
+                <a:solidFill>
+                  <a:schemeClr val="bg1"/>
+                </a:solidFill>
+              </a:rPr>
+              <a:t>cho</a:t>
+            </a:r>
+            <a:r>
+              <a:rPr lang="en-US" dirty="0" smtClean="0">
+                <a:solidFill>
+                  <a:schemeClr val="bg1"/>
+                </a:solidFill>
+              </a:rPr>
+              <a:t> </a:t>
+            </a:r>
+            <a:r>
+              <a:rPr lang="en-US" dirty="0" err="1" smtClean="0">
+                <a:solidFill>
+                  <a:schemeClr val="bg1"/>
+                </a:solidFill>
+              </a:rPr>
+              <a:t>ra</a:t>
+            </a:r>
+            <a:r>
+              <a:rPr lang="en-US" dirty="0" smtClean="0">
+                <a:solidFill>
+                  <a:schemeClr val="bg1"/>
+                </a:solidFill>
+              </a:rPr>
+              <a:t> </a:t>
+            </a:r>
+            <a:r>
+              <a:rPr lang="en-US" dirty="0" err="1" smtClean="0">
+                <a:solidFill>
+                  <a:schemeClr val="bg1"/>
+                </a:solidFill>
+              </a:rPr>
+              <a:t>sẽ</a:t>
+            </a:r>
+            <a:r>
+              <a:rPr lang="en-US" dirty="0" smtClean="0">
+                <a:solidFill>
+                  <a:schemeClr val="bg1"/>
+                </a:solidFill>
+              </a:rPr>
+              <a:t> </a:t>
+            </a:r>
+            <a:r>
+              <a:rPr lang="en-US" dirty="0" err="1" smtClean="0">
+                <a:solidFill>
+                  <a:schemeClr val="bg1"/>
+                </a:solidFill>
+              </a:rPr>
+              <a:t>khác</a:t>
+            </a:r>
+            <a:r>
+              <a:rPr lang="en-US" dirty="0" smtClean="0">
+                <a:solidFill>
+                  <a:schemeClr val="bg1"/>
+                </a:solidFill>
+              </a:rPr>
+              <a:t> </a:t>
+            </a:r>
+            <a:r>
+              <a:rPr lang="en-US" dirty="0" err="1" smtClean="0">
+                <a:solidFill>
+                  <a:schemeClr val="bg1"/>
+                </a:solidFill>
+              </a:rPr>
+              <a:t>nhau</a:t>
+            </a:r>
+            <a:r>
+              <a:rPr lang="en-US" dirty="0" smtClean="0">
+                <a:solidFill>
+                  <a:schemeClr val="bg1"/>
+                </a:solidFill>
+              </a:rPr>
+              <a:t> </a:t>
+            </a:r>
+            <a:r>
+              <a:rPr lang="en-US" dirty="0" err="1" smtClean="0">
+                <a:solidFill>
+                  <a:schemeClr val="bg1"/>
+                </a:solidFill>
+              </a:rPr>
+              <a:t>nên</a:t>
+            </a:r>
+            <a:r>
+              <a:rPr lang="en-US" dirty="0" smtClean="0">
+                <a:solidFill>
+                  <a:schemeClr val="bg1"/>
+                </a:solidFill>
+              </a:rPr>
+              <a:t> </a:t>
+            </a:r>
+            <a:r>
+              <a:rPr lang="en-US" dirty="0" err="1" smtClean="0">
+                <a:solidFill>
+                  <a:schemeClr val="bg1"/>
+                </a:solidFill>
+              </a:rPr>
+              <a:t>sẽ</a:t>
+            </a:r>
+            <a:r>
+              <a:rPr lang="en-US" dirty="0" smtClean="0">
+                <a:solidFill>
+                  <a:schemeClr val="bg1"/>
+                </a:solidFill>
+              </a:rPr>
+              <a:t> </a:t>
+            </a:r>
+            <a:r>
+              <a:rPr lang="en-US" dirty="0" err="1" smtClean="0">
+                <a:solidFill>
+                  <a:schemeClr val="bg1"/>
+                </a:solidFill>
+              </a:rPr>
+              <a:t>rất</a:t>
+            </a:r>
+            <a:r>
+              <a:rPr lang="en-US" dirty="0" smtClean="0">
+                <a:solidFill>
+                  <a:schemeClr val="bg1"/>
+                </a:solidFill>
+              </a:rPr>
+              <a:t> </a:t>
+            </a:r>
+            <a:r>
+              <a:rPr lang="en-US" dirty="0" err="1" smtClean="0">
+                <a:solidFill>
+                  <a:schemeClr val="bg1"/>
+                </a:solidFill>
+              </a:rPr>
+              <a:t>khó</a:t>
+            </a:r>
+            <a:r>
+              <a:rPr lang="en-US" dirty="0" smtClean="0">
+                <a:solidFill>
+                  <a:schemeClr val="bg1"/>
+                </a:solidFill>
+              </a:rPr>
+              <a:t> </a:t>
+            </a:r>
+            <a:r>
+              <a:rPr lang="en-US" dirty="0" err="1" smtClean="0">
+                <a:solidFill>
+                  <a:schemeClr val="bg1"/>
+                </a:solidFill>
+              </a:rPr>
+              <a:t>để</a:t>
+            </a:r>
+            <a:r>
+              <a:rPr lang="en-US" dirty="0" smtClean="0">
+                <a:solidFill>
+                  <a:schemeClr val="bg1"/>
+                </a:solidFill>
+              </a:rPr>
+              <a:t> </a:t>
+            </a:r>
+            <a:r>
+              <a:rPr lang="en-US" dirty="0" err="1" smtClean="0">
+                <a:solidFill>
+                  <a:schemeClr val="bg1"/>
+                </a:solidFill>
+              </a:rPr>
+              <a:t>quản</a:t>
+            </a:r>
+            <a:r>
+              <a:rPr lang="en-US" dirty="0" smtClean="0">
+                <a:solidFill>
+                  <a:schemeClr val="bg1"/>
+                </a:solidFill>
+              </a:rPr>
+              <a:t> </a:t>
+            </a:r>
+            <a:r>
+              <a:rPr lang="en-US" dirty="0" err="1" smtClean="0">
+                <a:solidFill>
+                  <a:schemeClr val="bg1"/>
+                </a:solidFill>
+              </a:rPr>
+              <a:t>lý</a:t>
+            </a:r>
+            <a:r>
+              <a:rPr lang="en-US" dirty="0" smtClean="0">
+                <a:solidFill>
+                  <a:schemeClr val="bg1"/>
+                </a:solidFill>
+              </a:rPr>
+              <a:t> </a:t>
+            </a:r>
+            <a:r>
+              <a:rPr lang="en-US" dirty="0" err="1" smtClean="0">
+                <a:solidFill>
+                  <a:schemeClr val="bg1"/>
+                </a:solidFill>
+              </a:rPr>
+              <a:t>mô</a:t>
+            </a:r>
+            <a:r>
+              <a:rPr lang="en-US" dirty="0" smtClean="0">
+                <a:solidFill>
+                  <a:schemeClr val="bg1"/>
+                </a:solidFill>
+              </a:rPr>
+              <a:t> </a:t>
+            </a:r>
+            <a:r>
+              <a:rPr lang="en-US" dirty="0" err="1" smtClean="0">
+                <a:solidFill>
+                  <a:schemeClr val="bg1"/>
+                </a:solidFill>
+              </a:rPr>
+              <a:t>hình</a:t>
+            </a:r>
+            <a:r>
+              <a:rPr lang="en-US" dirty="0" smtClean="0">
+                <a:solidFill>
+                  <a:schemeClr val="bg1"/>
+                </a:solidFill>
+              </a:rPr>
+              <a:t> </a:t>
+            </a:r>
+            <a:r>
+              <a:rPr lang="en-US" dirty="0" err="1" smtClean="0">
+                <a:solidFill>
+                  <a:schemeClr val="bg1"/>
+                </a:solidFill>
+              </a:rPr>
+              <a:t>của</a:t>
+            </a:r>
+            <a:r>
+              <a:rPr lang="en-US" dirty="0" smtClean="0">
+                <a:solidFill>
+                  <a:schemeClr val="bg1"/>
+                </a:solidFill>
+              </a:rPr>
+              <a:t> </a:t>
+            </a:r>
+            <a:r>
+              <a:rPr lang="en-US" dirty="0" err="1" smtClean="0">
+                <a:solidFill>
+                  <a:schemeClr val="bg1"/>
+                </a:solidFill>
+              </a:rPr>
+              <a:t>mình</a:t>
+            </a:r>
+            <a:r>
+              <a:rPr lang="en-US" dirty="0" smtClean="0">
+                <a:solidFill>
+                  <a:schemeClr val="bg1"/>
+                </a:solidFill>
+              </a:rPr>
+              <a:t> </a:t>
+            </a:r>
+            <a:r>
+              <a:rPr lang="en-US" dirty="0" err="1" smtClean="0">
+                <a:solidFill>
+                  <a:schemeClr val="bg1"/>
+                </a:solidFill>
+              </a:rPr>
+              <a:t>nên</a:t>
+            </a:r>
+            <a:r>
+              <a:rPr lang="en-US" dirty="0" smtClean="0">
+                <a:solidFill>
+                  <a:schemeClr val="bg1"/>
+                </a:solidFill>
+              </a:rPr>
+              <a:t> </a:t>
+            </a:r>
+            <a:r>
+              <a:rPr lang="en-US" dirty="0" err="1" smtClean="0">
+                <a:solidFill>
+                  <a:schemeClr val="bg1"/>
+                </a:solidFill>
+              </a:rPr>
+              <a:t>khi</a:t>
+            </a:r>
+            <a:r>
+              <a:rPr lang="en-US" dirty="0" smtClean="0">
+                <a:solidFill>
+                  <a:schemeClr val="bg1"/>
+                </a:solidFill>
+              </a:rPr>
+              <a:t> </a:t>
+            </a:r>
+            <a:r>
+              <a:rPr lang="en-US" dirty="0" err="1" smtClean="0">
+                <a:solidFill>
+                  <a:schemeClr val="bg1"/>
+                </a:solidFill>
+              </a:rPr>
+              <a:t>có</a:t>
+            </a:r>
+            <a:r>
+              <a:rPr lang="en-US" dirty="0">
+                <a:solidFill>
+                  <a:schemeClr val="bg1"/>
+                </a:solidFill>
+              </a:rPr>
+              <a:t> </a:t>
+            </a:r>
+            <a:r>
+              <a:rPr lang="en-US" dirty="0" err="1" smtClean="0">
+                <a:solidFill>
+                  <a:schemeClr val="bg1"/>
+                </a:solidFill>
+              </a:rPr>
+              <a:t>vấn</a:t>
+            </a:r>
+            <a:r>
+              <a:rPr lang="en-US" dirty="0" smtClean="0">
+                <a:solidFill>
+                  <a:schemeClr val="bg1"/>
+                </a:solidFill>
+              </a:rPr>
+              <a:t> </a:t>
+            </a:r>
+            <a:r>
+              <a:rPr lang="en-US" dirty="0" err="1" smtClean="0">
+                <a:solidFill>
+                  <a:schemeClr val="bg1"/>
+                </a:solidFill>
+              </a:rPr>
+              <a:t>đề</a:t>
+            </a:r>
+            <a:r>
+              <a:rPr lang="en-US" dirty="0" smtClean="0">
+                <a:solidFill>
+                  <a:schemeClr val="bg1"/>
+                </a:solidFill>
+              </a:rPr>
+              <a:t> </a:t>
+            </a:r>
+            <a:r>
+              <a:rPr lang="en-US" dirty="0" err="1" smtClean="0">
+                <a:solidFill>
+                  <a:schemeClr val="bg1"/>
+                </a:solidFill>
+              </a:rPr>
+              <a:t>với</a:t>
+            </a:r>
+            <a:r>
+              <a:rPr lang="en-US" dirty="0" smtClean="0">
+                <a:solidFill>
+                  <a:schemeClr val="bg1"/>
+                </a:solidFill>
+              </a:rPr>
+              <a:t> </a:t>
+            </a:r>
+            <a:r>
+              <a:rPr lang="en-US" dirty="0" err="1" smtClean="0">
+                <a:solidFill>
+                  <a:schemeClr val="bg1"/>
+                </a:solidFill>
+              </a:rPr>
+              <a:t>mô</a:t>
+            </a:r>
+            <a:r>
+              <a:rPr lang="en-US" dirty="0" smtClean="0">
+                <a:solidFill>
+                  <a:schemeClr val="bg1"/>
+                </a:solidFill>
+              </a:rPr>
+              <a:t> </a:t>
+            </a:r>
+            <a:r>
+              <a:rPr lang="en-US" dirty="0" err="1" smtClean="0">
+                <a:solidFill>
+                  <a:schemeClr val="bg1"/>
+                </a:solidFill>
+              </a:rPr>
+              <a:t>hình</a:t>
+            </a:r>
+            <a:r>
+              <a:rPr lang="en-US" dirty="0" smtClean="0">
+                <a:solidFill>
+                  <a:schemeClr val="bg1"/>
+                </a:solidFill>
+              </a:rPr>
+              <a:t> </a:t>
+            </a:r>
+            <a:r>
+              <a:rPr lang="en-US" dirty="0" err="1" smtClean="0">
+                <a:solidFill>
+                  <a:schemeClr val="bg1"/>
+                </a:solidFill>
+              </a:rPr>
+              <a:t>thì</a:t>
+            </a:r>
+            <a:r>
+              <a:rPr lang="en-US" dirty="0" smtClean="0">
+                <a:solidFill>
+                  <a:schemeClr val="bg1"/>
+                </a:solidFill>
+              </a:rPr>
+              <a:t> </a:t>
+            </a:r>
+            <a:r>
+              <a:rPr lang="en-US" dirty="0" err="1" smtClean="0">
+                <a:solidFill>
+                  <a:schemeClr val="bg1"/>
+                </a:solidFill>
+              </a:rPr>
+              <a:t>không</a:t>
+            </a:r>
+            <a:r>
+              <a:rPr lang="en-US" dirty="0" smtClean="0">
+                <a:solidFill>
+                  <a:schemeClr val="bg1"/>
+                </a:solidFill>
+              </a:rPr>
+              <a:t> </a:t>
+            </a:r>
+            <a:r>
+              <a:rPr lang="en-US" dirty="0" err="1" smtClean="0">
+                <a:solidFill>
+                  <a:schemeClr val="bg1"/>
+                </a:solidFill>
+              </a:rPr>
+              <a:t>thể</a:t>
+            </a:r>
+            <a:r>
+              <a:rPr lang="en-US" dirty="0" smtClean="0">
+                <a:solidFill>
+                  <a:schemeClr val="bg1"/>
+                </a:solidFill>
+              </a:rPr>
+              <a:t> </a:t>
+            </a:r>
+            <a:r>
+              <a:rPr lang="en-US" dirty="0" err="1" smtClean="0">
+                <a:solidFill>
+                  <a:schemeClr val="bg1"/>
+                </a:solidFill>
+              </a:rPr>
+              <a:t>tạo</a:t>
+            </a:r>
+            <a:r>
+              <a:rPr lang="en-US" dirty="0" smtClean="0">
+                <a:solidFill>
+                  <a:schemeClr val="bg1"/>
+                </a:solidFill>
+              </a:rPr>
+              <a:t> </a:t>
+            </a:r>
+            <a:r>
+              <a:rPr lang="en-US" dirty="0" err="1" smtClean="0">
+                <a:solidFill>
+                  <a:schemeClr val="bg1"/>
+                </a:solidFill>
+              </a:rPr>
+              <a:t>lại</a:t>
+            </a:r>
+            <a:r>
+              <a:rPr lang="en-US" dirty="0" smtClean="0">
+                <a:solidFill>
+                  <a:schemeClr val="bg1"/>
+                </a:solidFill>
+              </a:rPr>
+              <a:t> </a:t>
+            </a:r>
+            <a:r>
+              <a:rPr lang="en-US" dirty="0" err="1" smtClean="0">
+                <a:solidFill>
+                  <a:schemeClr val="bg1"/>
+                </a:solidFill>
+              </a:rPr>
+              <a:t>vì</a:t>
+            </a:r>
+            <a:r>
+              <a:rPr lang="en-US" dirty="0" smtClean="0">
+                <a:solidFill>
+                  <a:schemeClr val="bg1"/>
+                </a:solidFill>
+              </a:rPr>
+              <a:t> </a:t>
+            </a:r>
+            <a:r>
+              <a:rPr lang="en-US" dirty="0" err="1" smtClean="0">
+                <a:solidFill>
+                  <a:schemeClr val="bg1"/>
+                </a:solidFill>
+              </a:rPr>
+              <a:t>ko</a:t>
+            </a:r>
+            <a:r>
+              <a:rPr lang="en-US" dirty="0" smtClean="0">
+                <a:solidFill>
+                  <a:schemeClr val="bg1"/>
+                </a:solidFill>
+              </a:rPr>
+              <a:t> </a:t>
+            </a:r>
+            <a:r>
+              <a:rPr lang="en-US" dirty="0" err="1" smtClean="0">
+                <a:solidFill>
+                  <a:schemeClr val="bg1"/>
+                </a:solidFill>
+              </a:rPr>
+              <a:t>biết</a:t>
+            </a:r>
+            <a:r>
+              <a:rPr lang="en-US" dirty="0" smtClean="0">
+                <a:solidFill>
+                  <a:schemeClr val="bg1"/>
+                </a:solidFill>
+              </a:rPr>
+              <a:t> </a:t>
+            </a:r>
+            <a:r>
+              <a:rPr lang="en-US" dirty="0" err="1" smtClean="0">
+                <a:solidFill>
+                  <a:schemeClr val="bg1"/>
+                </a:solidFill>
+              </a:rPr>
+              <a:t>hệ</a:t>
+            </a:r>
+            <a:r>
+              <a:rPr lang="en-US" dirty="0" smtClean="0">
+                <a:solidFill>
+                  <a:schemeClr val="bg1"/>
+                </a:solidFill>
+              </a:rPr>
+              <a:t> </a:t>
+            </a:r>
+            <a:r>
+              <a:rPr lang="en-US" dirty="0" err="1" smtClean="0">
+                <a:solidFill>
+                  <a:schemeClr val="bg1"/>
+                </a:solidFill>
+              </a:rPr>
+              <a:t>số</a:t>
+            </a:r>
+            <a:r>
+              <a:rPr lang="en-US" dirty="0" smtClean="0">
+                <a:solidFill>
+                  <a:schemeClr val="bg1"/>
+                </a:solidFill>
+              </a:rPr>
+              <a:t> </a:t>
+            </a:r>
+            <a:r>
+              <a:rPr lang="en-US" dirty="0" err="1">
+                <a:solidFill>
+                  <a:schemeClr val="bg1"/>
+                </a:solidFill>
+              </a:rPr>
+              <a:t>ramdom</a:t>
+            </a:r>
+            <a:r>
+              <a:rPr lang="en-US" dirty="0">
+                <a:solidFill>
+                  <a:schemeClr val="bg1"/>
+                </a:solidFill>
+              </a:rPr>
+              <a:t> </a:t>
+            </a:r>
+            <a:r>
+              <a:rPr lang="en-US" dirty="0" smtClean="0">
+                <a:solidFill>
+                  <a:schemeClr val="bg1"/>
+                </a:solidFill>
+              </a:rPr>
+              <a:t>state </a:t>
+            </a:r>
+            <a:r>
+              <a:rPr lang="en-US" dirty="0" err="1" smtClean="0">
+                <a:solidFill>
+                  <a:schemeClr val="bg1"/>
+                </a:solidFill>
+              </a:rPr>
+              <a:t>là</a:t>
+            </a:r>
+            <a:r>
+              <a:rPr lang="en-US" dirty="0" smtClean="0">
+                <a:solidFill>
+                  <a:schemeClr val="bg1"/>
+                </a:solidFill>
+              </a:rPr>
+              <a:t> </a:t>
+            </a:r>
+            <a:r>
+              <a:rPr lang="en-US" dirty="0" err="1" smtClean="0">
+                <a:solidFill>
+                  <a:schemeClr val="bg1"/>
+                </a:solidFill>
+              </a:rPr>
+              <a:t>bao</a:t>
+            </a:r>
+            <a:r>
+              <a:rPr lang="en-US" dirty="0" smtClean="0">
+                <a:solidFill>
+                  <a:schemeClr val="bg1"/>
+                </a:solidFill>
+              </a:rPr>
+              <a:t> </a:t>
+            </a:r>
+            <a:r>
+              <a:rPr lang="en-US" dirty="0" err="1" smtClean="0">
+                <a:solidFill>
+                  <a:schemeClr val="bg1"/>
+                </a:solidFill>
+              </a:rPr>
+              <a:t>nhiêu</a:t>
+            </a:r>
+            <a:r>
+              <a:rPr lang="en-US" dirty="0" smtClean="0">
+                <a:solidFill>
+                  <a:schemeClr val="bg1"/>
+                </a:solidFill>
+              </a:rPr>
+              <a:t>.</a:t>
+            </a:r>
+            <a:endParaRPr lang="en-US" dirty="0">
+              <a:solidFill>
+                <a:schemeClr val="bg1"/>
+              </a:solidFill>
+            </a:endParaRPr>
+          </a:p>
+        </p:txBody>
+      </p:sp>
+      <p:sp>
+        <p:nvSpPr>
+          <p:cNvPr id="6" name="TextBox 5"/>
+          <p:cNvSpPr txBox="1"/>
+          <p:nvPr/>
+        </p:nvSpPr>
+        <p:spPr>
+          <a:xfrm>
+            <a:off x="484529" y="697352"/>
+            <a:ext cx="2130724" cy="400110"/>
+          </a:xfrm>
+          <a:prstGeom prst="rect">
+            <a:avLst/>
+          </a:prstGeom>
+          <a:noFill/>
+        </p:spPr>
+        <p:txBody>
+          <a:bodyPr wrap="square" rtlCol="0">
+            <a:spAutoFit/>
+          </a:bodyPr>
+          <a:lstStyle/>
+          <a:p>
+            <a:r>
+              <a:rPr lang="en-US" sz="2000" dirty="0" err="1" smtClean="0">
+                <a:solidFill>
+                  <a:schemeClr val="bg1"/>
+                </a:solidFill>
+              </a:rPr>
+              <a:t>Ramdom</a:t>
+            </a:r>
+            <a:r>
+              <a:rPr lang="en-US" sz="2000" dirty="0" smtClean="0">
+                <a:solidFill>
+                  <a:schemeClr val="bg1"/>
+                </a:solidFill>
+              </a:rPr>
+              <a:t> State</a:t>
+            </a:r>
+            <a:endParaRPr lang="en-US" sz="2000" dirty="0"/>
+          </a:p>
+        </p:txBody>
+      </p:sp>
+    </p:spTree>
+    <p:extLst>
+      <p:ext uri="{BB962C8B-B14F-4D97-AF65-F5344CB8AC3E}">
+        <p14:creationId xmlns:p14="http://schemas.microsoft.com/office/powerpoint/2010/main" val="807822918"/>
+      </p:ext>
+    </p:extLst>
+  </p:cSld>
+  <p:clrMapOvr>
+    <a:masterClrMapping/>
+  </p:clrMapOvr>
+</p:sld>
+</file>
+
+<file path=ppt/slides/slide13.xml><?xml version="1.0" encoding="utf-8"?>
+<p:sld xmlns:a="http://schemas.openxmlformats.org/drawingml/2006/main" xmlns:r="http://schemas.openxmlformats.org/officeDocument/2006/relationships" xmlns:p="http://schemas.openxmlformats.org/presentationml/2006/main">
+  <p:cSld>
+    <p:spTree>
+      <p:nvGrpSpPr>
+        <p:cNvPr id="1" name=""/>
+        <p:cNvGrpSpPr/>
+        <p:nvPr/>
+      </p:nvGrpSpPr>
+      <p:grpSpPr>
+        <a:xfrm>
+          <a:off x="0" y="0"/>
+          <a:ext cx="0" cy="0"/>
+          <a:chOff x="0" y="0"/>
+          <a:chExt cx="0" cy="0"/>
+        </a:xfrm>
+      </p:grpSpPr>
+      <p:sp>
+        <p:nvSpPr>
+          <p:cNvPr id="2" name="Title 1"/>
+          <p:cNvSpPr>
+            <a:spLocks noGrp="1"/>
+          </p:cNvSpPr>
+          <p:nvPr>
+            <p:ph type="ctrTitle"/>
+          </p:nvPr>
+        </p:nvSpPr>
+        <p:spPr/>
+        <p:txBody>
+          <a:bodyPr/>
+          <a:lstStyle/>
+          <a:p>
+            <a:endParaRPr lang="en-US"/>
+          </a:p>
+        </p:txBody>
+      </p:sp>
+      <p:sp>
+        <p:nvSpPr>
+          <p:cNvPr id="3" name="Subtitle 2"/>
+          <p:cNvSpPr>
+            <a:spLocks noGrp="1"/>
+          </p:cNvSpPr>
+          <p:nvPr>
+            <p:ph type="subTitle" idx="1"/>
+          </p:nvPr>
+        </p:nvSpPr>
+        <p:spPr/>
+        <p:txBody>
+          <a:bodyPr/>
+          <a:lstStyle/>
+          <a:p>
+            <a:endParaRPr lang="en-US"/>
+          </a:p>
+        </p:txBody>
+      </p:sp>
+      <p:sp>
+        <p:nvSpPr>
+          <p:cNvPr id="4" name="TextBox 3"/>
+          <p:cNvSpPr txBox="1"/>
+          <p:nvPr/>
+        </p:nvSpPr>
+        <p:spPr>
+          <a:xfrm>
+            <a:off x="1187011" y="1657264"/>
+            <a:ext cx="5081798" cy="1384995"/>
+          </a:xfrm>
+          <a:prstGeom prst="rect">
+            <a:avLst/>
+          </a:prstGeom>
+          <a:noFill/>
+        </p:spPr>
+        <p:txBody>
+          <a:bodyPr wrap="square" rtlCol="0">
+            <a:spAutoFit/>
+          </a:bodyPr>
+          <a:lstStyle/>
+          <a:p>
+            <a:r>
+              <a:rPr lang="en-US" dirty="0" err="1" smtClean="0"/>
+              <a:t>Khi</a:t>
+            </a:r>
+            <a:r>
+              <a:rPr lang="en-US" dirty="0" smtClean="0"/>
+              <a:t> predict </a:t>
+            </a:r>
+            <a:r>
+              <a:rPr lang="en-US" dirty="0" err="1" smtClean="0"/>
+              <a:t>thì</a:t>
+            </a:r>
+            <a:r>
+              <a:rPr lang="en-US" dirty="0" smtClean="0"/>
+              <a:t> </a:t>
+            </a:r>
+            <a:r>
+              <a:rPr lang="en-US" dirty="0" err="1" smtClean="0"/>
+              <a:t>vì</a:t>
+            </a:r>
+            <a:r>
+              <a:rPr lang="en-US" dirty="0" smtClean="0"/>
+              <a:t> </a:t>
+            </a:r>
+            <a:r>
+              <a:rPr lang="en-US" dirty="0" err="1" smtClean="0"/>
+              <a:t>dữ</a:t>
+            </a:r>
+            <a:r>
+              <a:rPr lang="en-US" dirty="0" smtClean="0"/>
+              <a:t> </a:t>
+            </a:r>
+            <a:r>
+              <a:rPr lang="en-US" dirty="0" err="1" smtClean="0"/>
+              <a:t>liệu</a:t>
+            </a:r>
+            <a:r>
+              <a:rPr lang="en-US" dirty="0" smtClean="0"/>
+              <a:t> </a:t>
+            </a:r>
+            <a:r>
+              <a:rPr lang="en-US" dirty="0" err="1" smtClean="0"/>
+              <a:t>quá</a:t>
+            </a:r>
+            <a:r>
+              <a:rPr lang="en-US" dirty="0" smtClean="0"/>
+              <a:t> </a:t>
+            </a:r>
+            <a:r>
+              <a:rPr lang="en-US" dirty="0" err="1" smtClean="0"/>
+              <a:t>lớn</a:t>
+            </a:r>
+            <a:r>
+              <a:rPr lang="en-US" dirty="0" smtClean="0"/>
+              <a:t> </a:t>
+            </a:r>
+            <a:r>
+              <a:rPr lang="en-US" dirty="0" err="1" smtClean="0"/>
+              <a:t>nên</a:t>
+            </a:r>
+            <a:r>
+              <a:rPr lang="en-US" dirty="0" smtClean="0"/>
+              <a:t> </a:t>
+            </a:r>
+            <a:r>
+              <a:rPr lang="en-US" dirty="0" err="1" smtClean="0"/>
+              <a:t>thời</a:t>
+            </a:r>
+            <a:r>
+              <a:rPr lang="en-US" dirty="0" smtClean="0"/>
+              <a:t> </a:t>
+            </a:r>
+            <a:r>
+              <a:rPr lang="en-US" dirty="0" err="1" smtClean="0"/>
+              <a:t>gian</a:t>
+            </a:r>
+            <a:r>
+              <a:rPr lang="en-US" dirty="0" smtClean="0"/>
+              <a:t> </a:t>
+            </a:r>
+            <a:r>
+              <a:rPr lang="en-US" dirty="0" err="1" smtClean="0"/>
+              <a:t>chạy</a:t>
+            </a:r>
+            <a:r>
+              <a:rPr lang="en-US" dirty="0" smtClean="0"/>
+              <a:t> </a:t>
+            </a:r>
+            <a:r>
+              <a:rPr lang="en-US" dirty="0" err="1" smtClean="0"/>
+              <a:t>rất</a:t>
+            </a:r>
+            <a:r>
+              <a:rPr lang="en-US" dirty="0" smtClean="0"/>
+              <a:t> </a:t>
+            </a:r>
+            <a:r>
+              <a:rPr lang="en-US" dirty="0" err="1" smtClean="0"/>
+              <a:t>là</a:t>
+            </a:r>
+            <a:r>
+              <a:rPr lang="en-US" dirty="0" smtClean="0"/>
+              <a:t> </a:t>
+            </a:r>
+            <a:r>
+              <a:rPr lang="en-US" dirty="0" err="1" smtClean="0"/>
+              <a:t>lâu</a:t>
+            </a:r>
+            <a:r>
+              <a:rPr lang="en-US" dirty="0" smtClean="0"/>
+              <a:t> </a:t>
+            </a:r>
+            <a:r>
+              <a:rPr lang="en-US" dirty="0" err="1" smtClean="0"/>
+              <a:t>cách</a:t>
+            </a:r>
+            <a:r>
+              <a:rPr lang="en-US" dirty="0" smtClean="0"/>
+              <a:t> </a:t>
+            </a:r>
+            <a:r>
+              <a:rPr lang="en-US" dirty="0" err="1" smtClean="0"/>
+              <a:t>để</a:t>
+            </a:r>
+            <a:r>
+              <a:rPr lang="en-US" dirty="0" smtClean="0"/>
+              <a:t> </a:t>
+            </a:r>
+            <a:r>
+              <a:rPr lang="en-US" dirty="0" err="1" smtClean="0"/>
+              <a:t>khắc</a:t>
+            </a:r>
+            <a:r>
+              <a:rPr lang="en-US" dirty="0" smtClean="0"/>
+              <a:t> </a:t>
+            </a:r>
+            <a:r>
+              <a:rPr lang="en-US" dirty="0" err="1" smtClean="0"/>
+              <a:t>phục</a:t>
+            </a:r>
+            <a:r>
+              <a:rPr lang="en-US" dirty="0" smtClean="0"/>
+              <a:t> </a:t>
+            </a:r>
+            <a:r>
+              <a:rPr lang="en-US" dirty="0" err="1" smtClean="0"/>
+              <a:t>là</a:t>
+            </a:r>
+            <a:r>
+              <a:rPr lang="en-US" dirty="0" smtClean="0"/>
+              <a:t> </a:t>
+            </a:r>
+            <a:r>
+              <a:rPr lang="en-US" dirty="0" err="1" smtClean="0"/>
+              <a:t>ntn</a:t>
+            </a:r>
+            <a:r>
+              <a:rPr lang="en-US" dirty="0" smtClean="0"/>
+              <a:t> ?</a:t>
+            </a:r>
+          </a:p>
+          <a:p>
+            <a:endParaRPr lang="en-US" dirty="0"/>
+          </a:p>
+          <a:p>
+            <a:r>
+              <a:rPr lang="en-US" dirty="0" err="1" smtClean="0"/>
+              <a:t>Khi</a:t>
+            </a:r>
+            <a:r>
+              <a:rPr lang="en-US" dirty="0" smtClean="0"/>
+              <a:t> </a:t>
+            </a:r>
+            <a:r>
+              <a:rPr lang="en-US" dirty="0" err="1" smtClean="0"/>
+              <a:t>dự</a:t>
+            </a:r>
+            <a:r>
+              <a:rPr lang="en-US" dirty="0" smtClean="0"/>
+              <a:t> </a:t>
+            </a:r>
+            <a:r>
+              <a:rPr lang="en-US" dirty="0" err="1" smtClean="0"/>
+              <a:t>đoán</a:t>
+            </a:r>
+            <a:r>
+              <a:rPr lang="en-US" dirty="0" smtClean="0"/>
+              <a:t> </a:t>
+            </a:r>
+            <a:r>
+              <a:rPr lang="en-US" dirty="0" err="1" smtClean="0"/>
+              <a:t>xong</a:t>
+            </a:r>
+            <a:r>
+              <a:rPr lang="en-US" dirty="0" smtClean="0"/>
+              <a:t> </a:t>
+            </a:r>
+            <a:r>
+              <a:rPr lang="en-US" dirty="0" err="1" smtClean="0"/>
+              <a:t>thì</a:t>
+            </a:r>
+            <a:r>
+              <a:rPr lang="en-US" dirty="0" smtClean="0"/>
+              <a:t> </a:t>
+            </a:r>
+            <a:r>
+              <a:rPr lang="en-US" dirty="0" err="1" smtClean="0"/>
+              <a:t>muốn</a:t>
+            </a:r>
+            <a:r>
+              <a:rPr lang="en-US" dirty="0" smtClean="0"/>
+              <a:t> </a:t>
+            </a:r>
+            <a:r>
+              <a:rPr lang="en-US" dirty="0" err="1" smtClean="0"/>
+              <a:t>xuất</a:t>
+            </a:r>
+            <a:r>
+              <a:rPr lang="en-US" dirty="0" smtClean="0"/>
+              <a:t> </a:t>
+            </a:r>
+            <a:r>
+              <a:rPr lang="en-US" dirty="0" err="1" smtClean="0"/>
+              <a:t>ra</a:t>
+            </a:r>
+            <a:r>
+              <a:rPr lang="en-US" dirty="0" smtClean="0"/>
+              <a:t> </a:t>
+            </a:r>
+            <a:r>
+              <a:rPr lang="en-US" dirty="0" err="1" smtClean="0"/>
+              <a:t>toán</a:t>
+            </a:r>
+            <a:r>
+              <a:rPr lang="en-US" dirty="0" smtClean="0"/>
+              <a:t> </a:t>
+            </a:r>
+            <a:r>
+              <a:rPr lang="en-US" dirty="0" err="1" smtClean="0"/>
+              <a:t>bộ</a:t>
+            </a:r>
+            <a:r>
+              <a:rPr lang="en-US" dirty="0" smtClean="0"/>
+              <a:t> </a:t>
+            </a:r>
+            <a:r>
+              <a:rPr lang="en-US" dirty="0" err="1" smtClean="0"/>
+              <a:t>dự</a:t>
+            </a:r>
+            <a:r>
+              <a:rPr lang="en-US" dirty="0" smtClean="0"/>
+              <a:t> </a:t>
+            </a:r>
+            <a:r>
+              <a:rPr lang="en-US" dirty="0" err="1" smtClean="0"/>
+              <a:t>đoán</a:t>
+            </a:r>
+            <a:r>
+              <a:rPr lang="en-US" dirty="0" smtClean="0"/>
+              <a:t> </a:t>
+            </a:r>
+            <a:r>
+              <a:rPr lang="en-US" dirty="0" err="1" smtClean="0"/>
+              <a:t>của</a:t>
+            </a:r>
+            <a:r>
+              <a:rPr lang="en-US" dirty="0" smtClean="0"/>
+              <a:t> </a:t>
+            </a:r>
+            <a:r>
+              <a:rPr lang="en-US" dirty="0" err="1" smtClean="0"/>
+              <a:t>y_predict</a:t>
+            </a:r>
+            <a:r>
+              <a:rPr lang="en-US" dirty="0" smtClean="0"/>
+              <a:t> </a:t>
+            </a:r>
+            <a:r>
+              <a:rPr lang="en-US" dirty="0" err="1" smtClean="0"/>
+              <a:t>thì</a:t>
+            </a:r>
+            <a:r>
+              <a:rPr lang="en-US" dirty="0" smtClean="0"/>
+              <a:t> </a:t>
+            </a:r>
+            <a:r>
+              <a:rPr lang="en-US" dirty="0" err="1" smtClean="0"/>
+              <a:t>chỉ</a:t>
+            </a:r>
+            <a:r>
+              <a:rPr lang="en-US" dirty="0" smtClean="0"/>
+              <a:t> </a:t>
+            </a:r>
+            <a:r>
+              <a:rPr lang="en-US" dirty="0" err="1" smtClean="0"/>
+              <a:t>hiện</a:t>
+            </a:r>
+            <a:r>
+              <a:rPr lang="en-US" dirty="0" smtClean="0"/>
+              <a:t> 1000 </a:t>
+            </a:r>
+            <a:r>
+              <a:rPr lang="en-US" dirty="0" err="1" smtClean="0"/>
+              <a:t>dữ</a:t>
+            </a:r>
+            <a:r>
+              <a:rPr lang="en-US" dirty="0" smtClean="0"/>
+              <a:t> </a:t>
+            </a:r>
+            <a:r>
+              <a:rPr lang="en-US" dirty="0" err="1" smtClean="0"/>
+              <a:t>liệu</a:t>
+            </a:r>
+            <a:r>
+              <a:rPr lang="en-US" dirty="0" smtClean="0"/>
+              <a:t>  </a:t>
+            </a:r>
+            <a:endParaRPr lang="en-US" dirty="0"/>
+          </a:p>
+          <a:p>
+            <a:endParaRPr lang="en-US" dirty="0"/>
+          </a:p>
+        </p:txBody>
+      </p:sp>
+    </p:spTree>
+    <p:extLst>
+      <p:ext uri="{BB962C8B-B14F-4D97-AF65-F5344CB8AC3E}">
+        <p14:creationId xmlns:p14="http://schemas.microsoft.com/office/powerpoint/2010/main" val="3267528797"/>
+      </p:ext>
+    </p:extLst>
+  </p:cSld>
+  <p:clrMapOvr>
+    <a:masterClrMapping/>
+  </p:clrMapOvr>
+</p:sld>
+</file>
+
+<file path=ppt/slides/slide14.xml><?xml version="1.0" encoding="utf-8"?>
+<p:sld xmlns:a="http://schemas.openxmlformats.org/drawingml/2006/main" xmlns:r="http://schemas.openxmlformats.org/officeDocument/2006/relationships" xmlns:p="http://schemas.openxmlformats.org/presentationml/2006/main">
+  <p:cSld>
+    <p:spTree>
+      <p:nvGrpSpPr>
+        <p:cNvPr id="1" name=""/>
+        <p:cNvGrpSpPr/>
+        <p:nvPr/>
+      </p:nvGrpSpPr>
+      <p:grpSpPr>
+        <a:xfrm>
+          <a:off x="0" y="0"/>
+          <a:ext cx="0" cy="0"/>
+          <a:chOff x="0" y="0"/>
+          <a:chExt cx="0" cy="0"/>
+        </a:xfrm>
+      </p:grpSpPr>
+      <p:sp>
+        <p:nvSpPr>
+          <p:cNvPr id="2" name="Title 1"/>
+          <p:cNvSpPr>
+            <a:spLocks noGrp="1"/>
+          </p:cNvSpPr>
+          <p:nvPr>
+            <p:ph type="ctrTitle"/>
+          </p:nvPr>
+        </p:nvSpPr>
+        <p:spPr/>
+        <p:txBody>
+          <a:bodyPr/>
+          <a:lstStyle/>
+          <a:p>
+            <a:endParaRPr lang="en-US"/>
+          </a:p>
+        </p:txBody>
+      </p:sp>
+      <p:sp>
+        <p:nvSpPr>
+          <p:cNvPr id="3" name="Subtitle 2"/>
+          <p:cNvSpPr>
+            <a:spLocks noGrp="1"/>
+          </p:cNvSpPr>
+          <p:nvPr>
+            <p:ph type="subTitle" idx="1"/>
+          </p:nvPr>
+        </p:nvSpPr>
+        <p:spPr/>
+        <p:txBody>
+          <a:bodyPr/>
+          <a:lstStyle/>
+          <a:p>
+            <a:endParaRPr lang="en-US"/>
+          </a:p>
+        </p:txBody>
+      </p:sp>
+      <p:sp>
+        <p:nvSpPr>
+          <p:cNvPr id="4" name="TextBox 3"/>
+          <p:cNvSpPr txBox="1"/>
+          <p:nvPr/>
+        </p:nvSpPr>
+        <p:spPr>
+          <a:xfrm>
+            <a:off x="404601" y="590719"/>
+            <a:ext cx="5308376" cy="523220"/>
+          </a:xfrm>
+          <a:prstGeom prst="rect">
+            <a:avLst/>
+          </a:prstGeom>
+          <a:noFill/>
+        </p:spPr>
+        <p:txBody>
+          <a:bodyPr wrap="square" rtlCol="0">
+            <a:spAutoFit/>
+          </a:bodyPr>
+          <a:lstStyle/>
+          <a:p>
+            <a:r>
+              <a:rPr lang="en-US" sz="2800" dirty="0">
+                <a:solidFill>
+                  <a:srgbClr val="FFC000"/>
+                </a:solidFill>
+              </a:rPr>
+              <a:t>cross-validation</a:t>
+            </a:r>
+          </a:p>
+        </p:txBody>
+      </p:sp>
+    </p:spTree>
+    <p:extLst>
+      <p:ext uri="{BB962C8B-B14F-4D97-AF65-F5344CB8AC3E}">
+        <p14:creationId xmlns:p14="http://schemas.microsoft.com/office/powerpoint/2010/main" val="2063245158"/>
+      </p:ext>
+    </p:extLst>
+  </p:cSld>
+  <p:clrMapOvr>
+    <a:masterClrMapping/>
+  </p:clrMapOvr>
+</p:sld>
+</file>
+
+<file path=ppt/slides/slide15.xml><?xml version="1.0" encoding="utf-8"?>
+<p:sld xmlns:a="http://schemas.openxmlformats.org/drawingml/2006/main" xmlns:r="http://schemas.openxmlformats.org/officeDocument/2006/relationships" xmlns:p="http://schemas.openxmlformats.org/presentationml/2006/main">
+  <p:cSld>
+    <p:spTree>
+      <p:nvGrpSpPr>
+        <p:cNvPr id="1" name=""/>
+        <p:cNvGrpSpPr/>
+        <p:nvPr/>
+      </p:nvGrpSpPr>
+      <p:grpSpPr>
+        <a:xfrm>
+          <a:off x="0" y="0"/>
+          <a:ext cx="0" cy="0"/>
+          <a:chOff x="0" y="0"/>
+          <a:chExt cx="0" cy="0"/>
+        </a:xfrm>
+      </p:grpSpPr>
+      <p:grpSp>
+        <p:nvGrpSpPr>
+          <p:cNvPr id="8" name="Group 7"/>
+          <p:cNvGrpSpPr/>
+          <p:nvPr/>
+        </p:nvGrpSpPr>
+        <p:grpSpPr>
+          <a:xfrm>
+            <a:off x="2119942" y="1108677"/>
+            <a:ext cx="5454050" cy="4558917"/>
+            <a:chOff x="1688621" y="1525360"/>
+            <a:chExt cx="5454050" cy="4558917"/>
+          </a:xfrm>
+        </p:grpSpPr>
+        <p:pic>
+          <p:nvPicPr>
+            <p:cNvPr id="1028" name="Picture 4" descr="Test versus reality stock illustration. Illustration of result - 90726328"/>
+            <p:cNvPicPr>
+              <a:picLocks noChangeAspect="1" noChangeArrowheads="1"/>
+            </p:cNvPicPr>
+            <p:nvPr/>
+          </p:nvPicPr>
+          <p:blipFill rotWithShape="1">
+            <a:blip r:embed="rId2">
+              <a:extLst>
+                <a:ext uri="{28A0092B-C50C-407E-A947-70E740481C1C}">
+                  <a14:useLocalDpi xmlns:a14="http://schemas.microsoft.com/office/drawing/2010/main" val="0"/>
+                </a:ext>
+              </a:extLst>
+            </a:blip>
+            <a:srcRect l="26202" t="16861" r="1345" b="8055"/>
+            <a:stretch/>
+          </p:blipFill>
+          <p:spPr bwMode="auto">
+            <a:xfrm>
+              <a:off x="3314700" y="2233246"/>
+              <a:ext cx="3827971" cy="3851031"/>
+            </a:xfrm>
+            <a:prstGeom prst="rect">
+              <a:avLst/>
+            </a:prstGeom>
+            <a:noFill/>
+            <a:extLst>
+              <a:ext uri="{909E8E84-426E-40DD-AFC4-6F175D3DCCD1}">
+                <a14:hiddenFill xmlns:a14="http://schemas.microsoft.com/office/drawing/2010/main">
+                  <a:solidFill>
+                    <a:srgbClr val="FFFFFF"/>
+                  </a:solidFill>
+                </a14:hiddenFill>
+              </a:ext>
+            </a:extLst>
+          </p:spPr>
+        </p:pic>
+        <p:sp>
+          <p:nvSpPr>
+            <p:cNvPr id="5" name="TextBox 4"/>
+            <p:cNvSpPr txBox="1"/>
+            <p:nvPr/>
+          </p:nvSpPr>
+          <p:spPr>
+            <a:xfrm>
+              <a:off x="1688621" y="2832058"/>
+              <a:ext cx="1565030" cy="646331"/>
+            </a:xfrm>
+            <a:prstGeom prst="rect">
+              <a:avLst/>
+            </a:prstGeom>
+            <a:noFill/>
+          </p:spPr>
+          <p:txBody>
+            <a:bodyPr wrap="square" rtlCol="0">
+              <a:spAutoFit/>
+            </a:bodyPr>
+            <a:lstStyle/>
+            <a:p>
+              <a:pPr algn="ctr"/>
+              <a:r>
+                <a:rPr lang="en-US" sz="1800" dirty="0" err="1" smtClean="0">
+                  <a:solidFill>
+                    <a:schemeClr val="bg1"/>
+                  </a:solidFill>
+                </a:rPr>
+                <a:t>Thực</a:t>
+              </a:r>
+              <a:r>
+                <a:rPr lang="en-US" sz="1800" dirty="0" smtClean="0">
+                  <a:solidFill>
+                    <a:schemeClr val="bg1"/>
+                  </a:solidFill>
+                </a:rPr>
+                <a:t> </a:t>
+              </a:r>
+              <a:r>
+                <a:rPr lang="en-US" sz="1800" dirty="0" err="1" smtClean="0">
+                  <a:solidFill>
+                    <a:schemeClr val="bg1"/>
+                  </a:solidFill>
+                </a:rPr>
+                <a:t>sự</a:t>
+              </a:r>
+              <a:r>
+                <a:rPr lang="en-US" sz="1800" dirty="0" smtClean="0">
+                  <a:solidFill>
+                    <a:schemeClr val="bg1"/>
+                  </a:solidFill>
+                </a:rPr>
+                <a:t> </a:t>
+              </a:r>
+              <a:r>
+                <a:rPr lang="en-US" sz="1800" dirty="0" err="1" smtClean="0">
+                  <a:solidFill>
+                    <a:schemeClr val="bg1"/>
+                  </a:solidFill>
+                </a:rPr>
+                <a:t>đúng</a:t>
+              </a:r>
+              <a:endParaRPr lang="en-US" sz="1800" dirty="0">
+                <a:solidFill>
+                  <a:schemeClr val="bg1"/>
+                </a:solidFill>
+              </a:endParaRPr>
+            </a:p>
+          </p:txBody>
+        </p:sp>
+        <p:sp>
+          <p:nvSpPr>
+            <p:cNvPr id="6" name="TextBox 5"/>
+            <p:cNvSpPr txBox="1"/>
+            <p:nvPr/>
+          </p:nvSpPr>
+          <p:spPr>
+            <a:xfrm>
+              <a:off x="1883047" y="4635794"/>
+              <a:ext cx="1370604" cy="646331"/>
+            </a:xfrm>
+            <a:prstGeom prst="rect">
+              <a:avLst/>
+            </a:prstGeom>
+            <a:noFill/>
+          </p:spPr>
+          <p:txBody>
+            <a:bodyPr wrap="square" rtlCol="0">
+              <a:spAutoFit/>
+            </a:bodyPr>
+            <a:lstStyle/>
+            <a:p>
+              <a:pPr algn="ctr"/>
+              <a:r>
+                <a:rPr lang="en-US" sz="1800" dirty="0" err="1" smtClean="0">
+                  <a:solidFill>
+                    <a:schemeClr val="bg1"/>
+                  </a:solidFill>
+                </a:rPr>
+                <a:t>Thực</a:t>
+              </a:r>
+              <a:r>
+                <a:rPr lang="en-US" sz="1800" dirty="0" smtClean="0">
+                  <a:solidFill>
+                    <a:schemeClr val="bg1"/>
+                  </a:solidFill>
+                </a:rPr>
+                <a:t> </a:t>
+              </a:r>
+              <a:r>
+                <a:rPr lang="en-US" sz="1800" dirty="0" err="1" smtClean="0">
+                  <a:solidFill>
+                    <a:schemeClr val="bg1"/>
+                  </a:solidFill>
+                </a:rPr>
+                <a:t>sự</a:t>
+              </a:r>
+              <a:r>
+                <a:rPr lang="en-US" sz="1800" dirty="0" smtClean="0">
+                  <a:solidFill>
+                    <a:schemeClr val="bg1"/>
+                  </a:solidFill>
+                </a:rPr>
+                <a:t> </a:t>
+              </a:r>
+              <a:r>
+                <a:rPr lang="en-US" sz="1800" dirty="0" err="1" smtClean="0">
+                  <a:solidFill>
+                    <a:schemeClr val="bg1"/>
+                  </a:solidFill>
+                </a:rPr>
+                <a:t>sai</a:t>
+              </a:r>
+              <a:endParaRPr lang="en-US" sz="1800" dirty="0">
+                <a:solidFill>
+                  <a:schemeClr val="bg1"/>
+                </a:solidFill>
+              </a:endParaRPr>
+            </a:p>
+          </p:txBody>
+        </p:sp>
+        <p:sp>
+          <p:nvSpPr>
+            <p:cNvPr id="7" name="TextBox 6"/>
+            <p:cNvSpPr txBox="1"/>
+            <p:nvPr/>
+          </p:nvSpPr>
+          <p:spPr>
+            <a:xfrm>
+              <a:off x="3381555" y="1586915"/>
+              <a:ext cx="1380226" cy="646331"/>
+            </a:xfrm>
+            <a:prstGeom prst="rect">
+              <a:avLst/>
+            </a:prstGeom>
+            <a:noFill/>
+          </p:spPr>
+          <p:txBody>
+            <a:bodyPr wrap="square" rtlCol="0">
+              <a:spAutoFit/>
+            </a:bodyPr>
+            <a:lstStyle/>
+            <a:p>
+              <a:pPr algn="ctr"/>
+              <a:r>
+                <a:rPr lang="en-US" sz="1800" dirty="0" err="1" smtClean="0">
+                  <a:solidFill>
+                    <a:schemeClr val="bg1"/>
+                  </a:solidFill>
+                </a:rPr>
+                <a:t>Dự</a:t>
+              </a:r>
+              <a:r>
+                <a:rPr lang="en-US" sz="1800" dirty="0" smtClean="0">
+                  <a:solidFill>
+                    <a:schemeClr val="bg1"/>
+                  </a:solidFill>
+                </a:rPr>
+                <a:t> </a:t>
+              </a:r>
+              <a:r>
+                <a:rPr lang="en-US" sz="1800" dirty="0" err="1" smtClean="0">
+                  <a:solidFill>
+                    <a:schemeClr val="bg1"/>
+                  </a:solidFill>
+                </a:rPr>
+                <a:t>đoán</a:t>
+              </a:r>
+              <a:r>
+                <a:rPr lang="en-US" sz="1800" dirty="0" smtClean="0">
+                  <a:solidFill>
+                    <a:schemeClr val="bg1"/>
+                  </a:solidFill>
+                </a:rPr>
+                <a:t> </a:t>
+              </a:r>
+              <a:r>
+                <a:rPr lang="en-US" sz="1800" dirty="0" err="1" smtClean="0">
+                  <a:solidFill>
+                    <a:schemeClr val="bg1"/>
+                  </a:solidFill>
+                </a:rPr>
+                <a:t>đúng</a:t>
+              </a:r>
+              <a:endParaRPr lang="en-US" sz="1800" dirty="0">
+                <a:solidFill>
+                  <a:schemeClr val="bg1"/>
+                </a:solidFill>
+              </a:endParaRPr>
+            </a:p>
+          </p:txBody>
+        </p:sp>
+        <p:sp>
+          <p:nvSpPr>
+            <p:cNvPr id="10" name="TextBox 9"/>
+            <p:cNvSpPr txBox="1"/>
+            <p:nvPr/>
+          </p:nvSpPr>
+          <p:spPr>
+            <a:xfrm>
+              <a:off x="5486401" y="1525360"/>
+              <a:ext cx="1509622" cy="707886"/>
+            </a:xfrm>
+            <a:prstGeom prst="rect">
+              <a:avLst/>
+            </a:prstGeom>
+            <a:noFill/>
+          </p:spPr>
+          <p:txBody>
+            <a:bodyPr wrap="square" rtlCol="0">
+              <a:spAutoFit/>
+            </a:bodyPr>
+            <a:lstStyle/>
+            <a:p>
+              <a:pPr algn="ctr"/>
+              <a:r>
+                <a:rPr lang="en-US" sz="2000" dirty="0" err="1" smtClean="0">
+                  <a:solidFill>
+                    <a:schemeClr val="bg1"/>
+                  </a:solidFill>
+                </a:rPr>
+                <a:t>Dự</a:t>
+              </a:r>
+              <a:r>
+                <a:rPr lang="en-US" sz="2000" dirty="0" smtClean="0">
+                  <a:solidFill>
+                    <a:schemeClr val="bg1"/>
+                  </a:solidFill>
+                </a:rPr>
+                <a:t> </a:t>
+              </a:r>
+              <a:r>
+                <a:rPr lang="en-US" sz="2000" dirty="0" err="1" smtClean="0">
+                  <a:solidFill>
+                    <a:schemeClr val="bg1"/>
+                  </a:solidFill>
+                </a:rPr>
+                <a:t>đoán</a:t>
+              </a:r>
+              <a:r>
+                <a:rPr lang="en-US" sz="2000" dirty="0" smtClean="0">
+                  <a:solidFill>
+                    <a:schemeClr val="bg1"/>
+                  </a:solidFill>
+                </a:rPr>
+                <a:t> </a:t>
+              </a:r>
+              <a:r>
+                <a:rPr lang="en-US" sz="2000" dirty="0" err="1" smtClean="0">
+                  <a:solidFill>
+                    <a:schemeClr val="bg1"/>
+                  </a:solidFill>
+                </a:rPr>
+                <a:t>sai</a:t>
+              </a:r>
+              <a:endParaRPr lang="en-US" sz="2000" dirty="0">
+                <a:solidFill>
+                  <a:schemeClr val="bg1"/>
+                </a:solidFill>
+              </a:endParaRPr>
+            </a:p>
+          </p:txBody>
+        </p:sp>
+      </p:grpSp>
+    </p:spTree>
+    <p:extLst>
+      <p:ext uri="{BB962C8B-B14F-4D97-AF65-F5344CB8AC3E}">
+        <p14:creationId xmlns:p14="http://schemas.microsoft.com/office/powerpoint/2010/main" val="3043319041"/>
+      </p:ext>
+    </p:extLst>
+  </p:cSld>
+  <p:clrMapOvr>
+    <a:masterClrMapping/>
+  </p:clrMapOvr>
+</p:sld>
+</file>
+
+<file path=ppt/slides/slide16.xml><?xml version="1.0" encoding="utf-8"?>
+<p:sld xmlns:a="http://schemas.openxmlformats.org/drawingml/2006/main" xmlns:r="http://schemas.openxmlformats.org/officeDocument/2006/relationships" xmlns:p="http://schemas.openxmlformats.org/presentationml/2006/main">
+  <p:cSld>
+    <p:spTree>
+      <p:nvGrpSpPr>
+        <p:cNvPr id="1" name=""/>
+        <p:cNvGrpSpPr/>
+        <p:nvPr/>
+      </p:nvGrpSpPr>
+      <p:grpSpPr>
+        <a:xfrm>
+          <a:off x="0" y="0"/>
+          <a:ext cx="0" cy="0"/>
+          <a:chOff x="0" y="0"/>
+          <a:chExt cx="0" cy="0"/>
+        </a:xfrm>
+      </p:grpSpPr>
+      <p:sp>
+        <p:nvSpPr>
+          <p:cNvPr id="2" name="Title 1"/>
+          <p:cNvSpPr>
+            <a:spLocks noGrp="1"/>
+          </p:cNvSpPr>
+          <p:nvPr>
+            <p:ph type="ctrTitle"/>
+          </p:nvPr>
+        </p:nvSpPr>
+        <p:spPr/>
+        <p:txBody>
+          <a:bodyPr/>
+          <a:lstStyle/>
+          <a:p>
+            <a:endParaRPr lang="en-US"/>
+          </a:p>
+        </p:txBody>
+      </p:sp>
+      <p:sp>
+        <p:nvSpPr>
+          <p:cNvPr id="3" name="Subtitle 2"/>
+          <p:cNvSpPr>
+            <a:spLocks noGrp="1"/>
+          </p:cNvSpPr>
+          <p:nvPr>
+            <p:ph type="subTitle" idx="1"/>
+          </p:nvPr>
+        </p:nvSpPr>
+        <p:spPr/>
+        <p:txBody>
+          <a:bodyPr/>
+          <a:lstStyle/>
+          <a:p>
+            <a:endParaRPr lang="en-US"/>
+          </a:p>
+        </p:txBody>
+      </p:sp>
+      <p:sp>
+        <p:nvSpPr>
+          <p:cNvPr id="5" name="TextBox 4"/>
+          <p:cNvSpPr txBox="1"/>
+          <p:nvPr/>
+        </p:nvSpPr>
+        <p:spPr>
+          <a:xfrm>
+            <a:off x="1466490" y="2449902"/>
+            <a:ext cx="6875253" cy="1815882"/>
+          </a:xfrm>
+          <a:prstGeom prst="rect">
+            <a:avLst/>
+          </a:prstGeom>
+          <a:noFill/>
+        </p:spPr>
+        <p:txBody>
+          <a:bodyPr wrap="square" rtlCol="0">
+            <a:spAutoFit/>
+          </a:bodyPr>
+          <a:lstStyle/>
+          <a:p>
+            <a:r>
+              <a:rPr lang="en-US" dirty="0" err="1" smtClean="0">
+                <a:solidFill>
+                  <a:schemeClr val="bg1">
+                    <a:lumMod val="95000"/>
+                  </a:schemeClr>
+                </a:solidFill>
+              </a:rPr>
+              <a:t>Xử</a:t>
+            </a:r>
+            <a:r>
+              <a:rPr lang="en-US" dirty="0" smtClean="0">
+                <a:solidFill>
+                  <a:schemeClr val="bg1">
+                    <a:lumMod val="95000"/>
+                  </a:schemeClr>
+                </a:solidFill>
+              </a:rPr>
+              <a:t> </a:t>
+            </a:r>
+            <a:r>
+              <a:rPr lang="en-US" dirty="0" err="1" smtClean="0">
+                <a:solidFill>
+                  <a:schemeClr val="bg1">
+                    <a:lumMod val="95000"/>
+                  </a:schemeClr>
+                </a:solidFill>
+              </a:rPr>
+              <a:t>lý</a:t>
+            </a:r>
+            <a:r>
+              <a:rPr lang="en-US" dirty="0" smtClean="0">
+                <a:solidFill>
+                  <a:schemeClr val="bg1">
+                    <a:lumMod val="95000"/>
+                  </a:schemeClr>
+                </a:solidFill>
+              </a:rPr>
+              <a:t> </a:t>
+            </a:r>
+            <a:r>
+              <a:rPr lang="en-US" dirty="0" err="1" smtClean="0">
+                <a:solidFill>
+                  <a:schemeClr val="bg1">
+                    <a:lumMod val="95000"/>
+                  </a:schemeClr>
+                </a:solidFill>
+              </a:rPr>
+              <a:t>dữ</a:t>
+            </a:r>
+            <a:r>
+              <a:rPr lang="en-US" dirty="0" smtClean="0">
+                <a:solidFill>
+                  <a:schemeClr val="bg1">
+                    <a:lumMod val="95000"/>
+                  </a:schemeClr>
+                </a:solidFill>
+              </a:rPr>
+              <a:t> </a:t>
+            </a:r>
+            <a:r>
+              <a:rPr lang="en-US" dirty="0" err="1" smtClean="0">
+                <a:solidFill>
+                  <a:schemeClr val="bg1">
+                    <a:lumMod val="95000"/>
+                  </a:schemeClr>
+                </a:solidFill>
+              </a:rPr>
+              <a:t>liệu</a:t>
+            </a:r>
+            <a:r>
+              <a:rPr lang="en-US" dirty="0" smtClean="0">
+                <a:solidFill>
+                  <a:schemeClr val="bg1">
+                    <a:lumMod val="95000"/>
+                  </a:schemeClr>
+                </a:solidFill>
+              </a:rPr>
+              <a:t> null : </a:t>
+            </a:r>
+            <a:r>
+              <a:rPr lang="en-US" dirty="0" err="1" smtClean="0">
+                <a:solidFill>
+                  <a:schemeClr val="bg1">
+                    <a:lumMod val="95000"/>
+                  </a:schemeClr>
+                </a:solidFill>
+              </a:rPr>
+              <a:t>tùy</a:t>
+            </a:r>
+            <a:r>
+              <a:rPr lang="en-US" dirty="0" smtClean="0">
+                <a:solidFill>
+                  <a:schemeClr val="bg1">
+                    <a:lumMod val="95000"/>
+                  </a:schemeClr>
+                </a:solidFill>
+              </a:rPr>
+              <a:t> </a:t>
+            </a:r>
+            <a:r>
+              <a:rPr lang="en-US" dirty="0" err="1" smtClean="0">
+                <a:solidFill>
+                  <a:schemeClr val="bg1">
+                    <a:lumMod val="95000"/>
+                  </a:schemeClr>
+                </a:solidFill>
+              </a:rPr>
+              <a:t>vào</a:t>
+            </a:r>
+            <a:r>
+              <a:rPr lang="en-US" dirty="0" smtClean="0">
+                <a:solidFill>
+                  <a:schemeClr val="bg1">
+                    <a:lumMod val="95000"/>
+                  </a:schemeClr>
+                </a:solidFill>
+              </a:rPr>
+              <a:t> </a:t>
+            </a:r>
+            <a:r>
+              <a:rPr lang="en-US" dirty="0" err="1" smtClean="0">
+                <a:solidFill>
+                  <a:schemeClr val="bg1">
+                    <a:lumMod val="95000"/>
+                  </a:schemeClr>
+                </a:solidFill>
+              </a:rPr>
+              <a:t>trường</a:t>
+            </a:r>
+            <a:r>
+              <a:rPr lang="en-US" dirty="0" smtClean="0">
+                <a:solidFill>
+                  <a:schemeClr val="bg1">
+                    <a:lumMod val="95000"/>
+                  </a:schemeClr>
+                </a:solidFill>
+              </a:rPr>
+              <a:t> </a:t>
+            </a:r>
+            <a:r>
+              <a:rPr lang="en-US" dirty="0" err="1" smtClean="0">
+                <a:solidFill>
+                  <a:schemeClr val="bg1">
+                    <a:lumMod val="95000"/>
+                  </a:schemeClr>
+                </a:solidFill>
+              </a:rPr>
+              <a:t>hơp</a:t>
+            </a:r>
+            <a:r>
+              <a:rPr lang="en-US" dirty="0" smtClean="0">
+                <a:solidFill>
+                  <a:schemeClr val="bg1">
+                    <a:lumMod val="95000"/>
+                  </a:schemeClr>
+                </a:solidFill>
+              </a:rPr>
+              <a:t> </a:t>
+            </a:r>
+            <a:r>
+              <a:rPr lang="en-US" dirty="0" err="1" smtClean="0">
+                <a:solidFill>
+                  <a:schemeClr val="bg1">
+                    <a:lumMod val="95000"/>
+                  </a:schemeClr>
+                </a:solidFill>
+              </a:rPr>
+              <a:t>mà</a:t>
+            </a:r>
+            <a:r>
+              <a:rPr lang="en-US" dirty="0" smtClean="0">
+                <a:solidFill>
+                  <a:schemeClr val="bg1">
+                    <a:lumMod val="95000"/>
+                  </a:schemeClr>
+                </a:solidFill>
+              </a:rPr>
+              <a:t> ta </a:t>
+            </a:r>
+            <a:r>
+              <a:rPr lang="en-US" dirty="0" err="1" smtClean="0">
+                <a:solidFill>
+                  <a:schemeClr val="bg1">
+                    <a:lumMod val="95000"/>
+                  </a:schemeClr>
+                </a:solidFill>
+              </a:rPr>
+              <a:t>có</a:t>
+            </a:r>
+            <a:r>
+              <a:rPr lang="en-US" dirty="0" smtClean="0">
+                <a:solidFill>
+                  <a:schemeClr val="bg1">
+                    <a:lumMod val="95000"/>
+                  </a:schemeClr>
+                </a:solidFill>
+              </a:rPr>
+              <a:t> </a:t>
+            </a:r>
+            <a:r>
+              <a:rPr lang="en-US" dirty="0" err="1" smtClean="0">
+                <a:solidFill>
+                  <a:schemeClr val="bg1">
+                    <a:lumMod val="95000"/>
+                  </a:schemeClr>
+                </a:solidFill>
+              </a:rPr>
+              <a:t>thể</a:t>
+            </a:r>
+            <a:r>
+              <a:rPr lang="en-US" dirty="0" smtClean="0">
+                <a:solidFill>
+                  <a:schemeClr val="bg1">
+                    <a:lumMod val="95000"/>
+                  </a:schemeClr>
+                </a:solidFill>
+              </a:rPr>
+              <a:t> </a:t>
+            </a:r>
+            <a:r>
+              <a:rPr lang="en-US" dirty="0" err="1" smtClean="0">
+                <a:solidFill>
+                  <a:schemeClr val="bg1">
+                    <a:lumMod val="95000"/>
+                  </a:schemeClr>
+                </a:solidFill>
+              </a:rPr>
+              <a:t>sử</a:t>
+            </a:r>
+            <a:r>
+              <a:rPr lang="en-US" dirty="0" smtClean="0">
+                <a:solidFill>
+                  <a:schemeClr val="bg1">
+                    <a:lumMod val="95000"/>
+                  </a:schemeClr>
+                </a:solidFill>
+              </a:rPr>
+              <a:t> </a:t>
+            </a:r>
+            <a:r>
+              <a:rPr lang="en-US" dirty="0" err="1" smtClean="0">
+                <a:solidFill>
+                  <a:schemeClr val="bg1">
+                    <a:lumMod val="95000"/>
+                  </a:schemeClr>
+                </a:solidFill>
+              </a:rPr>
+              <a:t>dụng</a:t>
+            </a:r>
+            <a:r>
+              <a:rPr lang="en-US" dirty="0" smtClean="0">
+                <a:solidFill>
+                  <a:schemeClr val="bg1">
+                    <a:lumMod val="95000"/>
+                  </a:schemeClr>
+                </a:solidFill>
+              </a:rPr>
+              <a:t> </a:t>
+            </a:r>
+            <a:r>
+              <a:rPr lang="en-US" dirty="0" err="1" smtClean="0">
+                <a:solidFill>
+                  <a:schemeClr val="bg1">
+                    <a:lumMod val="95000"/>
+                  </a:schemeClr>
+                </a:solidFill>
+              </a:rPr>
+              <a:t>nhiều</a:t>
+            </a:r>
+            <a:r>
+              <a:rPr lang="en-US" dirty="0" smtClean="0">
+                <a:solidFill>
+                  <a:schemeClr val="bg1">
+                    <a:lumMod val="95000"/>
+                  </a:schemeClr>
+                </a:solidFill>
+              </a:rPr>
+              <a:t> </a:t>
+            </a:r>
+            <a:r>
+              <a:rPr lang="en-US" dirty="0" err="1" smtClean="0">
+                <a:solidFill>
+                  <a:schemeClr val="bg1">
+                    <a:lumMod val="95000"/>
+                  </a:schemeClr>
+                </a:solidFill>
+              </a:rPr>
+              <a:t>cách</a:t>
+            </a:r>
+            <a:r>
+              <a:rPr lang="en-US" dirty="0" smtClean="0">
+                <a:solidFill>
+                  <a:schemeClr val="bg1">
+                    <a:lumMod val="95000"/>
+                  </a:schemeClr>
+                </a:solidFill>
+              </a:rPr>
+              <a:t> </a:t>
+            </a:r>
+            <a:r>
+              <a:rPr lang="en-US" dirty="0" err="1" smtClean="0">
+                <a:solidFill>
+                  <a:schemeClr val="bg1">
+                    <a:lumMod val="95000"/>
+                  </a:schemeClr>
+                </a:solidFill>
+              </a:rPr>
+              <a:t>khác</a:t>
+            </a:r>
+            <a:r>
+              <a:rPr lang="en-US" dirty="0" smtClean="0">
+                <a:solidFill>
+                  <a:schemeClr val="bg1">
+                    <a:lumMod val="95000"/>
+                  </a:schemeClr>
+                </a:solidFill>
+              </a:rPr>
+              <a:t> </a:t>
+            </a:r>
+            <a:r>
+              <a:rPr lang="en-US" dirty="0" err="1" smtClean="0">
+                <a:solidFill>
+                  <a:schemeClr val="bg1">
+                    <a:lumMod val="95000"/>
+                  </a:schemeClr>
+                </a:solidFill>
+              </a:rPr>
+              <a:t>nhau</a:t>
+            </a:r>
+            <a:r>
+              <a:rPr lang="en-US" dirty="0" smtClean="0">
+                <a:solidFill>
+                  <a:schemeClr val="bg1">
+                    <a:lumMod val="95000"/>
+                  </a:schemeClr>
+                </a:solidFill>
+              </a:rPr>
+              <a:t> </a:t>
+            </a:r>
+            <a:r>
+              <a:rPr lang="en-US" dirty="0" err="1" smtClean="0">
+                <a:solidFill>
+                  <a:schemeClr val="bg1">
+                    <a:lumMod val="95000"/>
+                  </a:schemeClr>
+                </a:solidFill>
+              </a:rPr>
+              <a:t>như</a:t>
+            </a:r>
+            <a:r>
+              <a:rPr lang="en-US" dirty="0" smtClean="0">
+                <a:solidFill>
+                  <a:schemeClr val="bg1">
+                    <a:lumMod val="95000"/>
+                  </a:schemeClr>
+                </a:solidFill>
+              </a:rPr>
+              <a:t> :</a:t>
+            </a:r>
+          </a:p>
+          <a:p>
+            <a:pPr marL="285750" indent="-285750">
+              <a:buFontTx/>
+              <a:buChar char="-"/>
+            </a:pPr>
+            <a:r>
+              <a:rPr lang="en-US" dirty="0" err="1" smtClean="0">
+                <a:solidFill>
+                  <a:schemeClr val="bg1">
+                    <a:lumMod val="95000"/>
+                  </a:schemeClr>
+                </a:solidFill>
+              </a:rPr>
+              <a:t>Xóa</a:t>
+            </a:r>
+            <a:r>
+              <a:rPr lang="en-US" dirty="0" smtClean="0">
+                <a:solidFill>
+                  <a:schemeClr val="bg1">
+                    <a:lumMod val="95000"/>
+                  </a:schemeClr>
+                </a:solidFill>
+              </a:rPr>
+              <a:t> </a:t>
+            </a:r>
+            <a:r>
+              <a:rPr lang="en-US" dirty="0" err="1" smtClean="0">
+                <a:solidFill>
+                  <a:schemeClr val="bg1">
+                    <a:lumMod val="95000"/>
+                  </a:schemeClr>
+                </a:solidFill>
+              </a:rPr>
+              <a:t>những</a:t>
+            </a:r>
+            <a:r>
+              <a:rPr lang="en-US" dirty="0" smtClean="0">
+                <a:solidFill>
+                  <a:schemeClr val="bg1">
+                    <a:lumMod val="95000"/>
+                  </a:schemeClr>
+                </a:solidFill>
+              </a:rPr>
+              <a:t> </a:t>
+            </a:r>
+            <a:r>
+              <a:rPr lang="en-US" dirty="0" err="1" smtClean="0">
+                <a:solidFill>
+                  <a:schemeClr val="bg1">
+                    <a:lumMod val="95000"/>
+                  </a:schemeClr>
+                </a:solidFill>
+              </a:rPr>
+              <a:t>dòng</a:t>
+            </a:r>
+            <a:r>
+              <a:rPr lang="en-US" dirty="0" smtClean="0">
+                <a:solidFill>
+                  <a:schemeClr val="bg1">
+                    <a:lumMod val="95000"/>
+                  </a:schemeClr>
+                </a:solidFill>
+              </a:rPr>
+              <a:t> </a:t>
+            </a:r>
+            <a:r>
+              <a:rPr lang="en-US" dirty="0" err="1" smtClean="0">
+                <a:solidFill>
+                  <a:schemeClr val="bg1">
+                    <a:lumMod val="95000"/>
+                  </a:schemeClr>
+                </a:solidFill>
+              </a:rPr>
+              <a:t>có</a:t>
+            </a:r>
+            <a:r>
+              <a:rPr lang="en-US" dirty="0" smtClean="0">
+                <a:solidFill>
+                  <a:schemeClr val="bg1">
+                    <a:lumMod val="95000"/>
+                  </a:schemeClr>
+                </a:solidFill>
+              </a:rPr>
+              <a:t> </a:t>
+            </a:r>
+            <a:r>
+              <a:rPr lang="en-US" dirty="0" err="1" smtClean="0">
+                <a:solidFill>
+                  <a:schemeClr val="bg1">
+                    <a:lumMod val="95000"/>
+                  </a:schemeClr>
+                </a:solidFill>
+              </a:rPr>
+              <a:t>dữ</a:t>
+            </a:r>
+            <a:r>
+              <a:rPr lang="en-US" dirty="0" smtClean="0">
+                <a:solidFill>
+                  <a:schemeClr val="bg1">
+                    <a:lumMod val="95000"/>
+                  </a:schemeClr>
+                </a:solidFill>
+              </a:rPr>
+              <a:t> </a:t>
+            </a:r>
+            <a:r>
+              <a:rPr lang="en-US" dirty="0" err="1" smtClean="0">
+                <a:solidFill>
+                  <a:schemeClr val="bg1">
+                    <a:lumMod val="95000"/>
+                  </a:schemeClr>
+                </a:solidFill>
+              </a:rPr>
+              <a:t>liệu</a:t>
+            </a:r>
+            <a:r>
+              <a:rPr lang="en-US" dirty="0" smtClean="0">
+                <a:solidFill>
+                  <a:schemeClr val="bg1">
+                    <a:lumMod val="95000"/>
+                  </a:schemeClr>
+                </a:solidFill>
+              </a:rPr>
+              <a:t> null,</a:t>
+            </a:r>
+          </a:p>
+          <a:p>
+            <a:pPr marL="285750" indent="-285750">
+              <a:buFontTx/>
+              <a:buChar char="-"/>
+            </a:pPr>
+            <a:r>
+              <a:rPr lang="en-US" dirty="0" smtClean="0">
+                <a:solidFill>
+                  <a:schemeClr val="bg1">
+                    <a:lumMod val="95000"/>
+                  </a:schemeClr>
+                </a:solidFill>
+              </a:rPr>
+              <a:t>Cho </a:t>
+            </a:r>
+            <a:r>
+              <a:rPr lang="en-US" dirty="0" err="1" smtClean="0">
+                <a:solidFill>
+                  <a:schemeClr val="bg1">
+                    <a:lumMod val="95000"/>
+                  </a:schemeClr>
+                </a:solidFill>
+              </a:rPr>
+              <a:t>nó</a:t>
+            </a:r>
+            <a:r>
+              <a:rPr lang="en-US" dirty="0" smtClean="0">
+                <a:solidFill>
+                  <a:schemeClr val="bg1">
+                    <a:lumMod val="95000"/>
+                  </a:schemeClr>
+                </a:solidFill>
+              </a:rPr>
+              <a:t> </a:t>
+            </a:r>
+            <a:r>
+              <a:rPr lang="en-US" dirty="0" err="1" smtClean="0">
+                <a:solidFill>
+                  <a:schemeClr val="bg1">
+                    <a:lumMod val="95000"/>
+                  </a:schemeClr>
+                </a:solidFill>
+              </a:rPr>
+              <a:t>là</a:t>
+            </a:r>
+            <a:r>
+              <a:rPr lang="en-US" dirty="0" smtClean="0">
+                <a:solidFill>
+                  <a:schemeClr val="bg1">
+                    <a:lumMod val="95000"/>
+                  </a:schemeClr>
+                </a:solidFill>
+              </a:rPr>
+              <a:t> </a:t>
+            </a:r>
+            <a:r>
+              <a:rPr lang="en-US" dirty="0" err="1" smtClean="0">
+                <a:solidFill>
+                  <a:schemeClr val="bg1">
+                    <a:lumMod val="95000"/>
+                  </a:schemeClr>
+                </a:solidFill>
+              </a:rPr>
+              <a:t>giá</a:t>
+            </a:r>
+            <a:r>
+              <a:rPr lang="en-US" dirty="0" smtClean="0">
+                <a:solidFill>
+                  <a:schemeClr val="bg1">
+                    <a:lumMod val="95000"/>
+                  </a:schemeClr>
+                </a:solidFill>
+              </a:rPr>
+              <a:t> </a:t>
+            </a:r>
+            <a:r>
+              <a:rPr lang="en-US" dirty="0" err="1" smtClean="0">
+                <a:solidFill>
+                  <a:schemeClr val="bg1">
+                    <a:lumMod val="95000"/>
+                  </a:schemeClr>
+                </a:solidFill>
+              </a:rPr>
+              <a:t>trị</a:t>
+            </a:r>
+            <a:r>
+              <a:rPr lang="en-US" dirty="0" smtClean="0">
+                <a:solidFill>
+                  <a:schemeClr val="bg1">
+                    <a:lumMod val="95000"/>
+                  </a:schemeClr>
+                </a:solidFill>
+              </a:rPr>
+              <a:t> </a:t>
+            </a:r>
+            <a:r>
+              <a:rPr lang="en-US" dirty="0" err="1" smtClean="0">
+                <a:solidFill>
+                  <a:schemeClr val="bg1">
+                    <a:lumMod val="95000"/>
+                  </a:schemeClr>
+                </a:solidFill>
+              </a:rPr>
+              <a:t>trung</a:t>
+            </a:r>
+            <a:r>
+              <a:rPr lang="en-US" dirty="0" smtClean="0">
+                <a:solidFill>
+                  <a:schemeClr val="bg1">
+                    <a:lumMod val="95000"/>
+                  </a:schemeClr>
+                </a:solidFill>
+              </a:rPr>
+              <a:t> </a:t>
+            </a:r>
+            <a:r>
+              <a:rPr lang="en-US" dirty="0" err="1" smtClean="0">
+                <a:solidFill>
+                  <a:schemeClr val="bg1">
+                    <a:lumMod val="95000"/>
+                  </a:schemeClr>
+                </a:solidFill>
+              </a:rPr>
+              <a:t>bình</a:t>
+            </a:r>
+            <a:endParaRPr lang="en-US" dirty="0" smtClean="0">
+              <a:solidFill>
+                <a:schemeClr val="bg1">
+                  <a:lumMod val="95000"/>
+                </a:schemeClr>
+              </a:solidFill>
+            </a:endParaRPr>
+          </a:p>
+          <a:p>
+            <a:pPr marL="285750" indent="-285750">
+              <a:buFontTx/>
+              <a:buChar char="-"/>
+            </a:pPr>
+            <a:r>
+              <a:rPr lang="en-US" dirty="0" err="1" smtClean="0">
+                <a:solidFill>
+                  <a:schemeClr val="bg1">
+                    <a:lumMod val="95000"/>
+                  </a:schemeClr>
+                </a:solidFill>
+              </a:rPr>
+              <a:t>Tính</a:t>
+            </a:r>
+            <a:r>
+              <a:rPr lang="en-US" dirty="0" smtClean="0">
+                <a:solidFill>
+                  <a:schemeClr val="bg1">
+                    <a:lumMod val="95000"/>
+                  </a:schemeClr>
+                </a:solidFill>
+              </a:rPr>
+              <a:t> </a:t>
+            </a:r>
+            <a:r>
+              <a:rPr lang="en-US" dirty="0" err="1" smtClean="0">
+                <a:solidFill>
+                  <a:schemeClr val="bg1">
+                    <a:lumMod val="95000"/>
+                  </a:schemeClr>
+                </a:solidFill>
+              </a:rPr>
+              <a:t>độ</a:t>
+            </a:r>
+            <a:r>
+              <a:rPr lang="en-US" dirty="0" smtClean="0">
+                <a:solidFill>
+                  <a:schemeClr val="bg1">
+                    <a:lumMod val="95000"/>
+                  </a:schemeClr>
+                </a:solidFill>
+              </a:rPr>
+              <a:t> </a:t>
+            </a:r>
+            <a:r>
+              <a:rPr lang="en-US" dirty="0" err="1" smtClean="0">
+                <a:solidFill>
+                  <a:schemeClr val="bg1">
+                    <a:lumMod val="95000"/>
+                  </a:schemeClr>
+                </a:solidFill>
+              </a:rPr>
+              <a:t>tương</a:t>
+            </a:r>
+            <a:r>
+              <a:rPr lang="en-US" dirty="0" smtClean="0">
+                <a:solidFill>
+                  <a:schemeClr val="bg1">
+                    <a:lumMod val="95000"/>
+                  </a:schemeClr>
+                </a:solidFill>
+              </a:rPr>
+              <a:t> </a:t>
+            </a:r>
+            <a:r>
+              <a:rPr lang="en-US" dirty="0" err="1" smtClean="0">
+                <a:solidFill>
+                  <a:schemeClr val="bg1">
+                    <a:lumMod val="95000"/>
+                  </a:schemeClr>
+                </a:solidFill>
+              </a:rPr>
+              <a:t>quan</a:t>
+            </a:r>
+            <a:r>
+              <a:rPr lang="en-US" dirty="0" smtClean="0">
+                <a:solidFill>
+                  <a:schemeClr val="bg1">
+                    <a:lumMod val="95000"/>
+                  </a:schemeClr>
+                </a:solidFill>
+              </a:rPr>
+              <a:t> </a:t>
+            </a:r>
+            <a:r>
+              <a:rPr lang="en-US" dirty="0" err="1" smtClean="0">
+                <a:solidFill>
+                  <a:schemeClr val="bg1">
+                    <a:lumMod val="95000"/>
+                  </a:schemeClr>
+                </a:solidFill>
+              </a:rPr>
+              <a:t>giữ</a:t>
+            </a:r>
+            <a:r>
+              <a:rPr lang="en-US" dirty="0" smtClean="0">
+                <a:solidFill>
+                  <a:schemeClr val="bg1">
+                    <a:lumMod val="95000"/>
+                  </a:schemeClr>
+                </a:solidFill>
+              </a:rPr>
+              <a:t> </a:t>
+            </a:r>
+            <a:r>
+              <a:rPr lang="en-US" dirty="0" err="1" smtClean="0">
+                <a:solidFill>
+                  <a:schemeClr val="bg1">
+                    <a:lumMod val="95000"/>
+                  </a:schemeClr>
+                </a:solidFill>
+              </a:rPr>
+              <a:t>nó</a:t>
+            </a:r>
+            <a:r>
+              <a:rPr lang="en-US" dirty="0" smtClean="0">
+                <a:solidFill>
+                  <a:schemeClr val="bg1">
+                    <a:lumMod val="95000"/>
+                  </a:schemeClr>
+                </a:solidFill>
+              </a:rPr>
+              <a:t> </a:t>
+            </a:r>
+            <a:r>
+              <a:rPr lang="en-US" dirty="0" err="1" smtClean="0">
+                <a:solidFill>
+                  <a:schemeClr val="bg1">
+                    <a:lumMod val="95000"/>
+                  </a:schemeClr>
+                </a:solidFill>
+              </a:rPr>
+              <a:t>với</a:t>
+            </a:r>
+            <a:r>
+              <a:rPr lang="en-US" dirty="0" smtClean="0">
+                <a:solidFill>
+                  <a:schemeClr val="bg1">
+                    <a:lumMod val="95000"/>
+                  </a:schemeClr>
+                </a:solidFill>
+              </a:rPr>
+              <a:t> </a:t>
+            </a:r>
+            <a:r>
+              <a:rPr lang="en-US" dirty="0" err="1" smtClean="0">
+                <a:solidFill>
+                  <a:schemeClr val="bg1">
+                    <a:lumMod val="95000"/>
+                  </a:schemeClr>
+                </a:solidFill>
+              </a:rPr>
+              <a:t>các</a:t>
+            </a:r>
+            <a:r>
+              <a:rPr lang="en-US" dirty="0" smtClean="0">
+                <a:solidFill>
+                  <a:schemeClr val="bg1">
+                    <a:lumMod val="95000"/>
+                  </a:schemeClr>
+                </a:solidFill>
+              </a:rPr>
+              <a:t> </a:t>
+            </a:r>
+            <a:r>
+              <a:rPr lang="en-US" dirty="0" err="1" smtClean="0">
+                <a:solidFill>
+                  <a:schemeClr val="bg1">
+                    <a:lumMod val="95000"/>
+                  </a:schemeClr>
+                </a:solidFill>
+              </a:rPr>
+              <a:t>thuộc</a:t>
+            </a:r>
+            <a:r>
+              <a:rPr lang="en-US" dirty="0" smtClean="0">
+                <a:solidFill>
+                  <a:schemeClr val="bg1">
+                    <a:lumMod val="95000"/>
+                  </a:schemeClr>
+                </a:solidFill>
+              </a:rPr>
+              <a:t> </a:t>
+            </a:r>
+            <a:r>
+              <a:rPr lang="en-US" dirty="0" err="1" smtClean="0">
+                <a:solidFill>
+                  <a:schemeClr val="bg1">
+                    <a:lumMod val="95000"/>
+                  </a:schemeClr>
+                </a:solidFill>
+              </a:rPr>
+              <a:t>tính</a:t>
+            </a:r>
+            <a:r>
+              <a:rPr lang="en-US" dirty="0" smtClean="0">
+                <a:solidFill>
+                  <a:schemeClr val="bg1">
+                    <a:lumMod val="95000"/>
+                  </a:schemeClr>
+                </a:solidFill>
+              </a:rPr>
+              <a:t> </a:t>
+            </a:r>
+            <a:r>
+              <a:rPr lang="en-US" dirty="0" err="1" smtClean="0">
+                <a:solidFill>
+                  <a:schemeClr val="bg1">
+                    <a:lumMod val="95000"/>
+                  </a:schemeClr>
+                </a:solidFill>
+              </a:rPr>
+              <a:t>sau</a:t>
+            </a:r>
+            <a:r>
+              <a:rPr lang="en-US" dirty="0" smtClean="0">
+                <a:solidFill>
+                  <a:schemeClr val="bg1">
+                    <a:lumMod val="95000"/>
+                  </a:schemeClr>
+                </a:solidFill>
+              </a:rPr>
+              <a:t> </a:t>
+            </a:r>
+            <a:r>
+              <a:rPr lang="en-US" dirty="0" err="1" smtClean="0">
+                <a:solidFill>
+                  <a:schemeClr val="bg1">
+                    <a:lumMod val="95000"/>
+                  </a:schemeClr>
+                </a:solidFill>
+              </a:rPr>
+              <a:t>đó</a:t>
+            </a:r>
+            <a:r>
+              <a:rPr lang="en-US" dirty="0" smtClean="0">
+                <a:solidFill>
+                  <a:schemeClr val="bg1">
+                    <a:lumMod val="95000"/>
+                  </a:schemeClr>
+                </a:solidFill>
+              </a:rPr>
+              <a:t> </a:t>
+            </a:r>
+            <a:r>
+              <a:rPr lang="en-US" dirty="0" err="1" smtClean="0">
+                <a:solidFill>
+                  <a:schemeClr val="bg1">
+                    <a:lumMod val="95000"/>
+                  </a:schemeClr>
+                </a:solidFill>
+              </a:rPr>
+              <a:t>điền</a:t>
+            </a:r>
+            <a:r>
+              <a:rPr lang="en-US" dirty="0" smtClean="0">
+                <a:solidFill>
+                  <a:schemeClr val="bg1">
+                    <a:lumMod val="95000"/>
+                  </a:schemeClr>
+                </a:solidFill>
+              </a:rPr>
+              <a:t> </a:t>
+            </a:r>
+            <a:r>
+              <a:rPr lang="en-US" dirty="0" err="1" smtClean="0">
+                <a:solidFill>
+                  <a:schemeClr val="bg1">
+                    <a:lumMod val="95000"/>
+                  </a:schemeClr>
+                </a:solidFill>
+              </a:rPr>
+              <a:t>vào</a:t>
+            </a:r>
+            <a:r>
+              <a:rPr lang="en-US" dirty="0" smtClean="0">
+                <a:solidFill>
+                  <a:schemeClr val="bg1">
+                    <a:lumMod val="95000"/>
+                  </a:schemeClr>
+                </a:solidFill>
+              </a:rPr>
+              <a:t> </a:t>
+            </a:r>
+            <a:r>
+              <a:rPr lang="en-US" dirty="0" err="1" smtClean="0">
+                <a:solidFill>
+                  <a:schemeClr val="bg1">
+                    <a:lumMod val="95000"/>
+                  </a:schemeClr>
+                </a:solidFill>
+              </a:rPr>
+              <a:t>phụ</a:t>
+            </a:r>
+            <a:r>
+              <a:rPr lang="en-US" dirty="0" smtClean="0">
+                <a:solidFill>
+                  <a:schemeClr val="bg1">
+                    <a:lumMod val="95000"/>
+                  </a:schemeClr>
+                </a:solidFill>
+              </a:rPr>
+              <a:t> </a:t>
+            </a:r>
+            <a:r>
+              <a:rPr lang="en-US" dirty="0" err="1" smtClean="0">
+                <a:solidFill>
+                  <a:schemeClr val="bg1">
+                    <a:lumMod val="95000"/>
+                  </a:schemeClr>
+                </a:solidFill>
+              </a:rPr>
+              <a:t>thuộc</a:t>
+            </a:r>
+            <a:r>
+              <a:rPr lang="en-US" dirty="0" smtClean="0">
+                <a:solidFill>
+                  <a:schemeClr val="bg1">
+                    <a:lumMod val="95000"/>
+                  </a:schemeClr>
+                </a:solidFill>
+              </a:rPr>
+              <a:t> </a:t>
+            </a:r>
+            <a:r>
+              <a:rPr lang="en-US" dirty="0" err="1" smtClean="0">
+                <a:solidFill>
+                  <a:schemeClr val="bg1">
+                    <a:lumMod val="95000"/>
+                  </a:schemeClr>
+                </a:solidFill>
+              </a:rPr>
+              <a:t>vào</a:t>
+            </a:r>
+            <a:r>
+              <a:rPr lang="en-US" dirty="0">
+                <a:solidFill>
+                  <a:schemeClr val="bg1">
+                    <a:lumMod val="95000"/>
+                  </a:schemeClr>
+                </a:solidFill>
+              </a:rPr>
+              <a:t> </a:t>
+            </a:r>
+            <a:r>
+              <a:rPr lang="en-US" dirty="0" err="1" smtClean="0">
+                <a:solidFill>
+                  <a:schemeClr val="bg1">
+                    <a:lumMod val="95000"/>
+                  </a:schemeClr>
+                </a:solidFill>
+              </a:rPr>
+              <a:t>giá</a:t>
+            </a:r>
+            <a:r>
+              <a:rPr lang="en-US" dirty="0" smtClean="0">
+                <a:solidFill>
+                  <a:schemeClr val="bg1">
+                    <a:lumMod val="95000"/>
+                  </a:schemeClr>
+                </a:solidFill>
+              </a:rPr>
+              <a:t> </a:t>
+            </a:r>
+            <a:r>
+              <a:rPr lang="en-US" dirty="0" err="1" smtClean="0">
+                <a:solidFill>
+                  <a:schemeClr val="bg1">
+                    <a:lumMod val="95000"/>
+                  </a:schemeClr>
+                </a:solidFill>
+              </a:rPr>
+              <a:t>trị</a:t>
+            </a:r>
+            <a:r>
+              <a:rPr lang="en-US" dirty="0" smtClean="0">
+                <a:solidFill>
+                  <a:schemeClr val="bg1">
+                    <a:lumMod val="95000"/>
+                  </a:schemeClr>
+                </a:solidFill>
+              </a:rPr>
+              <a:t> </a:t>
+            </a:r>
+            <a:r>
+              <a:rPr lang="en-US" dirty="0" err="1" smtClean="0">
+                <a:solidFill>
+                  <a:schemeClr val="bg1">
+                    <a:lumMod val="95000"/>
+                  </a:schemeClr>
+                </a:solidFill>
+              </a:rPr>
+              <a:t>xuất</a:t>
+            </a:r>
+            <a:r>
+              <a:rPr lang="en-US" dirty="0" smtClean="0">
+                <a:solidFill>
+                  <a:schemeClr val="bg1">
+                    <a:lumMod val="95000"/>
+                  </a:schemeClr>
+                </a:solidFill>
+              </a:rPr>
+              <a:t> </a:t>
+            </a:r>
+            <a:r>
+              <a:rPr lang="en-US" dirty="0" err="1" smtClean="0">
+                <a:solidFill>
+                  <a:schemeClr val="bg1">
+                    <a:lumMod val="95000"/>
+                  </a:schemeClr>
+                </a:solidFill>
+              </a:rPr>
+              <a:t>hiện</a:t>
+            </a:r>
+            <a:r>
+              <a:rPr lang="en-US" dirty="0" smtClean="0">
+                <a:solidFill>
+                  <a:schemeClr val="bg1">
+                    <a:lumMod val="95000"/>
+                  </a:schemeClr>
+                </a:solidFill>
+              </a:rPr>
+              <a:t> </a:t>
+            </a:r>
+            <a:r>
+              <a:rPr lang="en-US" dirty="0" err="1" smtClean="0">
+                <a:solidFill>
+                  <a:schemeClr val="bg1">
+                    <a:lumMod val="95000"/>
+                  </a:schemeClr>
+                </a:solidFill>
+              </a:rPr>
+              <a:t>nhiều</a:t>
+            </a:r>
+            <a:r>
+              <a:rPr lang="en-US" dirty="0" smtClean="0">
+                <a:solidFill>
+                  <a:schemeClr val="bg1">
+                    <a:lumMod val="95000"/>
+                  </a:schemeClr>
+                </a:solidFill>
+              </a:rPr>
+              <a:t> </a:t>
+            </a:r>
+            <a:r>
+              <a:rPr lang="en-US" dirty="0" err="1" smtClean="0">
+                <a:solidFill>
+                  <a:schemeClr val="bg1">
+                    <a:lumMod val="95000"/>
+                  </a:schemeClr>
+                </a:solidFill>
+              </a:rPr>
+              <a:t>nhất</a:t>
+            </a:r>
+            <a:r>
+              <a:rPr lang="en-US" dirty="0" smtClean="0">
+                <a:solidFill>
+                  <a:schemeClr val="bg1">
+                    <a:lumMod val="95000"/>
+                  </a:schemeClr>
+                </a:solidFill>
+              </a:rPr>
+              <a:t> </a:t>
+            </a:r>
+            <a:r>
+              <a:rPr lang="en-US" dirty="0" err="1" smtClean="0">
+                <a:solidFill>
+                  <a:schemeClr val="bg1">
+                    <a:lumMod val="95000"/>
+                  </a:schemeClr>
+                </a:solidFill>
+              </a:rPr>
+              <a:t>khi</a:t>
+            </a:r>
+            <a:r>
+              <a:rPr lang="en-US" dirty="0" smtClean="0">
+                <a:solidFill>
+                  <a:schemeClr val="bg1">
+                    <a:lumMod val="95000"/>
+                  </a:schemeClr>
+                </a:solidFill>
+              </a:rPr>
+              <a:t> </a:t>
+            </a:r>
+            <a:r>
+              <a:rPr lang="en-US" dirty="0" err="1" smtClean="0">
+                <a:solidFill>
+                  <a:schemeClr val="bg1">
+                    <a:lumMod val="95000"/>
+                  </a:schemeClr>
+                </a:solidFill>
+              </a:rPr>
+              <a:t>có</a:t>
+            </a:r>
+            <a:r>
+              <a:rPr lang="en-US" dirty="0" smtClean="0">
+                <a:solidFill>
+                  <a:schemeClr val="bg1">
+                    <a:lumMod val="95000"/>
+                  </a:schemeClr>
+                </a:solidFill>
+              </a:rPr>
+              <a:t> </a:t>
+            </a:r>
+            <a:r>
+              <a:rPr lang="en-US" dirty="0" err="1" smtClean="0">
+                <a:solidFill>
+                  <a:schemeClr val="bg1">
+                    <a:lumMod val="95000"/>
+                  </a:schemeClr>
+                </a:solidFill>
+              </a:rPr>
+              <a:t>sự</a:t>
+            </a:r>
+            <a:r>
+              <a:rPr lang="en-US" dirty="0" smtClean="0">
+                <a:solidFill>
+                  <a:schemeClr val="bg1">
+                    <a:lumMod val="95000"/>
+                  </a:schemeClr>
+                </a:solidFill>
+              </a:rPr>
+              <a:t> </a:t>
+            </a:r>
+            <a:r>
+              <a:rPr lang="en-US" dirty="0" err="1" smtClean="0">
+                <a:solidFill>
+                  <a:schemeClr val="bg1">
+                    <a:lumMod val="95000"/>
+                  </a:schemeClr>
+                </a:solidFill>
+              </a:rPr>
+              <a:t>xuất</a:t>
+            </a:r>
+            <a:r>
+              <a:rPr lang="en-US" dirty="0" smtClean="0">
+                <a:solidFill>
+                  <a:schemeClr val="bg1">
+                    <a:lumMod val="95000"/>
+                  </a:schemeClr>
+                </a:solidFill>
+              </a:rPr>
+              <a:t> </a:t>
+            </a:r>
+            <a:r>
+              <a:rPr lang="en-US" dirty="0" err="1" smtClean="0">
+                <a:solidFill>
+                  <a:schemeClr val="bg1">
+                    <a:lumMod val="95000"/>
+                  </a:schemeClr>
+                </a:solidFill>
+              </a:rPr>
+              <a:t>hiện</a:t>
+            </a:r>
+            <a:r>
+              <a:rPr lang="en-US" dirty="0" smtClean="0">
+                <a:solidFill>
+                  <a:schemeClr val="bg1">
+                    <a:lumMod val="95000"/>
+                  </a:schemeClr>
+                </a:solidFill>
+              </a:rPr>
+              <a:t> </a:t>
+            </a:r>
+            <a:r>
+              <a:rPr lang="en-US" dirty="0" err="1" smtClean="0">
+                <a:solidFill>
+                  <a:schemeClr val="bg1">
+                    <a:lumMod val="95000"/>
+                  </a:schemeClr>
+                </a:solidFill>
+              </a:rPr>
+              <a:t>của</a:t>
+            </a:r>
+            <a:r>
+              <a:rPr lang="en-US" dirty="0" smtClean="0">
+                <a:solidFill>
+                  <a:schemeClr val="bg1">
+                    <a:lumMod val="95000"/>
+                  </a:schemeClr>
+                </a:solidFill>
+              </a:rPr>
+              <a:t> </a:t>
+            </a:r>
+            <a:r>
+              <a:rPr lang="en-US" dirty="0" err="1" smtClean="0">
+                <a:solidFill>
+                  <a:schemeClr val="bg1">
+                    <a:lumMod val="95000"/>
+                  </a:schemeClr>
+                </a:solidFill>
+              </a:rPr>
+              <a:t>độ</a:t>
+            </a:r>
+            <a:r>
+              <a:rPr lang="en-US" dirty="0" smtClean="0">
+                <a:solidFill>
+                  <a:schemeClr val="bg1">
+                    <a:lumMod val="95000"/>
+                  </a:schemeClr>
+                </a:solidFill>
+              </a:rPr>
+              <a:t> </a:t>
+            </a:r>
+            <a:r>
+              <a:rPr lang="en-US" dirty="0" err="1" smtClean="0">
+                <a:solidFill>
+                  <a:schemeClr val="bg1">
+                    <a:lumMod val="95000"/>
+                  </a:schemeClr>
+                </a:solidFill>
+              </a:rPr>
+              <a:t>tương</a:t>
+            </a:r>
+            <a:r>
+              <a:rPr lang="en-US" dirty="0" smtClean="0">
+                <a:solidFill>
+                  <a:schemeClr val="bg1">
+                    <a:lumMod val="95000"/>
+                  </a:schemeClr>
+                </a:solidFill>
+              </a:rPr>
+              <a:t> </a:t>
+            </a:r>
+            <a:r>
+              <a:rPr lang="en-US" dirty="0" err="1" smtClean="0">
+                <a:solidFill>
+                  <a:schemeClr val="bg1">
+                    <a:lumMod val="95000"/>
+                  </a:schemeClr>
+                </a:solidFill>
+              </a:rPr>
+              <a:t>quan</a:t>
+            </a:r>
+            <a:r>
+              <a:rPr lang="en-US" dirty="0" smtClean="0">
+                <a:solidFill>
+                  <a:schemeClr val="bg1">
+                    <a:lumMod val="95000"/>
+                  </a:schemeClr>
+                </a:solidFill>
+              </a:rPr>
+              <a:t> </a:t>
+            </a:r>
+            <a:r>
+              <a:rPr lang="en-US" dirty="0" err="1" smtClean="0">
+                <a:solidFill>
+                  <a:schemeClr val="bg1">
+                    <a:lumMod val="95000"/>
+                  </a:schemeClr>
+                </a:solidFill>
+              </a:rPr>
+              <a:t>kia</a:t>
+            </a:r>
+            <a:r>
+              <a:rPr lang="en-US" dirty="0" smtClean="0">
+                <a:solidFill>
+                  <a:schemeClr val="bg1">
+                    <a:lumMod val="95000"/>
+                  </a:schemeClr>
+                </a:solidFill>
+              </a:rPr>
+              <a:t>.</a:t>
+            </a:r>
+          </a:p>
+          <a:p>
+            <a:pPr marL="285750" indent="-285750">
+              <a:buFontTx/>
+              <a:buChar char="-"/>
+            </a:pPr>
+            <a:r>
+              <a:rPr lang="en-US" dirty="0" err="1" smtClean="0">
+                <a:solidFill>
+                  <a:schemeClr val="bg1">
+                    <a:lumMod val="95000"/>
+                  </a:schemeClr>
+                </a:solidFill>
+              </a:rPr>
+              <a:t>Xử</a:t>
+            </a:r>
+            <a:r>
+              <a:rPr lang="en-US" dirty="0" smtClean="0">
+                <a:solidFill>
+                  <a:schemeClr val="bg1">
+                    <a:lumMod val="95000"/>
+                  </a:schemeClr>
+                </a:solidFill>
+              </a:rPr>
+              <a:t> </a:t>
+            </a:r>
+            <a:r>
+              <a:rPr lang="en-US" dirty="0" err="1" smtClean="0">
+                <a:solidFill>
+                  <a:schemeClr val="bg1">
+                    <a:lumMod val="95000"/>
+                  </a:schemeClr>
+                </a:solidFill>
+              </a:rPr>
+              <a:t>dụng</a:t>
+            </a:r>
+            <a:r>
+              <a:rPr lang="en-US" dirty="0" smtClean="0">
+                <a:solidFill>
+                  <a:schemeClr val="bg1">
+                    <a:lumMod val="95000"/>
+                  </a:schemeClr>
+                </a:solidFill>
+              </a:rPr>
+              <a:t> </a:t>
+            </a:r>
+            <a:r>
+              <a:rPr lang="en-US" dirty="0" err="1" smtClean="0">
+                <a:solidFill>
+                  <a:schemeClr val="bg1">
+                    <a:lumMod val="95000"/>
+                  </a:schemeClr>
+                </a:solidFill>
+              </a:rPr>
+              <a:t>giá</a:t>
+            </a:r>
+            <a:r>
+              <a:rPr lang="en-US" dirty="0" smtClean="0">
+                <a:solidFill>
+                  <a:schemeClr val="bg1">
+                    <a:lumMod val="95000"/>
+                  </a:schemeClr>
+                </a:solidFill>
+              </a:rPr>
+              <a:t> </a:t>
+            </a:r>
+            <a:r>
+              <a:rPr lang="en-US" dirty="0" err="1" smtClean="0">
+                <a:solidFill>
+                  <a:schemeClr val="bg1">
+                    <a:lumMod val="95000"/>
+                  </a:schemeClr>
+                </a:solidFill>
+              </a:rPr>
+              <a:t>trị</a:t>
+            </a:r>
+            <a:r>
+              <a:rPr lang="en-US" dirty="0" smtClean="0">
+                <a:solidFill>
+                  <a:schemeClr val="bg1">
+                    <a:lumMod val="95000"/>
+                  </a:schemeClr>
+                </a:solidFill>
+              </a:rPr>
+              <a:t> </a:t>
+            </a:r>
+            <a:r>
+              <a:rPr lang="en-US" dirty="0" err="1" smtClean="0">
+                <a:solidFill>
+                  <a:schemeClr val="bg1">
+                    <a:lumMod val="95000"/>
+                  </a:schemeClr>
+                </a:solidFill>
+              </a:rPr>
+              <a:t>xuất</a:t>
+            </a:r>
+            <a:r>
+              <a:rPr lang="en-US" dirty="0" smtClean="0">
+                <a:solidFill>
+                  <a:schemeClr val="bg1">
+                    <a:lumMod val="95000"/>
+                  </a:schemeClr>
+                </a:solidFill>
+              </a:rPr>
+              <a:t> </a:t>
+            </a:r>
+            <a:r>
+              <a:rPr lang="en-US" dirty="0" err="1" smtClean="0">
+                <a:solidFill>
+                  <a:schemeClr val="bg1">
+                    <a:lumMod val="95000"/>
+                  </a:schemeClr>
+                </a:solidFill>
+              </a:rPr>
+              <a:t>hiện</a:t>
+            </a:r>
+            <a:r>
+              <a:rPr lang="en-US" dirty="0" smtClean="0">
+                <a:solidFill>
+                  <a:schemeClr val="bg1">
+                    <a:lumMod val="95000"/>
+                  </a:schemeClr>
+                </a:solidFill>
+              </a:rPr>
+              <a:t> </a:t>
+            </a:r>
+            <a:r>
+              <a:rPr lang="en-US" dirty="0" err="1" smtClean="0">
+                <a:solidFill>
+                  <a:schemeClr val="bg1">
+                    <a:lumMod val="95000"/>
+                  </a:schemeClr>
+                </a:solidFill>
+              </a:rPr>
+              <a:t>nhiều</a:t>
+            </a:r>
+            <a:r>
+              <a:rPr lang="en-US" dirty="0" smtClean="0">
+                <a:solidFill>
+                  <a:schemeClr val="bg1">
+                    <a:lumMod val="95000"/>
+                  </a:schemeClr>
+                </a:solidFill>
+              </a:rPr>
+              <a:t> </a:t>
+            </a:r>
+            <a:r>
+              <a:rPr lang="en-US" dirty="0" err="1" smtClean="0">
+                <a:solidFill>
+                  <a:schemeClr val="bg1">
+                    <a:lumMod val="95000"/>
+                  </a:schemeClr>
+                </a:solidFill>
+              </a:rPr>
+              <a:t>nhất</a:t>
+            </a:r>
+            <a:r>
+              <a:rPr lang="en-US" dirty="0" smtClean="0">
+                <a:solidFill>
+                  <a:schemeClr val="bg1">
+                    <a:lumMod val="95000"/>
+                  </a:schemeClr>
+                </a:solidFill>
+              </a:rPr>
+              <a:t>.</a:t>
+            </a:r>
+          </a:p>
+          <a:p>
+            <a:pPr marL="285750" indent="-285750">
+              <a:buFontTx/>
+              <a:buChar char="-"/>
+            </a:pPr>
+            <a:endParaRPr lang="en-US" dirty="0" smtClean="0">
+              <a:solidFill>
+                <a:schemeClr val="bg1">
+                  <a:lumMod val="95000"/>
+                </a:schemeClr>
+              </a:solidFill>
+            </a:endParaRPr>
+          </a:p>
+        </p:txBody>
+      </p:sp>
+      <p:sp>
+        <p:nvSpPr>
+          <p:cNvPr id="6" name="TextBox 5"/>
+          <p:cNvSpPr txBox="1"/>
+          <p:nvPr/>
+        </p:nvSpPr>
+        <p:spPr>
+          <a:xfrm>
+            <a:off x="854015" y="388189"/>
+            <a:ext cx="3614468" cy="523220"/>
+          </a:xfrm>
+          <a:prstGeom prst="rect">
+            <a:avLst/>
+          </a:prstGeom>
+          <a:noFill/>
+        </p:spPr>
+        <p:txBody>
+          <a:bodyPr wrap="square" rtlCol="0">
+            <a:spAutoFit/>
+          </a:bodyPr>
+          <a:lstStyle/>
+          <a:p>
+            <a:r>
+              <a:rPr lang="en-US" sz="2800" dirty="0" err="1" smtClean="0">
+                <a:solidFill>
+                  <a:schemeClr val="bg1">
+                    <a:lumMod val="95000"/>
+                  </a:schemeClr>
+                </a:solidFill>
+              </a:rPr>
+              <a:t>Xử</a:t>
+            </a:r>
+            <a:r>
+              <a:rPr lang="en-US" sz="2800" dirty="0" smtClean="0">
+                <a:solidFill>
+                  <a:schemeClr val="bg1">
+                    <a:lumMod val="95000"/>
+                  </a:schemeClr>
+                </a:solidFill>
+              </a:rPr>
+              <a:t> </a:t>
+            </a:r>
+            <a:r>
+              <a:rPr lang="en-US" sz="2800" dirty="0" err="1" smtClean="0">
+                <a:solidFill>
+                  <a:schemeClr val="bg1">
+                    <a:lumMod val="95000"/>
+                  </a:schemeClr>
+                </a:solidFill>
+              </a:rPr>
+              <a:t>lý</a:t>
+            </a:r>
+            <a:r>
+              <a:rPr lang="en-US" sz="2800" dirty="0" smtClean="0">
+                <a:solidFill>
+                  <a:schemeClr val="bg1">
+                    <a:lumMod val="95000"/>
+                  </a:schemeClr>
+                </a:solidFill>
+              </a:rPr>
+              <a:t> NULL</a:t>
+            </a:r>
+            <a:endParaRPr lang="en-US" sz="2800" dirty="0">
+              <a:solidFill>
+                <a:schemeClr val="bg1">
+                  <a:lumMod val="95000"/>
+                </a:schemeClr>
+              </a:solidFill>
+            </a:endParaRPr>
+          </a:p>
+        </p:txBody>
+      </p:sp>
+    </p:spTree>
+    <p:extLst>
+      <p:ext uri="{BB962C8B-B14F-4D97-AF65-F5344CB8AC3E}">
+        <p14:creationId xmlns:p14="http://schemas.microsoft.com/office/powerpoint/2010/main" val="1153814225"/>
+      </p:ext>
+    </p:extLst>
+  </p:cSld>
+  <p:clrMapOvr>
+    <a:masterClrMapping/>
+  </p:clrMapOvr>
+</p:sld>
+</file>
+
 <file path=ppt/slides/slide2.xml><?xml version="1.0" encoding="utf-8"?>
 <p:sld xmlns:a="http://schemas.openxmlformats.org/drawingml/2006/main" xmlns:r="http://schemas.openxmlformats.org/officeDocument/2006/relationships" xmlns:p="http://schemas.openxmlformats.org/presentationml/2006/main">
   <p:cSld>
@@ -17268,7 +22218,7 @@
         <p:spPr>
           <a:xfrm>
             <a:off x="462073" y="1219200"/>
-            <a:ext cx="11106471" cy="3785652"/>
+            <a:ext cx="11106471" cy="4154984"/>
           </a:xfrm>
           <a:prstGeom prst="rect">
             <a:avLst/>
@@ -17429,90 +22379,278 @@
             </a:r>
             <a:r>
               <a:rPr lang="en-US" sz="2400" dirty="0" smtClean="0"/>
-              <a:t>. (</a:t>
-            </a:r>
-            <a:r>
-              <a:rPr lang="en-US" sz="2400" dirty="0" err="1" smtClean="0"/>
+              <a:t>. </a:t>
+            </a:r>
+            <a:r>
+              <a:rPr lang="en-US" sz="2400" dirty="0" err="1" smtClean="0">
+                <a:solidFill>
+                  <a:schemeClr val="tx1"/>
+                </a:solidFill>
+              </a:rPr>
+              <a:t>Có</a:t>
+            </a:r>
+            <a:r>
+              <a:rPr lang="en-US" sz="2400" dirty="0" smtClean="0">
+                <a:solidFill>
+                  <a:schemeClr val="tx1"/>
+                </a:solidFill>
+              </a:rPr>
+              <a:t> </a:t>
+            </a:r>
+            <a:r>
+              <a:rPr lang="en-US" sz="2400" dirty="0" err="1">
+                <a:solidFill>
+                  <a:schemeClr val="tx1"/>
+                </a:solidFill>
+              </a:rPr>
+              <a:t>thể</a:t>
+            </a:r>
+            <a:r>
+              <a:rPr lang="en-US" sz="2400" dirty="0">
+                <a:solidFill>
+                  <a:schemeClr val="tx1"/>
+                </a:solidFill>
+              </a:rPr>
+              <a:t> </a:t>
+            </a:r>
+            <a:r>
+              <a:rPr lang="en-US" sz="2400" dirty="0" err="1">
+                <a:solidFill>
+                  <a:schemeClr val="tx1"/>
+                </a:solidFill>
+              </a:rPr>
+              <a:t>chọn</a:t>
+            </a:r>
+            <a:r>
+              <a:rPr lang="en-US" sz="2400" dirty="0">
+                <a:solidFill>
+                  <a:schemeClr val="tx1"/>
+                </a:solidFill>
+              </a:rPr>
+              <a:t> </a:t>
+            </a:r>
+            <a:r>
+              <a:rPr lang="en-US" sz="2400" dirty="0" err="1">
+                <a:solidFill>
+                  <a:schemeClr val="tx1"/>
+                </a:solidFill>
+              </a:rPr>
+              <a:t>bằng</a:t>
+            </a:r>
+            <a:r>
+              <a:rPr lang="en-US" sz="2400" dirty="0">
+                <a:solidFill>
+                  <a:schemeClr val="tx1"/>
+                </a:solidFill>
+              </a:rPr>
+              <a:t> </a:t>
+            </a:r>
+            <a:r>
+              <a:rPr lang="en-US" sz="2400" dirty="0" err="1">
+                <a:solidFill>
+                  <a:schemeClr val="tx1"/>
+                </a:solidFill>
+              </a:rPr>
+              <a:t>cách</a:t>
+            </a:r>
+            <a:r>
+              <a:rPr lang="en-US" sz="2400" dirty="0">
+                <a:solidFill>
+                  <a:schemeClr val="tx1"/>
+                </a:solidFill>
+              </a:rPr>
+              <a:t> </a:t>
+            </a:r>
+            <a:r>
+              <a:rPr lang="en-US" sz="2400" dirty="0" err="1">
+                <a:solidFill>
+                  <a:schemeClr val="tx1"/>
+                </a:solidFill>
+              </a:rPr>
+              <a:t>lấy</a:t>
+            </a:r>
+            <a:r>
+              <a:rPr lang="en-US" sz="2400" dirty="0">
+                <a:solidFill>
+                  <a:schemeClr val="tx1"/>
+                </a:solidFill>
+              </a:rPr>
+              <a:t> </a:t>
+            </a:r>
+            <a:r>
+              <a:rPr lang="en-US" sz="2400" dirty="0" err="1">
+                <a:solidFill>
+                  <a:schemeClr val="tx1"/>
+                </a:solidFill>
+              </a:rPr>
+              <a:t>căn</a:t>
+            </a:r>
+            <a:r>
+              <a:rPr lang="en-US" sz="2400" dirty="0">
+                <a:solidFill>
+                  <a:schemeClr val="tx1"/>
+                </a:solidFill>
+              </a:rPr>
+              <a:t> </a:t>
+            </a:r>
+            <a:r>
+              <a:rPr lang="en-US" sz="2400" dirty="0" err="1">
+                <a:solidFill>
+                  <a:schemeClr val="tx1"/>
+                </a:solidFill>
+              </a:rPr>
+              <a:t>bậc</a:t>
+            </a:r>
+            <a:r>
+              <a:rPr lang="en-US" sz="2400" dirty="0">
+                <a:solidFill>
+                  <a:schemeClr val="tx1"/>
+                </a:solidFill>
+              </a:rPr>
+              <a:t> 2 </a:t>
+            </a:r>
+            <a:r>
+              <a:rPr lang="en-US" sz="2400" dirty="0" err="1">
+                <a:solidFill>
+                  <a:schemeClr val="tx1"/>
+                </a:solidFill>
+              </a:rPr>
+              <a:t>của</a:t>
+            </a:r>
+            <a:r>
+              <a:rPr lang="en-US" sz="2400" dirty="0">
+                <a:solidFill>
+                  <a:schemeClr val="tx1"/>
+                </a:solidFill>
+              </a:rPr>
+              <a:t> </a:t>
+            </a:r>
+            <a:r>
+              <a:rPr lang="en-US" sz="2400" dirty="0" err="1">
+                <a:solidFill>
+                  <a:schemeClr val="tx1"/>
+                </a:solidFill>
+              </a:rPr>
+              <a:t>dữ</a:t>
+            </a:r>
+            <a:r>
+              <a:rPr lang="en-US" sz="2400" dirty="0">
+                <a:solidFill>
+                  <a:schemeClr val="tx1"/>
+                </a:solidFill>
+              </a:rPr>
+              <a:t> </a:t>
+            </a:r>
+            <a:r>
+              <a:rPr lang="en-US" sz="2400" dirty="0" err="1">
+                <a:solidFill>
+                  <a:schemeClr val="tx1"/>
+                </a:solidFill>
+              </a:rPr>
+              <a:t>liệu</a:t>
+            </a:r>
+            <a:r>
+              <a:rPr lang="en-US" sz="2400" dirty="0">
+                <a:solidFill>
+                  <a:schemeClr val="tx1"/>
+                </a:solidFill>
+              </a:rPr>
+              <a:t> ta </a:t>
+            </a:r>
+            <a:r>
+              <a:rPr lang="en-US" sz="2400" dirty="0" err="1" smtClean="0">
+                <a:solidFill>
+                  <a:schemeClr val="tx1"/>
+                </a:solidFill>
+              </a:rPr>
+              <a:t>xét</a:t>
+            </a:r>
+            <a:r>
+              <a:rPr lang="en-US" sz="2400" dirty="0"/>
+              <a:t> (</a:t>
+            </a:r>
+            <a:r>
+              <a:rPr lang="en-US" sz="2400" dirty="0" err="1"/>
               <a:t>Nếu</a:t>
             </a:r>
             <a:r>
-              <a:rPr lang="en-US" sz="2400" dirty="0" smtClean="0"/>
-              <a:t> </a:t>
-            </a:r>
-            <a:r>
-              <a:rPr lang="en-US" sz="2400" dirty="0" err="1" smtClean="0"/>
+              <a:rPr lang="en-US" sz="2400" dirty="0"/>
+              <a:t> </a:t>
+            </a:r>
+            <a:r>
+              <a:rPr lang="en-US" sz="2400" dirty="0" err="1"/>
               <a:t>số</a:t>
             </a:r>
             <a:r>
-              <a:rPr lang="en-US" sz="2400" dirty="0" smtClean="0"/>
-              <a:t> </a:t>
-            </a:r>
-            <a:r>
-              <a:rPr lang="en-US" sz="2400" dirty="0" err="1" smtClean="0"/>
+              <a:rPr lang="en-US" sz="2400" dirty="0"/>
+              <a:t> </a:t>
+            </a:r>
+            <a:r>
+              <a:rPr lang="en-US" sz="2400" dirty="0" err="1"/>
               <a:t>dự</a:t>
             </a:r>
             <a:r>
-              <a:rPr lang="en-US" sz="2400" dirty="0" smtClean="0"/>
-              <a:t> </a:t>
-            </a:r>
-            <a:r>
-              <a:rPr lang="en-US" sz="2400" dirty="0" err="1" smtClean="0"/>
+              <a:rPr lang="en-US" sz="2400" dirty="0"/>
+              <a:t> </a:t>
+            </a:r>
+            <a:r>
+              <a:rPr lang="en-US" sz="2400" dirty="0" err="1"/>
               <a:t>đoán</a:t>
             </a:r>
             <a:r>
-              <a:rPr lang="en-US" sz="2400" dirty="0" smtClean="0"/>
-              <a:t> </a:t>
-            </a:r>
-            <a:r>
-              <a:rPr lang="en-US" sz="2400" dirty="0" err="1" smtClean="0"/>
+              <a:rPr lang="en-US" sz="2400" dirty="0"/>
+              <a:t> </a:t>
+            </a:r>
+            <a:r>
+              <a:rPr lang="en-US" sz="2400" dirty="0" err="1"/>
               <a:t>là</a:t>
             </a:r>
             <a:r>
-              <a:rPr lang="en-US" sz="2400" dirty="0" smtClean="0"/>
-              <a:t> </a:t>
-            </a:r>
-            <a:r>
-              <a:rPr lang="en-US" sz="2400" dirty="0" err="1" smtClean="0"/>
+              <a:rPr lang="en-US" sz="2400" dirty="0"/>
+              <a:t> </a:t>
+            </a:r>
+            <a:r>
+              <a:rPr lang="en-US" sz="2400" dirty="0" err="1"/>
               <a:t>chẵn</a:t>
             </a:r>
             <a:r>
-              <a:rPr lang="en-US" sz="2400" dirty="0" smtClean="0"/>
-              <a:t> </a:t>
-            </a:r>
-            <a:r>
-              <a:rPr lang="en-US" sz="2400" dirty="0" err="1" smtClean="0"/>
+              <a:rPr lang="en-US" sz="2400" dirty="0"/>
+              <a:t> </a:t>
+            </a:r>
+            <a:r>
+              <a:rPr lang="en-US" sz="2400" dirty="0" err="1"/>
               <a:t>là</a:t>
             </a:r>
             <a:r>
-              <a:rPr lang="en-US" sz="2400" dirty="0" smtClean="0"/>
-              <a:t> </a:t>
-            </a:r>
-            <a:r>
-              <a:rPr lang="en-US" sz="2400" dirty="0" err="1" smtClean="0"/>
+              <a:rPr lang="en-US" sz="2400" dirty="0"/>
+              <a:t> </a:t>
+            </a:r>
+            <a:r>
+              <a:rPr lang="en-US" sz="2400" dirty="0" err="1"/>
               <a:t>nên</a:t>
             </a:r>
             <a:r>
-              <a:rPr lang="en-US" sz="2400" dirty="0" smtClean="0"/>
-              <a:t> </a:t>
-            </a:r>
-            <a:r>
-              <a:rPr lang="en-US" sz="2400" dirty="0" err="1" smtClean="0"/>
+              <a:rPr lang="en-US" sz="2400" dirty="0"/>
+              <a:t> </a:t>
+            </a:r>
+            <a:r>
+              <a:rPr lang="en-US" sz="2400" dirty="0" err="1"/>
               <a:t>chọn</a:t>
             </a:r>
             <a:r>
-              <a:rPr lang="en-US" sz="2400" dirty="0" smtClean="0"/>
+              <a:rPr lang="en-US" sz="2400" dirty="0"/>
               <a:t> K </a:t>
             </a:r>
             <a:r>
-              <a:rPr lang="en-US" sz="2400" dirty="0" err="1" smtClean="0"/>
+              <a:rPr lang="en-US" sz="2400" dirty="0" err="1"/>
               <a:t>lẻ</a:t>
             </a:r>
             <a:r>
-              <a:rPr lang="en-US" sz="2400" dirty="0" smtClean="0"/>
-              <a:t> </a:t>
-            </a:r>
-            <a:r>
-              <a:rPr lang="en-US" sz="2400" dirty="0" err="1" smtClean="0"/>
+              <a:rPr lang="en-US" sz="2400" dirty="0"/>
+              <a:t> </a:t>
+            </a:r>
+            <a:r>
+              <a:rPr lang="en-US" sz="2400" dirty="0" err="1"/>
               <a:t>và</a:t>
             </a:r>
             <a:r>
@@ -17520,21 +22658,30 @@
               <a:t> </a:t>
             </a:r>
             <a:r>
-              <a:rPr lang="en-US" sz="2400" dirty="0" err="1" smtClean="0"/>
+              <a:rPr lang="en-US" sz="2400" dirty="0" err="1"/>
               <a:t>ngược</a:t>
             </a:r>
             <a:r>
-              <a:rPr lang="en-US" sz="2400" dirty="0" smtClean="0"/>
-              <a:t> </a:t>
-            </a:r>
-            <a:r>
-              <a:rPr lang="en-US" sz="2400" dirty="0" err="1" smtClean="0"/>
+              <a:rPr lang="en-US" sz="2400" dirty="0"/>
+              <a:t> </a:t>
+            </a:r>
+            <a:r>
+              <a:rPr lang="en-US" sz="2400" dirty="0" err="1"/>
               <a:t>lại</a:t>
             </a:r>
             <a:r>
               <a:rPr lang="en-US" sz="2400" dirty="0" smtClean="0"/>
               <a:t>)</a:t>
             </a:r>
+            <a:r>
+              <a:rPr lang="en-US" sz="2400" dirty="0" smtClean="0">
+                <a:solidFill>
+                  <a:schemeClr val="tx1"/>
+                </a:solidFill>
+              </a:rPr>
+              <a:t>.</a:t>
+            </a:r>
+            <a:endParaRPr lang="en-US" sz="2400" dirty="0" smtClean="0"/>
           </a:p>
           <a:p>
             <a:pPr marL="285750" indent="-285750">
@@ -18054,8 +23201,8 @@
         </p:nvSpPr>
         <p:spPr>
           <a:xfrm>
-            <a:off x="517891" y="1083900"/>
-            <a:ext cx="8650385" cy="3046988"/>
+            <a:off x="517890" y="790602"/>
+            <a:ext cx="8650385" cy="3416320"/>
           </a:xfrm>
           <a:prstGeom prst="rect">
             <a:avLst/>
@@ -18940,9 +24087,12 @@
               </a:rPr>
               <a:t>.</a:t>
             </a:r>
+          </a:p>
+          <a:p>
+            <a:pPr algn="just"/>
             <a:endParaRPr lang="en-US" sz="2400" dirty="0">
               <a:solidFill>
-                <a:srgbClr val="BB13BF"/>
+                <a:schemeClr val="tx1"/>
               </a:solidFill>
             </a:endParaRPr>
           </a:p>
@@ -20377,8 +25527,8 @@
           </a:p>
         </p:txBody>
       </p:sp>
-      <mc:AlternateContent xmlns:mc="http://schemas.openxmlformats.org/markup-compatibility/2006" xmlns:a14="http://schemas.microsoft.com/office/drawing/2010/main">
-        <mc:Choice Requires="a14">
+      <mc:AlternateContent xmlns:mc="http://schemas.openxmlformats.org/markup-compatibility/2006">
+        <mc:Choice xmlns:a14="http://schemas.microsoft.com/office/drawing/2010/main" Requires="a14">
           <p:sp>
             <p:nvSpPr>
               <p:cNvPr id="4" name="TextBox 3"/>
@@ -20388,7 +25538,7 @@
             <p:spPr>
               <a:xfrm>
                 <a:off x="145655" y="1815349"/>
-                <a:ext cx="7533685" cy="434414"/>
+                <a:ext cx="7533685" cy="742191"/>
               </a:xfrm>
               <a:prstGeom prst="rect">
                 <a:avLst/>
@@ -20654,12 +25804,79 @@
                     </m:sSup>
                   </m:oMath>
                 </a14:m>
+                <a:endParaRPr lang="en-US" sz="2000" dirty="0" smtClean="0"/>
+              </a:p>
+              <a:p>
+                <a:r>
+                  <a:rPr lang="en-US" sz="2000" dirty="0" err="1" smtClean="0"/>
+                  <a:t>Khoảng</a:t>
+                </a:r>
+                <a:r>
+                  <a:rPr lang="en-US" sz="2000" dirty="0" smtClean="0"/>
+                  <a:t> </a:t>
+                </a:r>
+                <a:r>
+                  <a:rPr lang="en-US" sz="2000" dirty="0" err="1" smtClean="0"/>
+                  <a:t>cách</a:t>
+                </a:r>
+                <a:r>
+                  <a:rPr lang="en-US" sz="2000" dirty="0" smtClean="0"/>
+                  <a:t> </a:t>
+                </a:r>
+                <a:r>
+                  <a:rPr lang="en-US" sz="2000" dirty="0" err="1" smtClean="0"/>
+                  <a:t>tính</a:t>
+                </a:r>
+                <a:r>
+                  <a:rPr lang="en-US" sz="2000" dirty="0" smtClean="0"/>
+                  <a:t> </a:t>
+                </a:r>
+                <a:r>
+                  <a:rPr lang="en-US" sz="2000" dirty="0" err="1" smtClean="0"/>
+                  <a:t>theo</a:t>
+                </a:r>
+                <a:r>
+                  <a:rPr lang="en-US" sz="2000" dirty="0" smtClean="0"/>
+                  <a:t> </a:t>
+                </a:r>
+                <a:r>
+                  <a:rPr lang="en-US" sz="2000" dirty="0" err="1" smtClean="0"/>
+                  <a:t>đường</a:t>
+                </a:r>
+                <a:r>
+                  <a:rPr lang="en-US" sz="2000" dirty="0" smtClean="0"/>
+                  <a:t> </a:t>
+                </a:r>
+                <a:r>
+                  <a:rPr lang="en-US" sz="2000" dirty="0" err="1" smtClean="0"/>
+                  <a:t>thằng</a:t>
+                </a:r>
+                <a:r>
+                  <a:rPr lang="en-US" sz="2000" dirty="0" smtClean="0"/>
+                  <a:t> </a:t>
+                </a:r>
+                <a:r>
+                  <a:rPr lang="en-US" sz="2000" dirty="0" err="1" smtClean="0"/>
+                  <a:t>đường</a:t>
+                </a:r>
+                <a:r>
+                  <a:rPr lang="en-US" sz="2000" dirty="0" smtClean="0"/>
+                  <a:t> </a:t>
+                </a:r>
+                <a:r>
+                  <a:rPr lang="en-US" sz="2000" dirty="0" err="1" smtClean="0"/>
+                  <a:t>chim</a:t>
+                </a:r>
+                <a:r>
+                  <a:rPr lang="en-US" sz="2000" dirty="0" smtClean="0"/>
+                  <a:t> bay</a:t>
+                </a:r>
                 <a:endParaRPr lang="en-US" sz="2000" dirty="0"/>
               </a:p>
             </p:txBody>
           </p:sp>
         </mc:Choice>
-        <mc:Fallback xmlns="">
+        <mc:Fallback>
           <p:sp>
             <p:nvSpPr>
               <p:cNvPr id="4" name="TextBox 3"/>
@@ -20671,7 +25888,7 @@
             <p:spPr>
               <a:xfrm>
                 <a:off x="145655" y="1815349"/>
-                <a:ext cx="7533685" cy="434414"/>
+                <a:ext cx="7533685" cy="742191"/>
               </a:xfrm>
               <a:prstGeom prst="rect">
                 <a:avLst/>
@@ -20679,7 +25896,7 @@
               <a:blipFill rotWithShape="1">
                 <a:blip r:embed="rId2"/>
                 <a:stretch>
-                  <a:fillRect l="-890" b="-25352"/>
+                  <a:fillRect l="-890" b="-13934"/>
                 </a:stretch>
               </a:blipFill>
             </p:spPr>
@@ -20739,8 +25956,8 @@
           </a:extLst>
         </p:spPr>
       </p:pic>
-      <mc:AlternateContent xmlns:mc="http://schemas.openxmlformats.org/markup-compatibility/2006" xmlns:a14="http://schemas.microsoft.com/office/drawing/2010/main">
-        <mc:Choice Requires="a14">
+      <mc:AlternateContent xmlns:mc="http://schemas.openxmlformats.org/markup-compatibility/2006">
+        <mc:Choice xmlns:a14="http://schemas.microsoft.com/office/drawing/2010/main" Requires="a14">
           <p:sp>
             <p:nvSpPr>
               <p:cNvPr id="6" name="TextBox 5"/>
@@ -20750,7 +25967,7 @@
             <p:spPr>
               <a:xfrm>
                 <a:off x="242760" y="3951243"/>
-                <a:ext cx="6206591" cy="400110"/>
+                <a:ext cx="6206591" cy="707886"/>
               </a:xfrm>
               <a:prstGeom prst="rect">
                 <a:avLst/>
@@ -20975,12 +26192,75 @@
                     </m:d>
                   </m:oMath>
                 </a14:m>
+                <a:endParaRPr lang="en-US" sz="2000" dirty="0" smtClean="0"/>
+              </a:p>
+              <a:p>
+                <a:r>
+                  <a:rPr lang="en-US" sz="2000" dirty="0" err="1" smtClean="0"/>
+                  <a:t>Khoảng</a:t>
+                </a:r>
+                <a:r>
+                  <a:rPr lang="en-US" sz="2000" dirty="0" smtClean="0"/>
+                  <a:t> </a:t>
+                </a:r>
+                <a:r>
+                  <a:rPr lang="en-US" sz="2000" dirty="0" err="1" smtClean="0"/>
+                  <a:t>cách</a:t>
+                </a:r>
+                <a:r>
+                  <a:rPr lang="en-US" sz="2000" dirty="0" smtClean="0"/>
+                  <a:t> </a:t>
+                </a:r>
+                <a:r>
+                  <a:rPr lang="en-US" sz="2000" dirty="0" err="1" smtClean="0"/>
+                  <a:t>được</a:t>
+                </a:r>
+                <a:r>
+                  <a:rPr lang="en-US" sz="2000" dirty="0" smtClean="0"/>
+                  <a:t> </a:t>
+                </a:r>
+                <a:r>
+                  <a:rPr lang="en-US" sz="2000" dirty="0" err="1" smtClean="0"/>
+                  <a:t>tính</a:t>
+                </a:r>
+                <a:r>
+                  <a:rPr lang="en-US" sz="2000" dirty="0" smtClean="0"/>
+                  <a:t> </a:t>
+                </a:r>
+                <a:r>
+                  <a:rPr lang="en-US" sz="2000" dirty="0" err="1" smtClean="0"/>
+                  <a:t>theo</a:t>
+                </a:r>
+                <a:r>
+                  <a:rPr lang="en-US" sz="2000" dirty="0" smtClean="0"/>
+                  <a:t> </a:t>
+                </a:r>
+                <a:r>
+                  <a:rPr lang="en-US" sz="2000" dirty="0" err="1" smtClean="0"/>
+                  <a:t>hình</a:t>
+                </a:r>
+                <a:r>
+                  <a:rPr lang="en-US" sz="2000" dirty="0" smtClean="0"/>
+                  <a:t> </a:t>
+                </a:r>
+                <a:r>
+                  <a:rPr lang="en-US" sz="2000" dirty="0" err="1" smtClean="0"/>
+                  <a:t>bậc</a:t>
+                </a:r>
+                <a:r>
+                  <a:rPr lang="en-US" sz="2000" dirty="0" smtClean="0"/>
+                  <a:t> </a:t>
+                </a:r>
+                <a:r>
+                  <a:rPr lang="en-US" sz="2000" dirty="0" err="1" smtClean="0"/>
+                  <a:t>thang</a:t>
+                </a:r>
                 <a:endParaRPr lang="en-US" sz="2000" dirty="0"/>
               </a:p>
             </p:txBody>
           </p:sp>
         </mc:Choice>
-        <mc:Fallback xmlns="">
+        <mc:Fallback>
           <p:sp>
             <p:nvSpPr>
               <p:cNvPr id="6" name="TextBox 5"/>
@@ -20992,7 +26272,7 @@
             <p:spPr>
               <a:xfrm>
                 <a:off x="242760" y="3951243"/>
-                <a:ext cx="6206591" cy="400110"/>
+                <a:ext cx="6206591" cy="707886"/>
               </a:xfrm>
               <a:prstGeom prst="rect">
                 <a:avLst/>
@@ -21000,7 +26280,7 @@
               <a:blipFill rotWithShape="1">
                 <a:blip r:embed="rId4"/>
                 <a:stretch>
-                  <a:fillRect l="-1081" t="-6061" b="-27273"/>
+                  <a:fillRect l="-1081" t="-3448" b="-15517"/>
                 </a:stretch>
               </a:blipFill>
             </p:spPr>
